--- a/Progress-Updates.pptx
+++ b/Progress-Updates.pptx
@@ -17,10 +17,12 @@
     <p:sldId id="256" r:id="rId11"/>
     <p:sldId id="260" r:id="rId12"/>
     <p:sldId id="261" r:id="rId13"/>
-    <p:sldId id="265" r:id="rId14"/>
-    <p:sldId id="266" r:id="rId15"/>
-    <p:sldId id="259" r:id="rId16"/>
-    <p:sldId id="268" r:id="rId17"/>
+    <p:sldId id="275" r:id="rId14"/>
+    <p:sldId id="276" r:id="rId15"/>
+    <p:sldId id="265" r:id="rId16"/>
+    <p:sldId id="266" r:id="rId17"/>
+    <p:sldId id="259" r:id="rId18"/>
+    <p:sldId id="268" r:id="rId19"/>
   </p:sldIdLst>
   <p:sldSz cx="12192000" cy="6858000"/>
   <p:notesSz cx="6858000" cy="9144000"/>
@@ -119,6 +121,11 @@
       </a:defRPr>
     </a:lvl9pPr>
   </p:defaultTextStyle>
+  <p:extLst>
+    <p:ext uri="{EFAFB233-063F-42B5-8137-9DF3F51BA10A}">
+      <p15:sldGuideLst xmlns:p15="http://schemas.microsoft.com/office/powerpoint/2012/main"/>
+    </p:ext>
+  </p:extLst>
 </p:presentation>
 </file>
 
@@ -3150,7 +3157,15 @@
                 <a:ea typeface="Arial Unicode MS" panose="020B0604020202020204" pitchFamily="34" charset="-128"/>
                 <a:cs typeface="Arial Unicode MS" panose="020B0604020202020204" pitchFamily="34" charset="-128"/>
               </a:rPr>
-              <a:t>What is QCD?</a:t>
+              <a:t>What is QCD</a:t>
+            </a:r>
+            <a:r>
+              <a:rPr lang="en-US" sz="2800" b="1" dirty="0" smtClean="0">
+                <a:latin typeface="Arial Unicode MS" panose="020B0604020202020204" pitchFamily="34" charset="-128"/>
+                <a:ea typeface="Arial Unicode MS" panose="020B0604020202020204" pitchFamily="34" charset="-128"/>
+                <a:cs typeface="Arial Unicode MS" panose="020B0604020202020204" pitchFamily="34" charset="-128"/>
+              </a:rPr>
+              <a:t>?</a:t>
             </a:r>
             <a:endParaRPr lang="en-IN" sz="2800" b="1" dirty="0">
               <a:latin typeface="Arial Unicode MS" panose="020B0604020202020204" pitchFamily="34" charset="-128"/>
@@ -3277,7 +3292,23 @@
                 <a:ea typeface="Arial Unicode MS" panose="020B0604020202020204" pitchFamily="34" charset="-128"/>
                 <a:cs typeface="Arial Unicode MS" panose="020B0604020202020204" pitchFamily="34" charset="-128"/>
               </a:rPr>
-              <a:t>This results in ‘</a:t>
+              <a:t>This results in ‘asymptotic freedom’ i.e. ↓</a:t>
+            </a:r>
+            <a:r>
+              <a:rPr lang="el-GR" sz="1600" i="1" dirty="0" smtClean="0">
+                <a:latin typeface="Arial Unicode MS" panose="020B0604020202020204" pitchFamily="34" charset="-128"/>
+                <a:ea typeface="Arial Unicode MS" panose="020B0604020202020204" pitchFamily="34" charset="-128"/>
+                <a:cs typeface="Arial Unicode MS" panose="020B0604020202020204" pitchFamily="34" charset="-128"/>
+              </a:rPr>
+              <a:t>α</a:t>
+            </a:r>
+            <a:r>
+              <a:rPr lang="en-US" sz="1600" baseline="-25000" dirty="0" smtClean="0">
+                <a:latin typeface="Arial Unicode MS" panose="020B0604020202020204" pitchFamily="34" charset="-128"/>
+                <a:ea typeface="Arial Unicode MS" panose="020B0604020202020204" pitchFamily="34" charset="-128"/>
+                <a:cs typeface="Arial Unicode MS" panose="020B0604020202020204" pitchFamily="34" charset="-128"/>
+              </a:rPr>
+              <a:t>s</a:t>
             </a:r>
             <a:r>
               <a:rPr lang="en-US" sz="1600" dirty="0" smtClean="0">
@@ -3285,55 +3316,7 @@
                 <a:ea typeface="Arial Unicode MS" panose="020B0604020202020204" pitchFamily="34" charset="-128"/>
                 <a:cs typeface="Arial Unicode MS" panose="020B0604020202020204" pitchFamily="34" charset="-128"/>
               </a:rPr>
-              <a:t>asymptotic freedom’ i.e. </a:t>
-            </a:r>
-            <a:r>
-              <a:rPr lang="en-US" sz="1600" dirty="0" smtClean="0">
-                <a:latin typeface="Arial Unicode MS" panose="020B0604020202020204" pitchFamily="34" charset="-128"/>
-                <a:ea typeface="Arial Unicode MS" panose="020B0604020202020204" pitchFamily="34" charset="-128"/>
-                <a:cs typeface="Arial Unicode MS" panose="020B0604020202020204" pitchFamily="34" charset="-128"/>
-              </a:rPr>
-              <a:t>↓</a:t>
-            </a:r>
-            <a:r>
-              <a:rPr lang="el-GR" sz="1600" i="1" dirty="0" smtClean="0">
-                <a:latin typeface="Arial Unicode MS" panose="020B0604020202020204" pitchFamily="34" charset="-128"/>
-                <a:ea typeface="Arial Unicode MS" panose="020B0604020202020204" pitchFamily="34" charset="-128"/>
-                <a:cs typeface="Arial Unicode MS" panose="020B0604020202020204" pitchFamily="34" charset="-128"/>
-              </a:rPr>
-              <a:t>α</a:t>
-            </a:r>
-            <a:r>
-              <a:rPr lang="en-US" sz="1600" baseline="-25000" dirty="0" smtClean="0">
-                <a:latin typeface="Arial Unicode MS" panose="020B0604020202020204" pitchFamily="34" charset="-128"/>
-                <a:ea typeface="Arial Unicode MS" panose="020B0604020202020204" pitchFamily="34" charset="-128"/>
-                <a:cs typeface="Arial Unicode MS" panose="020B0604020202020204" pitchFamily="34" charset="-128"/>
-              </a:rPr>
-              <a:t>s</a:t>
-            </a:r>
-            <a:r>
-              <a:rPr lang="en-US" sz="1600" dirty="0" smtClean="0">
-                <a:latin typeface="Arial Unicode MS" panose="020B0604020202020204" pitchFamily="34" charset="-128"/>
-                <a:ea typeface="Arial Unicode MS" panose="020B0604020202020204" pitchFamily="34" charset="-128"/>
-                <a:cs typeface="Arial Unicode MS" panose="020B0604020202020204" pitchFamily="34" charset="-128"/>
-              </a:rPr>
-              <a:t> at </a:t>
-            </a:r>
-            <a:r>
-              <a:rPr lang="en-US" sz="1600" dirty="0" smtClean="0">
-                <a:latin typeface="Arial Unicode MS" panose="020B0604020202020204" pitchFamily="34" charset="-128"/>
-                <a:ea typeface="Arial Unicode MS" panose="020B0604020202020204" pitchFamily="34" charset="-128"/>
-                <a:cs typeface="Arial Unicode MS" panose="020B0604020202020204" pitchFamily="34" charset="-128"/>
-              </a:rPr>
-              <a:t>↑</a:t>
-            </a:r>
-            <a:r>
-              <a:rPr lang="en-US" sz="1600" dirty="0" smtClean="0">
-                <a:latin typeface="Arial Unicode MS" panose="020B0604020202020204" pitchFamily="34" charset="-128"/>
-                <a:ea typeface="Arial Unicode MS" panose="020B0604020202020204" pitchFamily="34" charset="-128"/>
-                <a:cs typeface="Arial Unicode MS" panose="020B0604020202020204" pitchFamily="34" charset="-128"/>
-              </a:rPr>
-              <a:t>Q</a:t>
+              <a:t> at ↑Q</a:t>
             </a:r>
           </a:p>
           <a:p>
@@ -3364,23 +3347,7 @@
                 <a:ea typeface="Arial Unicode MS" panose="020B0604020202020204" pitchFamily="34" charset="-128"/>
                 <a:cs typeface="Arial Unicode MS" panose="020B0604020202020204" pitchFamily="34" charset="-128"/>
               </a:rPr>
-              <a:t> </a:t>
-            </a:r>
-            <a:r>
-              <a:rPr lang="en-US" sz="2000" dirty="0" smtClean="0">
-                <a:latin typeface="Arial Unicode MS" panose="020B0604020202020204" pitchFamily="34" charset="-128"/>
-                <a:ea typeface="Arial Unicode MS" panose="020B0604020202020204" pitchFamily="34" charset="-128"/>
-                <a:cs typeface="Arial Unicode MS" panose="020B0604020202020204" pitchFamily="34" charset="-128"/>
-              </a:rPr>
-              <a:t>→ </a:t>
-            </a:r>
-            <a:r>
-              <a:rPr lang="en-US" sz="2000" dirty="0" smtClean="0">
-                <a:latin typeface="Arial Unicode MS" panose="020B0604020202020204" pitchFamily="34" charset="-128"/>
-                <a:ea typeface="Arial Unicode MS" panose="020B0604020202020204" pitchFamily="34" charset="-128"/>
-                <a:cs typeface="Arial Unicode MS" panose="020B0604020202020204" pitchFamily="34" charset="-128"/>
-              </a:rPr>
-              <a:t>q</a:t>
+              <a:t> → q</a:t>
             </a:r>
             <a:r>
               <a:rPr lang="en-IN" sz="2000" dirty="0" smtClean="0">
@@ -3430,15 +3397,7 @@
                 <a:ea typeface="Arial Unicode MS" panose="020B0604020202020204" pitchFamily="34" charset="-128"/>
                 <a:cs typeface="Arial Unicode MS" panose="020B0604020202020204" pitchFamily="34" charset="-128"/>
               </a:rPr>
-              <a:t>≳ 1 GeV) is </a:t>
-            </a:r>
-            <a:r>
-              <a:rPr lang="en-US" sz="1600" dirty="0" smtClean="0">
-                <a:latin typeface="Arial Unicode MS" panose="020B0604020202020204" pitchFamily="34" charset="-128"/>
-                <a:ea typeface="Arial Unicode MS" panose="020B0604020202020204" pitchFamily="34" charset="-128"/>
-                <a:cs typeface="Arial Unicode MS" panose="020B0604020202020204" pitchFamily="34" charset="-128"/>
-              </a:rPr>
-              <a:t>pQCD – </a:t>
+              <a:t>≳ 1 GeV) is pQCD – </a:t>
             </a:r>
             <a:r>
               <a:rPr lang="en-US" sz="1600" dirty="0">
@@ -3496,23 +3455,7 @@
                 <a:ea typeface="Arial Unicode MS" panose="020B0604020202020204" pitchFamily="34" charset="-128"/>
                 <a:cs typeface="Arial Unicode MS" panose="020B0604020202020204" pitchFamily="34" charset="-128"/>
               </a:rPr>
-              <a:t>is </a:t>
-            </a:r>
-            <a:r>
-              <a:rPr lang="en-US" sz="1600" dirty="0" smtClean="0">
-                <a:latin typeface="Arial Unicode MS" panose="020B0604020202020204" pitchFamily="34" charset="-128"/>
-                <a:ea typeface="Arial Unicode MS" panose="020B0604020202020204" pitchFamily="34" charset="-128"/>
-                <a:cs typeface="Arial Unicode MS" panose="020B0604020202020204" pitchFamily="34" charset="-128"/>
-              </a:rPr>
-              <a:t>npQCD – </a:t>
-            </a:r>
-            <a:r>
-              <a:rPr lang="en-US" sz="1600" dirty="0" smtClean="0">
-                <a:latin typeface="Arial Unicode MS" panose="020B0604020202020204" pitchFamily="34" charset="-128"/>
-                <a:ea typeface="Arial Unicode MS" panose="020B0604020202020204" pitchFamily="34" charset="-128"/>
-                <a:cs typeface="Arial Unicode MS" panose="020B0604020202020204" pitchFamily="34" charset="-128"/>
-              </a:rPr>
-              <a:t>hadronisation</a:t>
+              <a:t>is npQCD – hadronisation</a:t>
             </a:r>
             <a:r>
               <a:rPr lang="en-US" sz="1600" dirty="0">
@@ -3666,7 +3609,7 @@
         <p:spPr>
           <a:xfrm>
             <a:off x="206476" y="1064608"/>
-            <a:ext cx="11804610" cy="4351338"/>
+            <a:ext cx="11804610" cy="5609242"/>
           </a:xfrm>
         </p:spPr>
         <p:txBody>
@@ -3701,15 +3644,7 @@
                 <a:ea typeface="Arial Unicode MS" panose="020B0604020202020204" pitchFamily="34" charset="-128"/>
                 <a:cs typeface="Arial Unicode MS" panose="020B0604020202020204" pitchFamily="34" charset="-128"/>
               </a:rPr>
-              <a:t>Quark discovered with 2-jet structure in </a:t>
-            </a:r>
-            <a:r>
-              <a:rPr lang="en-US" sz="1600" dirty="0" smtClean="0">
-                <a:latin typeface="Arial Unicode MS" panose="020B0604020202020204" pitchFamily="34" charset="-128"/>
-                <a:ea typeface="Arial Unicode MS" panose="020B0604020202020204" pitchFamily="34" charset="-128"/>
-                <a:cs typeface="Arial Unicode MS" panose="020B0604020202020204" pitchFamily="34" charset="-128"/>
-              </a:rPr>
-              <a:t>eē collisions at SPEAR at SLAC.</a:t>
+              <a:t>Quark discovered with 2-jet structure in eē collisions at SPEAR at SLAC.</a:t>
             </a:r>
           </a:p>
           <a:p>
@@ -3724,15 +3659,7 @@
                 <a:ea typeface="Arial Unicode MS" panose="020B0604020202020204" pitchFamily="34" charset="-128"/>
                 <a:cs typeface="Arial Unicode MS" panose="020B0604020202020204" pitchFamily="34" charset="-128"/>
               </a:rPr>
-              <a:t>Gluon discovered with 3-jet structure in </a:t>
-            </a:r>
-            <a:r>
-              <a:rPr lang="en-US" sz="1600" dirty="0" smtClean="0">
-                <a:latin typeface="Arial Unicode MS" panose="020B0604020202020204" pitchFamily="34" charset="-128"/>
-                <a:ea typeface="Arial Unicode MS" panose="020B0604020202020204" pitchFamily="34" charset="-128"/>
-                <a:cs typeface="Arial Unicode MS" panose="020B0604020202020204" pitchFamily="34" charset="-128"/>
-              </a:rPr>
-              <a:t>eē collisions at PETRA at DESY.</a:t>
+              <a:t>Gluon discovered with 3-jet structure in eē collisions at PETRA at DESY.</a:t>
             </a:r>
           </a:p>
           <a:p>
@@ -3837,8 +3764,107 @@
                 <a:ea typeface="Arial Unicode MS" panose="020B0604020202020204" pitchFamily="34" charset="-128"/>
                 <a:cs typeface="Arial Unicode MS" panose="020B0604020202020204" pitchFamily="34" charset="-128"/>
               </a:rPr>
-              <a:t>FCCee at Z0</a:t>
-            </a:r>
+              <a:t>FCCee </a:t>
+            </a:r>
+            <a:r>
+              <a:rPr lang="en-US" sz="2000" dirty="0" smtClean="0">
+                <a:latin typeface="Arial Unicode MS" panose="020B0604020202020204" pitchFamily="34" charset="-128"/>
+                <a:ea typeface="Arial Unicode MS" panose="020B0604020202020204" pitchFamily="34" charset="-128"/>
+                <a:cs typeface="Arial Unicode MS" panose="020B0604020202020204" pitchFamily="34" charset="-128"/>
+              </a:rPr>
+              <a:t>will improve over LEP:</a:t>
+            </a:r>
+          </a:p>
+          <a:p>
+            <a:pPr lvl="1">
+              <a:spcAft>
+                <a:spcPts val="600"/>
+              </a:spcAft>
+            </a:pPr>
+            <a:r>
+              <a:rPr lang="en-US" sz="1600" dirty="0" smtClean="0">
+                <a:latin typeface="Arial Unicode MS" panose="020B0604020202020204" pitchFamily="34" charset="-128"/>
+                <a:ea typeface="Arial Unicode MS" panose="020B0604020202020204" pitchFamily="34" charset="-128"/>
+                <a:cs typeface="Arial Unicode MS" panose="020B0604020202020204" pitchFamily="34" charset="-128"/>
+              </a:rPr>
+              <a:t>Overall – Increase</a:t>
+            </a:r>
+            <a:r>
+              <a:rPr lang="en-US" sz="1600" dirty="0" smtClean="0">
+                <a:latin typeface="Arial Unicode MS" panose="020B0604020202020204" pitchFamily="34" charset="-128"/>
+                <a:ea typeface="Arial Unicode MS" panose="020B0604020202020204" pitchFamily="34" charset="-128"/>
+                <a:cs typeface="Arial Unicode MS" panose="020B0604020202020204" pitchFamily="34" charset="-128"/>
+              </a:rPr>
+              <a:t>d statistical samples of 10</a:t>
+            </a:r>
+            <a:r>
+              <a:rPr lang="en-US" sz="1600" baseline="30000" dirty="0" smtClean="0">
+                <a:latin typeface="Arial Unicode MS" panose="020B0604020202020204" pitchFamily="34" charset="-128"/>
+                <a:ea typeface="Arial Unicode MS" panose="020B0604020202020204" pitchFamily="34" charset="-128"/>
+                <a:cs typeface="Arial Unicode MS" panose="020B0604020202020204" pitchFamily="34" charset="-128"/>
+              </a:rPr>
+              <a:t>12</a:t>
+            </a:r>
+            <a:r>
+              <a:rPr lang="en-US" sz="1600" dirty="0" smtClean="0">
+                <a:latin typeface="Arial Unicode MS" panose="020B0604020202020204" pitchFamily="34" charset="-128"/>
+                <a:ea typeface="Arial Unicode MS" panose="020B0604020202020204" pitchFamily="34" charset="-128"/>
+                <a:cs typeface="Arial Unicode MS" panose="020B0604020202020204" pitchFamily="34" charset="-128"/>
+              </a:rPr>
+              <a:t> partons from Z decays and 10</a:t>
+            </a:r>
+            <a:r>
+              <a:rPr lang="en-US" sz="1600" baseline="30000" dirty="0" smtClean="0">
+                <a:latin typeface="Arial Unicode MS" panose="020B0604020202020204" pitchFamily="34" charset="-128"/>
+                <a:ea typeface="Arial Unicode MS" panose="020B0604020202020204" pitchFamily="34" charset="-128"/>
+                <a:cs typeface="Arial Unicode MS" panose="020B0604020202020204" pitchFamily="34" charset="-128"/>
+              </a:rPr>
+              <a:t>7</a:t>
+            </a:r>
+            <a:r>
+              <a:rPr lang="en-US" sz="1600" dirty="0" smtClean="0">
+                <a:latin typeface="Arial Unicode MS" panose="020B0604020202020204" pitchFamily="34" charset="-128"/>
+                <a:ea typeface="Arial Unicode MS" panose="020B0604020202020204" pitchFamily="34" charset="-128"/>
+                <a:cs typeface="Arial Unicode MS" panose="020B0604020202020204" pitchFamily="34" charset="-128"/>
+              </a:rPr>
+              <a:t> partons from W decays.</a:t>
+            </a:r>
+          </a:p>
+          <a:p>
+            <a:pPr lvl="1">
+              <a:spcAft>
+                <a:spcPts val="600"/>
+              </a:spcAft>
+            </a:pPr>
+            <a:r>
+              <a:rPr lang="en-US" sz="1600" dirty="0" smtClean="0">
+                <a:latin typeface="Arial Unicode MS" panose="020B0604020202020204" pitchFamily="34" charset="-128"/>
+                <a:ea typeface="Arial Unicode MS" panose="020B0604020202020204" pitchFamily="34" charset="-128"/>
+                <a:cs typeface="Arial Unicode MS" panose="020B0604020202020204" pitchFamily="34" charset="-128"/>
+              </a:rPr>
+              <a:t>At Z0 – Increased statistical samples by factor of 10</a:t>
+            </a:r>
+            <a:r>
+              <a:rPr lang="en-US" sz="1600" baseline="30000" dirty="0" smtClean="0">
+                <a:latin typeface="Arial Unicode MS" panose="020B0604020202020204" pitchFamily="34" charset="-128"/>
+                <a:ea typeface="Arial Unicode MS" panose="020B0604020202020204" pitchFamily="34" charset="-128"/>
+                <a:cs typeface="Arial Unicode MS" panose="020B0604020202020204" pitchFamily="34" charset="-128"/>
+              </a:rPr>
+              <a:t>5</a:t>
+            </a:r>
+            <a:r>
+              <a:rPr lang="en-US" sz="1600" dirty="0" smtClean="0">
+                <a:latin typeface="Arial Unicode MS" panose="020B0604020202020204" pitchFamily="34" charset="-128"/>
+                <a:ea typeface="Arial Unicode MS" panose="020B0604020202020204" pitchFamily="34" charset="-128"/>
+                <a:cs typeface="Arial Unicode MS" panose="020B0604020202020204" pitchFamily="34" charset="-128"/>
+              </a:rPr>
+              <a:t> thereby decreasing uncertainties by factor of 300.</a:t>
+            </a:r>
+            <a:endParaRPr lang="en-US" sz="1600" dirty="0" smtClean="0">
+              <a:latin typeface="Arial Unicode MS" panose="020B0604020202020204" pitchFamily="34" charset="-128"/>
+              <a:ea typeface="Arial Unicode MS" panose="020B0604020202020204" pitchFamily="34" charset="-128"/>
+              <a:cs typeface="Arial Unicode MS" panose="020B0604020202020204" pitchFamily="34" charset="-128"/>
+            </a:endParaRPr>
           </a:p>
           <a:p>
             <a:pPr lvl="1">
@@ -4218,21 +4244,8 @@
                 <a:ea typeface="Arial Unicode MS" panose="020B0604020202020204" pitchFamily="34" charset="-128"/>
                 <a:cs typeface="Arial Unicode MS" panose="020B0604020202020204" pitchFamily="34" charset="-128"/>
               </a:rPr>
-              <a:t>String method – assumes a colour flux tube connecting q</a:t>
-            </a:r>
-            <a:r>
-              <a:rPr lang="en-US" sz="1200" dirty="0" smtClean="0">
-                <a:latin typeface="Arial Unicode MS" panose="020B0604020202020204" pitchFamily="34" charset="-128"/>
-                <a:ea typeface="Arial Unicode MS" panose="020B0604020202020204" pitchFamily="34" charset="-128"/>
-                <a:cs typeface="Arial Unicode MS" panose="020B0604020202020204" pitchFamily="34" charset="-128"/>
-              </a:rPr>
-              <a:t>q̅ pairs which creates new hadrons when string is stretched far enough to break.</a:t>
-            </a:r>
-            <a:endParaRPr lang="en-US" sz="1200" dirty="0" smtClean="0">
-              <a:latin typeface="Arial Unicode MS" panose="020B0604020202020204" pitchFamily="34" charset="-128"/>
-              <a:ea typeface="Arial Unicode MS" panose="020B0604020202020204" pitchFamily="34" charset="-128"/>
-              <a:cs typeface="Arial Unicode MS" panose="020B0604020202020204" pitchFamily="34" charset="-128"/>
-            </a:endParaRPr>
+              <a:t>String method – assumes a colour flux tube connecting qq̅ pairs which creates new hadrons when string is stretched far enough to break.</a:t>
+            </a:r>
           </a:p>
           <a:p>
             <a:pPr lvl="2">
@@ -4249,21 +4262,8 @@
                 <a:ea typeface="Arial Unicode MS" panose="020B0604020202020204" pitchFamily="34" charset="-128"/>
                 <a:cs typeface="Arial Unicode MS" panose="020B0604020202020204" pitchFamily="34" charset="-128"/>
               </a:rPr>
-              <a:t>Cluster method</a:t>
-            </a:r>
-            <a:r>
-              <a:rPr lang="en-US" sz="1200" dirty="0" smtClean="0">
-                <a:latin typeface="Arial Unicode MS" panose="020B0604020202020204" pitchFamily="34" charset="-128"/>
-                <a:ea typeface="Arial Unicode MS" panose="020B0604020202020204" pitchFamily="34" charset="-128"/>
-                <a:cs typeface="Arial Unicode MS" panose="020B0604020202020204" pitchFamily="34" charset="-128"/>
-              </a:rPr>
-              <a:t> – assumes gluons from pQCD split into qq̅ pairs forming colorless clusters that decay into particles if they have sufficient mass.</a:t>
-            </a:r>
-            <a:endParaRPr lang="en-US" sz="1200" dirty="0" smtClean="0">
-              <a:latin typeface="Arial Unicode MS" panose="020B0604020202020204" pitchFamily="34" charset="-128"/>
-              <a:ea typeface="Arial Unicode MS" panose="020B0604020202020204" pitchFamily="34" charset="-128"/>
-              <a:cs typeface="Arial Unicode MS" panose="020B0604020202020204" pitchFamily="34" charset="-128"/>
-            </a:endParaRPr>
+              <a:t>Cluster method – assumes gluons from pQCD split into qq̅ pairs forming colorless clusters that decay into particles if they have sufficient mass.</a:t>
+            </a:r>
           </a:p>
           <a:p>
             <a:pPr marL="800100" lvl="1" indent="-342900">
@@ -4308,15 +4308,7 @@
                 <a:ea typeface="Arial Unicode MS" panose="020B0604020202020204" pitchFamily="34" charset="-128"/>
                 <a:cs typeface="Arial Unicode MS" panose="020B0604020202020204" pitchFamily="34" charset="-128"/>
               </a:rPr>
-              <a:t>PYTHIA uses LLA parton shower with </a:t>
-            </a:r>
-            <a:r>
-              <a:rPr lang="en-US" sz="2000" dirty="0" smtClean="0">
-                <a:latin typeface="Arial Unicode MS" panose="020B0604020202020204" pitchFamily="34" charset="-128"/>
-                <a:ea typeface="Arial Unicode MS" panose="020B0604020202020204" pitchFamily="34" charset="-128"/>
-                <a:cs typeface="Arial Unicode MS" panose="020B0604020202020204" pitchFamily="34" charset="-128"/>
-              </a:rPr>
-              <a:t>(m</a:t>
+              <a:t>PYTHIA uses LLA parton shower with (m</a:t>
             </a:r>
             <a:r>
               <a:rPr lang="en-US" sz="2000" baseline="-25000" dirty="0" smtClean="0">
@@ -4398,46 +4390,36 @@
       </p:grpSpPr>
       <p:sp>
         <p:nvSpPr>
-          <p:cNvPr id="2" name="Rectangle 1"/>
-          <p:cNvSpPr/>
-          <p:nvPr/>
+          <p:cNvPr id="5" name="Title 4"/>
+          <p:cNvSpPr>
+            <a:spLocks noGrp="1"/>
+          </p:cNvSpPr>
+          <p:nvPr>
+            <p:ph type="title"/>
+          </p:nvPr>
         </p:nvSpPr>
         <p:spPr>
           <a:xfrm>
-            <a:off x="0" y="0"/>
-            <a:ext cx="12192000" cy="6858000"/>
-          </a:xfrm>
-          <a:prstGeom prst="rect">
-            <a:avLst/>
-          </a:prstGeom>
-          <a:solidFill>
-            <a:schemeClr val="accent5">
-              <a:lumMod val="50000"/>
-            </a:schemeClr>
-          </a:solidFill>
-        </p:spPr>
-        <p:style>
-          <a:lnRef idx="2">
-            <a:schemeClr val="accent1">
-              <a:shade val="50000"/>
-            </a:schemeClr>
-          </a:lnRef>
-          <a:fillRef idx="1">
-            <a:schemeClr val="accent1"/>
-          </a:fillRef>
-          <a:effectRef idx="0">
-            <a:schemeClr val="accent1"/>
-          </a:effectRef>
-          <a:fontRef idx="minor">
-            <a:schemeClr val="lt1"/>
-          </a:fontRef>
-        </p:style>
-        <p:txBody>
-          <a:bodyPr rtlCol="0" anchor="ctr"/>
+            <a:off x="206476" y="188780"/>
+            <a:ext cx="5914924" cy="766916"/>
+          </a:xfrm>
+        </p:spPr>
+        <p:txBody>
+          <a:bodyPr>
+            <a:normAutofit/>
+          </a:bodyPr>
           <a:lstStyle/>
           <a:p>
             <a:pPr algn="ctr"/>
-            <a:endParaRPr lang="en-IN">
+            <a:r>
+              <a:rPr lang="en-US" sz="2800" b="1" dirty="0" smtClean="0">
+                <a:latin typeface="Arial Unicode MS" panose="020B0604020202020204" pitchFamily="34" charset="-128"/>
+                <a:ea typeface="Arial Unicode MS" panose="020B0604020202020204" pitchFamily="34" charset="-128"/>
+                <a:cs typeface="Arial Unicode MS" panose="020B0604020202020204" pitchFamily="34" charset="-128"/>
+              </a:rPr>
+              <a:t>LEP (1989-)</a:t>
+            </a:r>
+            <a:endParaRPr lang="en-IN" sz="2800" b="1" dirty="0">
               <a:latin typeface="Arial Unicode MS" panose="020B0604020202020204" pitchFamily="34" charset="-128"/>
               <a:ea typeface="Arial Unicode MS" panose="020B0604020202020204" pitchFamily="34" charset="-128"/>
               <a:cs typeface="Arial Unicode MS" panose="020B0604020202020204" pitchFamily="34" charset="-128"/>
@@ -4447,7 +4429,474 @@
       </p:sp>
       <p:sp>
         <p:nvSpPr>
-          <p:cNvPr id="5" name="Title 3"/>
+          <p:cNvPr id="6" name="Content Placeholder 5"/>
+          <p:cNvSpPr>
+            <a:spLocks noGrp="1"/>
+          </p:cNvSpPr>
+          <p:nvPr>
+            <p:ph idx="1"/>
+          </p:nvPr>
+        </p:nvSpPr>
+        <p:spPr>
+          <a:xfrm>
+            <a:off x="206476" y="1064608"/>
+            <a:ext cx="5914924" cy="5602892"/>
+          </a:xfrm>
+        </p:spPr>
+        <p:txBody>
+          <a:bodyPr>
+            <a:normAutofit/>
+          </a:bodyPr>
+          <a:lstStyle/>
+          <a:p>
+            <a:pPr>
+              <a:spcAft>
+                <a:spcPts val="600"/>
+              </a:spcAft>
+            </a:pPr>
+            <a:r>
+              <a:rPr lang="en-US" sz="2000" dirty="0" smtClean="0">
+                <a:latin typeface="Arial Unicode MS" panose="020B0604020202020204" pitchFamily="34" charset="-128"/>
+                <a:ea typeface="Arial Unicode MS" panose="020B0604020202020204" pitchFamily="34" charset="-128"/>
+                <a:cs typeface="Arial Unicode MS" panose="020B0604020202020204" pitchFamily="34" charset="-128"/>
+              </a:rPr>
+              <a:t>Construction:</a:t>
+            </a:r>
+          </a:p>
+          <a:p>
+            <a:pPr lvl="1">
+              <a:spcAft>
+                <a:spcPts val="600"/>
+              </a:spcAft>
+            </a:pPr>
+            <a:r>
+              <a:rPr lang="en-US" sz="1600" dirty="0" smtClean="0">
+                <a:latin typeface="Arial Unicode MS" panose="020B0604020202020204" pitchFamily="34" charset="-128"/>
+                <a:ea typeface="Arial Unicode MS" panose="020B0604020202020204" pitchFamily="34" charset="-128"/>
+                <a:cs typeface="Arial Unicode MS" panose="020B0604020202020204" pitchFamily="34" charset="-128"/>
+              </a:rPr>
+              <a:t>26.7 km circumference</a:t>
+            </a:r>
+          </a:p>
+          <a:p>
+            <a:pPr lvl="1">
+              <a:spcAft>
+                <a:spcPts val="600"/>
+              </a:spcAft>
+            </a:pPr>
+            <a:r>
+              <a:rPr lang="en-US" sz="1600" dirty="0" smtClean="0">
+                <a:latin typeface="Arial Unicode MS" panose="020B0604020202020204" pitchFamily="34" charset="-128"/>
+                <a:ea typeface="Arial Unicode MS" panose="020B0604020202020204" pitchFamily="34" charset="-128"/>
+                <a:cs typeface="Arial Unicode MS" panose="020B0604020202020204" pitchFamily="34" charset="-128"/>
+              </a:rPr>
+              <a:t>L3, ALEPH, DELPHI, OPAL</a:t>
+            </a:r>
+          </a:p>
+          <a:p>
+            <a:pPr>
+              <a:spcAft>
+                <a:spcPts val="600"/>
+              </a:spcAft>
+            </a:pPr>
+            <a:r>
+              <a:rPr lang="en-US" sz="2000" dirty="0" smtClean="0">
+                <a:latin typeface="Arial Unicode MS" panose="020B0604020202020204" pitchFamily="34" charset="-128"/>
+                <a:ea typeface="Arial Unicode MS" panose="020B0604020202020204" pitchFamily="34" charset="-128"/>
+                <a:cs typeface="Arial Unicode MS" panose="020B0604020202020204" pitchFamily="34" charset="-128"/>
+              </a:rPr>
+              <a:t>Operation </a:t>
+            </a:r>
+            <a:r>
+              <a:rPr lang="en-US" sz="2000" dirty="0">
+                <a:latin typeface="Arial Unicode MS" panose="020B0604020202020204" pitchFamily="34" charset="-128"/>
+                <a:ea typeface="Arial Unicode MS" panose="020B0604020202020204" pitchFamily="34" charset="-128"/>
+                <a:cs typeface="Arial Unicode MS" panose="020B0604020202020204" pitchFamily="34" charset="-128"/>
+              </a:rPr>
+              <a:t>modes:</a:t>
+            </a:r>
+          </a:p>
+          <a:p>
+            <a:pPr lvl="1">
+              <a:spcAft>
+                <a:spcPts val="600"/>
+              </a:spcAft>
+            </a:pPr>
+            <a:r>
+              <a:rPr lang="en-US" sz="1600" dirty="0" smtClean="0">
+                <a:latin typeface="Arial Unicode MS" panose="020B0604020202020204" pitchFamily="34" charset="-128"/>
+                <a:ea typeface="Arial Unicode MS" panose="020B0604020202020204" pitchFamily="34" charset="-128"/>
+                <a:cs typeface="Arial Unicode MS" panose="020B0604020202020204" pitchFamily="34" charset="-128"/>
+              </a:rPr>
+              <a:t>LEPI </a:t>
+            </a:r>
+            <a:r>
+              <a:rPr lang="en-US" sz="1600" dirty="0">
+                <a:latin typeface="Arial Unicode MS" panose="020B0604020202020204" pitchFamily="34" charset="-128"/>
+                <a:ea typeface="Arial Unicode MS" panose="020B0604020202020204" pitchFamily="34" charset="-128"/>
+                <a:cs typeface="Arial Unicode MS" panose="020B0604020202020204" pitchFamily="34" charset="-128"/>
+              </a:rPr>
+              <a:t>√s =</a:t>
+            </a:r>
+            <a:r>
+              <a:rPr lang="en-US" sz="1600" dirty="0" smtClean="0">
+                <a:latin typeface="Arial Unicode MS" panose="020B0604020202020204" pitchFamily="34" charset="-128"/>
+                <a:ea typeface="Arial Unicode MS" panose="020B0604020202020204" pitchFamily="34" charset="-128"/>
+                <a:cs typeface="Arial Unicode MS" panose="020B0604020202020204" pitchFamily="34" charset="-128"/>
+              </a:rPr>
+              <a:t> </a:t>
+            </a:r>
+            <a:r>
+              <a:rPr lang="en-US" sz="1600" dirty="0">
+                <a:latin typeface="Arial Unicode MS" panose="020B0604020202020204" pitchFamily="34" charset="-128"/>
+                <a:ea typeface="Arial Unicode MS" panose="020B0604020202020204" pitchFamily="34" charset="-128"/>
+                <a:cs typeface="Arial Unicode MS" panose="020B0604020202020204" pitchFamily="34" charset="-128"/>
+              </a:rPr>
+              <a:t>91 </a:t>
+            </a:r>
+            <a:r>
+              <a:rPr lang="en-US" sz="1600" dirty="0" smtClean="0">
+                <a:latin typeface="Arial Unicode MS" panose="020B0604020202020204" pitchFamily="34" charset="-128"/>
+                <a:ea typeface="Arial Unicode MS" panose="020B0604020202020204" pitchFamily="34" charset="-128"/>
+                <a:cs typeface="Arial Unicode MS" panose="020B0604020202020204" pitchFamily="34" charset="-128"/>
+              </a:rPr>
+              <a:t>GeV for eē </a:t>
+            </a:r>
+            <a:r>
+              <a:rPr lang="en-US" sz="1600" dirty="0">
+                <a:latin typeface="Arial Unicode MS" panose="020B0604020202020204" pitchFamily="34" charset="-128"/>
+                <a:ea typeface="Arial Unicode MS" panose="020B0604020202020204" pitchFamily="34" charset="-128"/>
+                <a:cs typeface="Arial Unicode MS" panose="020B0604020202020204" pitchFamily="34" charset="-128"/>
+              </a:rPr>
+              <a:t>→ </a:t>
+            </a:r>
+            <a:r>
+              <a:rPr lang="en-US" sz="1600" dirty="0" smtClean="0">
+                <a:latin typeface="Arial Unicode MS" panose="020B0604020202020204" pitchFamily="34" charset="-128"/>
+                <a:ea typeface="Arial Unicode MS" panose="020B0604020202020204" pitchFamily="34" charset="-128"/>
+                <a:cs typeface="Arial Unicode MS" panose="020B0604020202020204" pitchFamily="34" charset="-128"/>
+              </a:rPr>
+              <a:t>Z0</a:t>
+            </a:r>
+            <a:r>
+              <a:rPr lang="en-IN" sz="1600" dirty="0" smtClean="0">
+                <a:latin typeface="Arial Unicode MS" panose="020B0604020202020204" pitchFamily="34" charset="-128"/>
+                <a:ea typeface="Arial Unicode MS" panose="020B0604020202020204" pitchFamily="34" charset="-128"/>
+                <a:cs typeface="Arial Unicode MS" panose="020B0604020202020204" pitchFamily="34" charset="-128"/>
+              </a:rPr>
+              <a:t>̅ </a:t>
+            </a:r>
+            <a:r>
+              <a:rPr lang="en-US" sz="1600" dirty="0">
+                <a:latin typeface="Arial Unicode MS" panose="020B0604020202020204" pitchFamily="34" charset="-128"/>
+                <a:ea typeface="Arial Unicode MS" panose="020B0604020202020204" pitchFamily="34" charset="-128"/>
+                <a:cs typeface="Arial Unicode MS" panose="020B0604020202020204" pitchFamily="34" charset="-128"/>
+              </a:rPr>
+              <a:t>→ </a:t>
+            </a:r>
+            <a:r>
+              <a:rPr lang="en-US" sz="1600" dirty="0" smtClean="0">
+                <a:latin typeface="Arial Unicode MS" panose="020B0604020202020204" pitchFamily="34" charset="-128"/>
+                <a:ea typeface="Arial Unicode MS" panose="020B0604020202020204" pitchFamily="34" charset="-128"/>
+                <a:cs typeface="Arial Unicode MS" panose="020B0604020202020204" pitchFamily="34" charset="-128"/>
+              </a:rPr>
+              <a:t>2f </a:t>
+            </a:r>
+            <a:endParaRPr lang="en-US" sz="1600" dirty="0">
+              <a:latin typeface="Arial Unicode MS" panose="020B0604020202020204" pitchFamily="34" charset="-128"/>
+              <a:ea typeface="Arial Unicode MS" panose="020B0604020202020204" pitchFamily="34" charset="-128"/>
+              <a:cs typeface="Arial Unicode MS" panose="020B0604020202020204" pitchFamily="34" charset="-128"/>
+            </a:endParaRPr>
+          </a:p>
+          <a:p>
+            <a:pPr lvl="1">
+              <a:spcAft>
+                <a:spcPts val="600"/>
+              </a:spcAft>
+            </a:pPr>
+            <a:r>
+              <a:rPr lang="en-US" sz="1600" dirty="0" smtClean="0">
+                <a:latin typeface="Arial Unicode MS" panose="020B0604020202020204" pitchFamily="34" charset="-128"/>
+                <a:ea typeface="Arial Unicode MS" panose="020B0604020202020204" pitchFamily="34" charset="-128"/>
+                <a:cs typeface="Arial Unicode MS" panose="020B0604020202020204" pitchFamily="34" charset="-128"/>
+              </a:rPr>
+              <a:t>LEP1.5 </a:t>
+            </a:r>
+            <a:r>
+              <a:rPr lang="en-US" sz="1600" dirty="0">
+                <a:latin typeface="Arial Unicode MS" panose="020B0604020202020204" pitchFamily="34" charset="-128"/>
+                <a:ea typeface="Arial Unicode MS" panose="020B0604020202020204" pitchFamily="34" charset="-128"/>
+                <a:cs typeface="Arial Unicode MS" panose="020B0604020202020204" pitchFamily="34" charset="-128"/>
+              </a:rPr>
+              <a:t>√s = </a:t>
+            </a:r>
+            <a:r>
+              <a:rPr lang="en-US" sz="1600" dirty="0" smtClean="0">
+                <a:latin typeface="Arial Unicode MS" panose="020B0604020202020204" pitchFamily="34" charset="-128"/>
+                <a:ea typeface="Arial Unicode MS" panose="020B0604020202020204" pitchFamily="34" charset="-128"/>
+                <a:cs typeface="Arial Unicode MS" panose="020B0604020202020204" pitchFamily="34" charset="-128"/>
+              </a:rPr>
+              <a:t>2 × </a:t>
+            </a:r>
+            <a:r>
+              <a:rPr lang="en-US" sz="1600" dirty="0">
+                <a:latin typeface="Arial Unicode MS" panose="020B0604020202020204" pitchFamily="34" charset="-128"/>
+                <a:ea typeface="Arial Unicode MS" panose="020B0604020202020204" pitchFamily="34" charset="-128"/>
+                <a:cs typeface="Arial Unicode MS" panose="020B0604020202020204" pitchFamily="34" charset="-128"/>
+              </a:rPr>
+              <a:t>80.3 </a:t>
+            </a:r>
+            <a:r>
+              <a:rPr lang="en-US" sz="1600" dirty="0" smtClean="0">
+                <a:latin typeface="Arial Unicode MS" panose="020B0604020202020204" pitchFamily="34" charset="-128"/>
+                <a:ea typeface="Arial Unicode MS" panose="020B0604020202020204" pitchFamily="34" charset="-128"/>
+                <a:cs typeface="Arial Unicode MS" panose="020B0604020202020204" pitchFamily="34" charset="-128"/>
+              </a:rPr>
+              <a:t>GeV </a:t>
+            </a:r>
+            <a:r>
+              <a:rPr lang="en-US" sz="1600" dirty="0">
+                <a:latin typeface="Arial Unicode MS" panose="020B0604020202020204" pitchFamily="34" charset="-128"/>
+                <a:ea typeface="Arial Unicode MS" panose="020B0604020202020204" pitchFamily="34" charset="-128"/>
+                <a:cs typeface="Arial Unicode MS" panose="020B0604020202020204" pitchFamily="34" charset="-128"/>
+              </a:rPr>
+              <a:t>for eē → </a:t>
+            </a:r>
+            <a:r>
+              <a:rPr lang="en-US" sz="1600" dirty="0" smtClean="0">
+                <a:latin typeface="Arial Unicode MS" panose="020B0604020202020204" pitchFamily="34" charset="-128"/>
+                <a:ea typeface="Arial Unicode MS" panose="020B0604020202020204" pitchFamily="34" charset="-128"/>
+                <a:cs typeface="Arial Unicode MS" panose="020B0604020202020204" pitchFamily="34" charset="-128"/>
+              </a:rPr>
+              <a:t>WW</a:t>
+            </a:r>
+            <a:r>
+              <a:rPr lang="en-IN" sz="1600" dirty="0" smtClean="0">
+                <a:latin typeface="Arial Unicode MS" panose="020B0604020202020204" pitchFamily="34" charset="-128"/>
+                <a:ea typeface="Arial Unicode MS" panose="020B0604020202020204" pitchFamily="34" charset="-128"/>
+                <a:cs typeface="Arial Unicode MS" panose="020B0604020202020204" pitchFamily="34" charset="-128"/>
+              </a:rPr>
+              <a:t>̅ </a:t>
+            </a:r>
+            <a:r>
+              <a:rPr lang="en-US" sz="1600" dirty="0">
+                <a:latin typeface="Arial Unicode MS" panose="020B0604020202020204" pitchFamily="34" charset="-128"/>
+                <a:ea typeface="Arial Unicode MS" panose="020B0604020202020204" pitchFamily="34" charset="-128"/>
+                <a:cs typeface="Arial Unicode MS" panose="020B0604020202020204" pitchFamily="34" charset="-128"/>
+              </a:rPr>
+              <a:t>→ </a:t>
+            </a:r>
+            <a:r>
+              <a:rPr lang="en-US" sz="1600" dirty="0" smtClean="0">
+                <a:latin typeface="Arial Unicode MS" panose="020B0604020202020204" pitchFamily="34" charset="-128"/>
+                <a:ea typeface="Arial Unicode MS" panose="020B0604020202020204" pitchFamily="34" charset="-128"/>
+                <a:cs typeface="Arial Unicode MS" panose="020B0604020202020204" pitchFamily="34" charset="-128"/>
+              </a:rPr>
+              <a:t>4f </a:t>
+            </a:r>
+            <a:endParaRPr lang="en-US" sz="1600" dirty="0">
+              <a:latin typeface="Arial Unicode MS" panose="020B0604020202020204" pitchFamily="34" charset="-128"/>
+              <a:ea typeface="Arial Unicode MS" panose="020B0604020202020204" pitchFamily="34" charset="-128"/>
+              <a:cs typeface="Arial Unicode MS" panose="020B0604020202020204" pitchFamily="34" charset="-128"/>
+            </a:endParaRPr>
+          </a:p>
+          <a:p>
+            <a:pPr lvl="1">
+              <a:spcAft>
+                <a:spcPts val="600"/>
+              </a:spcAft>
+            </a:pPr>
+            <a:r>
+              <a:rPr lang="en-US" sz="1600" dirty="0" smtClean="0">
+                <a:latin typeface="Arial Unicode MS" panose="020B0604020202020204" pitchFamily="34" charset="-128"/>
+                <a:ea typeface="Arial Unicode MS" panose="020B0604020202020204" pitchFamily="34" charset="-128"/>
+                <a:cs typeface="Arial Unicode MS" panose="020B0604020202020204" pitchFamily="34" charset="-128"/>
+              </a:rPr>
+              <a:t>LEPII </a:t>
+            </a:r>
+            <a:r>
+              <a:rPr lang="en-US" sz="1600" dirty="0">
+                <a:latin typeface="Arial Unicode MS" panose="020B0604020202020204" pitchFamily="34" charset="-128"/>
+                <a:ea typeface="Arial Unicode MS" panose="020B0604020202020204" pitchFamily="34" charset="-128"/>
+                <a:cs typeface="Arial Unicode MS" panose="020B0604020202020204" pitchFamily="34" charset="-128"/>
+              </a:rPr>
+              <a:t>√s = 240 </a:t>
+            </a:r>
+            <a:r>
+              <a:rPr lang="en-US" sz="1600" dirty="0" smtClean="0">
+                <a:latin typeface="Arial Unicode MS" panose="020B0604020202020204" pitchFamily="34" charset="-128"/>
+                <a:ea typeface="Arial Unicode MS" panose="020B0604020202020204" pitchFamily="34" charset="-128"/>
+                <a:cs typeface="Arial Unicode MS" panose="020B0604020202020204" pitchFamily="34" charset="-128"/>
+              </a:rPr>
+              <a:t>GeV for Higgs an SUSY particles</a:t>
+            </a:r>
+            <a:endParaRPr lang="en-US" sz="1600" dirty="0">
+              <a:latin typeface="Arial Unicode MS" panose="020B0604020202020204" pitchFamily="34" charset="-128"/>
+              <a:ea typeface="Arial Unicode MS" panose="020B0604020202020204" pitchFamily="34" charset="-128"/>
+              <a:cs typeface="Arial Unicode MS" panose="020B0604020202020204" pitchFamily="34" charset="-128"/>
+            </a:endParaRPr>
+          </a:p>
+          <a:p>
+            <a:pPr>
+              <a:spcAft>
+                <a:spcPts val="600"/>
+              </a:spcAft>
+            </a:pPr>
+            <a:r>
+              <a:rPr lang="en-US" sz="2000" dirty="0" err="1" smtClean="0">
+                <a:latin typeface="Arial Unicode MS" panose="020B0604020202020204" pitchFamily="34" charset="-128"/>
+                <a:ea typeface="Arial Unicode MS" panose="020B0604020202020204" pitchFamily="34" charset="-128"/>
+                <a:cs typeface="Arial Unicode MS" panose="020B0604020202020204" pitchFamily="34" charset="-128"/>
+              </a:rPr>
+              <a:t>lorem</a:t>
+            </a:r>
+            <a:r>
+              <a:rPr lang="en-US" sz="2000" dirty="0" smtClean="0">
+                <a:latin typeface="Arial Unicode MS" panose="020B0604020202020204" pitchFamily="34" charset="-128"/>
+                <a:ea typeface="Arial Unicode MS" panose="020B0604020202020204" pitchFamily="34" charset="-128"/>
+                <a:cs typeface="Arial Unicode MS" panose="020B0604020202020204" pitchFamily="34" charset="-128"/>
+              </a:rPr>
+              <a:t> </a:t>
+            </a:r>
+            <a:r>
+              <a:rPr lang="en-US" sz="2000" dirty="0" err="1">
+                <a:latin typeface="Arial Unicode MS" panose="020B0604020202020204" pitchFamily="34" charset="-128"/>
+                <a:ea typeface="Arial Unicode MS" panose="020B0604020202020204" pitchFamily="34" charset="-128"/>
+                <a:cs typeface="Arial Unicode MS" panose="020B0604020202020204" pitchFamily="34" charset="-128"/>
+              </a:rPr>
+              <a:t>ipsum</a:t>
+            </a:r>
+            <a:r>
+              <a:rPr lang="en-US" sz="2000" dirty="0">
+                <a:latin typeface="Arial Unicode MS" panose="020B0604020202020204" pitchFamily="34" charset="-128"/>
+                <a:ea typeface="Arial Unicode MS" panose="020B0604020202020204" pitchFamily="34" charset="-128"/>
+                <a:cs typeface="Arial Unicode MS" panose="020B0604020202020204" pitchFamily="34" charset="-128"/>
+              </a:rPr>
+              <a:t> dolor sit </a:t>
+            </a:r>
+            <a:r>
+              <a:rPr lang="en-US" sz="2000" dirty="0" err="1">
+                <a:latin typeface="Arial Unicode MS" panose="020B0604020202020204" pitchFamily="34" charset="-128"/>
+                <a:ea typeface="Arial Unicode MS" panose="020B0604020202020204" pitchFamily="34" charset="-128"/>
+                <a:cs typeface="Arial Unicode MS" panose="020B0604020202020204" pitchFamily="34" charset="-128"/>
+              </a:rPr>
+              <a:t>amet</a:t>
+            </a:r>
+            <a:endParaRPr lang="en-US" sz="2000" dirty="0">
+              <a:latin typeface="Arial Unicode MS" panose="020B0604020202020204" pitchFamily="34" charset="-128"/>
+              <a:ea typeface="Arial Unicode MS" panose="020B0604020202020204" pitchFamily="34" charset="-128"/>
+              <a:cs typeface="Arial Unicode MS" panose="020B0604020202020204" pitchFamily="34" charset="-128"/>
+            </a:endParaRPr>
+          </a:p>
+          <a:p>
+            <a:pPr lvl="1">
+              <a:spcAft>
+                <a:spcPts val="600"/>
+              </a:spcAft>
+            </a:pPr>
+            <a:r>
+              <a:rPr lang="en-US" sz="1600" dirty="0" err="1">
+                <a:latin typeface="Arial Unicode MS" panose="020B0604020202020204" pitchFamily="34" charset="-128"/>
+                <a:ea typeface="Arial Unicode MS" panose="020B0604020202020204" pitchFamily="34" charset="-128"/>
+                <a:cs typeface="Arial Unicode MS" panose="020B0604020202020204" pitchFamily="34" charset="-128"/>
+              </a:rPr>
+              <a:t>lorem</a:t>
+            </a:r>
+            <a:r>
+              <a:rPr lang="en-US" sz="1600" dirty="0">
+                <a:latin typeface="Arial Unicode MS" panose="020B0604020202020204" pitchFamily="34" charset="-128"/>
+                <a:ea typeface="Arial Unicode MS" panose="020B0604020202020204" pitchFamily="34" charset="-128"/>
+                <a:cs typeface="Arial Unicode MS" panose="020B0604020202020204" pitchFamily="34" charset="-128"/>
+              </a:rPr>
+              <a:t> </a:t>
+            </a:r>
+            <a:r>
+              <a:rPr lang="en-US" sz="1600" dirty="0" err="1">
+                <a:latin typeface="Arial Unicode MS" panose="020B0604020202020204" pitchFamily="34" charset="-128"/>
+                <a:ea typeface="Arial Unicode MS" panose="020B0604020202020204" pitchFamily="34" charset="-128"/>
+                <a:cs typeface="Arial Unicode MS" panose="020B0604020202020204" pitchFamily="34" charset="-128"/>
+              </a:rPr>
+              <a:t>ipsum</a:t>
+            </a:r>
+            <a:r>
+              <a:rPr lang="en-US" sz="1600" dirty="0">
+                <a:latin typeface="Arial Unicode MS" panose="020B0604020202020204" pitchFamily="34" charset="-128"/>
+                <a:ea typeface="Arial Unicode MS" panose="020B0604020202020204" pitchFamily="34" charset="-128"/>
+                <a:cs typeface="Arial Unicode MS" panose="020B0604020202020204" pitchFamily="34" charset="-128"/>
+              </a:rPr>
+              <a:t> dolor sit </a:t>
+            </a:r>
+            <a:r>
+              <a:rPr lang="en-US" sz="1600" dirty="0" err="1">
+                <a:latin typeface="Arial Unicode MS" panose="020B0604020202020204" pitchFamily="34" charset="-128"/>
+                <a:ea typeface="Arial Unicode MS" panose="020B0604020202020204" pitchFamily="34" charset="-128"/>
+                <a:cs typeface="Arial Unicode MS" panose="020B0604020202020204" pitchFamily="34" charset="-128"/>
+              </a:rPr>
+              <a:t>amet</a:t>
+            </a:r>
+            <a:endParaRPr lang="en-US" sz="1600" dirty="0">
+              <a:latin typeface="Arial Unicode MS" panose="020B0604020202020204" pitchFamily="34" charset="-128"/>
+              <a:ea typeface="Arial Unicode MS" panose="020B0604020202020204" pitchFamily="34" charset="-128"/>
+              <a:cs typeface="Arial Unicode MS" panose="020B0604020202020204" pitchFamily="34" charset="-128"/>
+            </a:endParaRPr>
+          </a:p>
+          <a:p>
+            <a:pPr lvl="1">
+              <a:spcAft>
+                <a:spcPts val="600"/>
+              </a:spcAft>
+            </a:pPr>
+            <a:r>
+              <a:rPr lang="en-US" sz="1600" dirty="0" err="1">
+                <a:latin typeface="Arial Unicode MS" panose="020B0604020202020204" pitchFamily="34" charset="-128"/>
+                <a:ea typeface="Arial Unicode MS" panose="020B0604020202020204" pitchFamily="34" charset="-128"/>
+                <a:cs typeface="Arial Unicode MS" panose="020B0604020202020204" pitchFamily="34" charset="-128"/>
+              </a:rPr>
+              <a:t>lorem</a:t>
+            </a:r>
+            <a:r>
+              <a:rPr lang="en-US" sz="1600" dirty="0">
+                <a:latin typeface="Arial Unicode MS" panose="020B0604020202020204" pitchFamily="34" charset="-128"/>
+                <a:ea typeface="Arial Unicode MS" panose="020B0604020202020204" pitchFamily="34" charset="-128"/>
+                <a:cs typeface="Arial Unicode MS" panose="020B0604020202020204" pitchFamily="34" charset="-128"/>
+              </a:rPr>
+              <a:t> </a:t>
+            </a:r>
+            <a:r>
+              <a:rPr lang="en-US" sz="1600" dirty="0" err="1">
+                <a:latin typeface="Arial Unicode MS" panose="020B0604020202020204" pitchFamily="34" charset="-128"/>
+                <a:ea typeface="Arial Unicode MS" panose="020B0604020202020204" pitchFamily="34" charset="-128"/>
+                <a:cs typeface="Arial Unicode MS" panose="020B0604020202020204" pitchFamily="34" charset="-128"/>
+              </a:rPr>
+              <a:t>ipsum</a:t>
+            </a:r>
+            <a:r>
+              <a:rPr lang="en-US" sz="1600" dirty="0">
+                <a:latin typeface="Arial Unicode MS" panose="020B0604020202020204" pitchFamily="34" charset="-128"/>
+                <a:ea typeface="Arial Unicode MS" panose="020B0604020202020204" pitchFamily="34" charset="-128"/>
+                <a:cs typeface="Arial Unicode MS" panose="020B0604020202020204" pitchFamily="34" charset="-128"/>
+              </a:rPr>
+              <a:t> dolor sit </a:t>
+            </a:r>
+            <a:r>
+              <a:rPr lang="en-US" sz="1600" dirty="0" err="1" smtClean="0">
+                <a:latin typeface="Arial Unicode MS" panose="020B0604020202020204" pitchFamily="34" charset="-128"/>
+                <a:ea typeface="Arial Unicode MS" panose="020B0604020202020204" pitchFamily="34" charset="-128"/>
+                <a:cs typeface="Arial Unicode MS" panose="020B0604020202020204" pitchFamily="34" charset="-128"/>
+              </a:rPr>
+              <a:t>amet</a:t>
+            </a:r>
+            <a:endParaRPr lang="en-US" sz="1600" dirty="0">
+              <a:latin typeface="Arial Unicode MS" panose="020B0604020202020204" pitchFamily="34" charset="-128"/>
+              <a:ea typeface="Arial Unicode MS" panose="020B0604020202020204" pitchFamily="34" charset="-128"/>
+              <a:cs typeface="Arial Unicode MS" panose="020B0604020202020204" pitchFamily="34" charset="-128"/>
+            </a:endParaRPr>
+          </a:p>
+        </p:txBody>
+      </p:sp>
+      <p:sp>
+        <p:nvSpPr>
+          <p:cNvPr id="9" name="Title 4"/>
           <p:cNvSpPr txBox="1">
             <a:spLocks/>
           </p:cNvSpPr>
@@ -4455,15 +4904,15 @@
         </p:nvSpPr>
         <p:spPr>
           <a:xfrm>
-            <a:off x="831850" y="2781381"/>
-            <a:ext cx="10515600" cy="996869"/>
+            <a:off x="6121400" y="188780"/>
+            <a:ext cx="5889685" cy="766916"/>
           </a:xfrm>
           <a:prstGeom prst="rect">
             <a:avLst/>
           </a:prstGeom>
         </p:spPr>
         <p:txBody>
-          <a:bodyPr vert="horz" lIns="91440" tIns="45720" rIns="91440" bIns="45720" rtlCol="0" anchor="b">
+          <a:bodyPr vert="horz" lIns="91440" tIns="45720" rIns="91440" bIns="45720" rtlCol="0" anchor="ctr">
             <a:normAutofit/>
           </a:bodyPr>
           <a:lstStyle>
@@ -4475,7 +4924,7 @@
                 <a:spcPct val="0"/>
               </a:spcBef>
               <a:buNone/>
-              <a:defRPr sz="6000" kern="1200">
+              <a:defRPr sz="4400" kern="1200">
                 <a:solidFill>
                   <a:schemeClr val="tx1"/>
                 </a:solidFill>
@@ -4488,20 +4937,14 @@
           <a:p>
             <a:pPr algn="ctr"/>
             <a:r>
-              <a:rPr lang="en-US" b="1" dirty="0" smtClean="0">
-                <a:solidFill>
-                  <a:schemeClr val="bg1"/>
-                </a:solidFill>
-                <a:latin typeface="Arial Unicode MS" panose="020B0604020202020204" pitchFamily="34" charset="-128"/>
-                <a:ea typeface="Arial Unicode MS" panose="020B0604020202020204" pitchFamily="34" charset="-128"/>
-                <a:cs typeface="Arial Unicode MS" panose="020B0604020202020204" pitchFamily="34" charset="-128"/>
-              </a:rPr>
-              <a:t>Meeting : 22 November 2024</a:t>
-            </a:r>
-            <a:endParaRPr lang="en-IN" b="1" dirty="0">
-              <a:solidFill>
-                <a:schemeClr val="bg1"/>
-              </a:solidFill>
+              <a:rPr lang="en-US" sz="2800" b="1" dirty="0" smtClean="0">
+                <a:latin typeface="Arial Unicode MS" panose="020B0604020202020204" pitchFamily="34" charset="-128"/>
+                <a:ea typeface="Arial Unicode MS" panose="020B0604020202020204" pitchFamily="34" charset="-128"/>
+                <a:cs typeface="Arial Unicode MS" panose="020B0604020202020204" pitchFamily="34" charset="-128"/>
+              </a:rPr>
+              <a:t>FCCee (2040-)</a:t>
+            </a:r>
+            <a:endParaRPr lang="en-IN" sz="2800" b="1" dirty="0">
               <a:latin typeface="Arial Unicode MS" panose="020B0604020202020204" pitchFamily="34" charset="-128"/>
               <a:ea typeface="Arial Unicode MS" panose="020B0604020202020204" pitchFamily="34" charset="-128"/>
               <a:cs typeface="Arial Unicode MS" panose="020B0604020202020204" pitchFamily="34" charset="-128"/>
@@ -4509,10 +4952,589 @@
           </a:p>
         </p:txBody>
       </p:sp>
+      <p:sp>
+        <p:nvSpPr>
+          <p:cNvPr id="10" name="Content Placeholder 5"/>
+          <p:cNvSpPr txBox="1">
+            <a:spLocks/>
+          </p:cNvSpPr>
+          <p:nvPr/>
+        </p:nvSpPr>
+        <p:spPr>
+          <a:xfrm>
+            <a:off x="6121400" y="1064608"/>
+            <a:ext cx="5914924" cy="5602892"/>
+          </a:xfrm>
+          <a:prstGeom prst="rect">
+            <a:avLst/>
+          </a:prstGeom>
+        </p:spPr>
+        <p:txBody>
+          <a:bodyPr vert="horz" lIns="91440" tIns="45720" rIns="91440" bIns="45720" rtlCol="0">
+            <a:normAutofit/>
+          </a:bodyPr>
+          <a:lstStyle>
+            <a:lvl1pPr marL="228600" indent="-228600" algn="l" defTabSz="914400" rtl="0" eaLnBrk="1" latinLnBrk="0" hangingPunct="1">
+              <a:lnSpc>
+                <a:spcPct val="90000"/>
+              </a:lnSpc>
+              <a:spcBef>
+                <a:spcPts val="1000"/>
+              </a:spcBef>
+              <a:buFont typeface="Arial" panose="020B0604020202020204" pitchFamily="34" charset="0"/>
+              <a:buChar char="•"/>
+              <a:defRPr sz="2800" kern="1200">
+                <a:solidFill>
+                  <a:schemeClr val="tx1"/>
+                </a:solidFill>
+                <a:latin typeface="+mn-lt"/>
+                <a:ea typeface="+mn-ea"/>
+                <a:cs typeface="+mn-cs"/>
+              </a:defRPr>
+            </a:lvl1pPr>
+            <a:lvl2pPr marL="685800" indent="-228600" algn="l" defTabSz="914400" rtl="0" eaLnBrk="1" latinLnBrk="0" hangingPunct="1">
+              <a:lnSpc>
+                <a:spcPct val="90000"/>
+              </a:lnSpc>
+              <a:spcBef>
+                <a:spcPts val="500"/>
+              </a:spcBef>
+              <a:buFont typeface="Arial" panose="020B0604020202020204" pitchFamily="34" charset="0"/>
+              <a:buChar char="•"/>
+              <a:defRPr sz="2400" kern="1200">
+                <a:solidFill>
+                  <a:schemeClr val="tx1"/>
+                </a:solidFill>
+                <a:latin typeface="+mn-lt"/>
+                <a:ea typeface="+mn-ea"/>
+                <a:cs typeface="+mn-cs"/>
+              </a:defRPr>
+            </a:lvl2pPr>
+            <a:lvl3pPr marL="1143000" indent="-228600" algn="l" defTabSz="914400" rtl="0" eaLnBrk="1" latinLnBrk="0" hangingPunct="1">
+              <a:lnSpc>
+                <a:spcPct val="90000"/>
+              </a:lnSpc>
+              <a:spcBef>
+                <a:spcPts val="500"/>
+              </a:spcBef>
+              <a:buFont typeface="Arial" panose="020B0604020202020204" pitchFamily="34" charset="0"/>
+              <a:buChar char="•"/>
+              <a:defRPr sz="2000" kern="1200">
+                <a:solidFill>
+                  <a:schemeClr val="tx1"/>
+                </a:solidFill>
+                <a:latin typeface="+mn-lt"/>
+                <a:ea typeface="+mn-ea"/>
+                <a:cs typeface="+mn-cs"/>
+              </a:defRPr>
+            </a:lvl3pPr>
+            <a:lvl4pPr marL="1600200" indent="-228600" algn="l" defTabSz="914400" rtl="0" eaLnBrk="1" latinLnBrk="0" hangingPunct="1">
+              <a:lnSpc>
+                <a:spcPct val="90000"/>
+              </a:lnSpc>
+              <a:spcBef>
+                <a:spcPts val="500"/>
+              </a:spcBef>
+              <a:buFont typeface="Arial" panose="020B0604020202020204" pitchFamily="34" charset="0"/>
+              <a:buChar char="•"/>
+              <a:defRPr sz="1800" kern="1200">
+                <a:solidFill>
+                  <a:schemeClr val="tx1"/>
+                </a:solidFill>
+                <a:latin typeface="+mn-lt"/>
+                <a:ea typeface="+mn-ea"/>
+                <a:cs typeface="+mn-cs"/>
+              </a:defRPr>
+            </a:lvl4pPr>
+            <a:lvl5pPr marL="2057400" indent="-228600" algn="l" defTabSz="914400" rtl="0" eaLnBrk="1" latinLnBrk="0" hangingPunct="1">
+              <a:lnSpc>
+                <a:spcPct val="90000"/>
+              </a:lnSpc>
+              <a:spcBef>
+                <a:spcPts val="500"/>
+              </a:spcBef>
+              <a:buFont typeface="Arial" panose="020B0604020202020204" pitchFamily="34" charset="0"/>
+              <a:buChar char="•"/>
+              <a:defRPr sz="1800" kern="1200">
+                <a:solidFill>
+                  <a:schemeClr val="tx1"/>
+                </a:solidFill>
+                <a:latin typeface="+mn-lt"/>
+                <a:ea typeface="+mn-ea"/>
+                <a:cs typeface="+mn-cs"/>
+              </a:defRPr>
+            </a:lvl5pPr>
+            <a:lvl6pPr marL="2514600" indent="-228600" algn="l" defTabSz="914400" rtl="0" eaLnBrk="1" latinLnBrk="0" hangingPunct="1">
+              <a:lnSpc>
+                <a:spcPct val="90000"/>
+              </a:lnSpc>
+              <a:spcBef>
+                <a:spcPts val="500"/>
+              </a:spcBef>
+              <a:buFont typeface="Arial" panose="020B0604020202020204" pitchFamily="34" charset="0"/>
+              <a:buChar char="•"/>
+              <a:defRPr sz="1800" kern="1200">
+                <a:solidFill>
+                  <a:schemeClr val="tx1"/>
+                </a:solidFill>
+                <a:latin typeface="+mn-lt"/>
+                <a:ea typeface="+mn-ea"/>
+                <a:cs typeface="+mn-cs"/>
+              </a:defRPr>
+            </a:lvl6pPr>
+            <a:lvl7pPr marL="2971800" indent="-228600" algn="l" defTabSz="914400" rtl="0" eaLnBrk="1" latinLnBrk="0" hangingPunct="1">
+              <a:lnSpc>
+                <a:spcPct val="90000"/>
+              </a:lnSpc>
+              <a:spcBef>
+                <a:spcPts val="500"/>
+              </a:spcBef>
+              <a:buFont typeface="Arial" panose="020B0604020202020204" pitchFamily="34" charset="0"/>
+              <a:buChar char="•"/>
+              <a:defRPr sz="1800" kern="1200">
+                <a:solidFill>
+                  <a:schemeClr val="tx1"/>
+                </a:solidFill>
+                <a:latin typeface="+mn-lt"/>
+                <a:ea typeface="+mn-ea"/>
+                <a:cs typeface="+mn-cs"/>
+              </a:defRPr>
+            </a:lvl7pPr>
+            <a:lvl8pPr marL="3429000" indent="-228600" algn="l" defTabSz="914400" rtl="0" eaLnBrk="1" latinLnBrk="0" hangingPunct="1">
+              <a:lnSpc>
+                <a:spcPct val="90000"/>
+              </a:lnSpc>
+              <a:spcBef>
+                <a:spcPts val="500"/>
+              </a:spcBef>
+              <a:buFont typeface="Arial" panose="020B0604020202020204" pitchFamily="34" charset="0"/>
+              <a:buChar char="•"/>
+              <a:defRPr sz="1800" kern="1200">
+                <a:solidFill>
+                  <a:schemeClr val="tx1"/>
+                </a:solidFill>
+                <a:latin typeface="+mn-lt"/>
+                <a:ea typeface="+mn-ea"/>
+                <a:cs typeface="+mn-cs"/>
+              </a:defRPr>
+            </a:lvl8pPr>
+            <a:lvl9pPr marL="3886200" indent="-228600" algn="l" defTabSz="914400" rtl="0" eaLnBrk="1" latinLnBrk="0" hangingPunct="1">
+              <a:lnSpc>
+                <a:spcPct val="90000"/>
+              </a:lnSpc>
+              <a:spcBef>
+                <a:spcPts val="500"/>
+              </a:spcBef>
+              <a:buFont typeface="Arial" panose="020B0604020202020204" pitchFamily="34" charset="0"/>
+              <a:buChar char="•"/>
+              <a:defRPr sz="1800" kern="1200">
+                <a:solidFill>
+                  <a:schemeClr val="tx1"/>
+                </a:solidFill>
+                <a:latin typeface="+mn-lt"/>
+                <a:ea typeface="+mn-ea"/>
+                <a:cs typeface="+mn-cs"/>
+              </a:defRPr>
+            </a:lvl9pPr>
+          </a:lstStyle>
+          <a:p>
+            <a:pPr>
+              <a:spcAft>
+                <a:spcPts val="600"/>
+              </a:spcAft>
+            </a:pPr>
+            <a:r>
+              <a:rPr lang="en-US" sz="2000" dirty="0" smtClean="0">
+                <a:latin typeface="Arial Unicode MS" panose="020B0604020202020204" pitchFamily="34" charset="-128"/>
+                <a:ea typeface="Arial Unicode MS" panose="020B0604020202020204" pitchFamily="34" charset="-128"/>
+                <a:cs typeface="Arial Unicode MS" panose="020B0604020202020204" pitchFamily="34" charset="-128"/>
+              </a:rPr>
+              <a:t>Operation modes:</a:t>
+            </a:r>
+          </a:p>
+          <a:p>
+            <a:pPr lvl="1">
+              <a:spcAft>
+                <a:spcPts val="600"/>
+              </a:spcAft>
+            </a:pPr>
+            <a:r>
+              <a:rPr lang="en-US" sz="1600" dirty="0" smtClean="0">
+                <a:latin typeface="Arial Unicode MS" panose="020B0604020202020204" pitchFamily="34" charset="-128"/>
+                <a:ea typeface="Arial Unicode MS" panose="020B0604020202020204" pitchFamily="34" charset="-128"/>
+                <a:cs typeface="Arial Unicode MS" panose="020B0604020202020204" pitchFamily="34" charset="-128"/>
+              </a:rPr>
+              <a:t>Z0 √s = 91 GeV</a:t>
+            </a:r>
+          </a:p>
+          <a:p>
+            <a:pPr lvl="1">
+              <a:spcAft>
+                <a:spcPts val="600"/>
+              </a:spcAft>
+            </a:pPr>
+            <a:r>
+              <a:rPr lang="en-US" sz="1600" dirty="0" smtClean="0">
+                <a:latin typeface="Arial Unicode MS" panose="020B0604020202020204" pitchFamily="34" charset="-128"/>
+                <a:ea typeface="Arial Unicode MS" panose="020B0604020202020204" pitchFamily="34" charset="-128"/>
+                <a:cs typeface="Arial Unicode MS" panose="020B0604020202020204" pitchFamily="34" charset="-128"/>
+              </a:rPr>
+              <a:t>2W √s = 160 GeV</a:t>
+            </a:r>
+          </a:p>
+          <a:p>
+            <a:pPr lvl="1">
+              <a:spcAft>
+                <a:spcPts val="600"/>
+              </a:spcAft>
+            </a:pPr>
+            <a:r>
+              <a:rPr lang="en-US" sz="1600" dirty="0" smtClean="0">
+                <a:latin typeface="Arial Unicode MS" panose="020B0604020202020204" pitchFamily="34" charset="-128"/>
+                <a:ea typeface="Arial Unicode MS" panose="020B0604020202020204" pitchFamily="34" charset="-128"/>
+                <a:cs typeface="Arial Unicode MS" panose="020B0604020202020204" pitchFamily="34" charset="-128"/>
+              </a:rPr>
+              <a:t>ZH √s = </a:t>
+            </a:r>
+            <a:r>
+              <a:rPr lang="en-US" sz="1600" dirty="0">
+                <a:latin typeface="Arial Unicode MS" panose="020B0604020202020204" pitchFamily="34" charset="-128"/>
+                <a:ea typeface="Arial Unicode MS" panose="020B0604020202020204" pitchFamily="34" charset="-128"/>
+                <a:cs typeface="Arial Unicode MS" panose="020B0604020202020204" pitchFamily="34" charset="-128"/>
+              </a:rPr>
+              <a:t>240 </a:t>
+            </a:r>
+            <a:r>
+              <a:rPr lang="en-US" sz="1600" dirty="0" smtClean="0">
+                <a:latin typeface="Arial Unicode MS" panose="020B0604020202020204" pitchFamily="34" charset="-128"/>
+                <a:ea typeface="Arial Unicode MS" panose="020B0604020202020204" pitchFamily="34" charset="-128"/>
+                <a:cs typeface="Arial Unicode MS" panose="020B0604020202020204" pitchFamily="34" charset="-128"/>
+              </a:rPr>
+              <a:t>GeV</a:t>
+            </a:r>
+          </a:p>
+          <a:p>
+            <a:pPr lvl="1">
+              <a:spcAft>
+                <a:spcPts val="600"/>
+              </a:spcAft>
+            </a:pPr>
+            <a:r>
+              <a:rPr lang="en-US" sz="1600" dirty="0" smtClean="0">
+                <a:latin typeface="Arial Unicode MS" panose="020B0604020202020204" pitchFamily="34" charset="-128"/>
+                <a:ea typeface="Arial Unicode MS" panose="020B0604020202020204" pitchFamily="34" charset="-128"/>
+                <a:cs typeface="Arial Unicode MS" panose="020B0604020202020204" pitchFamily="34" charset="-128"/>
+              </a:rPr>
+              <a:t>TT </a:t>
+            </a:r>
+            <a:r>
+              <a:rPr lang="en-US" sz="1600" dirty="0">
+                <a:latin typeface="Arial Unicode MS" panose="020B0604020202020204" pitchFamily="34" charset="-128"/>
+                <a:ea typeface="Arial Unicode MS" panose="020B0604020202020204" pitchFamily="34" charset="-128"/>
+                <a:cs typeface="Arial Unicode MS" panose="020B0604020202020204" pitchFamily="34" charset="-128"/>
+              </a:rPr>
+              <a:t>√s = </a:t>
+            </a:r>
+            <a:r>
+              <a:rPr lang="en-US" sz="1600" dirty="0" smtClean="0">
+                <a:latin typeface="Arial Unicode MS" panose="020B0604020202020204" pitchFamily="34" charset="-128"/>
+                <a:ea typeface="Arial Unicode MS" panose="020B0604020202020204" pitchFamily="34" charset="-128"/>
+                <a:cs typeface="Arial Unicode MS" panose="020B0604020202020204" pitchFamily="34" charset="-128"/>
+              </a:rPr>
+              <a:t>365 GeV</a:t>
+            </a:r>
+          </a:p>
+          <a:p>
+            <a:pPr>
+              <a:spcAft>
+                <a:spcPts val="600"/>
+              </a:spcAft>
+            </a:pPr>
+            <a:r>
+              <a:rPr lang="en-US" sz="2000" dirty="0" err="1">
+                <a:latin typeface="Arial Unicode MS" panose="020B0604020202020204" pitchFamily="34" charset="-128"/>
+                <a:ea typeface="Arial Unicode MS" panose="020B0604020202020204" pitchFamily="34" charset="-128"/>
+                <a:cs typeface="Arial Unicode MS" panose="020B0604020202020204" pitchFamily="34" charset="-128"/>
+              </a:rPr>
+              <a:t>lorem</a:t>
+            </a:r>
+            <a:r>
+              <a:rPr lang="en-US" sz="2000" dirty="0">
+                <a:latin typeface="Arial Unicode MS" panose="020B0604020202020204" pitchFamily="34" charset="-128"/>
+                <a:ea typeface="Arial Unicode MS" panose="020B0604020202020204" pitchFamily="34" charset="-128"/>
+                <a:cs typeface="Arial Unicode MS" panose="020B0604020202020204" pitchFamily="34" charset="-128"/>
+              </a:rPr>
+              <a:t> </a:t>
+            </a:r>
+            <a:r>
+              <a:rPr lang="en-US" sz="2000" dirty="0" err="1">
+                <a:latin typeface="Arial Unicode MS" panose="020B0604020202020204" pitchFamily="34" charset="-128"/>
+                <a:ea typeface="Arial Unicode MS" panose="020B0604020202020204" pitchFamily="34" charset="-128"/>
+                <a:cs typeface="Arial Unicode MS" panose="020B0604020202020204" pitchFamily="34" charset="-128"/>
+              </a:rPr>
+              <a:t>ipsum</a:t>
+            </a:r>
+            <a:r>
+              <a:rPr lang="en-US" sz="2000" dirty="0">
+                <a:latin typeface="Arial Unicode MS" panose="020B0604020202020204" pitchFamily="34" charset="-128"/>
+                <a:ea typeface="Arial Unicode MS" panose="020B0604020202020204" pitchFamily="34" charset="-128"/>
+                <a:cs typeface="Arial Unicode MS" panose="020B0604020202020204" pitchFamily="34" charset="-128"/>
+              </a:rPr>
+              <a:t> dolor sit </a:t>
+            </a:r>
+            <a:r>
+              <a:rPr lang="en-US" sz="2000" dirty="0" err="1">
+                <a:latin typeface="Arial Unicode MS" panose="020B0604020202020204" pitchFamily="34" charset="-128"/>
+                <a:ea typeface="Arial Unicode MS" panose="020B0604020202020204" pitchFamily="34" charset="-128"/>
+                <a:cs typeface="Arial Unicode MS" panose="020B0604020202020204" pitchFamily="34" charset="-128"/>
+              </a:rPr>
+              <a:t>amet</a:t>
+            </a:r>
+            <a:endParaRPr lang="en-US" sz="2000" dirty="0">
+              <a:latin typeface="Arial Unicode MS" panose="020B0604020202020204" pitchFamily="34" charset="-128"/>
+              <a:ea typeface="Arial Unicode MS" panose="020B0604020202020204" pitchFamily="34" charset="-128"/>
+              <a:cs typeface="Arial Unicode MS" panose="020B0604020202020204" pitchFamily="34" charset="-128"/>
+            </a:endParaRPr>
+          </a:p>
+          <a:p>
+            <a:pPr lvl="1">
+              <a:spcAft>
+                <a:spcPts val="600"/>
+              </a:spcAft>
+            </a:pPr>
+            <a:r>
+              <a:rPr lang="en-US" sz="1600" dirty="0" err="1">
+                <a:latin typeface="Arial Unicode MS" panose="020B0604020202020204" pitchFamily="34" charset="-128"/>
+                <a:ea typeface="Arial Unicode MS" panose="020B0604020202020204" pitchFamily="34" charset="-128"/>
+                <a:cs typeface="Arial Unicode MS" panose="020B0604020202020204" pitchFamily="34" charset="-128"/>
+              </a:rPr>
+              <a:t>lorem</a:t>
+            </a:r>
+            <a:r>
+              <a:rPr lang="en-US" sz="1600" dirty="0">
+                <a:latin typeface="Arial Unicode MS" panose="020B0604020202020204" pitchFamily="34" charset="-128"/>
+                <a:ea typeface="Arial Unicode MS" panose="020B0604020202020204" pitchFamily="34" charset="-128"/>
+                <a:cs typeface="Arial Unicode MS" panose="020B0604020202020204" pitchFamily="34" charset="-128"/>
+              </a:rPr>
+              <a:t> </a:t>
+            </a:r>
+            <a:r>
+              <a:rPr lang="en-US" sz="1600" dirty="0" err="1">
+                <a:latin typeface="Arial Unicode MS" panose="020B0604020202020204" pitchFamily="34" charset="-128"/>
+                <a:ea typeface="Arial Unicode MS" panose="020B0604020202020204" pitchFamily="34" charset="-128"/>
+                <a:cs typeface="Arial Unicode MS" panose="020B0604020202020204" pitchFamily="34" charset="-128"/>
+              </a:rPr>
+              <a:t>ipsum</a:t>
+            </a:r>
+            <a:r>
+              <a:rPr lang="en-US" sz="1600" dirty="0">
+                <a:latin typeface="Arial Unicode MS" panose="020B0604020202020204" pitchFamily="34" charset="-128"/>
+                <a:ea typeface="Arial Unicode MS" panose="020B0604020202020204" pitchFamily="34" charset="-128"/>
+                <a:cs typeface="Arial Unicode MS" panose="020B0604020202020204" pitchFamily="34" charset="-128"/>
+              </a:rPr>
+              <a:t> dolor sit </a:t>
+            </a:r>
+            <a:r>
+              <a:rPr lang="en-US" sz="1600" dirty="0" err="1">
+                <a:latin typeface="Arial Unicode MS" panose="020B0604020202020204" pitchFamily="34" charset="-128"/>
+                <a:ea typeface="Arial Unicode MS" panose="020B0604020202020204" pitchFamily="34" charset="-128"/>
+                <a:cs typeface="Arial Unicode MS" panose="020B0604020202020204" pitchFamily="34" charset="-128"/>
+              </a:rPr>
+              <a:t>amet</a:t>
+            </a:r>
+            <a:endParaRPr lang="en-US" sz="1600" dirty="0">
+              <a:latin typeface="Arial Unicode MS" panose="020B0604020202020204" pitchFamily="34" charset="-128"/>
+              <a:ea typeface="Arial Unicode MS" panose="020B0604020202020204" pitchFamily="34" charset="-128"/>
+              <a:cs typeface="Arial Unicode MS" panose="020B0604020202020204" pitchFamily="34" charset="-128"/>
+            </a:endParaRPr>
+          </a:p>
+          <a:p>
+            <a:pPr lvl="1">
+              <a:spcAft>
+                <a:spcPts val="600"/>
+              </a:spcAft>
+            </a:pPr>
+            <a:r>
+              <a:rPr lang="en-US" sz="1600" dirty="0" err="1">
+                <a:latin typeface="Arial Unicode MS" panose="020B0604020202020204" pitchFamily="34" charset="-128"/>
+                <a:ea typeface="Arial Unicode MS" panose="020B0604020202020204" pitchFamily="34" charset="-128"/>
+                <a:cs typeface="Arial Unicode MS" panose="020B0604020202020204" pitchFamily="34" charset="-128"/>
+              </a:rPr>
+              <a:t>lorem</a:t>
+            </a:r>
+            <a:r>
+              <a:rPr lang="en-US" sz="1600" dirty="0">
+                <a:latin typeface="Arial Unicode MS" panose="020B0604020202020204" pitchFamily="34" charset="-128"/>
+                <a:ea typeface="Arial Unicode MS" panose="020B0604020202020204" pitchFamily="34" charset="-128"/>
+                <a:cs typeface="Arial Unicode MS" panose="020B0604020202020204" pitchFamily="34" charset="-128"/>
+              </a:rPr>
+              <a:t> </a:t>
+            </a:r>
+            <a:r>
+              <a:rPr lang="en-US" sz="1600" dirty="0" err="1">
+                <a:latin typeface="Arial Unicode MS" panose="020B0604020202020204" pitchFamily="34" charset="-128"/>
+                <a:ea typeface="Arial Unicode MS" panose="020B0604020202020204" pitchFamily="34" charset="-128"/>
+                <a:cs typeface="Arial Unicode MS" panose="020B0604020202020204" pitchFamily="34" charset="-128"/>
+              </a:rPr>
+              <a:t>ipsum</a:t>
+            </a:r>
+            <a:r>
+              <a:rPr lang="en-US" sz="1600" dirty="0">
+                <a:latin typeface="Arial Unicode MS" panose="020B0604020202020204" pitchFamily="34" charset="-128"/>
+                <a:ea typeface="Arial Unicode MS" panose="020B0604020202020204" pitchFamily="34" charset="-128"/>
+                <a:cs typeface="Arial Unicode MS" panose="020B0604020202020204" pitchFamily="34" charset="-128"/>
+              </a:rPr>
+              <a:t> dolor sit </a:t>
+            </a:r>
+            <a:r>
+              <a:rPr lang="en-US" sz="1600" dirty="0" err="1">
+                <a:latin typeface="Arial Unicode MS" panose="020B0604020202020204" pitchFamily="34" charset="-128"/>
+                <a:ea typeface="Arial Unicode MS" panose="020B0604020202020204" pitchFamily="34" charset="-128"/>
+                <a:cs typeface="Arial Unicode MS" panose="020B0604020202020204" pitchFamily="34" charset="-128"/>
+              </a:rPr>
+              <a:t>amet</a:t>
+            </a:r>
+            <a:endParaRPr lang="en-US" sz="1600" dirty="0">
+              <a:latin typeface="Arial Unicode MS" panose="020B0604020202020204" pitchFamily="34" charset="-128"/>
+              <a:ea typeface="Arial Unicode MS" panose="020B0604020202020204" pitchFamily="34" charset="-128"/>
+              <a:cs typeface="Arial Unicode MS" panose="020B0604020202020204" pitchFamily="34" charset="-128"/>
+            </a:endParaRPr>
+          </a:p>
+          <a:p>
+            <a:pPr>
+              <a:spcAft>
+                <a:spcPts val="600"/>
+              </a:spcAft>
+            </a:pPr>
+            <a:endParaRPr lang="en-US" sz="1600" dirty="0">
+              <a:latin typeface="Arial Unicode MS" panose="020B0604020202020204" pitchFamily="34" charset="-128"/>
+              <a:ea typeface="Arial Unicode MS" panose="020B0604020202020204" pitchFamily="34" charset="-128"/>
+              <a:cs typeface="Arial Unicode MS" panose="020B0604020202020204" pitchFamily="34" charset="-128"/>
+            </a:endParaRPr>
+          </a:p>
+          <a:p>
+            <a:pPr>
+              <a:spcAft>
+                <a:spcPts val="600"/>
+              </a:spcAft>
+            </a:pPr>
+            <a:endParaRPr lang="en-US" sz="2000" dirty="0" smtClean="0">
+              <a:latin typeface="Arial Unicode MS" panose="020B0604020202020204" pitchFamily="34" charset="-128"/>
+              <a:ea typeface="Arial Unicode MS" panose="020B0604020202020204" pitchFamily="34" charset="-128"/>
+              <a:cs typeface="Arial Unicode MS" panose="020B0604020202020204" pitchFamily="34" charset="-128"/>
+            </a:endParaRPr>
+          </a:p>
+        </p:txBody>
+      </p:sp>
+      <p:pic>
+        <p:nvPicPr>
+          <p:cNvPr id="2052" name="Picture 4" descr="FCC Week 2023 (5-9 June 2023): Overview · Indico"/>
+          <p:cNvPicPr>
+            <a:picLocks noChangeAspect="1" noChangeArrowheads="1"/>
+          </p:cNvPicPr>
+          <p:nvPr/>
+        </p:nvPicPr>
+        <p:blipFill>
+          <a:blip r:embed="rId2">
+            <a:extLst>
+              <a:ext uri="{28A0092B-C50C-407E-A947-70E740481C1C}">
+                <a14:useLocalDpi xmlns:a14="http://schemas.microsoft.com/office/drawing/2010/main" val="0"/>
+              </a:ext>
+            </a:extLst>
+          </a:blip>
+          <a:srcRect/>
+          <a:stretch>
+            <a:fillRect/>
+          </a:stretch>
+        </p:blipFill>
+        <p:spPr bwMode="auto">
+          <a:xfrm>
+            <a:off x="5489575" y="79868"/>
+            <a:ext cx="2114550" cy="723900"/>
+          </a:xfrm>
+          <a:prstGeom prst="rect">
+            <a:avLst/>
+          </a:prstGeom>
+          <a:noFill/>
+          <a:extLst>
+            <a:ext uri="{909E8E84-426E-40DD-AFC4-6F175D3DCCD1}">
+              <a14:hiddenFill xmlns:a14="http://schemas.microsoft.com/office/drawing/2010/main">
+                <a:solidFill>
+                  <a:srgbClr val="FFFFFF"/>
+                </a:solidFill>
+              </a14:hiddenFill>
+            </a:ext>
+          </a:extLst>
+        </p:spPr>
+      </p:pic>
+      <p:pic>
+        <p:nvPicPr>
+          <p:cNvPr id="2054" name="Picture 6" descr="Baseline operation model for FCC-ee with four interaction points, showing the integrated luminosity at the Z pole (pink), the WW threshold (blue), the Higgs factory (red), and the top-pair threshold (green) as a function of time []."/>
+          <p:cNvPicPr>
+            <a:picLocks noChangeAspect="1" noChangeArrowheads="1"/>
+          </p:cNvPicPr>
+          <p:nvPr/>
+        </p:nvPicPr>
+        <p:blipFill>
+          <a:blip r:embed="rId3" cstate="print">
+            <a:extLst>
+              <a:ext uri="{28A0092B-C50C-407E-A947-70E740481C1C}">
+                <a14:useLocalDpi xmlns:a14="http://schemas.microsoft.com/office/drawing/2010/main" val="0"/>
+              </a:ext>
+            </a:extLst>
+          </a:blip>
+          <a:srcRect/>
+          <a:stretch>
+            <a:fillRect/>
+          </a:stretch>
+        </p:blipFill>
+        <p:spPr bwMode="auto">
+          <a:xfrm>
+            <a:off x="8633359" y="1328807"/>
+            <a:ext cx="3402965" cy="1598226"/>
+          </a:xfrm>
+          <a:prstGeom prst="rect">
+            <a:avLst/>
+          </a:prstGeom>
+          <a:noFill/>
+          <a:extLst>
+            <a:ext uri="{909E8E84-426E-40DD-AFC4-6F175D3DCCD1}">
+              <a14:hiddenFill xmlns:a14="http://schemas.microsoft.com/office/drawing/2010/main">
+                <a:solidFill>
+                  <a:srgbClr val="FFFFFF"/>
+                </a:solidFill>
+              </a14:hiddenFill>
+            </a:ext>
+          </a:extLst>
+        </p:spPr>
+      </p:pic>
+      <p:pic>
+        <p:nvPicPr>
+          <p:cNvPr id="13" name="Picture 12"/>
+          <p:cNvPicPr>
+            <a:picLocks noChangeAspect="1"/>
+          </p:cNvPicPr>
+          <p:nvPr/>
+        </p:nvPicPr>
+        <p:blipFill rotWithShape="1">
+          <a:blip r:embed="rId4"/>
+          <a:srcRect b="12810"/>
+          <a:stretch/>
+        </p:blipFill>
+        <p:spPr>
+          <a:xfrm>
+            <a:off x="1770748" y="5071328"/>
+            <a:ext cx="2786380" cy="1596172"/>
+          </a:xfrm>
+          <a:prstGeom prst="rect">
+            <a:avLst/>
+          </a:prstGeom>
+        </p:spPr>
+      </p:pic>
     </p:spTree>
     <p:extLst>
       <p:ext uri="{BB962C8B-B14F-4D97-AF65-F5344CB8AC3E}">
-        <p14:creationId xmlns:p14="http://schemas.microsoft.com/office/powerpoint/2010/main" val="324200542"/>
+        <p14:creationId xmlns:p14="http://schemas.microsoft.com/office/powerpoint/2010/main" val="2553309741"/>
       </p:ext>
     </p:extLst>
   </p:cSld>
@@ -4552,7 +5574,7 @@
         <p:spPr>
           <a:xfrm>
             <a:off x="206476" y="188780"/>
-            <a:ext cx="11804610" cy="766916"/>
+            <a:ext cx="5914924" cy="766916"/>
           </a:xfrm>
         </p:spPr>
         <p:txBody>
@@ -4561,23 +5583,16 @@
           </a:bodyPr>
           <a:lstStyle/>
           <a:p>
+            <a:pPr algn="ctr"/>
             <a:r>
               <a:rPr lang="en-US" sz="2800" b="1" dirty="0" smtClean="0">
                 <a:latin typeface="Arial Unicode MS" panose="020B0604020202020204" pitchFamily="34" charset="-128"/>
                 <a:ea typeface="Arial Unicode MS" panose="020B0604020202020204" pitchFamily="34" charset="-128"/>
                 <a:cs typeface="Arial Unicode MS" panose="020B0604020202020204" pitchFamily="34" charset="-128"/>
               </a:rPr>
-              <a:t>Github Repository </a:t>
-            </a:r>
-            <a:r>
-              <a:rPr lang="en-US" sz="2400" dirty="0" smtClean="0">
-                <a:latin typeface="Arial Unicode MS" panose="020B0604020202020204" pitchFamily="34" charset="-128"/>
-                <a:ea typeface="Arial Unicode MS" panose="020B0604020202020204" pitchFamily="34" charset="-128"/>
-                <a:cs typeface="Arial Unicode MS" panose="020B0604020202020204" pitchFamily="34" charset="-128"/>
-              </a:rPr>
-              <a:t>(20 November 2024)</a:t>
-            </a:r>
-            <a:endParaRPr lang="en-IN" sz="2400" dirty="0">
+              <a:t>LEP (1989-)</a:t>
+            </a:r>
+            <a:endParaRPr lang="en-IN" sz="2800" b="1" dirty="0">
               <a:latin typeface="Arial Unicode MS" panose="020B0604020202020204" pitchFamily="34" charset="-128"/>
               <a:ea typeface="Arial Unicode MS" panose="020B0604020202020204" pitchFamily="34" charset="-128"/>
               <a:cs typeface="Arial Unicode MS" panose="020B0604020202020204" pitchFamily="34" charset="-128"/>
@@ -4585,6 +5600,88 @@
           </a:p>
         </p:txBody>
       </p:sp>
+      <p:pic>
+        <p:nvPicPr>
+          <p:cNvPr id="1026" name="Picture 2" descr="Radiation levels in the CERN Large Electron Positron collider during the LEP  2 phase (68–105 GeV) - ScienceDirect"/>
+          <p:cNvPicPr>
+            <a:picLocks noChangeAspect="1" noChangeArrowheads="1"/>
+          </p:cNvPicPr>
+          <p:nvPr/>
+        </p:nvPicPr>
+        <p:blipFill>
+          <a:blip r:embed="rId2">
+            <a:extLst>
+              <a:ext uri="{28A0092B-C50C-407E-A947-70E740481C1C}">
+                <a14:useLocalDpi xmlns:a14="http://schemas.microsoft.com/office/drawing/2010/main" val="0"/>
+              </a:ext>
+            </a:extLst>
+          </a:blip>
+          <a:srcRect/>
+          <a:stretch>
+            <a:fillRect/>
+          </a:stretch>
+        </p:blipFill>
+        <p:spPr bwMode="auto">
+          <a:xfrm>
+            <a:off x="206476" y="1353154"/>
+            <a:ext cx="3656242" cy="2336196"/>
+          </a:xfrm>
+          <a:prstGeom prst="rect">
+            <a:avLst/>
+          </a:prstGeom>
+          <a:noFill/>
+          <a:extLst>
+            <a:ext uri="{909E8E84-426E-40DD-AFC4-6F175D3DCCD1}">
+              <a14:hiddenFill xmlns:a14="http://schemas.microsoft.com/office/drawing/2010/main">
+                <a:solidFill>
+                  <a:srgbClr val="FFFFFF"/>
+                </a:solidFill>
+              </a14:hiddenFill>
+            </a:ext>
+          </a:extLst>
+        </p:spPr>
+      </p:pic>
+      <p:pic>
+        <p:nvPicPr>
+          <p:cNvPr id="2050" name="Picture 2" descr="Green light for LEP – CERN70"/>
+          <p:cNvPicPr>
+            <a:picLocks noChangeAspect="1" noChangeArrowheads="1"/>
+          </p:cNvPicPr>
+          <p:nvPr/>
+        </p:nvPicPr>
+        <p:blipFill>
+          <a:blip r:embed="rId3" cstate="print">
+            <a:extLst>
+              <a:ext uri="{28A0092B-C50C-407E-A947-70E740481C1C}">
+                <a14:useLocalDpi xmlns:a14="http://schemas.microsoft.com/office/drawing/2010/main" val="0"/>
+              </a:ext>
+            </a:extLst>
+          </a:blip>
+          <a:srcRect/>
+          <a:stretch>
+            <a:fillRect/>
+          </a:stretch>
+        </p:blipFill>
+        <p:spPr bwMode="auto">
+          <a:xfrm>
+            <a:off x="3983287" y="1689704"/>
+            <a:ext cx="2544513" cy="1652443"/>
+          </a:xfrm>
+          <a:prstGeom prst="rect">
+            <a:avLst/>
+          </a:prstGeom>
+          <a:noFill/>
+          <a:extLst>
+            <a:ext uri="{909E8E84-426E-40DD-AFC4-6F175D3DCCD1}">
+              <a14:hiddenFill xmlns:a14="http://schemas.microsoft.com/office/drawing/2010/main">
+                <a:solidFill>
+                  <a:srgbClr val="FFFFFF"/>
+                </a:solidFill>
+              </a14:hiddenFill>
+            </a:ext>
+          </a:extLst>
+        </p:spPr>
+      </p:pic>
       <p:pic>
         <p:nvPicPr>
           <p:cNvPr id="3" name="Picture 2"/>
@@ -4594,15 +5691,121 @@
           <p:nvPr/>
         </p:nvPicPr>
         <p:blipFill>
-          <a:blip r:embed="rId2"/>
+          <a:blip r:embed="rId4"/>
           <a:stretch>
             <a:fillRect/>
           </a:stretch>
         </p:blipFill>
         <p:spPr>
           <a:xfrm>
-            <a:off x="206476" y="1728786"/>
-            <a:ext cx="6330951" cy="3561160"/>
+            <a:off x="206476" y="3988602"/>
+            <a:ext cx="3241855" cy="2678898"/>
+          </a:xfrm>
+          <a:prstGeom prst="rect">
+            <a:avLst/>
+          </a:prstGeom>
+        </p:spPr>
+      </p:pic>
+      <p:pic>
+        <p:nvPicPr>
+          <p:cNvPr id="8" name="Picture 7"/>
+          <p:cNvPicPr>
+            <a:picLocks noChangeAspect="1"/>
+          </p:cNvPicPr>
+          <p:nvPr/>
+        </p:nvPicPr>
+        <p:blipFill>
+          <a:blip r:embed="rId5"/>
+          <a:stretch>
+            <a:fillRect/>
+          </a:stretch>
+        </p:blipFill>
+        <p:spPr>
+          <a:xfrm>
+            <a:off x="3500063" y="4333416"/>
+            <a:ext cx="3027737" cy="1989270"/>
+          </a:xfrm>
+          <a:prstGeom prst="rect">
+            <a:avLst/>
+          </a:prstGeom>
+        </p:spPr>
+      </p:pic>
+      <p:sp>
+        <p:nvSpPr>
+          <p:cNvPr id="9" name="Title 4"/>
+          <p:cNvSpPr txBox="1">
+            <a:spLocks/>
+          </p:cNvSpPr>
+          <p:nvPr/>
+        </p:nvSpPr>
+        <p:spPr>
+          <a:xfrm>
+            <a:off x="6121400" y="188780"/>
+            <a:ext cx="5889685" cy="766916"/>
+          </a:xfrm>
+          <a:prstGeom prst="rect">
+            <a:avLst/>
+          </a:prstGeom>
+        </p:spPr>
+        <p:txBody>
+          <a:bodyPr vert="horz" lIns="91440" tIns="45720" rIns="91440" bIns="45720" rtlCol="0" anchor="ctr">
+            <a:normAutofit/>
+          </a:bodyPr>
+          <a:lstStyle>
+            <a:lvl1pPr algn="l" defTabSz="914400" rtl="0" eaLnBrk="1" latinLnBrk="0" hangingPunct="1">
+              <a:lnSpc>
+                <a:spcPct val="90000"/>
+              </a:lnSpc>
+              <a:spcBef>
+                <a:spcPct val="0"/>
+              </a:spcBef>
+              <a:buNone/>
+              <a:defRPr sz="4400" kern="1200">
+                <a:solidFill>
+                  <a:schemeClr val="tx1"/>
+                </a:solidFill>
+                <a:latin typeface="+mj-lt"/>
+                <a:ea typeface="+mj-ea"/>
+                <a:cs typeface="+mj-cs"/>
+              </a:defRPr>
+            </a:lvl1pPr>
+          </a:lstStyle>
+          <a:p>
+            <a:pPr algn="ctr"/>
+            <a:r>
+              <a:rPr lang="en-US" sz="2800" b="1" dirty="0" smtClean="0">
+                <a:latin typeface="Arial Unicode MS" panose="020B0604020202020204" pitchFamily="34" charset="-128"/>
+                <a:ea typeface="Arial Unicode MS" panose="020B0604020202020204" pitchFamily="34" charset="-128"/>
+                <a:cs typeface="Arial Unicode MS" panose="020B0604020202020204" pitchFamily="34" charset="-128"/>
+              </a:rPr>
+              <a:t>FCCee (2040-)</a:t>
+            </a:r>
+            <a:endParaRPr lang="en-IN" sz="2800" b="1" dirty="0">
+              <a:latin typeface="Arial Unicode MS" panose="020B0604020202020204" pitchFamily="34" charset="-128"/>
+              <a:ea typeface="Arial Unicode MS" panose="020B0604020202020204" pitchFamily="34" charset="-128"/>
+              <a:cs typeface="Arial Unicode MS" panose="020B0604020202020204" pitchFamily="34" charset="-128"/>
+            </a:endParaRPr>
+          </a:p>
+        </p:txBody>
+      </p:sp>
+      <p:pic>
+        <p:nvPicPr>
+          <p:cNvPr id="4" name="Picture 3"/>
+          <p:cNvPicPr>
+            <a:picLocks noChangeAspect="1"/>
+          </p:cNvPicPr>
+          <p:nvPr/>
+        </p:nvPicPr>
+        <p:blipFill>
+          <a:blip r:embed="rId6"/>
+          <a:stretch>
+            <a:fillRect/>
+          </a:stretch>
+        </p:blipFill>
+        <p:spPr>
+          <a:xfrm>
+            <a:off x="5893629" y="2136266"/>
+            <a:ext cx="5081968" cy="3750234"/>
           </a:xfrm>
           <a:prstGeom prst="rect">
             <a:avLst/>
@@ -4618,235 +5821,25 @@
           <p:nvPr/>
         </p:nvPicPr>
         <p:blipFill>
-          <a:blip r:embed="rId3"/>
+          <a:blip r:embed="rId7"/>
           <a:stretch>
             <a:fillRect/>
           </a:stretch>
         </p:blipFill>
         <p:spPr>
           <a:xfrm>
-            <a:off x="7442261" y="1728786"/>
-            <a:ext cx="4568825" cy="3554994"/>
+            <a:off x="7287268" y="2821403"/>
+            <a:ext cx="4114113" cy="2512091"/>
           </a:xfrm>
           <a:prstGeom prst="rect">
             <a:avLst/>
           </a:prstGeom>
         </p:spPr>
       </p:pic>
-      <p:sp>
-        <p:nvSpPr>
-          <p:cNvPr id="2" name="Right Arrow 1"/>
-          <p:cNvSpPr/>
-          <p:nvPr/>
-        </p:nvSpPr>
-        <p:spPr>
-          <a:xfrm>
-            <a:off x="6713619" y="3499157"/>
-            <a:ext cx="552450" cy="369851"/>
-          </a:xfrm>
-          <a:prstGeom prst="rightArrow">
-            <a:avLst/>
-          </a:prstGeom>
-          <a:solidFill>
-            <a:schemeClr val="accent5">
-              <a:lumMod val="50000"/>
-            </a:schemeClr>
-          </a:solidFill>
-          <a:ln>
-            <a:noFill/>
-          </a:ln>
-        </p:spPr>
-        <p:style>
-          <a:lnRef idx="2">
-            <a:schemeClr val="accent1">
-              <a:shade val="50000"/>
-            </a:schemeClr>
-          </a:lnRef>
-          <a:fillRef idx="1">
-            <a:schemeClr val="accent1"/>
-          </a:fillRef>
-          <a:effectRef idx="0">
-            <a:schemeClr val="accent1"/>
-          </a:effectRef>
-          <a:fontRef idx="minor">
-            <a:schemeClr val="lt1"/>
-          </a:fontRef>
-        </p:style>
-        <p:txBody>
-          <a:bodyPr rtlCol="0" anchor="ctr"/>
-          <a:lstStyle/>
-          <a:p>
-            <a:pPr algn="ctr"/>
-            <a:endParaRPr lang="en-IN">
-              <a:latin typeface="Arial Unicode MS" panose="020B0604020202020204" pitchFamily="34" charset="-128"/>
-              <a:ea typeface="Arial Unicode MS" panose="020B0604020202020204" pitchFamily="34" charset="-128"/>
-              <a:cs typeface="Arial Unicode MS" panose="020B0604020202020204" pitchFamily="34" charset="-128"/>
-            </a:endParaRPr>
-          </a:p>
-        </p:txBody>
-      </p:sp>
-      <p:sp>
-        <p:nvSpPr>
-          <p:cNvPr id="6" name="Right Arrow 5"/>
-          <p:cNvSpPr/>
-          <p:nvPr/>
-        </p:nvSpPr>
-        <p:spPr>
-          <a:xfrm rot="10800000">
-            <a:off x="6713619" y="3129306"/>
-            <a:ext cx="552450" cy="369851"/>
-          </a:xfrm>
-          <a:prstGeom prst="rightArrow">
-            <a:avLst/>
-          </a:prstGeom>
-          <a:solidFill>
-            <a:schemeClr val="accent5">
-              <a:lumMod val="50000"/>
-            </a:schemeClr>
-          </a:solidFill>
-          <a:ln>
-            <a:noFill/>
-          </a:ln>
-        </p:spPr>
-        <p:style>
-          <a:lnRef idx="2">
-            <a:schemeClr val="accent1">
-              <a:shade val="50000"/>
-            </a:schemeClr>
-          </a:lnRef>
-          <a:fillRef idx="1">
-            <a:schemeClr val="accent1"/>
-          </a:fillRef>
-          <a:effectRef idx="0">
-            <a:schemeClr val="accent1"/>
-          </a:effectRef>
-          <a:fontRef idx="minor">
-            <a:schemeClr val="lt1"/>
-          </a:fontRef>
-        </p:style>
-        <p:txBody>
-          <a:bodyPr rtlCol="0" anchor="ctr"/>
-          <a:lstStyle/>
-          <a:p>
-            <a:pPr algn="r"/>
-            <a:endParaRPr lang="en-IN" dirty="0">
-              <a:latin typeface="Arial Unicode MS" panose="020B0604020202020204" pitchFamily="34" charset="-128"/>
-              <a:ea typeface="Arial Unicode MS" panose="020B0604020202020204" pitchFamily="34" charset="-128"/>
-              <a:cs typeface="Arial Unicode MS" panose="020B0604020202020204" pitchFamily="34" charset="-128"/>
-            </a:endParaRPr>
-          </a:p>
-        </p:txBody>
-      </p:sp>
-      <p:sp>
-        <p:nvSpPr>
-          <p:cNvPr id="4" name="Rectangle 3"/>
-          <p:cNvSpPr/>
-          <p:nvPr/>
-        </p:nvSpPr>
-        <p:spPr>
-          <a:xfrm>
-            <a:off x="7531200" y="5358884"/>
-            <a:ext cx="4390946" cy="369332"/>
-          </a:xfrm>
-          <a:prstGeom prst="rect">
-            <a:avLst/>
-          </a:prstGeom>
-        </p:spPr>
-        <p:txBody>
-          <a:bodyPr wrap="none">
-            <a:spAutoFit/>
-          </a:bodyPr>
-          <a:lstStyle/>
-          <a:p>
-            <a:r>
-              <a:rPr lang="en-IN" dirty="0" smtClean="0">
-                <a:latin typeface="Arial Unicode MS" panose="020B0604020202020204" pitchFamily="34" charset="-128"/>
-                <a:ea typeface="Arial Unicode MS" panose="020B0604020202020204" pitchFamily="34" charset="-128"/>
-                <a:cs typeface="Arial Unicode MS" panose="020B0604020202020204" pitchFamily="34" charset="-128"/>
-              </a:rPr>
-              <a:t>github.com/</a:t>
-            </a:r>
-            <a:r>
-              <a:rPr lang="en-IN" dirty="0" err="1" smtClean="0">
-                <a:latin typeface="Arial Unicode MS" panose="020B0604020202020204" pitchFamily="34" charset="-128"/>
-                <a:ea typeface="Arial Unicode MS" panose="020B0604020202020204" pitchFamily="34" charset="-128"/>
-                <a:cs typeface="Arial Unicode MS" panose="020B0604020202020204" pitchFamily="34" charset="-128"/>
-              </a:rPr>
-              <a:t>phylmath</a:t>
-            </a:r>
-            <a:r>
-              <a:rPr lang="en-IN" dirty="0" smtClean="0">
-                <a:latin typeface="Arial Unicode MS" panose="020B0604020202020204" pitchFamily="34" charset="-128"/>
-                <a:ea typeface="Arial Unicode MS" panose="020B0604020202020204" pitchFamily="34" charset="-128"/>
-                <a:cs typeface="Arial Unicode MS" panose="020B0604020202020204" pitchFamily="34" charset="-128"/>
-              </a:rPr>
-              <a:t>/HEP-</a:t>
-            </a:r>
-            <a:r>
-              <a:rPr lang="en-IN" dirty="0" err="1" smtClean="0">
-                <a:latin typeface="Arial Unicode MS" panose="020B0604020202020204" pitchFamily="34" charset="-128"/>
-                <a:ea typeface="Arial Unicode MS" panose="020B0604020202020204" pitchFamily="34" charset="-128"/>
-                <a:cs typeface="Arial Unicode MS" panose="020B0604020202020204" pitchFamily="34" charset="-128"/>
-              </a:rPr>
-              <a:t>Pheno</a:t>
-            </a:r>
-            <a:r>
-              <a:rPr lang="en-IN" dirty="0" smtClean="0">
-                <a:latin typeface="Arial Unicode MS" panose="020B0604020202020204" pitchFamily="34" charset="-128"/>
-                <a:ea typeface="Arial Unicode MS" panose="020B0604020202020204" pitchFamily="34" charset="-128"/>
-                <a:cs typeface="Arial Unicode MS" panose="020B0604020202020204" pitchFamily="34" charset="-128"/>
-              </a:rPr>
-              <a:t>-Project</a:t>
-            </a:r>
-            <a:endParaRPr lang="en-IN" dirty="0">
-              <a:latin typeface="Arial Unicode MS" panose="020B0604020202020204" pitchFamily="34" charset="-128"/>
-              <a:ea typeface="Arial Unicode MS" panose="020B0604020202020204" pitchFamily="34" charset="-128"/>
-              <a:cs typeface="Arial Unicode MS" panose="020B0604020202020204" pitchFamily="34" charset="-128"/>
-            </a:endParaRPr>
-          </a:p>
-        </p:txBody>
-      </p:sp>
-      <p:sp>
-        <p:nvSpPr>
-          <p:cNvPr id="8" name="Rectangle 7"/>
-          <p:cNvSpPr/>
-          <p:nvPr/>
-        </p:nvSpPr>
-        <p:spPr>
-          <a:xfrm>
-            <a:off x="621839" y="5358884"/>
-            <a:ext cx="5500224" cy="369332"/>
-          </a:xfrm>
-          <a:prstGeom prst="rect">
-            <a:avLst/>
-          </a:prstGeom>
-        </p:spPr>
-        <p:txBody>
-          <a:bodyPr wrap="none">
-            <a:spAutoFit/>
-          </a:bodyPr>
-          <a:lstStyle/>
-          <a:p>
-            <a:r>
-              <a:rPr lang="en-IN" dirty="0" smtClean="0">
-                <a:latin typeface="Arial Unicode MS" panose="020B0604020202020204" pitchFamily="34" charset="-128"/>
-                <a:ea typeface="Arial Unicode MS" panose="020B0604020202020204" pitchFamily="34" charset="-128"/>
-                <a:cs typeface="Arial Unicode MS" panose="020B0604020202020204" pitchFamily="34" charset="-128"/>
-              </a:rPr>
-              <a:t>Visual Studio Code + Windows Subsystem for Linux</a:t>
-            </a:r>
-            <a:endParaRPr lang="en-IN" dirty="0">
-              <a:latin typeface="Arial Unicode MS" panose="020B0604020202020204" pitchFamily="34" charset="-128"/>
-              <a:ea typeface="Arial Unicode MS" panose="020B0604020202020204" pitchFamily="34" charset="-128"/>
-              <a:cs typeface="Arial Unicode MS" panose="020B0604020202020204" pitchFamily="34" charset="-128"/>
-            </a:endParaRPr>
-          </a:p>
-        </p:txBody>
-      </p:sp>
     </p:spTree>
     <p:extLst>
       <p:ext uri="{BB962C8B-B14F-4D97-AF65-F5344CB8AC3E}">
-        <p14:creationId xmlns:p14="http://schemas.microsoft.com/office/powerpoint/2010/main" val="2865960224"/>
+        <p14:creationId xmlns:p14="http://schemas.microsoft.com/office/powerpoint/2010/main" val="3792977401"/>
       </p:ext>
     </p:extLst>
   </p:cSld>
@@ -4875,6 +5868,575 @@
       </p:grpSpPr>
       <p:sp>
         <p:nvSpPr>
+          <p:cNvPr id="2" name="Rectangle 1"/>
+          <p:cNvSpPr/>
+          <p:nvPr/>
+        </p:nvSpPr>
+        <p:spPr>
+          <a:xfrm>
+            <a:off x="0" y="0"/>
+            <a:ext cx="12192000" cy="6858000"/>
+          </a:xfrm>
+          <a:prstGeom prst="rect">
+            <a:avLst/>
+          </a:prstGeom>
+          <a:solidFill>
+            <a:schemeClr val="accent5">
+              <a:lumMod val="50000"/>
+            </a:schemeClr>
+          </a:solidFill>
+        </p:spPr>
+        <p:style>
+          <a:lnRef idx="2">
+            <a:schemeClr val="accent1">
+              <a:shade val="50000"/>
+            </a:schemeClr>
+          </a:lnRef>
+          <a:fillRef idx="1">
+            <a:schemeClr val="accent1"/>
+          </a:fillRef>
+          <a:effectRef idx="0">
+            <a:schemeClr val="accent1"/>
+          </a:effectRef>
+          <a:fontRef idx="minor">
+            <a:schemeClr val="lt1"/>
+          </a:fontRef>
+        </p:style>
+        <p:txBody>
+          <a:bodyPr rtlCol="0" anchor="ctr"/>
+          <a:lstStyle/>
+          <a:p>
+            <a:pPr algn="ctr"/>
+            <a:endParaRPr lang="en-IN">
+              <a:latin typeface="Arial Unicode MS" panose="020B0604020202020204" pitchFamily="34" charset="-128"/>
+              <a:ea typeface="Arial Unicode MS" panose="020B0604020202020204" pitchFamily="34" charset="-128"/>
+              <a:cs typeface="Arial Unicode MS" panose="020B0604020202020204" pitchFamily="34" charset="-128"/>
+            </a:endParaRPr>
+          </a:p>
+        </p:txBody>
+      </p:sp>
+      <p:sp>
+        <p:nvSpPr>
+          <p:cNvPr id="5" name="Title 3"/>
+          <p:cNvSpPr txBox="1">
+            <a:spLocks/>
+          </p:cNvSpPr>
+          <p:nvPr/>
+        </p:nvSpPr>
+        <p:spPr>
+          <a:xfrm>
+            <a:off x="831850" y="2781381"/>
+            <a:ext cx="10515600" cy="996869"/>
+          </a:xfrm>
+          <a:prstGeom prst="rect">
+            <a:avLst/>
+          </a:prstGeom>
+        </p:spPr>
+        <p:txBody>
+          <a:bodyPr vert="horz" lIns="91440" tIns="45720" rIns="91440" bIns="45720" rtlCol="0" anchor="b">
+            <a:normAutofit/>
+          </a:bodyPr>
+          <a:lstStyle>
+            <a:lvl1pPr algn="l" defTabSz="914400" rtl="0" eaLnBrk="1" latinLnBrk="0" hangingPunct="1">
+              <a:lnSpc>
+                <a:spcPct val="90000"/>
+              </a:lnSpc>
+              <a:spcBef>
+                <a:spcPct val="0"/>
+              </a:spcBef>
+              <a:buNone/>
+              <a:defRPr sz="6000" kern="1200">
+                <a:solidFill>
+                  <a:schemeClr val="tx1"/>
+                </a:solidFill>
+                <a:latin typeface="+mj-lt"/>
+                <a:ea typeface="+mj-ea"/>
+                <a:cs typeface="+mj-cs"/>
+              </a:defRPr>
+            </a:lvl1pPr>
+          </a:lstStyle>
+          <a:p>
+            <a:pPr algn="ctr"/>
+            <a:r>
+              <a:rPr lang="en-US" b="1" dirty="0" smtClean="0">
+                <a:solidFill>
+                  <a:schemeClr val="bg1"/>
+                </a:solidFill>
+                <a:latin typeface="Arial Unicode MS" panose="020B0604020202020204" pitchFamily="34" charset="-128"/>
+                <a:ea typeface="Arial Unicode MS" panose="020B0604020202020204" pitchFamily="34" charset="-128"/>
+                <a:cs typeface="Arial Unicode MS" panose="020B0604020202020204" pitchFamily="34" charset="-128"/>
+              </a:rPr>
+              <a:t>Meeting : 22 November 2024</a:t>
+            </a:r>
+            <a:endParaRPr lang="en-IN" b="1" dirty="0">
+              <a:solidFill>
+                <a:schemeClr val="bg1"/>
+              </a:solidFill>
+              <a:latin typeface="Arial Unicode MS" panose="020B0604020202020204" pitchFamily="34" charset="-128"/>
+              <a:ea typeface="Arial Unicode MS" panose="020B0604020202020204" pitchFamily="34" charset="-128"/>
+              <a:cs typeface="Arial Unicode MS" panose="020B0604020202020204" pitchFamily="34" charset="-128"/>
+            </a:endParaRPr>
+          </a:p>
+        </p:txBody>
+      </p:sp>
+    </p:spTree>
+    <p:extLst>
+      <p:ext uri="{BB962C8B-B14F-4D97-AF65-F5344CB8AC3E}">
+        <p14:creationId xmlns:p14="http://schemas.microsoft.com/office/powerpoint/2010/main" val="324200542"/>
+      </p:ext>
+    </p:extLst>
+  </p:cSld>
+  <p:clrMapOvr>
+    <a:masterClrMapping/>
+  </p:clrMapOvr>
+</p:sld>
+</file>
+
+<file path=ppt/slides/slide16.xml><?xml version="1.0" encoding="utf-8"?>
+<p:sld xmlns:a="http://schemas.openxmlformats.org/drawingml/2006/main" xmlns:r="http://schemas.openxmlformats.org/officeDocument/2006/relationships" xmlns:p="http://schemas.openxmlformats.org/presentationml/2006/main">
+  <p:cSld>
+    <p:spTree>
+      <p:nvGrpSpPr>
+        <p:cNvPr id="1" name=""/>
+        <p:cNvGrpSpPr/>
+        <p:nvPr/>
+      </p:nvGrpSpPr>
+      <p:grpSpPr>
+        <a:xfrm>
+          <a:off x="0" y="0"/>
+          <a:ext cx="0" cy="0"/>
+          <a:chOff x="0" y="0"/>
+          <a:chExt cx="0" cy="0"/>
+        </a:xfrm>
+      </p:grpSpPr>
+      <p:sp>
+        <p:nvSpPr>
+          <p:cNvPr id="5" name="Title 4"/>
+          <p:cNvSpPr>
+            <a:spLocks noGrp="1"/>
+          </p:cNvSpPr>
+          <p:nvPr>
+            <p:ph type="title"/>
+          </p:nvPr>
+        </p:nvSpPr>
+        <p:spPr>
+          <a:xfrm>
+            <a:off x="206476" y="188780"/>
+            <a:ext cx="11804610" cy="766916"/>
+          </a:xfrm>
+        </p:spPr>
+        <p:txBody>
+          <a:bodyPr>
+            <a:normAutofit/>
+          </a:bodyPr>
+          <a:lstStyle/>
+          <a:p>
+            <a:r>
+              <a:rPr lang="en-US" sz="2800" b="1" dirty="0" smtClean="0">
+                <a:latin typeface="Arial Unicode MS" panose="020B0604020202020204" pitchFamily="34" charset="-128"/>
+                <a:ea typeface="Arial Unicode MS" panose="020B0604020202020204" pitchFamily="34" charset="-128"/>
+                <a:cs typeface="Arial Unicode MS" panose="020B0604020202020204" pitchFamily="34" charset="-128"/>
+              </a:rPr>
+              <a:t>Github Repository </a:t>
+            </a:r>
+            <a:r>
+              <a:rPr lang="en-US" sz="2400" dirty="0" smtClean="0">
+                <a:latin typeface="Arial Unicode MS" panose="020B0604020202020204" pitchFamily="34" charset="-128"/>
+                <a:ea typeface="Arial Unicode MS" panose="020B0604020202020204" pitchFamily="34" charset="-128"/>
+                <a:cs typeface="Arial Unicode MS" panose="020B0604020202020204" pitchFamily="34" charset="-128"/>
+              </a:rPr>
+              <a:t>(20 November 2024)</a:t>
+            </a:r>
+            <a:endParaRPr lang="en-IN" sz="2400" dirty="0">
+              <a:latin typeface="Arial Unicode MS" panose="020B0604020202020204" pitchFamily="34" charset="-128"/>
+              <a:ea typeface="Arial Unicode MS" panose="020B0604020202020204" pitchFamily="34" charset="-128"/>
+              <a:cs typeface="Arial Unicode MS" panose="020B0604020202020204" pitchFamily="34" charset="-128"/>
+            </a:endParaRPr>
+          </a:p>
+        </p:txBody>
+      </p:sp>
+      <p:pic>
+        <p:nvPicPr>
+          <p:cNvPr id="3" name="Picture 2"/>
+          <p:cNvPicPr>
+            <a:picLocks noChangeAspect="1"/>
+          </p:cNvPicPr>
+          <p:nvPr/>
+        </p:nvPicPr>
+        <p:blipFill>
+          <a:blip r:embed="rId2"/>
+          <a:stretch>
+            <a:fillRect/>
+          </a:stretch>
+        </p:blipFill>
+        <p:spPr>
+          <a:xfrm>
+            <a:off x="206476" y="1728786"/>
+            <a:ext cx="6330951" cy="3561160"/>
+          </a:xfrm>
+          <a:prstGeom prst="rect">
+            <a:avLst/>
+          </a:prstGeom>
+        </p:spPr>
+      </p:pic>
+      <p:sp>
+        <p:nvSpPr>
+          <p:cNvPr id="2" name="Right Arrow 1"/>
+          <p:cNvSpPr/>
+          <p:nvPr/>
+        </p:nvSpPr>
+        <p:spPr>
+          <a:xfrm>
+            <a:off x="6782708" y="3499157"/>
+            <a:ext cx="552450" cy="369851"/>
+          </a:xfrm>
+          <a:prstGeom prst="rightArrow">
+            <a:avLst/>
+          </a:prstGeom>
+          <a:solidFill>
+            <a:schemeClr val="accent5">
+              <a:lumMod val="50000"/>
+            </a:schemeClr>
+          </a:solidFill>
+          <a:ln>
+            <a:noFill/>
+          </a:ln>
+        </p:spPr>
+        <p:style>
+          <a:lnRef idx="2">
+            <a:schemeClr val="accent1">
+              <a:shade val="50000"/>
+            </a:schemeClr>
+          </a:lnRef>
+          <a:fillRef idx="1">
+            <a:schemeClr val="accent1"/>
+          </a:fillRef>
+          <a:effectRef idx="0">
+            <a:schemeClr val="accent1"/>
+          </a:effectRef>
+          <a:fontRef idx="minor">
+            <a:schemeClr val="lt1"/>
+          </a:fontRef>
+        </p:style>
+        <p:txBody>
+          <a:bodyPr rtlCol="0" anchor="ctr"/>
+          <a:lstStyle/>
+          <a:p>
+            <a:pPr algn="ctr"/>
+            <a:endParaRPr lang="en-IN">
+              <a:latin typeface="Arial Unicode MS" panose="020B0604020202020204" pitchFamily="34" charset="-128"/>
+              <a:ea typeface="Arial Unicode MS" panose="020B0604020202020204" pitchFamily="34" charset="-128"/>
+              <a:cs typeface="Arial Unicode MS" panose="020B0604020202020204" pitchFamily="34" charset="-128"/>
+            </a:endParaRPr>
+          </a:p>
+        </p:txBody>
+      </p:sp>
+      <p:sp>
+        <p:nvSpPr>
+          <p:cNvPr id="6" name="Right Arrow 5"/>
+          <p:cNvSpPr/>
+          <p:nvPr/>
+        </p:nvSpPr>
+        <p:spPr>
+          <a:xfrm rot="10800000">
+            <a:off x="6782708" y="3129306"/>
+            <a:ext cx="552450" cy="369851"/>
+          </a:xfrm>
+          <a:prstGeom prst="rightArrow">
+            <a:avLst/>
+          </a:prstGeom>
+          <a:solidFill>
+            <a:schemeClr val="accent5">
+              <a:lumMod val="50000"/>
+            </a:schemeClr>
+          </a:solidFill>
+          <a:ln>
+            <a:noFill/>
+          </a:ln>
+        </p:spPr>
+        <p:style>
+          <a:lnRef idx="2">
+            <a:schemeClr val="accent1">
+              <a:shade val="50000"/>
+            </a:schemeClr>
+          </a:lnRef>
+          <a:fillRef idx="1">
+            <a:schemeClr val="accent1"/>
+          </a:fillRef>
+          <a:effectRef idx="0">
+            <a:schemeClr val="accent1"/>
+          </a:effectRef>
+          <a:fontRef idx="minor">
+            <a:schemeClr val="lt1"/>
+          </a:fontRef>
+        </p:style>
+        <p:txBody>
+          <a:bodyPr rtlCol="0" anchor="ctr"/>
+          <a:lstStyle/>
+          <a:p>
+            <a:pPr algn="r"/>
+            <a:endParaRPr lang="en-IN" dirty="0">
+              <a:latin typeface="Arial Unicode MS" panose="020B0604020202020204" pitchFamily="34" charset="-128"/>
+              <a:ea typeface="Arial Unicode MS" panose="020B0604020202020204" pitchFamily="34" charset="-128"/>
+              <a:cs typeface="Arial Unicode MS" panose="020B0604020202020204" pitchFamily="34" charset="-128"/>
+            </a:endParaRPr>
+          </a:p>
+        </p:txBody>
+      </p:sp>
+      <p:sp>
+        <p:nvSpPr>
+          <p:cNvPr id="4" name="Rectangle 3"/>
+          <p:cNvSpPr/>
+          <p:nvPr/>
+        </p:nvSpPr>
+        <p:spPr>
+          <a:xfrm>
+            <a:off x="7531200" y="5358884"/>
+            <a:ext cx="4390946" cy="369332"/>
+          </a:xfrm>
+          <a:prstGeom prst="rect">
+            <a:avLst/>
+          </a:prstGeom>
+        </p:spPr>
+        <p:txBody>
+          <a:bodyPr wrap="none">
+            <a:spAutoFit/>
+          </a:bodyPr>
+          <a:lstStyle/>
+          <a:p>
+            <a:r>
+              <a:rPr lang="en-IN" dirty="0" smtClean="0">
+                <a:latin typeface="Arial Unicode MS" panose="020B0604020202020204" pitchFamily="34" charset="-128"/>
+                <a:ea typeface="Arial Unicode MS" panose="020B0604020202020204" pitchFamily="34" charset="-128"/>
+                <a:cs typeface="Arial Unicode MS" panose="020B0604020202020204" pitchFamily="34" charset="-128"/>
+              </a:rPr>
+              <a:t>github.com/</a:t>
+            </a:r>
+            <a:r>
+              <a:rPr lang="en-IN" dirty="0" err="1" smtClean="0">
+                <a:latin typeface="Arial Unicode MS" panose="020B0604020202020204" pitchFamily="34" charset="-128"/>
+                <a:ea typeface="Arial Unicode MS" panose="020B0604020202020204" pitchFamily="34" charset="-128"/>
+                <a:cs typeface="Arial Unicode MS" panose="020B0604020202020204" pitchFamily="34" charset="-128"/>
+              </a:rPr>
+              <a:t>phylmath</a:t>
+            </a:r>
+            <a:r>
+              <a:rPr lang="en-IN" dirty="0" smtClean="0">
+                <a:latin typeface="Arial Unicode MS" panose="020B0604020202020204" pitchFamily="34" charset="-128"/>
+                <a:ea typeface="Arial Unicode MS" panose="020B0604020202020204" pitchFamily="34" charset="-128"/>
+                <a:cs typeface="Arial Unicode MS" panose="020B0604020202020204" pitchFamily="34" charset="-128"/>
+              </a:rPr>
+              <a:t>/HEP-</a:t>
+            </a:r>
+            <a:r>
+              <a:rPr lang="en-IN" dirty="0" err="1" smtClean="0">
+                <a:latin typeface="Arial Unicode MS" panose="020B0604020202020204" pitchFamily="34" charset="-128"/>
+                <a:ea typeface="Arial Unicode MS" panose="020B0604020202020204" pitchFamily="34" charset="-128"/>
+                <a:cs typeface="Arial Unicode MS" panose="020B0604020202020204" pitchFamily="34" charset="-128"/>
+              </a:rPr>
+              <a:t>Pheno</a:t>
+            </a:r>
+            <a:r>
+              <a:rPr lang="en-IN" dirty="0" smtClean="0">
+                <a:latin typeface="Arial Unicode MS" panose="020B0604020202020204" pitchFamily="34" charset="-128"/>
+                <a:ea typeface="Arial Unicode MS" panose="020B0604020202020204" pitchFamily="34" charset="-128"/>
+                <a:cs typeface="Arial Unicode MS" panose="020B0604020202020204" pitchFamily="34" charset="-128"/>
+              </a:rPr>
+              <a:t>-Project</a:t>
+            </a:r>
+            <a:endParaRPr lang="en-IN" dirty="0">
+              <a:latin typeface="Arial Unicode MS" panose="020B0604020202020204" pitchFamily="34" charset="-128"/>
+              <a:ea typeface="Arial Unicode MS" panose="020B0604020202020204" pitchFamily="34" charset="-128"/>
+              <a:cs typeface="Arial Unicode MS" panose="020B0604020202020204" pitchFamily="34" charset="-128"/>
+            </a:endParaRPr>
+          </a:p>
+        </p:txBody>
+      </p:sp>
+      <p:sp>
+        <p:nvSpPr>
+          <p:cNvPr id="8" name="Rectangle 7"/>
+          <p:cNvSpPr/>
+          <p:nvPr/>
+        </p:nvSpPr>
+        <p:spPr>
+          <a:xfrm>
+            <a:off x="621839" y="5358884"/>
+            <a:ext cx="5500224" cy="369332"/>
+          </a:xfrm>
+          <a:prstGeom prst="rect">
+            <a:avLst/>
+          </a:prstGeom>
+        </p:spPr>
+        <p:txBody>
+          <a:bodyPr wrap="none">
+            <a:spAutoFit/>
+          </a:bodyPr>
+          <a:lstStyle/>
+          <a:p>
+            <a:r>
+              <a:rPr lang="en-IN" dirty="0" smtClean="0">
+                <a:latin typeface="Arial Unicode MS" panose="020B0604020202020204" pitchFamily="34" charset="-128"/>
+                <a:ea typeface="Arial Unicode MS" panose="020B0604020202020204" pitchFamily="34" charset="-128"/>
+                <a:cs typeface="Arial Unicode MS" panose="020B0604020202020204" pitchFamily="34" charset="-128"/>
+              </a:rPr>
+              <a:t>Visual Studio Code + Windows Subsystem for Linux</a:t>
+            </a:r>
+            <a:endParaRPr lang="en-IN" dirty="0">
+              <a:latin typeface="Arial Unicode MS" panose="020B0604020202020204" pitchFamily="34" charset="-128"/>
+              <a:ea typeface="Arial Unicode MS" panose="020B0604020202020204" pitchFamily="34" charset="-128"/>
+              <a:cs typeface="Arial Unicode MS" panose="020B0604020202020204" pitchFamily="34" charset="-128"/>
+            </a:endParaRPr>
+          </a:p>
+        </p:txBody>
+      </p:sp>
+      <p:pic>
+        <p:nvPicPr>
+          <p:cNvPr id="9" name="Picture 8"/>
+          <p:cNvPicPr>
+            <a:picLocks noChangeAspect="1"/>
+          </p:cNvPicPr>
+          <p:nvPr/>
+        </p:nvPicPr>
+        <p:blipFill>
+          <a:blip r:embed="rId3"/>
+          <a:stretch>
+            <a:fillRect/>
+          </a:stretch>
+        </p:blipFill>
+        <p:spPr>
+          <a:xfrm>
+            <a:off x="7580440" y="1728787"/>
+            <a:ext cx="4292466" cy="3554994"/>
+          </a:xfrm>
+          <a:prstGeom prst="rect">
+            <a:avLst/>
+          </a:prstGeom>
+        </p:spPr>
+      </p:pic>
+      <p:sp>
+        <p:nvSpPr>
+          <p:cNvPr id="10" name="Rounded Rectangle 9"/>
+          <p:cNvSpPr/>
+          <p:nvPr/>
+        </p:nvSpPr>
+        <p:spPr>
+          <a:xfrm>
+            <a:off x="7639050" y="3549650"/>
+            <a:ext cx="895350" cy="157956"/>
+          </a:xfrm>
+          <a:prstGeom prst="roundRect">
+            <a:avLst/>
+          </a:prstGeom>
+          <a:noFill/>
+          <a:ln w="28575">
+            <a:solidFill>
+              <a:srgbClr val="FF0000"/>
+            </a:solidFill>
+          </a:ln>
+        </p:spPr>
+        <p:style>
+          <a:lnRef idx="2">
+            <a:schemeClr val="accent1">
+              <a:shade val="50000"/>
+            </a:schemeClr>
+          </a:lnRef>
+          <a:fillRef idx="1">
+            <a:schemeClr val="accent1"/>
+          </a:fillRef>
+          <a:effectRef idx="0">
+            <a:schemeClr val="accent1"/>
+          </a:effectRef>
+          <a:fontRef idx="minor">
+            <a:schemeClr val="lt1"/>
+          </a:fontRef>
+        </p:style>
+        <p:txBody>
+          <a:bodyPr rtlCol="0" anchor="ctr"/>
+          <a:lstStyle/>
+          <a:p>
+            <a:pPr algn="ctr"/>
+            <a:endParaRPr lang="en-IN"/>
+          </a:p>
+        </p:txBody>
+      </p:sp>
+      <p:sp>
+        <p:nvSpPr>
+          <p:cNvPr id="11" name="Rounded Rectangle 10"/>
+          <p:cNvSpPr/>
+          <p:nvPr/>
+        </p:nvSpPr>
+        <p:spPr>
+          <a:xfrm>
+            <a:off x="7639050" y="2552700"/>
+            <a:ext cx="895350" cy="946457"/>
+          </a:xfrm>
+          <a:prstGeom prst="roundRect">
+            <a:avLst/>
+          </a:prstGeom>
+          <a:noFill/>
+          <a:ln w="28575">
+            <a:solidFill>
+              <a:srgbClr val="FFFF00"/>
+            </a:solidFill>
+          </a:ln>
+        </p:spPr>
+        <p:style>
+          <a:lnRef idx="2">
+            <a:schemeClr val="accent1">
+              <a:shade val="50000"/>
+            </a:schemeClr>
+          </a:lnRef>
+          <a:fillRef idx="1">
+            <a:schemeClr val="accent1"/>
+          </a:fillRef>
+          <a:effectRef idx="0">
+            <a:schemeClr val="accent1"/>
+          </a:effectRef>
+          <a:fontRef idx="minor">
+            <a:schemeClr val="lt1"/>
+          </a:fontRef>
+        </p:style>
+        <p:txBody>
+          <a:bodyPr rtlCol="0" anchor="ctr"/>
+          <a:lstStyle/>
+          <a:p>
+            <a:pPr algn="ctr"/>
+            <a:endParaRPr lang="en-IN"/>
+          </a:p>
+        </p:txBody>
+      </p:sp>
+    </p:spTree>
+    <p:extLst>
+      <p:ext uri="{BB962C8B-B14F-4D97-AF65-F5344CB8AC3E}">
+        <p14:creationId xmlns:p14="http://schemas.microsoft.com/office/powerpoint/2010/main" val="2865960224"/>
+      </p:ext>
+    </p:extLst>
+  </p:cSld>
+  <p:clrMapOvr>
+    <a:masterClrMapping/>
+  </p:clrMapOvr>
+</p:sld>
+</file>
+
+<file path=ppt/slides/slide17.xml><?xml version="1.0" encoding="utf-8"?>
+<p:sld xmlns:a="http://schemas.openxmlformats.org/drawingml/2006/main" xmlns:r="http://schemas.openxmlformats.org/officeDocument/2006/relationships" xmlns:p="http://schemas.openxmlformats.org/presentationml/2006/main">
+  <p:cSld>
+    <p:spTree>
+      <p:nvGrpSpPr>
+        <p:cNvPr id="1" name=""/>
+        <p:cNvGrpSpPr/>
+        <p:nvPr/>
+      </p:nvGrpSpPr>
+      <p:grpSpPr>
+        <a:xfrm>
+          <a:off x="0" y="0"/>
+          <a:ext cx="0" cy="0"/>
+          <a:chOff x="0" y="0"/>
+          <a:chExt cx="0" cy="0"/>
+        </a:xfrm>
+      </p:grpSpPr>
+      <p:sp>
+        <p:nvSpPr>
           <p:cNvPr id="5" name="Title 4"/>
           <p:cNvSpPr>
             <a:spLocks noGrp="1"/>
@@ -5005,7 +6567,7 @@
 </p:sld>
 </file>
 
-<file path=ppt/slides/slide16.xml><?xml version="1.0" encoding="utf-8"?>
+<file path=ppt/slides/slide18.xml><?xml version="1.0" encoding="utf-8"?>
 <p:sld xmlns:a="http://schemas.openxmlformats.org/drawingml/2006/main" xmlns:r="http://schemas.openxmlformats.org/officeDocument/2006/relationships" xmlns:p="http://schemas.openxmlformats.org/presentationml/2006/main">
   <p:cSld>
     <p:spTree>
@@ -5260,21 +6822,8 @@
                 <a:ea typeface="Arial Unicode MS" panose="020B0604020202020204" pitchFamily="34" charset="-128"/>
                 <a:cs typeface="Arial Unicode MS" panose="020B0604020202020204" pitchFamily="34" charset="-128"/>
               </a:rPr>
-              <a:t>xx Sep 2024 </a:t>
-            </a:r>
-            <a:r>
-              <a:rPr lang="en-US" sz="1600" dirty="0" smtClean="0">
-                <a:latin typeface="Arial Unicode MS" panose="020B0604020202020204" pitchFamily="34" charset="-128"/>
-                <a:ea typeface="Arial Unicode MS" panose="020B0604020202020204" pitchFamily="34" charset="-128"/>
-                <a:cs typeface="Arial Unicode MS" panose="020B0604020202020204" pitchFamily="34" charset="-128"/>
-              </a:rPr>
-              <a:t>– Meeting (Philip, …)</a:t>
-            </a:r>
-            <a:endParaRPr lang="en-US" sz="1600" dirty="0" smtClean="0">
-              <a:latin typeface="Arial Unicode MS" panose="020B0604020202020204" pitchFamily="34" charset="-128"/>
-              <a:ea typeface="Arial Unicode MS" panose="020B0604020202020204" pitchFamily="34" charset="-128"/>
-              <a:cs typeface="Arial Unicode MS" panose="020B0604020202020204" pitchFamily="34" charset="-128"/>
-            </a:endParaRPr>
+              <a:t>xx Sep 2024 – Meeting (Philip, …)</a:t>
+            </a:r>
           </a:p>
           <a:p>
             <a:pPr>
@@ -5288,15 +6837,7 @@
                 <a:ea typeface="Arial Unicode MS" panose="020B0604020202020204" pitchFamily="34" charset="-128"/>
                 <a:cs typeface="Arial Unicode MS" panose="020B0604020202020204" pitchFamily="34" charset="-128"/>
               </a:rPr>
-              <a:t>27 Sep 2024 </a:t>
-            </a:r>
-            <a:r>
-              <a:rPr lang="en-US" sz="1600" dirty="0" smtClean="0">
-                <a:latin typeface="Arial Unicode MS" panose="020B0604020202020204" pitchFamily="34" charset="-128"/>
-                <a:ea typeface="Arial Unicode MS" panose="020B0604020202020204" pitchFamily="34" charset="-128"/>
-                <a:cs typeface="Arial Unicode MS" panose="020B0604020202020204" pitchFamily="34" charset="-128"/>
-              </a:rPr>
-              <a:t>– Meeting (Philip, Manjit, </a:t>
+              <a:t>27 Sep 2024 – Meeting (Philip, Manjit, </a:t>
             </a:r>
             <a:r>
               <a:rPr lang="en-US" sz="1600" dirty="0" err="1" smtClean="0">
@@ -5327,15 +6868,7 @@
                 <a:ea typeface="Arial Unicode MS" panose="020B0604020202020204" pitchFamily="34" charset="-128"/>
                 <a:cs typeface="Arial Unicode MS" panose="020B0604020202020204" pitchFamily="34" charset="-128"/>
               </a:rPr>
-              <a:t>09 Oct 2024 </a:t>
-            </a:r>
-            <a:r>
-              <a:rPr lang="en-US" sz="1600" dirty="0" smtClean="0">
-                <a:latin typeface="Arial Unicode MS" panose="020B0604020202020204" pitchFamily="34" charset="-128"/>
-                <a:ea typeface="Arial Unicode MS" panose="020B0604020202020204" pitchFamily="34" charset="-128"/>
-                <a:cs typeface="Arial Unicode MS" panose="020B0604020202020204" pitchFamily="34" charset="-128"/>
-              </a:rPr>
-              <a:t>– end of busy phase</a:t>
+              <a:t>09 Oct 2024 – end of busy phase</a:t>
             </a:r>
           </a:p>
           <a:p>
@@ -5350,15 +6883,7 @@
                 <a:ea typeface="Arial Unicode MS" panose="020B0604020202020204" pitchFamily="34" charset="-128"/>
                 <a:cs typeface="Arial Unicode MS" panose="020B0604020202020204" pitchFamily="34" charset="-128"/>
               </a:rPr>
-              <a:t>21 Oct 2024 </a:t>
-            </a:r>
-            <a:r>
-              <a:rPr lang="en-US" sz="1600" dirty="0" smtClean="0">
-                <a:latin typeface="Arial Unicode MS" panose="020B0604020202020204" pitchFamily="34" charset="-128"/>
-                <a:ea typeface="Arial Unicode MS" panose="020B0604020202020204" pitchFamily="34" charset="-128"/>
-                <a:cs typeface="Arial Unicode MS" panose="020B0604020202020204" pitchFamily="34" charset="-128"/>
-              </a:rPr>
-              <a:t>– Meeting (Philip, Manjit)</a:t>
+              <a:t>21 Oct 2024 – Meeting (Philip, Manjit)</a:t>
             </a:r>
           </a:p>
           <a:p>
@@ -5373,15 +6898,7 @@
                 <a:ea typeface="Arial Unicode MS" panose="020B0604020202020204" pitchFamily="34" charset="-128"/>
                 <a:cs typeface="Arial Unicode MS" panose="020B0604020202020204" pitchFamily="34" charset="-128"/>
               </a:rPr>
-              <a:t>05 Nov 2024 </a:t>
-            </a:r>
-            <a:r>
-              <a:rPr lang="en-US" sz="1600" dirty="0" smtClean="0">
-                <a:latin typeface="Arial Unicode MS" panose="020B0604020202020204" pitchFamily="34" charset="-128"/>
-                <a:ea typeface="Arial Unicode MS" panose="020B0604020202020204" pitchFamily="34" charset="-128"/>
-                <a:cs typeface="Arial Unicode MS" panose="020B0604020202020204" pitchFamily="34" charset="-128"/>
-              </a:rPr>
-              <a:t>– Meeting (Philip, Manjit)</a:t>
+              <a:t>05 Nov 2024 – Meeting (Philip, Manjit)</a:t>
             </a:r>
           </a:p>
           <a:p>
@@ -6193,11 +7710,6 @@
               </a:rPr>
               <a:t>Particles are typically defined in transverse plane.</a:t>
             </a:r>
-            <a:endParaRPr lang="en-US" sz="2000" dirty="0" smtClean="0">
-              <a:latin typeface="Arial Unicode MS" panose="020B0604020202020204" pitchFamily="34" charset="-128"/>
-              <a:ea typeface="Arial Unicode MS" panose="020B0604020202020204" pitchFamily="34" charset="-128"/>
-              <a:cs typeface="Arial Unicode MS" panose="020B0604020202020204" pitchFamily="34" charset="-128"/>
-            </a:endParaRPr>
           </a:p>
           <a:p>
             <a:pPr>

--- a/Progress-Updates.pptx
+++ b/Progress-Updates.pptx
@@ -3157,15 +3157,49 @@
                 <a:ea typeface="Arial Unicode MS" panose="020B0604020202020204" pitchFamily="34" charset="-128"/>
                 <a:cs typeface="Arial Unicode MS" panose="020B0604020202020204" pitchFamily="34" charset="-128"/>
               </a:rPr>
-              <a:t>What is QCD</a:t>
-            </a:r>
-            <a:r>
-              <a:rPr lang="en-US" sz="2800" b="1" dirty="0" smtClean="0">
-                <a:latin typeface="Arial Unicode MS" panose="020B0604020202020204" pitchFamily="34" charset="-128"/>
-                <a:ea typeface="Arial Unicode MS" panose="020B0604020202020204" pitchFamily="34" charset="-128"/>
-                <a:cs typeface="Arial Unicode MS" panose="020B0604020202020204" pitchFamily="34" charset="-128"/>
-              </a:rPr>
-              <a:t>?</a:t>
+              <a:t>Theoretical </a:t>
+            </a:r>
+            <a:r>
+              <a:rPr lang="en-US" sz="2800" dirty="0" smtClean="0">
+                <a:latin typeface="Arial Unicode MS" panose="020B0604020202020204" pitchFamily="34" charset="-128"/>
+                <a:ea typeface="Arial Unicode MS" panose="020B0604020202020204" pitchFamily="34" charset="-128"/>
+                <a:cs typeface="Arial Unicode MS" panose="020B0604020202020204" pitchFamily="34" charset="-128"/>
+              </a:rPr>
+              <a:t>‘</a:t>
+            </a:r>
+            <a:r>
+              <a:rPr lang="en-IN" sz="2800" dirty="0">
+                <a:solidFill>
+                  <a:schemeClr val="accent1">
+                    <a:lumMod val="50000"/>
+                  </a:schemeClr>
+                </a:solidFill>
+                <a:latin typeface="Arial Unicode MS" panose="020B0604020202020204" pitchFamily="34" charset="-128"/>
+                <a:ea typeface="Arial Unicode MS" panose="020B0604020202020204" pitchFamily="34" charset="-128"/>
+                <a:cs typeface="Arial Unicode MS" panose="020B0604020202020204" pitchFamily="34" charset="-128"/>
+              </a:rPr>
+              <a:t>eē</a:t>
+            </a:r>
+            <a:r>
+              <a:rPr lang="en-US" sz="2800" dirty="0">
+                <a:solidFill>
+                  <a:schemeClr val="accent1">
+                    <a:lumMod val="50000"/>
+                  </a:schemeClr>
+                </a:solidFill>
+                <a:latin typeface="Arial Unicode MS" panose="020B0604020202020204" pitchFamily="34" charset="-128"/>
+                <a:ea typeface="Arial Unicode MS" panose="020B0604020202020204" pitchFamily="34" charset="-128"/>
+                <a:cs typeface="Arial Unicode MS" panose="020B0604020202020204" pitchFamily="34" charset="-128"/>
+              </a:rPr>
+              <a:t> → hadron</a:t>
+            </a:r>
+            <a:r>
+              <a:rPr lang="en-US" sz="2800" dirty="0">
+                <a:latin typeface="Arial Unicode MS" panose="020B0604020202020204" pitchFamily="34" charset="-128"/>
+                <a:ea typeface="Arial Unicode MS" panose="020B0604020202020204" pitchFamily="34" charset="-128"/>
+                <a:cs typeface="Arial Unicode MS" panose="020B0604020202020204" pitchFamily="34" charset="-128"/>
+              </a:rPr>
+              <a:t>’</a:t>
             </a:r>
             <a:endParaRPr lang="en-IN" sz="2800" b="1" dirty="0">
               <a:latin typeface="Arial Unicode MS" panose="020B0604020202020204" pitchFamily="34" charset="-128"/>
@@ -3188,7 +3222,7 @@
         <p:spPr>
           <a:xfrm>
             <a:off x="206476" y="1064608"/>
-            <a:ext cx="11804610" cy="4351338"/>
+            <a:ext cx="11804610" cy="5640992"/>
           </a:xfrm>
         </p:spPr>
         <p:txBody>
@@ -3208,7 +3242,23 @@
                 <a:ea typeface="Arial Unicode MS" panose="020B0604020202020204" pitchFamily="34" charset="-128"/>
                 <a:cs typeface="Arial Unicode MS" panose="020B0604020202020204" pitchFamily="34" charset="-128"/>
               </a:rPr>
-              <a:t>Proposed gauge theory for the strong interaction:</a:t>
+              <a:t>QCD is the</a:t>
+            </a:r>
+            <a:r>
+              <a:rPr lang="en-US" sz="2000" dirty="0" smtClean="0">
+                <a:latin typeface="Arial Unicode MS" panose="020B0604020202020204" pitchFamily="34" charset="-128"/>
+                <a:ea typeface="Arial Unicode MS" panose="020B0604020202020204" pitchFamily="34" charset="-128"/>
+                <a:cs typeface="Arial Unicode MS" panose="020B0604020202020204" pitchFamily="34" charset="-128"/>
+              </a:rPr>
+              <a:t> </a:t>
+            </a:r>
+            <a:r>
+              <a:rPr lang="en-US" sz="2000" dirty="0" smtClean="0">
+                <a:latin typeface="Arial Unicode MS" panose="020B0604020202020204" pitchFamily="34" charset="-128"/>
+                <a:ea typeface="Arial Unicode MS" panose="020B0604020202020204" pitchFamily="34" charset="-128"/>
+                <a:cs typeface="Arial Unicode MS" panose="020B0604020202020204" pitchFamily="34" charset="-128"/>
+              </a:rPr>
+              <a:t>gauge theory for the strong interaction:</a:t>
             </a:r>
           </a:p>
           <a:p>
@@ -3481,11 +3531,90 @@
                 <a:ea typeface="Arial Unicode MS" panose="020B0604020202020204" pitchFamily="34" charset="-128"/>
                 <a:cs typeface="Arial Unicode MS" panose="020B0604020202020204" pitchFamily="34" charset="-128"/>
               </a:rPr>
-              <a:t>Perturbation theory can be used to study quark-gluon production with high momentum transfers.</a:t>
-            </a:r>
-          </a:p>
-        </p:txBody>
-      </p:sp>
+              <a:t>Perturbation </a:t>
+            </a:r>
+            <a:r>
+              <a:rPr lang="en-US" sz="2000" dirty="0" smtClean="0">
+                <a:latin typeface="Arial Unicode MS" panose="020B0604020202020204" pitchFamily="34" charset="-128"/>
+                <a:ea typeface="Arial Unicode MS" panose="020B0604020202020204" pitchFamily="34" charset="-128"/>
+                <a:cs typeface="Arial Unicode MS" panose="020B0604020202020204" pitchFamily="34" charset="-128"/>
+              </a:rPr>
+              <a:t>is </a:t>
+            </a:r>
+            <a:r>
+              <a:rPr lang="en-US" sz="2000" dirty="0" smtClean="0">
+                <a:latin typeface="Arial Unicode MS" panose="020B0604020202020204" pitchFamily="34" charset="-128"/>
+                <a:ea typeface="Arial Unicode MS" panose="020B0604020202020204" pitchFamily="34" charset="-128"/>
+                <a:cs typeface="Arial Unicode MS" panose="020B0604020202020204" pitchFamily="34" charset="-128"/>
+              </a:rPr>
+              <a:t>used to study </a:t>
+            </a:r>
+            <a:r>
+              <a:rPr lang="en-US" sz="2000" dirty="0" smtClean="0">
+                <a:latin typeface="Arial Unicode MS" panose="020B0604020202020204" pitchFamily="34" charset="-128"/>
+                <a:ea typeface="Arial Unicode MS" panose="020B0604020202020204" pitchFamily="34" charset="-128"/>
+                <a:cs typeface="Arial Unicode MS" panose="020B0604020202020204" pitchFamily="34" charset="-128"/>
+              </a:rPr>
+              <a:t>q-g </a:t>
+            </a:r>
+            <a:r>
+              <a:rPr lang="en-US" sz="2000" dirty="0" smtClean="0">
+                <a:latin typeface="Arial Unicode MS" panose="020B0604020202020204" pitchFamily="34" charset="-128"/>
+                <a:ea typeface="Arial Unicode MS" panose="020B0604020202020204" pitchFamily="34" charset="-128"/>
+                <a:cs typeface="Arial Unicode MS" panose="020B0604020202020204" pitchFamily="34" charset="-128"/>
+              </a:rPr>
+              <a:t>production with high momentum transfers</a:t>
+            </a:r>
+            <a:r>
+              <a:rPr lang="en-US" sz="2000" dirty="0" smtClean="0">
+                <a:latin typeface="Arial Unicode MS" panose="020B0604020202020204" pitchFamily="34" charset="-128"/>
+                <a:ea typeface="Arial Unicode MS" panose="020B0604020202020204" pitchFamily="34" charset="-128"/>
+                <a:cs typeface="Arial Unicode MS" panose="020B0604020202020204" pitchFamily="34" charset="-128"/>
+              </a:rPr>
+              <a:t>.</a:t>
+            </a:r>
+          </a:p>
+          <a:p>
+            <a:pPr lvl="1">
+              <a:spcBef>
+                <a:spcPts val="1200"/>
+              </a:spcBef>
+              <a:spcAft>
+                <a:spcPts val="600"/>
+              </a:spcAft>
+            </a:pPr>
+            <a:endParaRPr lang="en-US" sz="1600" dirty="0" smtClean="0">
+              <a:latin typeface="Arial Unicode MS" panose="020B0604020202020204" pitchFamily="34" charset="-128"/>
+              <a:ea typeface="Arial Unicode MS" panose="020B0604020202020204" pitchFamily="34" charset="-128"/>
+              <a:cs typeface="Arial Unicode MS" panose="020B0604020202020204" pitchFamily="34" charset="-128"/>
+            </a:endParaRPr>
+          </a:p>
+        </p:txBody>
+      </p:sp>
+      <p:pic>
+        <p:nvPicPr>
+          <p:cNvPr id="2" name="Picture 1"/>
+          <p:cNvPicPr>
+            <a:picLocks noChangeAspect="1"/>
+          </p:cNvPicPr>
+          <p:nvPr/>
+        </p:nvPicPr>
+        <p:blipFill>
+          <a:blip r:embed="rId2"/>
+          <a:stretch>
+            <a:fillRect/>
+          </a:stretch>
+        </p:blipFill>
+        <p:spPr>
+          <a:xfrm>
+            <a:off x="8801488" y="188780"/>
+            <a:ext cx="3209597" cy="3658816"/>
+          </a:xfrm>
+          <a:prstGeom prst="rect">
+            <a:avLst/>
+          </a:prstGeom>
+        </p:spPr>
+      </p:pic>
     </p:spTree>
     <p:extLst>
       <p:ext uri="{BB962C8B-B14F-4D97-AF65-F5344CB8AC3E}">
@@ -3764,15 +3893,7 @@
                 <a:ea typeface="Arial Unicode MS" panose="020B0604020202020204" pitchFamily="34" charset="-128"/>
                 <a:cs typeface="Arial Unicode MS" panose="020B0604020202020204" pitchFamily="34" charset="-128"/>
               </a:rPr>
-              <a:t>FCCee </a:t>
-            </a:r>
-            <a:r>
-              <a:rPr lang="en-US" sz="2000" dirty="0" smtClean="0">
-                <a:latin typeface="Arial Unicode MS" panose="020B0604020202020204" pitchFamily="34" charset="-128"/>
-                <a:ea typeface="Arial Unicode MS" panose="020B0604020202020204" pitchFamily="34" charset="-128"/>
-                <a:cs typeface="Arial Unicode MS" panose="020B0604020202020204" pitchFamily="34" charset="-128"/>
-              </a:rPr>
-              <a:t>will improve over LEP:</a:t>
+              <a:t>FCCee will improve over LEP:</a:t>
             </a:r>
           </a:p>
           <a:p>
@@ -3787,15 +3908,7 @@
                 <a:ea typeface="Arial Unicode MS" panose="020B0604020202020204" pitchFamily="34" charset="-128"/>
                 <a:cs typeface="Arial Unicode MS" panose="020B0604020202020204" pitchFamily="34" charset="-128"/>
               </a:rPr>
-              <a:t>Overall – Increase</a:t>
-            </a:r>
-            <a:r>
-              <a:rPr lang="en-US" sz="1600" dirty="0" smtClean="0">
-                <a:latin typeface="Arial Unicode MS" panose="020B0604020202020204" pitchFamily="34" charset="-128"/>
-                <a:ea typeface="Arial Unicode MS" panose="020B0604020202020204" pitchFamily="34" charset="-128"/>
-                <a:cs typeface="Arial Unicode MS" panose="020B0604020202020204" pitchFamily="34" charset="-128"/>
-              </a:rPr>
-              <a:t>d statistical samples of 10</a:t>
+              <a:t>Overall – Increased statistical samples of 10</a:t>
             </a:r>
             <a:r>
               <a:rPr lang="en-US" sz="1600" baseline="30000" dirty="0" smtClean="0">
@@ -3858,8 +3971,23 @@
                 <a:ea typeface="Arial Unicode MS" panose="020B0604020202020204" pitchFamily="34" charset="-128"/>
                 <a:cs typeface="Arial Unicode MS" panose="020B0604020202020204" pitchFamily="34" charset="-128"/>
               </a:rPr>
-              <a:t> thereby decreasing uncertainties by factor of 300.</a:t>
-            </a:r>
+              <a:t> thereby decreasing uncertainties by factor of 300</a:t>
+            </a:r>
+            <a:r>
+              <a:rPr lang="en-US" sz="1600" dirty="0" smtClean="0">
+                <a:latin typeface="Arial Unicode MS" panose="020B0604020202020204" pitchFamily="34" charset="-128"/>
+                <a:ea typeface="Arial Unicode MS" panose="020B0604020202020204" pitchFamily="34" charset="-128"/>
+                <a:cs typeface="Arial Unicode MS" panose="020B0604020202020204" pitchFamily="34" charset="-128"/>
+              </a:rPr>
+              <a:t>.</a:t>
+            </a:r>
+          </a:p>
+          <a:p>
+            <a:pPr lvl="1">
+              <a:spcAft>
+                <a:spcPts val="600"/>
+              </a:spcAft>
+            </a:pPr>
             <a:endParaRPr lang="en-US" sz="1600" dirty="0" smtClean="0">
               <a:latin typeface="Arial Unicode MS" panose="020B0604020202020204" pitchFamily="34" charset="-128"/>
               <a:ea typeface="Arial Unicode MS" panose="020B0604020202020204" pitchFamily="34" charset="-128"/>
@@ -4417,7 +4545,15 @@
                 <a:ea typeface="Arial Unicode MS" panose="020B0604020202020204" pitchFamily="34" charset="-128"/>
                 <a:cs typeface="Arial Unicode MS" panose="020B0604020202020204" pitchFamily="34" charset="-128"/>
               </a:rPr>
-              <a:t>LEP (1989-)</a:t>
+              <a:t>LEP (</a:t>
+            </a:r>
+            <a:r>
+              <a:rPr lang="en-US" sz="2800" b="1" dirty="0" smtClean="0">
+                <a:latin typeface="Arial Unicode MS" panose="020B0604020202020204" pitchFamily="34" charset="-128"/>
+                <a:ea typeface="Arial Unicode MS" panose="020B0604020202020204" pitchFamily="34" charset="-128"/>
+                <a:cs typeface="Arial Unicode MS" panose="020B0604020202020204" pitchFamily="34" charset="-128"/>
+              </a:rPr>
+              <a:t>1989 - 2000)</a:t>
             </a:r>
             <a:endParaRPr lang="en-IN" sz="2800" b="1" dirty="0">
               <a:latin typeface="Arial Unicode MS" panose="020B0604020202020204" pitchFamily="34" charset="-128"/>
@@ -4694,6 +4830,14 @@
               </a:rPr>
               <a:t>4f </a:t>
             </a:r>
+            <a:r>
+              <a:rPr lang="en-US" sz="1600" dirty="0">
+                <a:latin typeface="Arial Unicode MS" panose="020B0604020202020204" pitchFamily="34" charset="-128"/>
+                <a:ea typeface="Arial Unicode MS" panose="020B0604020202020204" pitchFamily="34" charset="-128"/>
+                <a:cs typeface="Arial Unicode MS" panose="020B0604020202020204" pitchFamily="34" charset="-128"/>
+              </a:rPr>
+              <a:t>t¯ t</a:t>
+            </a:r>
             <a:endParaRPr lang="en-US" sz="1600" dirty="0">
               <a:latin typeface="Arial Unicode MS" panose="020B0604020202020204" pitchFamily="34" charset="-128"/>
               <a:ea typeface="Arial Unicode MS" panose="020B0604020202020204" pitchFamily="34" charset="-128"/>
@@ -4728,163 +4872,15 @@
                 <a:ea typeface="Arial Unicode MS" panose="020B0604020202020204" pitchFamily="34" charset="-128"/>
                 <a:cs typeface="Arial Unicode MS" panose="020B0604020202020204" pitchFamily="34" charset="-128"/>
               </a:rPr>
-              <a:t>GeV for Higgs an SUSY particles</a:t>
-            </a:r>
-            <a:endParaRPr lang="en-US" sz="1600" dirty="0">
-              <a:latin typeface="Arial Unicode MS" panose="020B0604020202020204" pitchFamily="34" charset="-128"/>
-              <a:ea typeface="Arial Unicode MS" panose="020B0604020202020204" pitchFamily="34" charset="-128"/>
-              <a:cs typeface="Arial Unicode MS" panose="020B0604020202020204" pitchFamily="34" charset="-128"/>
-            </a:endParaRPr>
-          </a:p>
-          <a:p>
-            <a:pPr>
-              <a:spcAft>
-                <a:spcPts val="600"/>
-              </a:spcAft>
-            </a:pPr>
-            <a:r>
-              <a:rPr lang="en-US" sz="2000" dirty="0" err="1" smtClean="0">
-                <a:latin typeface="Arial Unicode MS" panose="020B0604020202020204" pitchFamily="34" charset="-128"/>
-                <a:ea typeface="Arial Unicode MS" panose="020B0604020202020204" pitchFamily="34" charset="-128"/>
-                <a:cs typeface="Arial Unicode MS" panose="020B0604020202020204" pitchFamily="34" charset="-128"/>
-              </a:rPr>
-              <a:t>lorem</a:t>
-            </a:r>
-            <a:r>
-              <a:rPr lang="en-US" sz="2000" dirty="0" smtClean="0">
-                <a:latin typeface="Arial Unicode MS" panose="020B0604020202020204" pitchFamily="34" charset="-128"/>
-                <a:ea typeface="Arial Unicode MS" panose="020B0604020202020204" pitchFamily="34" charset="-128"/>
-                <a:cs typeface="Arial Unicode MS" panose="020B0604020202020204" pitchFamily="34" charset="-128"/>
-              </a:rPr>
-              <a:t> </a:t>
-            </a:r>
-            <a:r>
-              <a:rPr lang="en-US" sz="2000" dirty="0" err="1">
-                <a:latin typeface="Arial Unicode MS" panose="020B0604020202020204" pitchFamily="34" charset="-128"/>
-                <a:ea typeface="Arial Unicode MS" panose="020B0604020202020204" pitchFamily="34" charset="-128"/>
-                <a:cs typeface="Arial Unicode MS" panose="020B0604020202020204" pitchFamily="34" charset="-128"/>
-              </a:rPr>
-              <a:t>ipsum</a:t>
-            </a:r>
-            <a:r>
-              <a:rPr lang="en-US" sz="2000" dirty="0">
-                <a:latin typeface="Arial Unicode MS" panose="020B0604020202020204" pitchFamily="34" charset="-128"/>
-                <a:ea typeface="Arial Unicode MS" panose="020B0604020202020204" pitchFamily="34" charset="-128"/>
-                <a:cs typeface="Arial Unicode MS" panose="020B0604020202020204" pitchFamily="34" charset="-128"/>
-              </a:rPr>
-              <a:t> dolor sit </a:t>
-            </a:r>
-            <a:r>
-              <a:rPr lang="en-US" sz="2000" dirty="0" err="1">
-                <a:latin typeface="Arial Unicode MS" panose="020B0604020202020204" pitchFamily="34" charset="-128"/>
-                <a:ea typeface="Arial Unicode MS" panose="020B0604020202020204" pitchFamily="34" charset="-128"/>
-                <a:cs typeface="Arial Unicode MS" panose="020B0604020202020204" pitchFamily="34" charset="-128"/>
-              </a:rPr>
-              <a:t>amet</a:t>
-            </a:r>
-            <a:endParaRPr lang="en-US" sz="2000" dirty="0">
-              <a:latin typeface="Arial Unicode MS" panose="020B0604020202020204" pitchFamily="34" charset="-128"/>
-              <a:ea typeface="Arial Unicode MS" panose="020B0604020202020204" pitchFamily="34" charset="-128"/>
-              <a:cs typeface="Arial Unicode MS" panose="020B0604020202020204" pitchFamily="34" charset="-128"/>
-            </a:endParaRPr>
-          </a:p>
-          <a:p>
-            <a:pPr lvl="1">
-              <a:spcAft>
-                <a:spcPts val="600"/>
-              </a:spcAft>
-            </a:pPr>
-            <a:r>
-              <a:rPr lang="en-US" sz="1600" dirty="0" err="1">
-                <a:latin typeface="Arial Unicode MS" panose="020B0604020202020204" pitchFamily="34" charset="-128"/>
-                <a:ea typeface="Arial Unicode MS" panose="020B0604020202020204" pitchFamily="34" charset="-128"/>
-                <a:cs typeface="Arial Unicode MS" panose="020B0604020202020204" pitchFamily="34" charset="-128"/>
-              </a:rPr>
-              <a:t>lorem</a:t>
-            </a:r>
-            <a:r>
-              <a:rPr lang="en-US" sz="1600" dirty="0">
-                <a:latin typeface="Arial Unicode MS" panose="020B0604020202020204" pitchFamily="34" charset="-128"/>
-                <a:ea typeface="Arial Unicode MS" panose="020B0604020202020204" pitchFamily="34" charset="-128"/>
-                <a:cs typeface="Arial Unicode MS" panose="020B0604020202020204" pitchFamily="34" charset="-128"/>
-              </a:rPr>
-              <a:t> </a:t>
-            </a:r>
-            <a:r>
-              <a:rPr lang="en-US" sz="1600" dirty="0" err="1">
-                <a:latin typeface="Arial Unicode MS" panose="020B0604020202020204" pitchFamily="34" charset="-128"/>
-                <a:ea typeface="Arial Unicode MS" panose="020B0604020202020204" pitchFamily="34" charset="-128"/>
-                <a:cs typeface="Arial Unicode MS" panose="020B0604020202020204" pitchFamily="34" charset="-128"/>
-              </a:rPr>
-              <a:t>ipsum</a:t>
-            </a:r>
-            <a:r>
-              <a:rPr lang="en-US" sz="1600" dirty="0">
-                <a:latin typeface="Arial Unicode MS" panose="020B0604020202020204" pitchFamily="34" charset="-128"/>
-                <a:ea typeface="Arial Unicode MS" panose="020B0604020202020204" pitchFamily="34" charset="-128"/>
-                <a:cs typeface="Arial Unicode MS" panose="020B0604020202020204" pitchFamily="34" charset="-128"/>
-              </a:rPr>
-              <a:t> dolor sit </a:t>
-            </a:r>
-            <a:r>
-              <a:rPr lang="en-US" sz="1600" dirty="0" err="1">
-                <a:latin typeface="Arial Unicode MS" panose="020B0604020202020204" pitchFamily="34" charset="-128"/>
-                <a:ea typeface="Arial Unicode MS" panose="020B0604020202020204" pitchFamily="34" charset="-128"/>
-                <a:cs typeface="Arial Unicode MS" panose="020B0604020202020204" pitchFamily="34" charset="-128"/>
-              </a:rPr>
-              <a:t>amet</a:t>
-            </a:r>
-            <a:endParaRPr lang="en-US" sz="1600" dirty="0">
-              <a:latin typeface="Arial Unicode MS" panose="020B0604020202020204" pitchFamily="34" charset="-128"/>
-              <a:ea typeface="Arial Unicode MS" panose="020B0604020202020204" pitchFamily="34" charset="-128"/>
-              <a:cs typeface="Arial Unicode MS" panose="020B0604020202020204" pitchFamily="34" charset="-128"/>
-            </a:endParaRPr>
-          </a:p>
-          <a:p>
-            <a:pPr lvl="1">
-              <a:spcAft>
-                <a:spcPts val="600"/>
-              </a:spcAft>
-            </a:pPr>
-            <a:r>
-              <a:rPr lang="en-US" sz="1600" dirty="0" err="1">
-                <a:latin typeface="Arial Unicode MS" panose="020B0604020202020204" pitchFamily="34" charset="-128"/>
-                <a:ea typeface="Arial Unicode MS" panose="020B0604020202020204" pitchFamily="34" charset="-128"/>
-                <a:cs typeface="Arial Unicode MS" panose="020B0604020202020204" pitchFamily="34" charset="-128"/>
-              </a:rPr>
-              <a:t>lorem</a:t>
-            </a:r>
-            <a:r>
-              <a:rPr lang="en-US" sz="1600" dirty="0">
-                <a:latin typeface="Arial Unicode MS" panose="020B0604020202020204" pitchFamily="34" charset="-128"/>
-                <a:ea typeface="Arial Unicode MS" panose="020B0604020202020204" pitchFamily="34" charset="-128"/>
-                <a:cs typeface="Arial Unicode MS" panose="020B0604020202020204" pitchFamily="34" charset="-128"/>
-              </a:rPr>
-              <a:t> </a:t>
-            </a:r>
-            <a:r>
-              <a:rPr lang="en-US" sz="1600" dirty="0" err="1">
-                <a:latin typeface="Arial Unicode MS" panose="020B0604020202020204" pitchFamily="34" charset="-128"/>
-                <a:ea typeface="Arial Unicode MS" panose="020B0604020202020204" pitchFamily="34" charset="-128"/>
-                <a:cs typeface="Arial Unicode MS" panose="020B0604020202020204" pitchFamily="34" charset="-128"/>
-              </a:rPr>
-              <a:t>ipsum</a:t>
-            </a:r>
-            <a:r>
-              <a:rPr lang="en-US" sz="1600" dirty="0">
-                <a:latin typeface="Arial Unicode MS" panose="020B0604020202020204" pitchFamily="34" charset="-128"/>
-                <a:ea typeface="Arial Unicode MS" panose="020B0604020202020204" pitchFamily="34" charset="-128"/>
-                <a:cs typeface="Arial Unicode MS" panose="020B0604020202020204" pitchFamily="34" charset="-128"/>
-              </a:rPr>
-              <a:t> dolor sit </a:t>
-            </a:r>
-            <a:r>
-              <a:rPr lang="en-US" sz="1600" dirty="0" err="1" smtClean="0">
-                <a:latin typeface="Arial Unicode MS" panose="020B0604020202020204" pitchFamily="34" charset="-128"/>
-                <a:ea typeface="Arial Unicode MS" panose="020B0604020202020204" pitchFamily="34" charset="-128"/>
-                <a:cs typeface="Arial Unicode MS" panose="020B0604020202020204" pitchFamily="34" charset="-128"/>
-              </a:rPr>
-              <a:t>amet</a:t>
+              <a:t>GeV for Higgs an SUSY </a:t>
+            </a:r>
+            <a:r>
+              <a:rPr lang="en-US" sz="1600" dirty="0" smtClean="0">
+                <a:latin typeface="Arial Unicode MS" panose="020B0604020202020204" pitchFamily="34" charset="-128"/>
+                <a:ea typeface="Arial Unicode MS" panose="020B0604020202020204" pitchFamily="34" charset="-128"/>
+                <a:cs typeface="Arial Unicode MS" panose="020B0604020202020204" pitchFamily="34" charset="-128"/>
+              </a:rPr>
+              <a:t>particles</a:t>
             </a:r>
             <a:endParaRPr lang="en-US" sz="1600" dirty="0">
               <a:latin typeface="Arial Unicode MS" panose="020B0604020202020204" pitchFamily="34" charset="-128"/>
@@ -5144,12 +5140,12 @@
               </a:spcAft>
             </a:pPr>
             <a:r>
-              <a:rPr lang="en-US" sz="2000" dirty="0" smtClean="0">
-                <a:latin typeface="Arial Unicode MS" panose="020B0604020202020204" pitchFamily="34" charset="-128"/>
-                <a:ea typeface="Arial Unicode MS" panose="020B0604020202020204" pitchFamily="34" charset="-128"/>
-                <a:cs typeface="Arial Unicode MS" panose="020B0604020202020204" pitchFamily="34" charset="-128"/>
-              </a:rPr>
-              <a:t>Operation modes:</a:t>
+              <a:rPr lang="en-US" sz="2000" dirty="0">
+                <a:latin typeface="Arial Unicode MS" panose="020B0604020202020204" pitchFamily="34" charset="-128"/>
+                <a:ea typeface="Arial Unicode MS" panose="020B0604020202020204" pitchFamily="34" charset="-128"/>
+                <a:cs typeface="Arial Unicode MS" panose="020B0604020202020204" pitchFamily="34" charset="-128"/>
+              </a:rPr>
+              <a:t>Construction:</a:t>
             </a:r>
           </a:p>
           <a:p>
@@ -5159,12 +5155,12 @@
               </a:spcAft>
             </a:pPr>
             <a:r>
-              <a:rPr lang="en-US" sz="1600" dirty="0" smtClean="0">
-                <a:latin typeface="Arial Unicode MS" panose="020B0604020202020204" pitchFamily="34" charset="-128"/>
-                <a:ea typeface="Arial Unicode MS" panose="020B0604020202020204" pitchFamily="34" charset="-128"/>
-                <a:cs typeface="Arial Unicode MS" panose="020B0604020202020204" pitchFamily="34" charset="-128"/>
-              </a:rPr>
-              <a:t>Z0 √s = 91 GeV</a:t>
+              <a:rPr lang="en-US" sz="1600" dirty="0">
+                <a:latin typeface="Arial Unicode MS" panose="020B0604020202020204" pitchFamily="34" charset="-128"/>
+                <a:ea typeface="Arial Unicode MS" panose="020B0604020202020204" pitchFamily="34" charset="-128"/>
+                <a:cs typeface="Arial Unicode MS" panose="020B0604020202020204" pitchFamily="34" charset="-128"/>
+              </a:rPr>
+              <a:t>26.7 km circumference</a:t>
             </a:r>
           </a:p>
           <a:p>
@@ -5174,12 +5170,35 @@
               </a:spcAft>
             </a:pPr>
             <a:r>
-              <a:rPr lang="en-US" sz="1600" dirty="0" smtClean="0">
-                <a:latin typeface="Arial Unicode MS" panose="020B0604020202020204" pitchFamily="34" charset="-128"/>
-                <a:ea typeface="Arial Unicode MS" panose="020B0604020202020204" pitchFamily="34" charset="-128"/>
-                <a:cs typeface="Arial Unicode MS" panose="020B0604020202020204" pitchFamily="34" charset="-128"/>
-              </a:rPr>
-              <a:t>2W √s = 160 GeV</a:t>
+              <a:rPr lang="en-US" sz="1600" dirty="0">
+                <a:latin typeface="Arial Unicode MS" panose="020B0604020202020204" pitchFamily="34" charset="-128"/>
+                <a:ea typeface="Arial Unicode MS" panose="020B0604020202020204" pitchFamily="34" charset="-128"/>
+                <a:cs typeface="Arial Unicode MS" panose="020B0604020202020204" pitchFamily="34" charset="-128"/>
+              </a:rPr>
+              <a:t>L3, ALEPH, DELPHI, OPAL</a:t>
+            </a:r>
+          </a:p>
+          <a:p>
+            <a:pPr>
+              <a:spcAft>
+                <a:spcPts val="600"/>
+              </a:spcAft>
+            </a:pPr>
+            <a:r>
+              <a:rPr lang="en-US" sz="2000" dirty="0" smtClean="0">
+                <a:latin typeface="Arial Unicode MS" panose="020B0604020202020204" pitchFamily="34" charset="-128"/>
+                <a:ea typeface="Arial Unicode MS" panose="020B0604020202020204" pitchFamily="34" charset="-128"/>
+                <a:cs typeface="Arial Unicode MS" panose="020B0604020202020204" pitchFamily="34" charset="-128"/>
+              </a:rPr>
+              <a:t>Operation </a:t>
+            </a:r>
+            <a:r>
+              <a:rPr lang="en-US" sz="2000" dirty="0" smtClean="0">
+                <a:latin typeface="Arial Unicode MS" panose="020B0604020202020204" pitchFamily="34" charset="-128"/>
+                <a:ea typeface="Arial Unicode MS" panose="020B0604020202020204" pitchFamily="34" charset="-128"/>
+                <a:cs typeface="Arial Unicode MS" panose="020B0604020202020204" pitchFamily="34" charset="-128"/>
+              </a:rPr>
+              <a:t>modes:</a:t>
             </a:r>
           </a:p>
           <a:p>
@@ -5194,23 +5213,7 @@
                 <a:ea typeface="Arial Unicode MS" panose="020B0604020202020204" pitchFamily="34" charset="-128"/>
                 <a:cs typeface="Arial Unicode MS" panose="020B0604020202020204" pitchFamily="34" charset="-128"/>
               </a:rPr>
-              <a:t>ZH √s = </a:t>
-            </a:r>
-            <a:r>
-              <a:rPr lang="en-US" sz="1600" dirty="0">
-                <a:latin typeface="Arial Unicode MS" panose="020B0604020202020204" pitchFamily="34" charset="-128"/>
-                <a:ea typeface="Arial Unicode MS" panose="020B0604020202020204" pitchFamily="34" charset="-128"/>
-                <a:cs typeface="Arial Unicode MS" panose="020B0604020202020204" pitchFamily="34" charset="-128"/>
-              </a:rPr>
-              <a:t>240 </a:t>
-            </a:r>
-            <a:r>
-              <a:rPr lang="en-US" sz="1600" dirty="0" smtClean="0">
-                <a:latin typeface="Arial Unicode MS" panose="020B0604020202020204" pitchFamily="34" charset="-128"/>
-                <a:ea typeface="Arial Unicode MS" panose="020B0604020202020204" pitchFamily="34" charset="-128"/>
-                <a:cs typeface="Arial Unicode MS" panose="020B0604020202020204" pitchFamily="34" charset="-128"/>
-              </a:rPr>
-              <a:t>GeV</a:t>
+              <a:t>Z0 √s = 91 GeV</a:t>
             </a:r>
           </a:p>
           <a:p>
@@ -5225,76 +5228,8 @@
                 <a:ea typeface="Arial Unicode MS" panose="020B0604020202020204" pitchFamily="34" charset="-128"/>
                 <a:cs typeface="Arial Unicode MS" panose="020B0604020202020204" pitchFamily="34" charset="-128"/>
               </a:rPr>
-              <a:t>TT </a:t>
-            </a:r>
-            <a:r>
-              <a:rPr lang="en-US" sz="1600" dirty="0">
-                <a:latin typeface="Arial Unicode MS" panose="020B0604020202020204" pitchFamily="34" charset="-128"/>
-                <a:ea typeface="Arial Unicode MS" panose="020B0604020202020204" pitchFamily="34" charset="-128"/>
-                <a:cs typeface="Arial Unicode MS" panose="020B0604020202020204" pitchFamily="34" charset="-128"/>
-              </a:rPr>
-              <a:t>√s = </a:t>
-            </a:r>
-            <a:r>
-              <a:rPr lang="en-US" sz="1600" dirty="0" smtClean="0">
-                <a:latin typeface="Arial Unicode MS" panose="020B0604020202020204" pitchFamily="34" charset="-128"/>
-                <a:ea typeface="Arial Unicode MS" panose="020B0604020202020204" pitchFamily="34" charset="-128"/>
-                <a:cs typeface="Arial Unicode MS" panose="020B0604020202020204" pitchFamily="34" charset="-128"/>
-              </a:rPr>
-              <a:t>365 GeV</a:t>
-            </a:r>
-          </a:p>
-          <a:p>
-            <a:pPr>
-              <a:spcAft>
-                <a:spcPts val="600"/>
-              </a:spcAft>
-            </a:pPr>
-            <a:r>
-              <a:rPr lang="en-US" sz="2000" dirty="0" err="1">
-                <a:latin typeface="Arial Unicode MS" panose="020B0604020202020204" pitchFamily="34" charset="-128"/>
-                <a:ea typeface="Arial Unicode MS" panose="020B0604020202020204" pitchFamily="34" charset="-128"/>
-                <a:cs typeface="Arial Unicode MS" panose="020B0604020202020204" pitchFamily="34" charset="-128"/>
-              </a:rPr>
-              <a:t>lorem</a:t>
-            </a:r>
-            <a:r>
-              <a:rPr lang="en-US" sz="2000" dirty="0">
-                <a:latin typeface="Arial Unicode MS" panose="020B0604020202020204" pitchFamily="34" charset="-128"/>
-                <a:ea typeface="Arial Unicode MS" panose="020B0604020202020204" pitchFamily="34" charset="-128"/>
-                <a:cs typeface="Arial Unicode MS" panose="020B0604020202020204" pitchFamily="34" charset="-128"/>
-              </a:rPr>
-              <a:t> </a:t>
-            </a:r>
-            <a:r>
-              <a:rPr lang="en-US" sz="2000" dirty="0" err="1">
-                <a:latin typeface="Arial Unicode MS" panose="020B0604020202020204" pitchFamily="34" charset="-128"/>
-                <a:ea typeface="Arial Unicode MS" panose="020B0604020202020204" pitchFamily="34" charset="-128"/>
-                <a:cs typeface="Arial Unicode MS" panose="020B0604020202020204" pitchFamily="34" charset="-128"/>
-              </a:rPr>
-              <a:t>ipsum</a:t>
-            </a:r>
-            <a:r>
-              <a:rPr lang="en-US" sz="2000" dirty="0">
-                <a:latin typeface="Arial Unicode MS" panose="020B0604020202020204" pitchFamily="34" charset="-128"/>
-                <a:ea typeface="Arial Unicode MS" panose="020B0604020202020204" pitchFamily="34" charset="-128"/>
-                <a:cs typeface="Arial Unicode MS" panose="020B0604020202020204" pitchFamily="34" charset="-128"/>
-              </a:rPr>
-              <a:t> dolor sit </a:t>
-            </a:r>
-            <a:r>
-              <a:rPr lang="en-US" sz="2000" dirty="0" err="1">
-                <a:latin typeface="Arial Unicode MS" panose="020B0604020202020204" pitchFamily="34" charset="-128"/>
-                <a:ea typeface="Arial Unicode MS" panose="020B0604020202020204" pitchFamily="34" charset="-128"/>
-                <a:cs typeface="Arial Unicode MS" panose="020B0604020202020204" pitchFamily="34" charset="-128"/>
-              </a:rPr>
-              <a:t>amet</a:t>
-            </a:r>
-            <a:endParaRPr lang="en-US" sz="2000" dirty="0">
-              <a:latin typeface="Arial Unicode MS" panose="020B0604020202020204" pitchFamily="34" charset="-128"/>
-              <a:ea typeface="Arial Unicode MS" panose="020B0604020202020204" pitchFamily="34" charset="-128"/>
-              <a:cs typeface="Arial Unicode MS" panose="020B0604020202020204" pitchFamily="34" charset="-128"/>
-            </a:endParaRPr>
+              <a:t>2W √s = 160 GeV</a:t>
+            </a:r>
           </a:p>
           <a:p>
             <a:pPr lvl="1">
@@ -5303,12 +5238,12 @@
               </a:spcAft>
             </a:pPr>
             <a:r>
-              <a:rPr lang="en-US" sz="1600" dirty="0" err="1">
-                <a:latin typeface="Arial Unicode MS" panose="020B0604020202020204" pitchFamily="34" charset="-128"/>
-                <a:ea typeface="Arial Unicode MS" panose="020B0604020202020204" pitchFamily="34" charset="-128"/>
-                <a:cs typeface="Arial Unicode MS" panose="020B0604020202020204" pitchFamily="34" charset="-128"/>
-              </a:rPr>
-              <a:t>lorem</a:t>
+              <a:rPr lang="en-US" sz="1600" dirty="0" smtClean="0">
+                <a:latin typeface="Arial Unicode MS" panose="020B0604020202020204" pitchFamily="34" charset="-128"/>
+                <a:ea typeface="Arial Unicode MS" panose="020B0604020202020204" pitchFamily="34" charset="-128"/>
+                <a:cs typeface="Arial Unicode MS" panose="020B0604020202020204" pitchFamily="34" charset="-128"/>
+              </a:rPr>
+              <a:t>ZH √s = </a:t>
             </a:r>
             <a:r>
               <a:rPr lang="en-US" sz="1600" dirty="0">
@@ -5316,37 +5251,16 @@
                 <a:ea typeface="Arial Unicode MS" panose="020B0604020202020204" pitchFamily="34" charset="-128"/>
                 <a:cs typeface="Arial Unicode MS" panose="020B0604020202020204" pitchFamily="34" charset="-128"/>
               </a:rPr>
-              <a:t> </a:t>
-            </a:r>
-            <a:r>
-              <a:rPr lang="en-US" sz="1600" dirty="0" err="1">
-                <a:latin typeface="Arial Unicode MS" panose="020B0604020202020204" pitchFamily="34" charset="-128"/>
-                <a:ea typeface="Arial Unicode MS" panose="020B0604020202020204" pitchFamily="34" charset="-128"/>
-                <a:cs typeface="Arial Unicode MS" panose="020B0604020202020204" pitchFamily="34" charset="-128"/>
-              </a:rPr>
-              <a:t>ipsum</a:t>
-            </a:r>
-            <a:r>
-              <a:rPr lang="en-US" sz="1600" dirty="0">
-                <a:latin typeface="Arial Unicode MS" panose="020B0604020202020204" pitchFamily="34" charset="-128"/>
-                <a:ea typeface="Arial Unicode MS" panose="020B0604020202020204" pitchFamily="34" charset="-128"/>
-                <a:cs typeface="Arial Unicode MS" panose="020B0604020202020204" pitchFamily="34" charset="-128"/>
-              </a:rPr>
-              <a:t> dolor sit </a:t>
-            </a:r>
-            <a:r>
-              <a:rPr lang="en-US" sz="1600" dirty="0" err="1">
-                <a:latin typeface="Arial Unicode MS" panose="020B0604020202020204" pitchFamily="34" charset="-128"/>
-                <a:ea typeface="Arial Unicode MS" panose="020B0604020202020204" pitchFamily="34" charset="-128"/>
-                <a:cs typeface="Arial Unicode MS" panose="020B0604020202020204" pitchFamily="34" charset="-128"/>
-              </a:rPr>
-              <a:t>amet</a:t>
-            </a:r>
-            <a:endParaRPr lang="en-US" sz="1600" dirty="0">
-              <a:latin typeface="Arial Unicode MS" panose="020B0604020202020204" pitchFamily="34" charset="-128"/>
-              <a:ea typeface="Arial Unicode MS" panose="020B0604020202020204" pitchFamily="34" charset="-128"/>
-              <a:cs typeface="Arial Unicode MS" panose="020B0604020202020204" pitchFamily="34" charset="-128"/>
-            </a:endParaRPr>
+              <a:t>240 </a:t>
+            </a:r>
+            <a:r>
+              <a:rPr lang="en-US" sz="1600" dirty="0" smtClean="0">
+                <a:latin typeface="Arial Unicode MS" panose="020B0604020202020204" pitchFamily="34" charset="-128"/>
+                <a:ea typeface="Arial Unicode MS" panose="020B0604020202020204" pitchFamily="34" charset="-128"/>
+                <a:cs typeface="Arial Unicode MS" panose="020B0604020202020204" pitchFamily="34" charset="-128"/>
+              </a:rPr>
+              <a:t>GeV</a:t>
+            </a:r>
           </a:p>
           <a:p>
             <a:pPr lvl="1">
@@ -5355,12 +5269,12 @@
               </a:spcAft>
             </a:pPr>
             <a:r>
-              <a:rPr lang="en-US" sz="1600" dirty="0" err="1">
-                <a:latin typeface="Arial Unicode MS" panose="020B0604020202020204" pitchFamily="34" charset="-128"/>
-                <a:ea typeface="Arial Unicode MS" panose="020B0604020202020204" pitchFamily="34" charset="-128"/>
-                <a:cs typeface="Arial Unicode MS" panose="020B0604020202020204" pitchFamily="34" charset="-128"/>
-              </a:rPr>
-              <a:t>lorem</a:t>
+              <a:rPr lang="en-US" sz="1600" dirty="0" smtClean="0">
+                <a:latin typeface="Arial Unicode MS" panose="020B0604020202020204" pitchFamily="34" charset="-128"/>
+                <a:ea typeface="Arial Unicode MS" panose="020B0604020202020204" pitchFamily="34" charset="-128"/>
+                <a:cs typeface="Arial Unicode MS" panose="020B0604020202020204" pitchFamily="34" charset="-128"/>
+              </a:rPr>
+              <a:t>TT </a:t>
             </a:r>
             <a:r>
               <a:rPr lang="en-US" sz="1600" dirty="0">
@@ -5368,44 +5282,24 @@
                 <a:ea typeface="Arial Unicode MS" panose="020B0604020202020204" pitchFamily="34" charset="-128"/>
                 <a:cs typeface="Arial Unicode MS" panose="020B0604020202020204" pitchFamily="34" charset="-128"/>
               </a:rPr>
-              <a:t> </a:t>
-            </a:r>
-            <a:r>
-              <a:rPr lang="en-US" sz="1600" dirty="0" err="1">
-                <a:latin typeface="Arial Unicode MS" panose="020B0604020202020204" pitchFamily="34" charset="-128"/>
-                <a:ea typeface="Arial Unicode MS" panose="020B0604020202020204" pitchFamily="34" charset="-128"/>
-                <a:cs typeface="Arial Unicode MS" panose="020B0604020202020204" pitchFamily="34" charset="-128"/>
-              </a:rPr>
-              <a:t>ipsum</a:t>
-            </a:r>
-            <a:r>
-              <a:rPr lang="en-US" sz="1600" dirty="0">
-                <a:latin typeface="Arial Unicode MS" panose="020B0604020202020204" pitchFamily="34" charset="-128"/>
-                <a:ea typeface="Arial Unicode MS" panose="020B0604020202020204" pitchFamily="34" charset="-128"/>
-                <a:cs typeface="Arial Unicode MS" panose="020B0604020202020204" pitchFamily="34" charset="-128"/>
-              </a:rPr>
-              <a:t> dolor sit </a:t>
-            </a:r>
-            <a:r>
-              <a:rPr lang="en-US" sz="1600" dirty="0" err="1">
-                <a:latin typeface="Arial Unicode MS" panose="020B0604020202020204" pitchFamily="34" charset="-128"/>
-                <a:ea typeface="Arial Unicode MS" panose="020B0604020202020204" pitchFamily="34" charset="-128"/>
-                <a:cs typeface="Arial Unicode MS" panose="020B0604020202020204" pitchFamily="34" charset="-128"/>
-              </a:rPr>
-              <a:t>amet</a:t>
-            </a:r>
-            <a:endParaRPr lang="en-US" sz="1600" dirty="0">
-              <a:latin typeface="Arial Unicode MS" panose="020B0604020202020204" pitchFamily="34" charset="-128"/>
-              <a:ea typeface="Arial Unicode MS" panose="020B0604020202020204" pitchFamily="34" charset="-128"/>
-              <a:cs typeface="Arial Unicode MS" panose="020B0604020202020204" pitchFamily="34" charset="-128"/>
-            </a:endParaRPr>
-          </a:p>
-          <a:p>
-            <a:pPr>
-              <a:spcAft>
-                <a:spcPts val="600"/>
-              </a:spcAft>
-            </a:pPr>
+              <a:t>√s = </a:t>
+            </a:r>
+            <a:r>
+              <a:rPr lang="en-US" sz="1600" dirty="0" smtClean="0">
+                <a:latin typeface="Arial Unicode MS" panose="020B0604020202020204" pitchFamily="34" charset="-128"/>
+                <a:ea typeface="Arial Unicode MS" panose="020B0604020202020204" pitchFamily="34" charset="-128"/>
+                <a:cs typeface="Arial Unicode MS" panose="020B0604020202020204" pitchFamily="34" charset="-128"/>
+              </a:rPr>
+              <a:t>365 </a:t>
+            </a:r>
+            <a:r>
+              <a:rPr lang="en-US" sz="1600" dirty="0" smtClean="0">
+                <a:latin typeface="Arial Unicode MS" panose="020B0604020202020204" pitchFamily="34" charset="-128"/>
+                <a:ea typeface="Arial Unicode MS" panose="020B0604020202020204" pitchFamily="34" charset="-128"/>
+                <a:cs typeface="Arial Unicode MS" panose="020B0604020202020204" pitchFamily="34" charset="-128"/>
+              </a:rPr>
+              <a:t>GeV</a:t>
+            </a:r>
             <a:endParaRPr lang="en-US" sz="1600" dirty="0">
               <a:latin typeface="Arial Unicode MS" panose="020B0604020202020204" pitchFamily="34" charset="-128"/>
               <a:ea typeface="Arial Unicode MS" panose="020B0604020202020204" pitchFamily="34" charset="-128"/>
@@ -5490,8 +5384,8 @@
         </p:blipFill>
         <p:spPr bwMode="auto">
           <a:xfrm>
-            <a:off x="8633359" y="1328807"/>
-            <a:ext cx="3402965" cy="1598226"/>
+            <a:off x="6431507" y="4192657"/>
+            <a:ext cx="5269470" cy="2474843"/>
           </a:xfrm>
           <a:prstGeom prst="rect">
             <a:avLst/>
@@ -5523,8 +5417,8 @@
         </p:blipFill>
         <p:spPr>
           <a:xfrm>
-            <a:off x="1770748" y="5071328"/>
-            <a:ext cx="2786380" cy="1596172"/>
+            <a:off x="686449" y="3829050"/>
+            <a:ext cx="4954979" cy="2838450"/>
           </a:xfrm>
           <a:prstGeom prst="rect">
             <a:avLst/>
@@ -5623,8 +5517,8 @@
         </p:blipFill>
         <p:spPr bwMode="auto">
           <a:xfrm>
-            <a:off x="206476" y="1353154"/>
-            <a:ext cx="3656242" cy="2336196"/>
+            <a:off x="989167" y="955696"/>
+            <a:ext cx="4338484" cy="2772122"/>
           </a:xfrm>
           <a:prstGeom prst="rect">
             <a:avLst/>
@@ -5664,8 +5558,8 @@
         </p:blipFill>
         <p:spPr bwMode="auto">
           <a:xfrm>
-            <a:off x="3983287" y="1689704"/>
-            <a:ext cx="2544513" cy="1652443"/>
+            <a:off x="3359150" y="4322827"/>
+            <a:ext cx="2762250" cy="1793844"/>
           </a:xfrm>
           <a:prstGeom prst="rect">
             <a:avLst/>
@@ -5698,32 +5592,8 @@
         </p:blipFill>
         <p:spPr>
           <a:xfrm>
-            <a:off x="206476" y="3988602"/>
-            <a:ext cx="3241855" cy="2678898"/>
-          </a:xfrm>
-          <a:prstGeom prst="rect">
-            <a:avLst/>
-          </a:prstGeom>
-        </p:spPr>
-      </p:pic>
-      <p:pic>
-        <p:nvPicPr>
-          <p:cNvPr id="8" name="Picture 7"/>
-          <p:cNvPicPr>
-            <a:picLocks noChangeAspect="1"/>
-          </p:cNvPicPr>
-          <p:nvPr/>
-        </p:nvPicPr>
-        <p:blipFill>
-          <a:blip r:embed="rId5"/>
-          <a:stretch>
-            <a:fillRect/>
-          </a:stretch>
-        </p:blipFill>
-        <p:spPr>
-          <a:xfrm>
-            <a:off x="3500063" y="4333416"/>
-            <a:ext cx="3027737" cy="1989270"/>
+            <a:off x="206476" y="3987799"/>
+            <a:ext cx="3152674" cy="2605203"/>
           </a:xfrm>
           <a:prstGeom prst="rect">
             <a:avLst/>
@@ -5797,39 +5667,15 @@
           <p:nvPr/>
         </p:nvPicPr>
         <p:blipFill>
-          <a:blip r:embed="rId6"/>
+          <a:blip r:embed="rId5"/>
           <a:stretch>
             <a:fillRect/>
           </a:stretch>
         </p:blipFill>
         <p:spPr>
           <a:xfrm>
-            <a:off x="5893629" y="2136266"/>
-            <a:ext cx="5081968" cy="3750234"/>
-          </a:xfrm>
-          <a:prstGeom prst="rect">
-            <a:avLst/>
-          </a:prstGeom>
-        </p:spPr>
-      </p:pic>
-      <p:pic>
-        <p:nvPicPr>
-          <p:cNvPr id="7" name="Picture 6"/>
-          <p:cNvPicPr>
-            <a:picLocks noChangeAspect="1"/>
-          </p:cNvPicPr>
-          <p:nvPr/>
-        </p:nvPicPr>
-        <p:blipFill>
-          <a:blip r:embed="rId7"/>
-          <a:stretch>
-            <a:fillRect/>
-          </a:stretch>
-        </p:blipFill>
-        <p:spPr>
-          <a:xfrm>
-            <a:off x="7287268" y="2821403"/>
-            <a:ext cx="4114113" cy="2512091"/>
+            <a:off x="6795329" y="1467030"/>
+            <a:ext cx="3742900" cy="2762070"/>
           </a:xfrm>
           <a:prstGeom prst="rect">
             <a:avLst/>

--- a/Progress-Updates.pptx
+++ b/Progress-Updates.pptx
@@ -7,22 +7,28 @@
   <p:sldIdLst>
     <p:sldId id="258" r:id="rId2"/>
     <p:sldId id="264" r:id="rId3"/>
-    <p:sldId id="269" r:id="rId4"/>
-    <p:sldId id="272" r:id="rId5"/>
+    <p:sldId id="272" r:id="rId4"/>
+    <p:sldId id="269" r:id="rId5"/>
     <p:sldId id="273" r:id="rId6"/>
     <p:sldId id="274" r:id="rId7"/>
-    <p:sldId id="263" r:id="rId8"/>
-    <p:sldId id="271" r:id="rId9"/>
-    <p:sldId id="267" r:id="rId10"/>
-    <p:sldId id="256" r:id="rId11"/>
-    <p:sldId id="260" r:id="rId12"/>
-    <p:sldId id="261" r:id="rId13"/>
-    <p:sldId id="275" r:id="rId14"/>
-    <p:sldId id="276" r:id="rId15"/>
-    <p:sldId id="265" r:id="rId16"/>
-    <p:sldId id="266" r:id="rId17"/>
-    <p:sldId id="259" r:id="rId18"/>
-    <p:sldId id="268" r:id="rId19"/>
+    <p:sldId id="279" r:id="rId8"/>
+    <p:sldId id="280" r:id="rId9"/>
+    <p:sldId id="263" r:id="rId10"/>
+    <p:sldId id="271" r:id="rId11"/>
+    <p:sldId id="267" r:id="rId12"/>
+    <p:sldId id="256" r:id="rId13"/>
+    <p:sldId id="260" r:id="rId14"/>
+    <p:sldId id="261" r:id="rId15"/>
+    <p:sldId id="275" r:id="rId16"/>
+    <p:sldId id="276" r:id="rId17"/>
+    <p:sldId id="265" r:id="rId18"/>
+    <p:sldId id="266" r:id="rId19"/>
+    <p:sldId id="259" r:id="rId20"/>
+    <p:sldId id="277" r:id="rId21"/>
+    <p:sldId id="278" r:id="rId22"/>
+    <p:sldId id="281" r:id="rId23"/>
+    <p:sldId id="268" r:id="rId24"/>
+    <p:sldId id="282" r:id="rId25"/>
   </p:sldIdLst>
   <p:sldSz cx="12192000" cy="6858000"/>
   <p:notesSz cx="6858000" cy="9144000"/>
@@ -260,7 +266,7 @@
           <a:p>
             <a:fld id="{D9F3A2CB-D467-4583-BEBA-5A75E3413D57}" type="datetimeFigureOut">
               <a:rPr lang="en-IN" smtClean="0"/>
-              <a:t>21-11-2024</a:t>
+              <a:t>23-11-2024</a:t>
             </a:fld>
             <a:endParaRPr lang="en-IN"/>
           </a:p>
@@ -430,7 +436,7 @@
           <a:p>
             <a:fld id="{D9F3A2CB-D467-4583-BEBA-5A75E3413D57}" type="datetimeFigureOut">
               <a:rPr lang="en-IN" smtClean="0"/>
-              <a:t>21-11-2024</a:t>
+              <a:t>23-11-2024</a:t>
             </a:fld>
             <a:endParaRPr lang="en-IN"/>
           </a:p>
@@ -610,7 +616,7 @@
           <a:p>
             <a:fld id="{D9F3A2CB-D467-4583-BEBA-5A75E3413D57}" type="datetimeFigureOut">
               <a:rPr lang="en-IN" smtClean="0"/>
-              <a:t>21-11-2024</a:t>
+              <a:t>23-11-2024</a:t>
             </a:fld>
             <a:endParaRPr lang="en-IN"/>
           </a:p>
@@ -780,7 +786,7 @@
           <a:p>
             <a:fld id="{D9F3A2CB-D467-4583-BEBA-5A75E3413D57}" type="datetimeFigureOut">
               <a:rPr lang="en-IN" smtClean="0"/>
-              <a:t>21-11-2024</a:t>
+              <a:t>23-11-2024</a:t>
             </a:fld>
             <a:endParaRPr lang="en-IN"/>
           </a:p>
@@ -1026,7 +1032,7 @@
           <a:p>
             <a:fld id="{D9F3A2CB-D467-4583-BEBA-5A75E3413D57}" type="datetimeFigureOut">
               <a:rPr lang="en-IN" smtClean="0"/>
-              <a:t>21-11-2024</a:t>
+              <a:t>23-11-2024</a:t>
             </a:fld>
             <a:endParaRPr lang="en-IN"/>
           </a:p>
@@ -1258,7 +1264,7 @@
           <a:p>
             <a:fld id="{D9F3A2CB-D467-4583-BEBA-5A75E3413D57}" type="datetimeFigureOut">
               <a:rPr lang="en-IN" smtClean="0"/>
-              <a:t>21-11-2024</a:t>
+              <a:t>23-11-2024</a:t>
             </a:fld>
             <a:endParaRPr lang="en-IN"/>
           </a:p>
@@ -1625,7 +1631,7 @@
           <a:p>
             <a:fld id="{D9F3A2CB-D467-4583-BEBA-5A75E3413D57}" type="datetimeFigureOut">
               <a:rPr lang="en-IN" smtClean="0"/>
-              <a:t>21-11-2024</a:t>
+              <a:t>23-11-2024</a:t>
             </a:fld>
             <a:endParaRPr lang="en-IN"/>
           </a:p>
@@ -1743,7 +1749,7 @@
           <a:p>
             <a:fld id="{D9F3A2CB-D467-4583-BEBA-5A75E3413D57}" type="datetimeFigureOut">
               <a:rPr lang="en-IN" smtClean="0"/>
-              <a:t>21-11-2024</a:t>
+              <a:t>23-11-2024</a:t>
             </a:fld>
             <a:endParaRPr lang="en-IN"/>
           </a:p>
@@ -1838,7 +1844,7 @@
           <a:p>
             <a:fld id="{D9F3A2CB-D467-4583-BEBA-5A75E3413D57}" type="datetimeFigureOut">
               <a:rPr lang="en-IN" smtClean="0"/>
-              <a:t>21-11-2024</a:t>
+              <a:t>23-11-2024</a:t>
             </a:fld>
             <a:endParaRPr lang="en-IN"/>
           </a:p>
@@ -2115,7 +2121,7 @@
           <a:p>
             <a:fld id="{D9F3A2CB-D467-4583-BEBA-5A75E3413D57}" type="datetimeFigureOut">
               <a:rPr lang="en-IN" smtClean="0"/>
-              <a:t>21-11-2024</a:t>
+              <a:t>23-11-2024</a:t>
             </a:fld>
             <a:endParaRPr lang="en-IN"/>
           </a:p>
@@ -2368,7 +2374,7 @@
           <a:p>
             <a:fld id="{D9F3A2CB-D467-4583-BEBA-5A75E3413D57}" type="datetimeFigureOut">
               <a:rPr lang="en-IN" smtClean="0"/>
-              <a:t>21-11-2024</a:t>
+              <a:t>23-11-2024</a:t>
             </a:fld>
             <a:endParaRPr lang="en-IN"/>
           </a:p>
@@ -2581,7 +2587,7 @@
           <a:p>
             <a:fld id="{D9F3A2CB-D467-4583-BEBA-5A75E3413D57}" type="datetimeFigureOut">
               <a:rPr lang="en-IN" smtClean="0"/>
-              <a:t>21-11-2024</a:t>
+              <a:t>23-11-2024</a:t>
             </a:fld>
             <a:endParaRPr lang="en-IN"/>
           </a:p>
@@ -3129,6 +3135,30 @@
           <a:chExt cx="0" cy="0"/>
         </a:xfrm>
       </p:grpSpPr>
+      <p:pic>
+        <p:nvPicPr>
+          <p:cNvPr id="14" name="Picture 13"/>
+          <p:cNvPicPr>
+            <a:picLocks noChangeAspect="1"/>
+          </p:cNvPicPr>
+          <p:nvPr/>
+        </p:nvPicPr>
+        <p:blipFill>
+          <a:blip r:embed="rId2"/>
+          <a:stretch>
+            <a:fillRect/>
+          </a:stretch>
+        </p:blipFill>
+        <p:spPr>
+          <a:xfrm>
+            <a:off x="4297620" y="3504890"/>
+            <a:ext cx="4383466" cy="3104197"/>
+          </a:xfrm>
+          <a:prstGeom prst="rect">
+            <a:avLst/>
+          </a:prstGeom>
+        </p:spPr>
+      </p:pic>
       <p:sp>
         <p:nvSpPr>
           <p:cNvPr id="5" name="Title 4"/>
@@ -3157,6 +3187,308 @@
                 <a:ea typeface="Arial Unicode MS" panose="020B0604020202020204" pitchFamily="34" charset="-128"/>
                 <a:cs typeface="Arial Unicode MS" panose="020B0604020202020204" pitchFamily="34" charset="-128"/>
               </a:rPr>
+              <a:t>N</a:t>
+            </a:r>
+            <a:r>
+              <a:rPr lang="en-US" sz="2800" b="1" baseline="-25000" dirty="0" smtClean="0">
+                <a:latin typeface="Arial Unicode MS" panose="020B0604020202020204" pitchFamily="34" charset="-128"/>
+                <a:ea typeface="Arial Unicode MS" panose="020B0604020202020204" pitchFamily="34" charset="-128"/>
+                <a:cs typeface="Arial Unicode MS" panose="020B0604020202020204" pitchFamily="34" charset="-128"/>
+              </a:rPr>
+              <a:t>Ch</a:t>
+            </a:r>
+            <a:r>
+              <a:rPr lang="en-US" sz="2800" b="1" dirty="0" smtClean="0">
+                <a:latin typeface="Arial Unicode MS" panose="020B0604020202020204" pitchFamily="34" charset="-128"/>
+                <a:ea typeface="Arial Unicode MS" panose="020B0604020202020204" pitchFamily="34" charset="-128"/>
+                <a:cs typeface="Arial Unicode MS" panose="020B0604020202020204" pitchFamily="34" charset="-128"/>
+              </a:rPr>
+              <a:t> : UA5 .vs. PYTHIA at 91.2 GeV</a:t>
+            </a:r>
+            <a:endParaRPr lang="en-IN" sz="2800" b="1" dirty="0">
+              <a:latin typeface="Arial Unicode MS" panose="020B0604020202020204" pitchFamily="34" charset="-128"/>
+              <a:ea typeface="Arial Unicode MS" panose="020B0604020202020204" pitchFamily="34" charset="-128"/>
+              <a:cs typeface="Arial Unicode MS" panose="020B0604020202020204" pitchFamily="34" charset="-128"/>
+            </a:endParaRPr>
+          </a:p>
+        </p:txBody>
+      </p:sp>
+      <p:pic>
+        <p:nvPicPr>
+          <p:cNvPr id="4" name="Picture 3"/>
+          <p:cNvPicPr>
+            <a:picLocks noChangeAspect="1"/>
+          </p:cNvPicPr>
+          <p:nvPr/>
+        </p:nvPicPr>
+        <p:blipFill>
+          <a:blip r:embed="rId3"/>
+          <a:stretch>
+            <a:fillRect/>
+          </a:stretch>
+        </p:blipFill>
+        <p:spPr>
+          <a:xfrm>
+            <a:off x="109714" y="1244601"/>
+            <a:ext cx="5243335" cy="2041624"/>
+          </a:xfrm>
+          <a:prstGeom prst="rect">
+            <a:avLst/>
+          </a:prstGeom>
+        </p:spPr>
+      </p:pic>
+      <p:pic>
+        <p:nvPicPr>
+          <p:cNvPr id="8" name="Picture 7"/>
+          <p:cNvPicPr>
+            <a:picLocks noChangeAspect="1"/>
+          </p:cNvPicPr>
+          <p:nvPr/>
+        </p:nvPicPr>
+        <p:blipFill>
+          <a:blip r:embed="rId4"/>
+          <a:stretch>
+            <a:fillRect/>
+          </a:stretch>
+        </p:blipFill>
+        <p:spPr>
+          <a:xfrm>
+            <a:off x="8681087" y="1244601"/>
+            <a:ext cx="3330000" cy="4566288"/>
+          </a:xfrm>
+          <a:prstGeom prst="rect">
+            <a:avLst/>
+          </a:prstGeom>
+        </p:spPr>
+      </p:pic>
+      <p:pic>
+        <p:nvPicPr>
+          <p:cNvPr id="10" name="Picture 9"/>
+          <p:cNvPicPr>
+            <a:picLocks noChangeAspect="1"/>
+          </p:cNvPicPr>
+          <p:nvPr/>
+        </p:nvPicPr>
+        <p:blipFill>
+          <a:blip r:embed="rId5"/>
+          <a:stretch>
+            <a:fillRect/>
+          </a:stretch>
+        </p:blipFill>
+        <p:spPr>
+          <a:xfrm>
+            <a:off x="5653341" y="1244601"/>
+            <a:ext cx="3027745" cy="1495090"/>
+          </a:xfrm>
+          <a:prstGeom prst="rect">
+            <a:avLst/>
+          </a:prstGeom>
+        </p:spPr>
+      </p:pic>
+      <p:pic>
+        <p:nvPicPr>
+          <p:cNvPr id="12" name="Picture 11"/>
+          <p:cNvPicPr>
+            <a:picLocks noChangeAspect="1"/>
+          </p:cNvPicPr>
+          <p:nvPr/>
+        </p:nvPicPr>
+        <p:blipFill>
+          <a:blip r:embed="rId6"/>
+          <a:stretch>
+            <a:fillRect/>
+          </a:stretch>
+        </p:blipFill>
+        <p:spPr>
+          <a:xfrm>
+            <a:off x="109715" y="3504890"/>
+            <a:ext cx="4353151" cy="3104197"/>
+          </a:xfrm>
+          <a:prstGeom prst="rect">
+            <a:avLst/>
+          </a:prstGeom>
+        </p:spPr>
+      </p:pic>
+    </p:spTree>
+    <p:extLst>
+      <p:ext uri="{BB962C8B-B14F-4D97-AF65-F5344CB8AC3E}">
+        <p14:creationId xmlns:p14="http://schemas.microsoft.com/office/powerpoint/2010/main" val="1797355119"/>
+      </p:ext>
+    </p:extLst>
+  </p:cSld>
+  <p:clrMapOvr>
+    <a:masterClrMapping/>
+  </p:clrMapOvr>
+</p:sld>
+</file>
+
+<file path=ppt/slides/slide11.xml><?xml version="1.0" encoding="utf-8"?>
+<p:sld xmlns:a="http://schemas.openxmlformats.org/drawingml/2006/main" xmlns:r="http://schemas.openxmlformats.org/officeDocument/2006/relationships" xmlns:p="http://schemas.openxmlformats.org/presentationml/2006/main">
+  <p:cSld>
+    <p:spTree>
+      <p:nvGrpSpPr>
+        <p:cNvPr id="1" name=""/>
+        <p:cNvGrpSpPr/>
+        <p:nvPr/>
+      </p:nvGrpSpPr>
+      <p:grpSpPr>
+        <a:xfrm>
+          <a:off x="0" y="0"/>
+          <a:ext cx="0" cy="0"/>
+          <a:chOff x="0" y="0"/>
+          <a:chExt cx="0" cy="0"/>
+        </a:xfrm>
+      </p:grpSpPr>
+      <p:sp>
+        <p:nvSpPr>
+          <p:cNvPr id="2" name="Rectangle 1"/>
+          <p:cNvSpPr/>
+          <p:nvPr/>
+        </p:nvSpPr>
+        <p:spPr>
+          <a:xfrm>
+            <a:off x="0" y="0"/>
+            <a:ext cx="12192000" cy="6858000"/>
+          </a:xfrm>
+          <a:prstGeom prst="rect">
+            <a:avLst/>
+          </a:prstGeom>
+          <a:solidFill>
+            <a:schemeClr val="accent5">
+              <a:lumMod val="50000"/>
+            </a:schemeClr>
+          </a:solidFill>
+        </p:spPr>
+        <p:style>
+          <a:lnRef idx="2">
+            <a:schemeClr val="accent1">
+              <a:shade val="50000"/>
+            </a:schemeClr>
+          </a:lnRef>
+          <a:fillRef idx="1">
+            <a:schemeClr val="accent1"/>
+          </a:fillRef>
+          <a:effectRef idx="0">
+            <a:schemeClr val="accent1"/>
+          </a:effectRef>
+          <a:fontRef idx="minor">
+            <a:schemeClr val="lt1"/>
+          </a:fontRef>
+        </p:style>
+        <p:txBody>
+          <a:bodyPr rtlCol="0" anchor="ctr"/>
+          <a:lstStyle/>
+          <a:p>
+            <a:pPr algn="ctr"/>
+            <a:endParaRPr lang="en-IN">
+              <a:latin typeface="Arial Unicode MS" panose="020B0604020202020204" pitchFamily="34" charset="-128"/>
+              <a:ea typeface="Arial Unicode MS" panose="020B0604020202020204" pitchFamily="34" charset="-128"/>
+              <a:cs typeface="Arial Unicode MS" panose="020B0604020202020204" pitchFamily="34" charset="-128"/>
+            </a:endParaRPr>
+          </a:p>
+        </p:txBody>
+      </p:sp>
+      <p:sp>
+        <p:nvSpPr>
+          <p:cNvPr id="4" name="Title 3"/>
+          <p:cNvSpPr>
+            <a:spLocks noGrp="1"/>
+          </p:cNvSpPr>
+          <p:nvPr>
+            <p:ph type="title"/>
+          </p:nvPr>
+        </p:nvSpPr>
+        <p:spPr>
+          <a:xfrm>
+            <a:off x="831850" y="2781381"/>
+            <a:ext cx="10515600" cy="996869"/>
+          </a:xfrm>
+        </p:spPr>
+        <p:txBody>
+          <a:bodyPr/>
+          <a:lstStyle/>
+          <a:p>
+            <a:pPr algn="ctr"/>
+            <a:r>
+              <a:rPr lang="en-US" b="1" dirty="0" smtClean="0">
+                <a:solidFill>
+                  <a:schemeClr val="bg1"/>
+                </a:solidFill>
+                <a:latin typeface="Arial Unicode MS" panose="020B0604020202020204" pitchFamily="34" charset="-128"/>
+                <a:ea typeface="Arial Unicode MS" panose="020B0604020202020204" pitchFamily="34" charset="-128"/>
+                <a:cs typeface="Arial Unicode MS" panose="020B0604020202020204" pitchFamily="34" charset="-128"/>
+              </a:rPr>
+              <a:t>Notes</a:t>
+            </a:r>
+            <a:endParaRPr lang="en-IN" b="1" dirty="0">
+              <a:solidFill>
+                <a:schemeClr val="bg1"/>
+              </a:solidFill>
+              <a:latin typeface="Arial Unicode MS" panose="020B0604020202020204" pitchFamily="34" charset="-128"/>
+              <a:ea typeface="Arial Unicode MS" panose="020B0604020202020204" pitchFamily="34" charset="-128"/>
+              <a:cs typeface="Arial Unicode MS" panose="020B0604020202020204" pitchFamily="34" charset="-128"/>
+            </a:endParaRPr>
+          </a:p>
+        </p:txBody>
+      </p:sp>
+    </p:spTree>
+    <p:extLst>
+      <p:ext uri="{BB962C8B-B14F-4D97-AF65-F5344CB8AC3E}">
+        <p14:creationId xmlns:p14="http://schemas.microsoft.com/office/powerpoint/2010/main" val="282849681"/>
+      </p:ext>
+    </p:extLst>
+  </p:cSld>
+  <p:clrMapOvr>
+    <a:masterClrMapping/>
+  </p:clrMapOvr>
+</p:sld>
+</file>
+
+<file path=ppt/slides/slide12.xml><?xml version="1.0" encoding="utf-8"?>
+<p:sld xmlns:a="http://schemas.openxmlformats.org/drawingml/2006/main" xmlns:r="http://schemas.openxmlformats.org/officeDocument/2006/relationships" xmlns:p="http://schemas.openxmlformats.org/presentationml/2006/main">
+  <p:cSld>
+    <p:spTree>
+      <p:nvGrpSpPr>
+        <p:cNvPr id="1" name=""/>
+        <p:cNvGrpSpPr/>
+        <p:nvPr/>
+      </p:nvGrpSpPr>
+      <p:grpSpPr>
+        <a:xfrm>
+          <a:off x="0" y="0"/>
+          <a:ext cx="0" cy="0"/>
+          <a:chOff x="0" y="0"/>
+          <a:chExt cx="0" cy="0"/>
+        </a:xfrm>
+      </p:grpSpPr>
+      <p:sp>
+        <p:nvSpPr>
+          <p:cNvPr id="5" name="Title 4"/>
+          <p:cNvSpPr>
+            <a:spLocks noGrp="1"/>
+          </p:cNvSpPr>
+          <p:nvPr>
+            <p:ph type="title"/>
+          </p:nvPr>
+        </p:nvSpPr>
+        <p:spPr>
+          <a:xfrm>
+            <a:off x="206476" y="188780"/>
+            <a:ext cx="11804610" cy="766916"/>
+          </a:xfrm>
+        </p:spPr>
+        <p:txBody>
+          <a:bodyPr>
+            <a:normAutofit/>
+          </a:bodyPr>
+          <a:lstStyle/>
+          <a:p>
+            <a:r>
+              <a:rPr lang="en-US" sz="2800" b="1" dirty="0" smtClean="0">
+                <a:latin typeface="Arial Unicode MS" panose="020B0604020202020204" pitchFamily="34" charset="-128"/>
+                <a:ea typeface="Arial Unicode MS" panose="020B0604020202020204" pitchFamily="34" charset="-128"/>
+                <a:cs typeface="Arial Unicode MS" panose="020B0604020202020204" pitchFamily="34" charset="-128"/>
+              </a:rPr>
               <a:t>Theoretical </a:t>
             </a:r>
             <a:r>
@@ -3242,23 +3574,7 @@
                 <a:ea typeface="Arial Unicode MS" panose="020B0604020202020204" pitchFamily="34" charset="-128"/>
                 <a:cs typeface="Arial Unicode MS" panose="020B0604020202020204" pitchFamily="34" charset="-128"/>
               </a:rPr>
-              <a:t>QCD is the</a:t>
-            </a:r>
-            <a:r>
-              <a:rPr lang="en-US" sz="2000" dirty="0" smtClean="0">
-                <a:latin typeface="Arial Unicode MS" panose="020B0604020202020204" pitchFamily="34" charset="-128"/>
-                <a:ea typeface="Arial Unicode MS" panose="020B0604020202020204" pitchFamily="34" charset="-128"/>
-                <a:cs typeface="Arial Unicode MS" panose="020B0604020202020204" pitchFamily="34" charset="-128"/>
-              </a:rPr>
-              <a:t> </a:t>
-            </a:r>
-            <a:r>
-              <a:rPr lang="en-US" sz="2000" dirty="0" smtClean="0">
-                <a:latin typeface="Arial Unicode MS" panose="020B0604020202020204" pitchFamily="34" charset="-128"/>
-                <a:ea typeface="Arial Unicode MS" panose="020B0604020202020204" pitchFamily="34" charset="-128"/>
-                <a:cs typeface="Arial Unicode MS" panose="020B0604020202020204" pitchFamily="34" charset="-128"/>
-              </a:rPr>
-              <a:t>gauge theory for the strong interaction:</a:t>
+              <a:t>QCD is the gauge theory for the strong interaction:</a:t>
             </a:r>
           </a:p>
           <a:p>
@@ -3531,47 +3847,7 @@
                 <a:ea typeface="Arial Unicode MS" panose="020B0604020202020204" pitchFamily="34" charset="-128"/>
                 <a:cs typeface="Arial Unicode MS" panose="020B0604020202020204" pitchFamily="34" charset="-128"/>
               </a:rPr>
-              <a:t>Perturbation </a:t>
-            </a:r>
-            <a:r>
-              <a:rPr lang="en-US" sz="2000" dirty="0" smtClean="0">
-                <a:latin typeface="Arial Unicode MS" panose="020B0604020202020204" pitchFamily="34" charset="-128"/>
-                <a:ea typeface="Arial Unicode MS" panose="020B0604020202020204" pitchFamily="34" charset="-128"/>
-                <a:cs typeface="Arial Unicode MS" panose="020B0604020202020204" pitchFamily="34" charset="-128"/>
-              </a:rPr>
-              <a:t>is </a:t>
-            </a:r>
-            <a:r>
-              <a:rPr lang="en-US" sz="2000" dirty="0" smtClean="0">
-                <a:latin typeface="Arial Unicode MS" panose="020B0604020202020204" pitchFamily="34" charset="-128"/>
-                <a:ea typeface="Arial Unicode MS" panose="020B0604020202020204" pitchFamily="34" charset="-128"/>
-                <a:cs typeface="Arial Unicode MS" panose="020B0604020202020204" pitchFamily="34" charset="-128"/>
-              </a:rPr>
-              <a:t>used to study </a:t>
-            </a:r>
-            <a:r>
-              <a:rPr lang="en-US" sz="2000" dirty="0" smtClean="0">
-                <a:latin typeface="Arial Unicode MS" panose="020B0604020202020204" pitchFamily="34" charset="-128"/>
-                <a:ea typeface="Arial Unicode MS" panose="020B0604020202020204" pitchFamily="34" charset="-128"/>
-                <a:cs typeface="Arial Unicode MS" panose="020B0604020202020204" pitchFamily="34" charset="-128"/>
-              </a:rPr>
-              <a:t>q-g </a:t>
-            </a:r>
-            <a:r>
-              <a:rPr lang="en-US" sz="2000" dirty="0" smtClean="0">
-                <a:latin typeface="Arial Unicode MS" panose="020B0604020202020204" pitchFamily="34" charset="-128"/>
-                <a:ea typeface="Arial Unicode MS" panose="020B0604020202020204" pitchFamily="34" charset="-128"/>
-                <a:cs typeface="Arial Unicode MS" panose="020B0604020202020204" pitchFamily="34" charset="-128"/>
-              </a:rPr>
-              <a:t>production with high momentum transfers</a:t>
-            </a:r>
-            <a:r>
-              <a:rPr lang="en-US" sz="2000" dirty="0" smtClean="0">
-                <a:latin typeface="Arial Unicode MS" panose="020B0604020202020204" pitchFamily="34" charset="-128"/>
-                <a:ea typeface="Arial Unicode MS" panose="020B0604020202020204" pitchFamily="34" charset="-128"/>
-                <a:cs typeface="Arial Unicode MS" panose="020B0604020202020204" pitchFamily="34" charset="-128"/>
-              </a:rPr>
-              <a:t>.</a:t>
+              <a:t>Perturbation is used to study q-g production with high momentum transfers.</a:t>
             </a:r>
           </a:p>
           <a:p>
@@ -3628,877 +3904,6 @@
 </p:sld>
 </file>
 
-<file path=ppt/slides/slide11.xml><?xml version="1.0" encoding="utf-8"?>
-<p:sld xmlns:a="http://schemas.openxmlformats.org/drawingml/2006/main" xmlns:r="http://schemas.openxmlformats.org/officeDocument/2006/relationships" xmlns:p="http://schemas.openxmlformats.org/presentationml/2006/main">
-  <p:cSld>
-    <p:spTree>
-      <p:nvGrpSpPr>
-        <p:cNvPr id="1" name=""/>
-        <p:cNvGrpSpPr/>
-        <p:nvPr/>
-      </p:nvGrpSpPr>
-      <p:grpSpPr>
-        <a:xfrm>
-          <a:off x="0" y="0"/>
-          <a:ext cx="0" cy="0"/>
-          <a:chOff x="0" y="0"/>
-          <a:chExt cx="0" cy="0"/>
-        </a:xfrm>
-      </p:grpSpPr>
-      <p:sp>
-        <p:nvSpPr>
-          <p:cNvPr id="5" name="Title 4"/>
-          <p:cNvSpPr>
-            <a:spLocks noGrp="1"/>
-          </p:cNvSpPr>
-          <p:nvPr>
-            <p:ph type="title"/>
-          </p:nvPr>
-        </p:nvSpPr>
-        <p:spPr>
-          <a:xfrm>
-            <a:off x="206476" y="188780"/>
-            <a:ext cx="11804610" cy="766916"/>
-          </a:xfrm>
-        </p:spPr>
-        <p:txBody>
-          <a:bodyPr>
-            <a:normAutofit/>
-          </a:bodyPr>
-          <a:lstStyle/>
-          <a:p>
-            <a:r>
-              <a:rPr lang="en-US" sz="2800" b="1" dirty="0" smtClean="0">
-                <a:latin typeface="Arial Unicode MS" panose="020B0604020202020204" pitchFamily="34" charset="-128"/>
-                <a:ea typeface="Arial Unicode MS" panose="020B0604020202020204" pitchFamily="34" charset="-128"/>
-                <a:cs typeface="Arial Unicode MS" panose="020B0604020202020204" pitchFamily="34" charset="-128"/>
-              </a:rPr>
-              <a:t>Experimental </a:t>
-            </a:r>
-            <a:r>
-              <a:rPr lang="en-US" sz="2800" dirty="0" smtClean="0">
-                <a:latin typeface="Arial Unicode MS" panose="020B0604020202020204" pitchFamily="34" charset="-128"/>
-                <a:ea typeface="Arial Unicode MS" panose="020B0604020202020204" pitchFamily="34" charset="-128"/>
-                <a:cs typeface="Arial Unicode MS" panose="020B0604020202020204" pitchFamily="34" charset="-128"/>
-              </a:rPr>
-              <a:t>‘</a:t>
-            </a:r>
-            <a:r>
-              <a:rPr lang="en-IN" sz="2800" dirty="0" smtClean="0">
-                <a:solidFill>
-                  <a:schemeClr val="accent1">
-                    <a:lumMod val="50000"/>
-                  </a:schemeClr>
-                </a:solidFill>
-                <a:latin typeface="Arial Unicode MS" panose="020B0604020202020204" pitchFamily="34" charset="-128"/>
-                <a:ea typeface="Arial Unicode MS" panose="020B0604020202020204" pitchFamily="34" charset="-128"/>
-                <a:cs typeface="Arial Unicode MS" panose="020B0604020202020204" pitchFamily="34" charset="-128"/>
-              </a:rPr>
-              <a:t>eē</a:t>
-            </a:r>
-            <a:r>
-              <a:rPr lang="en-US" sz="2800" dirty="0" smtClean="0">
-                <a:solidFill>
-                  <a:schemeClr val="accent1">
-                    <a:lumMod val="50000"/>
-                  </a:schemeClr>
-                </a:solidFill>
-                <a:latin typeface="Arial Unicode MS" panose="020B0604020202020204" pitchFamily="34" charset="-128"/>
-                <a:ea typeface="Arial Unicode MS" panose="020B0604020202020204" pitchFamily="34" charset="-128"/>
-                <a:cs typeface="Arial Unicode MS" panose="020B0604020202020204" pitchFamily="34" charset="-128"/>
-              </a:rPr>
-              <a:t> → hadron</a:t>
-            </a:r>
-            <a:r>
-              <a:rPr lang="en-US" sz="2800" dirty="0" smtClean="0">
-                <a:latin typeface="Arial Unicode MS" panose="020B0604020202020204" pitchFamily="34" charset="-128"/>
-                <a:ea typeface="Arial Unicode MS" panose="020B0604020202020204" pitchFamily="34" charset="-128"/>
-                <a:cs typeface="Arial Unicode MS" panose="020B0604020202020204" pitchFamily="34" charset="-128"/>
-              </a:rPr>
-              <a:t>’</a:t>
-            </a:r>
-            <a:endParaRPr lang="en-IN" sz="2800" b="1" dirty="0">
-              <a:latin typeface="Arial Unicode MS" panose="020B0604020202020204" pitchFamily="34" charset="-128"/>
-              <a:ea typeface="Arial Unicode MS" panose="020B0604020202020204" pitchFamily="34" charset="-128"/>
-              <a:cs typeface="Arial Unicode MS" panose="020B0604020202020204" pitchFamily="34" charset="-128"/>
-            </a:endParaRPr>
-          </a:p>
-        </p:txBody>
-      </p:sp>
-      <p:sp>
-        <p:nvSpPr>
-          <p:cNvPr id="6" name="Content Placeholder 5"/>
-          <p:cNvSpPr>
-            <a:spLocks noGrp="1"/>
-          </p:cNvSpPr>
-          <p:nvPr>
-            <p:ph idx="1"/>
-          </p:nvPr>
-        </p:nvSpPr>
-        <p:spPr>
-          <a:xfrm>
-            <a:off x="206476" y="1064608"/>
-            <a:ext cx="11804610" cy="5609242"/>
-          </a:xfrm>
-        </p:spPr>
-        <p:txBody>
-          <a:bodyPr>
-            <a:normAutofit/>
-          </a:bodyPr>
-          <a:lstStyle/>
-          <a:p>
-            <a:pPr>
-              <a:spcAft>
-                <a:spcPts val="600"/>
-              </a:spcAft>
-            </a:pPr>
-            <a:r>
-              <a:rPr lang="en-US" sz="2000" dirty="0" smtClean="0">
-                <a:latin typeface="Arial Unicode MS" panose="020B0604020202020204" pitchFamily="34" charset="-128"/>
-                <a:ea typeface="Arial Unicode MS" panose="020B0604020202020204" pitchFamily="34" charset="-128"/>
-                <a:cs typeface="Arial Unicode MS" panose="020B0604020202020204" pitchFamily="34" charset="-128"/>
-              </a:rPr>
-              <a:t>Annihilation of eē (LEP/FCCee) provides a clean environment to study basic QCD processes.</a:t>
-            </a:r>
-          </a:p>
-          <a:p>
-            <a:pPr lvl="1">
-              <a:spcAft>
-                <a:spcPts val="600"/>
-              </a:spcAft>
-            </a:pPr>
-            <a:r>
-              <a:rPr lang="en-US" sz="1600" dirty="0" smtClean="0">
-                <a:latin typeface="Arial Unicode MS" panose="020B0604020202020204" pitchFamily="34" charset="-128"/>
-                <a:ea typeface="Arial Unicode MS" panose="020B0604020202020204" pitchFamily="34" charset="-128"/>
-                <a:cs typeface="Arial Unicode MS" panose="020B0604020202020204" pitchFamily="34" charset="-128"/>
-              </a:rPr>
-              <a:t>Quark discovered with 2-jet structure in eē collisions at SPEAR at SLAC.</a:t>
-            </a:r>
-          </a:p>
-          <a:p>
-            <a:pPr lvl="1">
-              <a:spcAft>
-                <a:spcPts val="600"/>
-              </a:spcAft>
-            </a:pPr>
-            <a:r>
-              <a:rPr lang="en-US" sz="1600" dirty="0" smtClean="0">
-                <a:latin typeface="Arial Unicode MS" panose="020B0604020202020204" pitchFamily="34" charset="-128"/>
-                <a:ea typeface="Arial Unicode MS" panose="020B0604020202020204" pitchFamily="34" charset="-128"/>
-                <a:cs typeface="Arial Unicode MS" panose="020B0604020202020204" pitchFamily="34" charset="-128"/>
-              </a:rPr>
-              <a:t>Gluon discovered with 3-jet structure in eē collisions at PETRA at DESY.</a:t>
-            </a:r>
-          </a:p>
-          <a:p>
-            <a:pPr lvl="1">
-              <a:spcAft>
-                <a:spcPts val="600"/>
-              </a:spcAft>
-            </a:pPr>
-            <a:r>
-              <a:rPr lang="en-US" sz="1600" dirty="0" smtClean="0">
-                <a:latin typeface="Arial Unicode MS" panose="020B0604020202020204" pitchFamily="34" charset="-128"/>
-                <a:ea typeface="Arial Unicode MS" panose="020B0604020202020204" pitchFamily="34" charset="-128"/>
-                <a:cs typeface="Arial Unicode MS" panose="020B0604020202020204" pitchFamily="34" charset="-128"/>
-              </a:rPr>
-              <a:t>Quark spin was confirmed to be ½ from analysing jet angular distributions.</a:t>
-            </a:r>
-          </a:p>
-          <a:p>
-            <a:pPr>
-              <a:spcAft>
-                <a:spcPts val="600"/>
-              </a:spcAft>
-            </a:pPr>
-            <a:r>
-              <a:rPr lang="en-US" sz="2000" dirty="0" smtClean="0">
-                <a:latin typeface="Arial Unicode MS" panose="020B0604020202020204" pitchFamily="34" charset="-128"/>
-                <a:ea typeface="Arial Unicode MS" panose="020B0604020202020204" pitchFamily="34" charset="-128"/>
-                <a:cs typeface="Arial Unicode MS" panose="020B0604020202020204" pitchFamily="34" charset="-128"/>
-              </a:rPr>
-              <a:t>LEP at Z0 resonance (91.2 GeV) offered several advantages:</a:t>
-            </a:r>
-          </a:p>
-          <a:p>
-            <a:pPr lvl="1">
-              <a:spcAft>
-                <a:spcPts val="600"/>
-              </a:spcAft>
-            </a:pPr>
-            <a:r>
-              <a:rPr lang="en-US" sz="1600" dirty="0" smtClean="0">
-                <a:latin typeface="Arial Unicode MS" panose="020B0604020202020204" pitchFamily="34" charset="-128"/>
-                <a:ea typeface="Arial Unicode MS" panose="020B0604020202020204" pitchFamily="34" charset="-128"/>
-                <a:cs typeface="Arial Unicode MS" panose="020B0604020202020204" pitchFamily="34" charset="-128"/>
-              </a:rPr>
-              <a:t>Large hadronic branching ratio – Z decay produces lepton pairs or hadron jets, but the latter is 70% more probable.</a:t>
-            </a:r>
-          </a:p>
-          <a:p>
-            <a:pPr lvl="1">
-              <a:spcAft>
-                <a:spcPts val="600"/>
-              </a:spcAft>
-            </a:pPr>
-            <a:r>
-              <a:rPr lang="en-US" sz="1600" dirty="0" smtClean="0">
-                <a:latin typeface="Arial Unicode MS" panose="020B0604020202020204" pitchFamily="34" charset="-128"/>
-                <a:ea typeface="Arial Unicode MS" panose="020B0604020202020204" pitchFamily="34" charset="-128"/>
-                <a:cs typeface="Arial Unicode MS" panose="020B0604020202020204" pitchFamily="34" charset="-128"/>
-              </a:rPr>
-              <a:t>Negligible background – processes without any hadrons were very minimal leading to higher precision analyses.</a:t>
-            </a:r>
-          </a:p>
-          <a:p>
-            <a:pPr lvl="1">
-              <a:spcAft>
-                <a:spcPts val="600"/>
-              </a:spcAft>
-            </a:pPr>
-            <a:r>
-              <a:rPr lang="en-US" sz="1600" dirty="0" smtClean="0">
-                <a:latin typeface="Arial Unicode MS" panose="020B0604020202020204" pitchFamily="34" charset="-128"/>
-                <a:ea typeface="Arial Unicode MS" panose="020B0604020202020204" pitchFamily="34" charset="-128"/>
-                <a:cs typeface="Arial Unicode MS" panose="020B0604020202020204" pitchFamily="34" charset="-128"/>
-              </a:rPr>
-              <a:t>Suppression of ISR – collider design prevented photon emission from eē resulting in more collision at maximum energy.</a:t>
-            </a:r>
-          </a:p>
-          <a:p>
-            <a:pPr lvl="1">
-              <a:spcAft>
-                <a:spcPts val="600"/>
-              </a:spcAft>
-            </a:pPr>
-            <a:r>
-              <a:rPr lang="en-US" sz="1600" dirty="0" smtClean="0">
-                <a:latin typeface="Arial Unicode MS" panose="020B0604020202020204" pitchFamily="34" charset="-128"/>
-                <a:ea typeface="Arial Unicode MS" panose="020B0604020202020204" pitchFamily="34" charset="-128"/>
-                <a:cs typeface="Arial Unicode MS" panose="020B0604020202020204" pitchFamily="34" charset="-128"/>
-              </a:rPr>
-              <a:t>Micro-vertex detectors – these special tracking systems near the collision points allowed for flavor-dependent studies. </a:t>
-            </a:r>
-          </a:p>
-          <a:p>
-            <a:pPr>
-              <a:spcAft>
-                <a:spcPts val="600"/>
-              </a:spcAft>
-            </a:pPr>
-            <a:r>
-              <a:rPr lang="en-US" sz="2000" dirty="0" smtClean="0">
-                <a:latin typeface="Arial Unicode MS" panose="020B0604020202020204" pitchFamily="34" charset="-128"/>
-                <a:ea typeface="Arial Unicode MS" panose="020B0604020202020204" pitchFamily="34" charset="-128"/>
-                <a:cs typeface="Arial Unicode MS" panose="020B0604020202020204" pitchFamily="34" charset="-128"/>
-              </a:rPr>
-              <a:t>FCCee will improve over LEP:</a:t>
-            </a:r>
-          </a:p>
-          <a:p>
-            <a:pPr lvl="1">
-              <a:spcAft>
-                <a:spcPts val="600"/>
-              </a:spcAft>
-            </a:pPr>
-            <a:r>
-              <a:rPr lang="en-US" sz="1600" dirty="0" smtClean="0">
-                <a:latin typeface="Arial Unicode MS" panose="020B0604020202020204" pitchFamily="34" charset="-128"/>
-                <a:ea typeface="Arial Unicode MS" panose="020B0604020202020204" pitchFamily="34" charset="-128"/>
-                <a:cs typeface="Arial Unicode MS" panose="020B0604020202020204" pitchFamily="34" charset="-128"/>
-              </a:rPr>
-              <a:t>Overall – Increased statistical samples of 10</a:t>
-            </a:r>
-            <a:r>
-              <a:rPr lang="en-US" sz="1600" baseline="30000" dirty="0" smtClean="0">
-                <a:latin typeface="Arial Unicode MS" panose="020B0604020202020204" pitchFamily="34" charset="-128"/>
-                <a:ea typeface="Arial Unicode MS" panose="020B0604020202020204" pitchFamily="34" charset="-128"/>
-                <a:cs typeface="Arial Unicode MS" panose="020B0604020202020204" pitchFamily="34" charset="-128"/>
-              </a:rPr>
-              <a:t>12</a:t>
-            </a:r>
-            <a:r>
-              <a:rPr lang="en-US" sz="1600" dirty="0" smtClean="0">
-                <a:latin typeface="Arial Unicode MS" panose="020B0604020202020204" pitchFamily="34" charset="-128"/>
-                <a:ea typeface="Arial Unicode MS" panose="020B0604020202020204" pitchFamily="34" charset="-128"/>
-                <a:cs typeface="Arial Unicode MS" panose="020B0604020202020204" pitchFamily="34" charset="-128"/>
-              </a:rPr>
-              <a:t> partons from Z decays and 10</a:t>
-            </a:r>
-            <a:r>
-              <a:rPr lang="en-US" sz="1600" baseline="30000" dirty="0" smtClean="0">
-                <a:latin typeface="Arial Unicode MS" panose="020B0604020202020204" pitchFamily="34" charset="-128"/>
-                <a:ea typeface="Arial Unicode MS" panose="020B0604020202020204" pitchFamily="34" charset="-128"/>
-                <a:cs typeface="Arial Unicode MS" panose="020B0604020202020204" pitchFamily="34" charset="-128"/>
-              </a:rPr>
-              <a:t>7</a:t>
-            </a:r>
-            <a:r>
-              <a:rPr lang="en-US" sz="1600" dirty="0" smtClean="0">
-                <a:latin typeface="Arial Unicode MS" panose="020B0604020202020204" pitchFamily="34" charset="-128"/>
-                <a:ea typeface="Arial Unicode MS" panose="020B0604020202020204" pitchFamily="34" charset="-128"/>
-                <a:cs typeface="Arial Unicode MS" panose="020B0604020202020204" pitchFamily="34" charset="-128"/>
-              </a:rPr>
-              <a:t> partons from W decays.</a:t>
-            </a:r>
-          </a:p>
-          <a:p>
-            <a:pPr lvl="1">
-              <a:spcAft>
-                <a:spcPts val="600"/>
-              </a:spcAft>
-            </a:pPr>
-            <a:r>
-              <a:rPr lang="en-US" sz="1600" dirty="0" smtClean="0">
-                <a:latin typeface="Arial Unicode MS" panose="020B0604020202020204" pitchFamily="34" charset="-128"/>
-                <a:ea typeface="Arial Unicode MS" panose="020B0604020202020204" pitchFamily="34" charset="-128"/>
-                <a:cs typeface="Arial Unicode MS" panose="020B0604020202020204" pitchFamily="34" charset="-128"/>
-              </a:rPr>
-              <a:t>At Z0 – Increased statistical samples by factor of 10</a:t>
-            </a:r>
-            <a:r>
-              <a:rPr lang="en-US" sz="1600" baseline="30000" dirty="0" smtClean="0">
-                <a:latin typeface="Arial Unicode MS" panose="020B0604020202020204" pitchFamily="34" charset="-128"/>
-                <a:ea typeface="Arial Unicode MS" panose="020B0604020202020204" pitchFamily="34" charset="-128"/>
-                <a:cs typeface="Arial Unicode MS" panose="020B0604020202020204" pitchFamily="34" charset="-128"/>
-              </a:rPr>
-              <a:t>5</a:t>
-            </a:r>
-            <a:r>
-              <a:rPr lang="en-US" sz="1600" dirty="0" smtClean="0">
-                <a:latin typeface="Arial Unicode MS" panose="020B0604020202020204" pitchFamily="34" charset="-128"/>
-                <a:ea typeface="Arial Unicode MS" panose="020B0604020202020204" pitchFamily="34" charset="-128"/>
-                <a:cs typeface="Arial Unicode MS" panose="020B0604020202020204" pitchFamily="34" charset="-128"/>
-              </a:rPr>
-              <a:t> thereby decreasing uncertainties by factor of 300</a:t>
-            </a:r>
-            <a:r>
-              <a:rPr lang="en-US" sz="1600" dirty="0" smtClean="0">
-                <a:latin typeface="Arial Unicode MS" panose="020B0604020202020204" pitchFamily="34" charset="-128"/>
-                <a:ea typeface="Arial Unicode MS" panose="020B0604020202020204" pitchFamily="34" charset="-128"/>
-                <a:cs typeface="Arial Unicode MS" panose="020B0604020202020204" pitchFamily="34" charset="-128"/>
-              </a:rPr>
-              <a:t>.</a:t>
-            </a:r>
-          </a:p>
-          <a:p>
-            <a:pPr lvl="1">
-              <a:spcAft>
-                <a:spcPts val="600"/>
-              </a:spcAft>
-            </a:pPr>
-            <a:endParaRPr lang="en-US" sz="1600" dirty="0" smtClean="0">
-              <a:latin typeface="Arial Unicode MS" panose="020B0604020202020204" pitchFamily="34" charset="-128"/>
-              <a:ea typeface="Arial Unicode MS" panose="020B0604020202020204" pitchFamily="34" charset="-128"/>
-              <a:cs typeface="Arial Unicode MS" panose="020B0604020202020204" pitchFamily="34" charset="-128"/>
-            </a:endParaRPr>
-          </a:p>
-          <a:p>
-            <a:pPr lvl="1">
-              <a:spcAft>
-                <a:spcPts val="600"/>
-              </a:spcAft>
-            </a:pPr>
-            <a:endParaRPr lang="en-US" sz="1600" dirty="0" smtClean="0">
-              <a:latin typeface="Arial Unicode MS" panose="020B0604020202020204" pitchFamily="34" charset="-128"/>
-              <a:ea typeface="Arial Unicode MS" panose="020B0604020202020204" pitchFamily="34" charset="-128"/>
-              <a:cs typeface="Arial Unicode MS" panose="020B0604020202020204" pitchFamily="34" charset="-128"/>
-            </a:endParaRPr>
-          </a:p>
-          <a:p>
-            <a:pPr>
-              <a:spcAft>
-                <a:spcPts val="600"/>
-              </a:spcAft>
-            </a:pPr>
-            <a:endParaRPr lang="en-US" sz="2000" dirty="0">
-              <a:latin typeface="Arial Unicode MS" panose="020B0604020202020204" pitchFamily="34" charset="-128"/>
-              <a:ea typeface="Arial Unicode MS" panose="020B0604020202020204" pitchFamily="34" charset="-128"/>
-              <a:cs typeface="Arial Unicode MS" panose="020B0604020202020204" pitchFamily="34" charset="-128"/>
-            </a:endParaRPr>
-          </a:p>
-        </p:txBody>
-      </p:sp>
-    </p:spTree>
-    <p:extLst>
-      <p:ext uri="{BB962C8B-B14F-4D97-AF65-F5344CB8AC3E}">
-        <p14:creationId xmlns:p14="http://schemas.microsoft.com/office/powerpoint/2010/main" val="2826422534"/>
-      </p:ext>
-    </p:extLst>
-  </p:cSld>
-  <p:clrMapOvr>
-    <a:masterClrMapping/>
-  </p:clrMapOvr>
-</p:sld>
-</file>
-
-<file path=ppt/slides/slide12.xml><?xml version="1.0" encoding="utf-8"?>
-<p:sld xmlns:a="http://schemas.openxmlformats.org/drawingml/2006/main" xmlns:r="http://schemas.openxmlformats.org/officeDocument/2006/relationships" xmlns:p="http://schemas.openxmlformats.org/presentationml/2006/main">
-  <p:cSld>
-    <p:spTree>
-      <p:nvGrpSpPr>
-        <p:cNvPr id="1" name=""/>
-        <p:cNvGrpSpPr/>
-        <p:nvPr/>
-      </p:nvGrpSpPr>
-      <p:grpSpPr>
-        <a:xfrm>
-          <a:off x="0" y="0"/>
-          <a:ext cx="0" cy="0"/>
-          <a:chOff x="0" y="0"/>
-          <a:chExt cx="0" cy="0"/>
-        </a:xfrm>
-      </p:grpSpPr>
-      <p:sp>
-        <p:nvSpPr>
-          <p:cNvPr id="5" name="Title 4"/>
-          <p:cNvSpPr>
-            <a:spLocks noGrp="1"/>
-          </p:cNvSpPr>
-          <p:nvPr>
-            <p:ph type="title"/>
-          </p:nvPr>
-        </p:nvSpPr>
-        <p:spPr>
-          <a:xfrm>
-            <a:off x="206476" y="188780"/>
-            <a:ext cx="11804610" cy="766916"/>
-          </a:xfrm>
-        </p:spPr>
-        <p:txBody>
-          <a:bodyPr>
-            <a:normAutofit/>
-          </a:bodyPr>
-          <a:lstStyle/>
-          <a:p>
-            <a:r>
-              <a:rPr lang="en-US" sz="2800" b="1" dirty="0" smtClean="0">
-                <a:latin typeface="Arial Unicode MS" panose="020B0604020202020204" pitchFamily="34" charset="-128"/>
-                <a:ea typeface="Arial Unicode MS" panose="020B0604020202020204" pitchFamily="34" charset="-128"/>
-                <a:cs typeface="Arial Unicode MS" panose="020B0604020202020204" pitchFamily="34" charset="-128"/>
-              </a:rPr>
-              <a:t>Phenomenology </a:t>
-            </a:r>
-            <a:r>
-              <a:rPr lang="en-US" sz="2800" dirty="0" smtClean="0">
-                <a:latin typeface="Arial Unicode MS" panose="020B0604020202020204" pitchFamily="34" charset="-128"/>
-                <a:ea typeface="Arial Unicode MS" panose="020B0604020202020204" pitchFamily="34" charset="-128"/>
-                <a:cs typeface="Arial Unicode MS" panose="020B0604020202020204" pitchFamily="34" charset="-128"/>
-              </a:rPr>
-              <a:t>‘</a:t>
-            </a:r>
-            <a:r>
-              <a:rPr lang="en-IN" sz="2800" dirty="0" smtClean="0">
-                <a:solidFill>
-                  <a:schemeClr val="accent1">
-                    <a:lumMod val="50000"/>
-                  </a:schemeClr>
-                </a:solidFill>
-                <a:latin typeface="Arial Unicode MS" panose="020B0604020202020204" pitchFamily="34" charset="-128"/>
-                <a:ea typeface="Arial Unicode MS" panose="020B0604020202020204" pitchFamily="34" charset="-128"/>
-                <a:cs typeface="Arial Unicode MS" panose="020B0604020202020204" pitchFamily="34" charset="-128"/>
-              </a:rPr>
-              <a:t>eē</a:t>
-            </a:r>
-            <a:r>
-              <a:rPr lang="en-US" sz="2800" dirty="0" smtClean="0">
-                <a:solidFill>
-                  <a:schemeClr val="accent1">
-                    <a:lumMod val="50000"/>
-                  </a:schemeClr>
-                </a:solidFill>
-                <a:latin typeface="Arial Unicode MS" panose="020B0604020202020204" pitchFamily="34" charset="-128"/>
-                <a:ea typeface="Arial Unicode MS" panose="020B0604020202020204" pitchFamily="34" charset="-128"/>
-                <a:cs typeface="Arial Unicode MS" panose="020B0604020202020204" pitchFamily="34" charset="-128"/>
-              </a:rPr>
-              <a:t> → hadron</a:t>
-            </a:r>
-            <a:r>
-              <a:rPr lang="en-US" sz="2800" dirty="0" smtClean="0">
-                <a:latin typeface="Arial Unicode MS" panose="020B0604020202020204" pitchFamily="34" charset="-128"/>
-                <a:ea typeface="Arial Unicode MS" panose="020B0604020202020204" pitchFamily="34" charset="-128"/>
-                <a:cs typeface="Arial Unicode MS" panose="020B0604020202020204" pitchFamily="34" charset="-128"/>
-              </a:rPr>
-              <a:t>’</a:t>
-            </a:r>
-            <a:endParaRPr lang="en-IN" sz="2800" b="1" dirty="0">
-              <a:latin typeface="Arial Unicode MS" panose="020B0604020202020204" pitchFamily="34" charset="-128"/>
-              <a:ea typeface="Arial Unicode MS" panose="020B0604020202020204" pitchFamily="34" charset="-128"/>
-              <a:cs typeface="Arial Unicode MS" panose="020B0604020202020204" pitchFamily="34" charset="-128"/>
-            </a:endParaRPr>
-          </a:p>
-        </p:txBody>
-      </p:sp>
-      <p:sp>
-        <p:nvSpPr>
-          <p:cNvPr id="6" name="Content Placeholder 5"/>
-          <p:cNvSpPr>
-            <a:spLocks noGrp="1"/>
-          </p:cNvSpPr>
-          <p:nvPr>
-            <p:ph idx="1"/>
-          </p:nvPr>
-        </p:nvSpPr>
-        <p:spPr>
-          <a:xfrm>
-            <a:off x="206476" y="1064608"/>
-            <a:ext cx="11804610" cy="5602892"/>
-          </a:xfrm>
-        </p:spPr>
-        <p:txBody>
-          <a:bodyPr>
-            <a:normAutofit/>
-          </a:bodyPr>
-          <a:lstStyle/>
-          <a:p>
-            <a:pPr>
-              <a:spcAft>
-                <a:spcPts val="600"/>
-              </a:spcAft>
-            </a:pPr>
-            <a:r>
-              <a:rPr lang="en-US" sz="2000" dirty="0">
-                <a:latin typeface="Arial Unicode MS" panose="020B0604020202020204" pitchFamily="34" charset="-128"/>
-                <a:ea typeface="Arial Unicode MS" panose="020B0604020202020204" pitchFamily="34" charset="-128"/>
-                <a:cs typeface="Arial Unicode MS" panose="020B0604020202020204" pitchFamily="34" charset="-128"/>
-              </a:rPr>
-              <a:t>MC programs split the process into four phases: </a:t>
-            </a:r>
-          </a:p>
-          <a:p>
-            <a:pPr marL="800100" lvl="1" indent="-342900">
-              <a:spcBef>
-                <a:spcPts val="1200"/>
-              </a:spcBef>
-              <a:spcAft>
-                <a:spcPts val="600"/>
-              </a:spcAft>
-              <a:buFont typeface="+mj-lt"/>
-              <a:buAutoNum type="arabicPeriod"/>
-            </a:pPr>
-            <a:r>
-              <a:rPr lang="en-US" sz="1600" b="1" dirty="0" smtClean="0">
-                <a:latin typeface="Arial Unicode MS" panose="020B0604020202020204" pitchFamily="34" charset="-128"/>
-                <a:ea typeface="Arial Unicode MS" panose="020B0604020202020204" pitchFamily="34" charset="-128"/>
-                <a:cs typeface="Arial Unicode MS" panose="020B0604020202020204" pitchFamily="34" charset="-128"/>
-              </a:rPr>
-              <a:t>Production of qq̅ </a:t>
-            </a:r>
-            <a:r>
-              <a:rPr lang="en-US" sz="1600" dirty="0" smtClean="0">
-                <a:latin typeface="Arial Unicode MS" panose="020B0604020202020204" pitchFamily="34" charset="-128"/>
-                <a:ea typeface="Arial Unicode MS" panose="020B0604020202020204" pitchFamily="34" charset="-128"/>
-                <a:cs typeface="Arial Unicode MS" panose="020B0604020202020204" pitchFamily="34" charset="-128"/>
-              </a:rPr>
-              <a:t>(electroweak).</a:t>
-            </a:r>
-          </a:p>
-          <a:p>
-            <a:pPr marL="800100" lvl="1" indent="-342900">
-              <a:spcBef>
-                <a:spcPts val="1200"/>
-              </a:spcBef>
-              <a:spcAft>
-                <a:spcPts val="600"/>
-              </a:spcAft>
-              <a:buFont typeface="+mj-lt"/>
-              <a:buAutoNum type="arabicPeriod"/>
-            </a:pPr>
-            <a:r>
-              <a:rPr lang="en-US" sz="1600" b="1" dirty="0">
-                <a:latin typeface="Arial Unicode MS" panose="020B0604020202020204" pitchFamily="34" charset="-128"/>
-                <a:ea typeface="Arial Unicode MS" panose="020B0604020202020204" pitchFamily="34" charset="-128"/>
-                <a:cs typeface="Arial Unicode MS" panose="020B0604020202020204" pitchFamily="34" charset="-128"/>
-              </a:rPr>
-              <a:t>G</a:t>
-            </a:r>
-            <a:r>
-              <a:rPr lang="en-US" sz="1600" b="1" dirty="0" smtClean="0">
-                <a:latin typeface="Arial Unicode MS" panose="020B0604020202020204" pitchFamily="34" charset="-128"/>
-                <a:ea typeface="Arial Unicode MS" panose="020B0604020202020204" pitchFamily="34" charset="-128"/>
-                <a:cs typeface="Arial Unicode MS" panose="020B0604020202020204" pitchFamily="34" charset="-128"/>
-              </a:rPr>
-              <a:t>luon radiation</a:t>
-            </a:r>
-            <a:r>
-              <a:rPr lang="en-US" sz="1600" dirty="0" smtClean="0">
-                <a:latin typeface="Arial Unicode MS" panose="020B0604020202020204" pitchFamily="34" charset="-128"/>
-                <a:ea typeface="Arial Unicode MS" panose="020B0604020202020204" pitchFamily="34" charset="-128"/>
-                <a:cs typeface="Arial Unicode MS" panose="020B0604020202020204" pitchFamily="34" charset="-128"/>
-              </a:rPr>
-              <a:t> (pQCD).</a:t>
-            </a:r>
-          </a:p>
-          <a:p>
-            <a:pPr lvl="2">
-              <a:spcBef>
-                <a:spcPts val="1200"/>
-              </a:spcBef>
-              <a:spcAft>
-                <a:spcPts val="600"/>
-              </a:spcAft>
-            </a:pPr>
-            <a:r>
-              <a:rPr lang="en-US" sz="1200" dirty="0" smtClean="0">
-                <a:latin typeface="Arial Unicode MS" panose="020B0604020202020204" pitchFamily="34" charset="-128"/>
-                <a:ea typeface="Arial Unicode MS" panose="020B0604020202020204" pitchFamily="34" charset="-128"/>
-                <a:cs typeface="Arial Unicode MS" panose="020B0604020202020204" pitchFamily="34" charset="-128"/>
-              </a:rPr>
-              <a:t>Matrix element method – calculate Feynman diagrams order by order, only available up to maximum of four partons in the final state.</a:t>
-            </a:r>
-          </a:p>
-          <a:p>
-            <a:pPr lvl="2">
-              <a:spcBef>
-                <a:spcPts val="1200"/>
-              </a:spcBef>
-              <a:spcAft>
-                <a:spcPts val="600"/>
-              </a:spcAft>
-            </a:pPr>
-            <a:r>
-              <a:rPr lang="en-US" sz="1200" dirty="0" smtClean="0">
-                <a:latin typeface="Arial Unicode MS" panose="020B0604020202020204" pitchFamily="34" charset="-128"/>
-                <a:ea typeface="Arial Unicode MS" panose="020B0604020202020204" pitchFamily="34" charset="-128"/>
-                <a:cs typeface="Arial Unicode MS" panose="020B0604020202020204" pitchFamily="34" charset="-128"/>
-              </a:rPr>
-              <a:t>Parton shower method – approximates full matrix expression as multiple jets, each limited by LLA or MLLA, which then </a:t>
-            </a:r>
-            <a:r>
-              <a:rPr lang="en-US" sz="1200" dirty="0" err="1" smtClean="0">
-                <a:latin typeface="Arial Unicode MS" panose="020B0604020202020204" pitchFamily="34" charset="-128"/>
-                <a:ea typeface="Arial Unicode MS" panose="020B0604020202020204" pitchFamily="34" charset="-128"/>
-                <a:cs typeface="Arial Unicode MS" panose="020B0604020202020204" pitchFamily="34" charset="-128"/>
-              </a:rPr>
-              <a:t>hadronise</a:t>
-            </a:r>
-            <a:r>
-              <a:rPr lang="en-US" sz="1200" dirty="0" smtClean="0">
-                <a:latin typeface="Arial Unicode MS" panose="020B0604020202020204" pitchFamily="34" charset="-128"/>
-                <a:ea typeface="Arial Unicode MS" panose="020B0604020202020204" pitchFamily="34" charset="-128"/>
-                <a:cs typeface="Arial Unicode MS" panose="020B0604020202020204" pitchFamily="34" charset="-128"/>
-              </a:rPr>
-              <a:t>.</a:t>
-            </a:r>
-            <a:endParaRPr lang="en-US" sz="1600" dirty="0" smtClean="0">
-              <a:latin typeface="Arial Unicode MS" panose="020B0604020202020204" pitchFamily="34" charset="-128"/>
-              <a:ea typeface="Arial Unicode MS" panose="020B0604020202020204" pitchFamily="34" charset="-128"/>
-              <a:cs typeface="Arial Unicode MS" panose="020B0604020202020204" pitchFamily="34" charset="-128"/>
-            </a:endParaRPr>
-          </a:p>
-          <a:p>
-            <a:pPr marL="800100" lvl="1" indent="-342900">
-              <a:spcBef>
-                <a:spcPts val="1200"/>
-              </a:spcBef>
-              <a:spcAft>
-                <a:spcPts val="600"/>
-              </a:spcAft>
-              <a:buFont typeface="+mj-lt"/>
-              <a:buAutoNum type="arabicPeriod"/>
-            </a:pPr>
-            <a:r>
-              <a:rPr lang="en-US" sz="1600" b="1" dirty="0">
-                <a:latin typeface="Arial Unicode MS" panose="020B0604020202020204" pitchFamily="34" charset="-128"/>
-                <a:ea typeface="Arial Unicode MS" panose="020B0604020202020204" pitchFamily="34" charset="-128"/>
-                <a:cs typeface="Arial Unicode MS" panose="020B0604020202020204" pitchFamily="34" charset="-128"/>
-              </a:rPr>
-              <a:t>H</a:t>
-            </a:r>
-            <a:r>
-              <a:rPr lang="en-US" sz="1600" b="1" dirty="0" smtClean="0">
-                <a:latin typeface="Arial Unicode MS" panose="020B0604020202020204" pitchFamily="34" charset="-128"/>
-                <a:ea typeface="Arial Unicode MS" panose="020B0604020202020204" pitchFamily="34" charset="-128"/>
-                <a:cs typeface="Arial Unicode MS" panose="020B0604020202020204" pitchFamily="34" charset="-128"/>
-              </a:rPr>
-              <a:t>adronisation</a:t>
-            </a:r>
-            <a:r>
-              <a:rPr lang="en-US" sz="1600" dirty="0" smtClean="0">
-                <a:latin typeface="Arial Unicode MS" panose="020B0604020202020204" pitchFamily="34" charset="-128"/>
-                <a:ea typeface="Arial Unicode MS" panose="020B0604020202020204" pitchFamily="34" charset="-128"/>
-                <a:cs typeface="Arial Unicode MS" panose="020B0604020202020204" pitchFamily="34" charset="-128"/>
-              </a:rPr>
-              <a:t> (npQCD</a:t>
-            </a:r>
-            <a:r>
-              <a:rPr lang="en-US" sz="1600" dirty="0">
-                <a:latin typeface="Arial Unicode MS" panose="020B0604020202020204" pitchFamily="34" charset="-128"/>
-                <a:ea typeface="Arial Unicode MS" panose="020B0604020202020204" pitchFamily="34" charset="-128"/>
-                <a:cs typeface="Arial Unicode MS" panose="020B0604020202020204" pitchFamily="34" charset="-128"/>
-              </a:rPr>
-              <a:t>)</a:t>
-            </a:r>
-            <a:r>
-              <a:rPr lang="en-US" sz="1600" dirty="0" smtClean="0">
-                <a:latin typeface="Arial Unicode MS" panose="020B0604020202020204" pitchFamily="34" charset="-128"/>
-                <a:ea typeface="Arial Unicode MS" panose="020B0604020202020204" pitchFamily="34" charset="-128"/>
-                <a:cs typeface="Arial Unicode MS" panose="020B0604020202020204" pitchFamily="34" charset="-128"/>
-              </a:rPr>
-              <a:t>.</a:t>
-            </a:r>
-          </a:p>
-          <a:p>
-            <a:pPr lvl="2">
-              <a:spcBef>
-                <a:spcPts val="1200"/>
-              </a:spcBef>
-              <a:spcAft>
-                <a:spcPts val="600"/>
-              </a:spcAft>
-            </a:pPr>
-            <a:r>
-              <a:rPr lang="en-US" sz="1200" dirty="0" smtClean="0">
-                <a:latin typeface="Arial Unicode MS" panose="020B0604020202020204" pitchFamily="34" charset="-128"/>
-                <a:ea typeface="Arial Unicode MS" panose="020B0604020202020204" pitchFamily="34" charset="-128"/>
-                <a:cs typeface="Arial Unicode MS" panose="020B0604020202020204" pitchFamily="34" charset="-128"/>
-              </a:rPr>
-              <a:t>Independent method – assumes that partons fragment isolated from each other, but it is shown that this does not match experiments.</a:t>
-            </a:r>
-          </a:p>
-          <a:p>
-            <a:pPr lvl="2">
-              <a:spcBef>
-                <a:spcPts val="1200"/>
-              </a:spcBef>
-              <a:spcAft>
-                <a:spcPts val="600"/>
-              </a:spcAft>
-            </a:pPr>
-            <a:r>
-              <a:rPr lang="en-US" sz="1200" dirty="0" smtClean="0">
-                <a:latin typeface="Arial Unicode MS" panose="020B0604020202020204" pitchFamily="34" charset="-128"/>
-                <a:ea typeface="Arial Unicode MS" panose="020B0604020202020204" pitchFamily="34" charset="-128"/>
-                <a:cs typeface="Arial Unicode MS" panose="020B0604020202020204" pitchFamily="34" charset="-128"/>
-              </a:rPr>
-              <a:t>String method – assumes a colour flux tube connecting qq̅ pairs which creates new hadrons when string is stretched far enough to break.</a:t>
-            </a:r>
-          </a:p>
-          <a:p>
-            <a:pPr lvl="2">
-              <a:spcBef>
-                <a:spcPts val="1200"/>
-              </a:spcBef>
-              <a:spcAft>
-                <a:spcPts val="600"/>
-              </a:spcAft>
-            </a:pPr>
-            <a:r>
-              <a:rPr lang="en-US" sz="1200" dirty="0" smtClean="0">
-                <a:latin typeface="Arial Unicode MS" panose="020B0604020202020204" pitchFamily="34" charset="-128"/>
-                <a:ea typeface="Arial Unicode MS" panose="020B0604020202020204" pitchFamily="34" charset="-128"/>
-                <a:cs typeface="Arial Unicode MS" panose="020B0604020202020204" pitchFamily="34" charset="-128"/>
-              </a:rPr>
-              <a:t>Cluster method – assumes gluons from pQCD split into qq̅ pairs forming colorless clusters that decay into particles if they have sufficient mass.</a:t>
-            </a:r>
-          </a:p>
-          <a:p>
-            <a:pPr marL="800100" lvl="1" indent="-342900">
-              <a:spcBef>
-                <a:spcPts val="1200"/>
-              </a:spcBef>
-              <a:spcAft>
-                <a:spcPts val="600"/>
-              </a:spcAft>
-              <a:buFont typeface="+mj-lt"/>
-              <a:buAutoNum type="arabicPeriod"/>
-            </a:pPr>
-            <a:r>
-              <a:rPr lang="en-US" sz="1600" b="1" dirty="0" smtClean="0">
-                <a:latin typeface="Arial Unicode MS" panose="020B0604020202020204" pitchFamily="34" charset="-128"/>
-                <a:ea typeface="Arial Unicode MS" panose="020B0604020202020204" pitchFamily="34" charset="-128"/>
-                <a:cs typeface="Arial Unicode MS" panose="020B0604020202020204" pitchFamily="34" charset="-128"/>
-              </a:rPr>
-              <a:t>Particle decay</a:t>
-            </a:r>
-            <a:r>
-              <a:rPr lang="en-US" sz="1600" dirty="0" smtClean="0">
-                <a:latin typeface="Arial Unicode MS" panose="020B0604020202020204" pitchFamily="34" charset="-128"/>
-                <a:ea typeface="Arial Unicode MS" panose="020B0604020202020204" pitchFamily="34" charset="-128"/>
-                <a:cs typeface="Arial Unicode MS" panose="020B0604020202020204" pitchFamily="34" charset="-128"/>
-              </a:rPr>
-              <a:t> (electroweak?).</a:t>
-            </a:r>
-          </a:p>
-          <a:p>
-            <a:pPr>
-              <a:spcBef>
-                <a:spcPts val="1200"/>
-              </a:spcBef>
-              <a:spcAft>
-                <a:spcPts val="600"/>
-              </a:spcAft>
-            </a:pPr>
-            <a:r>
-              <a:rPr lang="en-US" sz="2000" dirty="0" smtClean="0">
-                <a:latin typeface="Arial Unicode MS" panose="020B0604020202020204" pitchFamily="34" charset="-128"/>
-                <a:ea typeface="Arial Unicode MS" panose="020B0604020202020204" pitchFamily="34" charset="-128"/>
-                <a:cs typeface="Arial Unicode MS" panose="020B0604020202020204" pitchFamily="34" charset="-128"/>
-              </a:rPr>
-              <a:t>PYTHIA uses LLA parton shower with (m</a:t>
-            </a:r>
-            <a:r>
-              <a:rPr lang="en-US" sz="2000" baseline="-25000" dirty="0" smtClean="0">
-                <a:latin typeface="Arial Unicode MS" panose="020B0604020202020204" pitchFamily="34" charset="-128"/>
-                <a:ea typeface="Arial Unicode MS" panose="020B0604020202020204" pitchFamily="34" charset="-128"/>
-                <a:cs typeface="Arial Unicode MS" panose="020B0604020202020204" pitchFamily="34" charset="-128"/>
-              </a:rPr>
-              <a:t>branching_parton</a:t>
-            </a:r>
-            <a:r>
-              <a:rPr lang="en-US" sz="2000" dirty="0" smtClean="0">
-                <a:latin typeface="Arial Unicode MS" panose="020B0604020202020204" pitchFamily="34" charset="-128"/>
-                <a:ea typeface="Arial Unicode MS" panose="020B0604020202020204" pitchFamily="34" charset="-128"/>
-                <a:cs typeface="Arial Unicode MS" panose="020B0604020202020204" pitchFamily="34" charset="-128"/>
-              </a:rPr>
-              <a:t>)</a:t>
-            </a:r>
-            <a:r>
-              <a:rPr lang="en-US" sz="2000" baseline="30000" dirty="0" smtClean="0">
-                <a:latin typeface="Arial Unicode MS" panose="020B0604020202020204" pitchFamily="34" charset="-128"/>
-                <a:ea typeface="Arial Unicode MS" panose="020B0604020202020204" pitchFamily="34" charset="-128"/>
-                <a:cs typeface="Arial Unicode MS" panose="020B0604020202020204" pitchFamily="34" charset="-128"/>
-              </a:rPr>
-              <a:t>2</a:t>
-            </a:r>
-            <a:r>
-              <a:rPr lang="en-US" sz="2000" baseline="-25000" dirty="0" smtClean="0">
-                <a:latin typeface="Arial Unicode MS" panose="020B0604020202020204" pitchFamily="34" charset="-128"/>
-                <a:ea typeface="Arial Unicode MS" panose="020B0604020202020204" pitchFamily="34" charset="-128"/>
-                <a:cs typeface="Arial Unicode MS" panose="020B0604020202020204" pitchFamily="34" charset="-128"/>
-              </a:rPr>
-              <a:t> </a:t>
-            </a:r>
-            <a:r>
-              <a:rPr lang="en-US" sz="2000" dirty="0" smtClean="0">
-                <a:latin typeface="Arial Unicode MS" panose="020B0604020202020204" pitchFamily="34" charset="-128"/>
-                <a:ea typeface="Arial Unicode MS" panose="020B0604020202020204" pitchFamily="34" charset="-128"/>
-                <a:cs typeface="Arial Unicode MS" panose="020B0604020202020204" pitchFamily="34" charset="-128"/>
-              </a:rPr>
-              <a:t> for pQCD and independent/string for npQCD.</a:t>
-            </a:r>
-            <a:endParaRPr lang="en-US" sz="2000" dirty="0">
-              <a:latin typeface="Arial Unicode MS" panose="020B0604020202020204" pitchFamily="34" charset="-128"/>
-              <a:ea typeface="Arial Unicode MS" panose="020B0604020202020204" pitchFamily="34" charset="-128"/>
-              <a:cs typeface="Arial Unicode MS" panose="020B0604020202020204" pitchFamily="34" charset="-128"/>
-            </a:endParaRPr>
-          </a:p>
-        </p:txBody>
-      </p:sp>
-    </p:spTree>
-    <p:extLst>
-      <p:ext uri="{BB962C8B-B14F-4D97-AF65-F5344CB8AC3E}">
-        <p14:creationId xmlns:p14="http://schemas.microsoft.com/office/powerpoint/2010/main" val="1506690023"/>
-      </p:ext>
-    </p:extLst>
-  </p:cSld>
-  <p:clrMapOvr>
-    <a:masterClrMapping/>
-  </p:clrMapOvr>
-</p:sld>
-</file>
-
 <file path=ppt/slides/slide13.xml><?xml version="1.0" encoding="utf-8"?>
 <p:sld xmlns:a="http://schemas.openxmlformats.org/drawingml/2006/main" xmlns:r="http://schemas.openxmlformats.org/officeDocument/2006/relationships" xmlns:p="http://schemas.openxmlformats.org/presentationml/2006/main">
   <p:cSld>
@@ -4529,7 +3934,7 @@
         <p:spPr>
           <a:xfrm>
             <a:off x="206476" y="188780"/>
-            <a:ext cx="5914924" cy="766916"/>
+            <a:ext cx="11804610" cy="766916"/>
           </a:xfrm>
         </p:spPr>
         <p:txBody>
@@ -4538,22 +3943,55 @@
           </a:bodyPr>
           <a:lstStyle/>
           <a:p>
-            <a:pPr algn="ctr"/>
             <a:r>
               <a:rPr lang="en-US" sz="2800" b="1" dirty="0" smtClean="0">
                 <a:latin typeface="Arial Unicode MS" panose="020B0604020202020204" pitchFamily="34" charset="-128"/>
                 <a:ea typeface="Arial Unicode MS" panose="020B0604020202020204" pitchFamily="34" charset="-128"/>
                 <a:cs typeface="Arial Unicode MS" panose="020B0604020202020204" pitchFamily="34" charset="-128"/>
               </a:rPr>
-              <a:t>LEP (</a:t>
-            </a:r>
-            <a:r>
-              <a:rPr lang="en-US" sz="2800" b="1" dirty="0" smtClean="0">
-                <a:latin typeface="Arial Unicode MS" panose="020B0604020202020204" pitchFamily="34" charset="-128"/>
-                <a:ea typeface="Arial Unicode MS" panose="020B0604020202020204" pitchFamily="34" charset="-128"/>
-                <a:cs typeface="Arial Unicode MS" panose="020B0604020202020204" pitchFamily="34" charset="-128"/>
-              </a:rPr>
-              <a:t>1989 - 2000)</a:t>
+              <a:t>Experimental </a:t>
+            </a:r>
+            <a:r>
+              <a:rPr lang="en-US" sz="2800" dirty="0" smtClean="0">
+                <a:latin typeface="Arial Unicode MS" panose="020B0604020202020204" pitchFamily="34" charset="-128"/>
+                <a:ea typeface="Arial Unicode MS" panose="020B0604020202020204" pitchFamily="34" charset="-128"/>
+                <a:cs typeface="Arial Unicode MS" panose="020B0604020202020204" pitchFamily="34" charset="-128"/>
+              </a:rPr>
+              <a:t>‘</a:t>
+            </a:r>
+            <a:r>
+              <a:rPr lang="en-IN" sz="2800" dirty="0" smtClean="0">
+                <a:solidFill>
+                  <a:schemeClr val="accent1">
+                    <a:lumMod val="50000"/>
+                  </a:schemeClr>
+                </a:solidFill>
+                <a:latin typeface="Arial Unicode MS" panose="020B0604020202020204" pitchFamily="34" charset="-128"/>
+                <a:ea typeface="Arial Unicode MS" panose="020B0604020202020204" pitchFamily="34" charset="-128"/>
+                <a:cs typeface="Arial Unicode MS" panose="020B0604020202020204" pitchFamily="34" charset="-128"/>
+              </a:rPr>
+              <a:t>eē</a:t>
+            </a:r>
+            <a:r>
+              <a:rPr lang="en-US" sz="2800" dirty="0" smtClean="0">
+                <a:solidFill>
+                  <a:schemeClr val="accent1">
+                    <a:lumMod val="50000"/>
+                  </a:schemeClr>
+                </a:solidFill>
+                <a:latin typeface="Arial Unicode MS" panose="020B0604020202020204" pitchFamily="34" charset="-128"/>
+                <a:ea typeface="Arial Unicode MS" panose="020B0604020202020204" pitchFamily="34" charset="-128"/>
+                <a:cs typeface="Arial Unicode MS" panose="020B0604020202020204" pitchFamily="34" charset="-128"/>
+              </a:rPr>
+              <a:t> → hadron</a:t>
+            </a:r>
+            <a:r>
+              <a:rPr lang="en-US" sz="2800" dirty="0" smtClean="0">
+                <a:latin typeface="Arial Unicode MS" panose="020B0604020202020204" pitchFamily="34" charset="-128"/>
+                <a:ea typeface="Arial Unicode MS" panose="020B0604020202020204" pitchFamily="34" charset="-128"/>
+                <a:cs typeface="Arial Unicode MS" panose="020B0604020202020204" pitchFamily="34" charset="-128"/>
+              </a:rPr>
+              <a:t>’</a:t>
             </a:r>
             <a:endParaRPr lang="en-IN" sz="2800" b="1" dirty="0">
               <a:latin typeface="Arial Unicode MS" panose="020B0604020202020204" pitchFamily="34" charset="-128"/>
@@ -4576,6 +4014,1074 @@
         <p:spPr>
           <a:xfrm>
             <a:off x="206476" y="1064608"/>
+            <a:ext cx="11804610" cy="5609242"/>
+          </a:xfrm>
+        </p:spPr>
+        <p:txBody>
+          <a:bodyPr>
+            <a:normAutofit/>
+          </a:bodyPr>
+          <a:lstStyle/>
+          <a:p>
+            <a:pPr>
+              <a:spcAft>
+                <a:spcPts val="600"/>
+              </a:spcAft>
+            </a:pPr>
+            <a:r>
+              <a:rPr lang="en-US" sz="2000" dirty="0" smtClean="0">
+                <a:latin typeface="Arial Unicode MS" panose="020B0604020202020204" pitchFamily="34" charset="-128"/>
+                <a:ea typeface="Arial Unicode MS" panose="020B0604020202020204" pitchFamily="34" charset="-128"/>
+                <a:cs typeface="Arial Unicode MS" panose="020B0604020202020204" pitchFamily="34" charset="-128"/>
+              </a:rPr>
+              <a:t>Annihilation of eē (LEP/FCCee) provides a clean environment to study basic QCD processes.</a:t>
+            </a:r>
+          </a:p>
+          <a:p>
+            <a:pPr lvl="1">
+              <a:spcAft>
+                <a:spcPts val="600"/>
+              </a:spcAft>
+            </a:pPr>
+            <a:r>
+              <a:rPr lang="en-US" sz="1600" dirty="0" smtClean="0">
+                <a:latin typeface="Arial Unicode MS" panose="020B0604020202020204" pitchFamily="34" charset="-128"/>
+                <a:ea typeface="Arial Unicode MS" panose="020B0604020202020204" pitchFamily="34" charset="-128"/>
+                <a:cs typeface="Arial Unicode MS" panose="020B0604020202020204" pitchFamily="34" charset="-128"/>
+              </a:rPr>
+              <a:t>Quark discovered with 2-jet structure in eē collisions at SPEAR at SLAC.</a:t>
+            </a:r>
+          </a:p>
+          <a:p>
+            <a:pPr lvl="1">
+              <a:spcAft>
+                <a:spcPts val="600"/>
+              </a:spcAft>
+            </a:pPr>
+            <a:r>
+              <a:rPr lang="en-US" sz="1600" dirty="0" smtClean="0">
+                <a:latin typeface="Arial Unicode MS" panose="020B0604020202020204" pitchFamily="34" charset="-128"/>
+                <a:ea typeface="Arial Unicode MS" panose="020B0604020202020204" pitchFamily="34" charset="-128"/>
+                <a:cs typeface="Arial Unicode MS" panose="020B0604020202020204" pitchFamily="34" charset="-128"/>
+              </a:rPr>
+              <a:t>Gluon discovered with 3-jet structure in eē collisions at PETRA at DESY.</a:t>
+            </a:r>
+          </a:p>
+          <a:p>
+            <a:pPr lvl="1">
+              <a:spcAft>
+                <a:spcPts val="600"/>
+              </a:spcAft>
+            </a:pPr>
+            <a:r>
+              <a:rPr lang="en-US" sz="1600" dirty="0" smtClean="0">
+                <a:latin typeface="Arial Unicode MS" panose="020B0604020202020204" pitchFamily="34" charset="-128"/>
+                <a:ea typeface="Arial Unicode MS" panose="020B0604020202020204" pitchFamily="34" charset="-128"/>
+                <a:cs typeface="Arial Unicode MS" panose="020B0604020202020204" pitchFamily="34" charset="-128"/>
+              </a:rPr>
+              <a:t>Quark spin was confirmed to be ½ from analysing jet angular distributions.</a:t>
+            </a:r>
+          </a:p>
+          <a:p>
+            <a:pPr>
+              <a:spcAft>
+                <a:spcPts val="600"/>
+              </a:spcAft>
+            </a:pPr>
+            <a:r>
+              <a:rPr lang="en-US" sz="2000" dirty="0" smtClean="0">
+                <a:latin typeface="Arial Unicode MS" panose="020B0604020202020204" pitchFamily="34" charset="-128"/>
+                <a:ea typeface="Arial Unicode MS" panose="020B0604020202020204" pitchFamily="34" charset="-128"/>
+                <a:cs typeface="Arial Unicode MS" panose="020B0604020202020204" pitchFamily="34" charset="-128"/>
+              </a:rPr>
+              <a:t>LEP at Z0 resonance (91.2 GeV) offered several advantages:</a:t>
+            </a:r>
+          </a:p>
+          <a:p>
+            <a:pPr lvl="1">
+              <a:spcAft>
+                <a:spcPts val="600"/>
+              </a:spcAft>
+            </a:pPr>
+            <a:r>
+              <a:rPr lang="en-US" sz="1600" dirty="0" smtClean="0">
+                <a:latin typeface="Arial Unicode MS" panose="020B0604020202020204" pitchFamily="34" charset="-128"/>
+                <a:ea typeface="Arial Unicode MS" panose="020B0604020202020204" pitchFamily="34" charset="-128"/>
+                <a:cs typeface="Arial Unicode MS" panose="020B0604020202020204" pitchFamily="34" charset="-128"/>
+              </a:rPr>
+              <a:t>Large hadronic branching ratio – Z decay produces lepton pairs or hadron jets, but the latter is 70% more probable.</a:t>
+            </a:r>
+          </a:p>
+          <a:p>
+            <a:pPr lvl="1">
+              <a:spcAft>
+                <a:spcPts val="600"/>
+              </a:spcAft>
+            </a:pPr>
+            <a:r>
+              <a:rPr lang="en-US" sz="1600" dirty="0" smtClean="0">
+                <a:latin typeface="Arial Unicode MS" panose="020B0604020202020204" pitchFamily="34" charset="-128"/>
+                <a:ea typeface="Arial Unicode MS" panose="020B0604020202020204" pitchFamily="34" charset="-128"/>
+                <a:cs typeface="Arial Unicode MS" panose="020B0604020202020204" pitchFamily="34" charset="-128"/>
+              </a:rPr>
+              <a:t>Negligible background – processes without any hadrons were very minimal leading to higher precision analyses.</a:t>
+            </a:r>
+          </a:p>
+          <a:p>
+            <a:pPr lvl="1">
+              <a:spcAft>
+                <a:spcPts val="600"/>
+              </a:spcAft>
+            </a:pPr>
+            <a:r>
+              <a:rPr lang="en-US" sz="1600" dirty="0" smtClean="0">
+                <a:latin typeface="Arial Unicode MS" panose="020B0604020202020204" pitchFamily="34" charset="-128"/>
+                <a:ea typeface="Arial Unicode MS" panose="020B0604020202020204" pitchFamily="34" charset="-128"/>
+                <a:cs typeface="Arial Unicode MS" panose="020B0604020202020204" pitchFamily="34" charset="-128"/>
+              </a:rPr>
+              <a:t>Suppression of ISR – collider design prevented photon emission from eē resulting in more collision at maximum energy.</a:t>
+            </a:r>
+          </a:p>
+          <a:p>
+            <a:pPr lvl="1">
+              <a:spcAft>
+                <a:spcPts val="600"/>
+              </a:spcAft>
+            </a:pPr>
+            <a:r>
+              <a:rPr lang="en-US" sz="1600" dirty="0" smtClean="0">
+                <a:latin typeface="Arial Unicode MS" panose="020B0604020202020204" pitchFamily="34" charset="-128"/>
+                <a:ea typeface="Arial Unicode MS" panose="020B0604020202020204" pitchFamily="34" charset="-128"/>
+                <a:cs typeface="Arial Unicode MS" panose="020B0604020202020204" pitchFamily="34" charset="-128"/>
+              </a:rPr>
+              <a:t>Micro-vertex detectors – these special tracking systems near the collision points allowed for flavor-dependent studies. </a:t>
+            </a:r>
+          </a:p>
+          <a:p>
+            <a:pPr>
+              <a:spcAft>
+                <a:spcPts val="600"/>
+              </a:spcAft>
+            </a:pPr>
+            <a:r>
+              <a:rPr lang="en-US" sz="2000" dirty="0" smtClean="0">
+                <a:latin typeface="Arial Unicode MS" panose="020B0604020202020204" pitchFamily="34" charset="-128"/>
+                <a:ea typeface="Arial Unicode MS" panose="020B0604020202020204" pitchFamily="34" charset="-128"/>
+                <a:cs typeface="Arial Unicode MS" panose="020B0604020202020204" pitchFamily="34" charset="-128"/>
+              </a:rPr>
+              <a:t>FCCee will improve over LEP:</a:t>
+            </a:r>
+          </a:p>
+          <a:p>
+            <a:pPr lvl="1">
+              <a:spcAft>
+                <a:spcPts val="600"/>
+              </a:spcAft>
+            </a:pPr>
+            <a:r>
+              <a:rPr lang="en-US" sz="1600" dirty="0" smtClean="0">
+                <a:latin typeface="Arial Unicode MS" panose="020B0604020202020204" pitchFamily="34" charset="-128"/>
+                <a:ea typeface="Arial Unicode MS" panose="020B0604020202020204" pitchFamily="34" charset="-128"/>
+                <a:cs typeface="Arial Unicode MS" panose="020B0604020202020204" pitchFamily="34" charset="-128"/>
+              </a:rPr>
+              <a:t>Overall – Increased statistical samples of 10</a:t>
+            </a:r>
+            <a:r>
+              <a:rPr lang="en-US" sz="1600" baseline="30000" dirty="0" smtClean="0">
+                <a:latin typeface="Arial Unicode MS" panose="020B0604020202020204" pitchFamily="34" charset="-128"/>
+                <a:ea typeface="Arial Unicode MS" panose="020B0604020202020204" pitchFamily="34" charset="-128"/>
+                <a:cs typeface="Arial Unicode MS" panose="020B0604020202020204" pitchFamily="34" charset="-128"/>
+              </a:rPr>
+              <a:t>12</a:t>
+            </a:r>
+            <a:r>
+              <a:rPr lang="en-US" sz="1600" dirty="0" smtClean="0">
+                <a:latin typeface="Arial Unicode MS" panose="020B0604020202020204" pitchFamily="34" charset="-128"/>
+                <a:ea typeface="Arial Unicode MS" panose="020B0604020202020204" pitchFamily="34" charset="-128"/>
+                <a:cs typeface="Arial Unicode MS" panose="020B0604020202020204" pitchFamily="34" charset="-128"/>
+              </a:rPr>
+              <a:t> partons from Z decays and 10</a:t>
+            </a:r>
+            <a:r>
+              <a:rPr lang="en-US" sz="1600" baseline="30000" dirty="0" smtClean="0">
+                <a:latin typeface="Arial Unicode MS" panose="020B0604020202020204" pitchFamily="34" charset="-128"/>
+                <a:ea typeface="Arial Unicode MS" panose="020B0604020202020204" pitchFamily="34" charset="-128"/>
+                <a:cs typeface="Arial Unicode MS" panose="020B0604020202020204" pitchFamily="34" charset="-128"/>
+              </a:rPr>
+              <a:t>7</a:t>
+            </a:r>
+            <a:r>
+              <a:rPr lang="en-US" sz="1600" dirty="0" smtClean="0">
+                <a:latin typeface="Arial Unicode MS" panose="020B0604020202020204" pitchFamily="34" charset="-128"/>
+                <a:ea typeface="Arial Unicode MS" panose="020B0604020202020204" pitchFamily="34" charset="-128"/>
+                <a:cs typeface="Arial Unicode MS" panose="020B0604020202020204" pitchFamily="34" charset="-128"/>
+              </a:rPr>
+              <a:t> partons from W decays.</a:t>
+            </a:r>
+          </a:p>
+          <a:p>
+            <a:pPr lvl="1">
+              <a:spcAft>
+                <a:spcPts val="600"/>
+              </a:spcAft>
+            </a:pPr>
+            <a:r>
+              <a:rPr lang="en-US" sz="1600" dirty="0" smtClean="0">
+                <a:latin typeface="Arial Unicode MS" panose="020B0604020202020204" pitchFamily="34" charset="-128"/>
+                <a:ea typeface="Arial Unicode MS" panose="020B0604020202020204" pitchFamily="34" charset="-128"/>
+                <a:cs typeface="Arial Unicode MS" panose="020B0604020202020204" pitchFamily="34" charset="-128"/>
+              </a:rPr>
+              <a:t>At Z0 – Increased statistical samples by factor of 10</a:t>
+            </a:r>
+            <a:r>
+              <a:rPr lang="en-US" sz="1600" baseline="30000" dirty="0" smtClean="0">
+                <a:latin typeface="Arial Unicode MS" panose="020B0604020202020204" pitchFamily="34" charset="-128"/>
+                <a:ea typeface="Arial Unicode MS" panose="020B0604020202020204" pitchFamily="34" charset="-128"/>
+                <a:cs typeface="Arial Unicode MS" panose="020B0604020202020204" pitchFamily="34" charset="-128"/>
+              </a:rPr>
+              <a:t>5</a:t>
+            </a:r>
+            <a:r>
+              <a:rPr lang="en-US" sz="1600" dirty="0" smtClean="0">
+                <a:latin typeface="Arial Unicode MS" panose="020B0604020202020204" pitchFamily="34" charset="-128"/>
+                <a:ea typeface="Arial Unicode MS" panose="020B0604020202020204" pitchFamily="34" charset="-128"/>
+                <a:cs typeface="Arial Unicode MS" panose="020B0604020202020204" pitchFamily="34" charset="-128"/>
+              </a:rPr>
+              <a:t> thereby decreasing uncertainties by factor of 300.</a:t>
+            </a:r>
+          </a:p>
+          <a:p>
+            <a:pPr lvl="1">
+              <a:spcAft>
+                <a:spcPts val="600"/>
+              </a:spcAft>
+            </a:pPr>
+            <a:endParaRPr lang="en-US" sz="1600" dirty="0" smtClean="0">
+              <a:latin typeface="Arial Unicode MS" panose="020B0604020202020204" pitchFamily="34" charset="-128"/>
+              <a:ea typeface="Arial Unicode MS" panose="020B0604020202020204" pitchFamily="34" charset="-128"/>
+              <a:cs typeface="Arial Unicode MS" panose="020B0604020202020204" pitchFamily="34" charset="-128"/>
+            </a:endParaRPr>
+          </a:p>
+          <a:p>
+            <a:pPr lvl="1">
+              <a:spcAft>
+                <a:spcPts val="600"/>
+              </a:spcAft>
+            </a:pPr>
+            <a:endParaRPr lang="en-US" sz="1600" dirty="0" smtClean="0">
+              <a:latin typeface="Arial Unicode MS" panose="020B0604020202020204" pitchFamily="34" charset="-128"/>
+              <a:ea typeface="Arial Unicode MS" panose="020B0604020202020204" pitchFamily="34" charset="-128"/>
+              <a:cs typeface="Arial Unicode MS" panose="020B0604020202020204" pitchFamily="34" charset="-128"/>
+            </a:endParaRPr>
+          </a:p>
+          <a:p>
+            <a:pPr>
+              <a:spcAft>
+                <a:spcPts val="600"/>
+              </a:spcAft>
+            </a:pPr>
+            <a:endParaRPr lang="en-US" sz="2000" dirty="0">
+              <a:latin typeface="Arial Unicode MS" panose="020B0604020202020204" pitchFamily="34" charset="-128"/>
+              <a:ea typeface="Arial Unicode MS" panose="020B0604020202020204" pitchFamily="34" charset="-128"/>
+              <a:cs typeface="Arial Unicode MS" panose="020B0604020202020204" pitchFamily="34" charset="-128"/>
+            </a:endParaRPr>
+          </a:p>
+        </p:txBody>
+      </p:sp>
+    </p:spTree>
+    <p:extLst>
+      <p:ext uri="{BB962C8B-B14F-4D97-AF65-F5344CB8AC3E}">
+        <p14:creationId xmlns:p14="http://schemas.microsoft.com/office/powerpoint/2010/main" val="2826422534"/>
+      </p:ext>
+    </p:extLst>
+  </p:cSld>
+  <p:clrMapOvr>
+    <a:masterClrMapping/>
+  </p:clrMapOvr>
+</p:sld>
+</file>
+
+<file path=ppt/slides/slide14.xml><?xml version="1.0" encoding="utf-8"?>
+<p:sld xmlns:a="http://schemas.openxmlformats.org/drawingml/2006/main" xmlns:r="http://schemas.openxmlformats.org/officeDocument/2006/relationships" xmlns:p="http://schemas.openxmlformats.org/presentationml/2006/main">
+  <p:cSld>
+    <p:spTree>
+      <p:nvGrpSpPr>
+        <p:cNvPr id="1" name=""/>
+        <p:cNvGrpSpPr/>
+        <p:nvPr/>
+      </p:nvGrpSpPr>
+      <p:grpSpPr>
+        <a:xfrm>
+          <a:off x="0" y="0"/>
+          <a:ext cx="0" cy="0"/>
+          <a:chOff x="0" y="0"/>
+          <a:chExt cx="0" cy="0"/>
+        </a:xfrm>
+      </p:grpSpPr>
+      <p:sp>
+        <p:nvSpPr>
+          <p:cNvPr id="5" name="Title 4"/>
+          <p:cNvSpPr>
+            <a:spLocks noGrp="1"/>
+          </p:cNvSpPr>
+          <p:nvPr>
+            <p:ph type="title"/>
+          </p:nvPr>
+        </p:nvSpPr>
+        <p:spPr>
+          <a:xfrm>
+            <a:off x="206476" y="188780"/>
+            <a:ext cx="11804610" cy="766916"/>
+          </a:xfrm>
+        </p:spPr>
+        <p:txBody>
+          <a:bodyPr>
+            <a:normAutofit/>
+          </a:bodyPr>
+          <a:lstStyle/>
+          <a:p>
+            <a:r>
+              <a:rPr lang="en-US" sz="2800" b="1" dirty="0" smtClean="0">
+                <a:latin typeface="Arial Unicode MS" panose="020B0604020202020204" pitchFamily="34" charset="-128"/>
+                <a:ea typeface="Arial Unicode MS" panose="020B0604020202020204" pitchFamily="34" charset="-128"/>
+                <a:cs typeface="Arial Unicode MS" panose="020B0604020202020204" pitchFamily="34" charset="-128"/>
+              </a:rPr>
+              <a:t>Phenomenology </a:t>
+            </a:r>
+            <a:r>
+              <a:rPr lang="en-US" sz="2800" dirty="0" smtClean="0">
+                <a:latin typeface="Arial Unicode MS" panose="020B0604020202020204" pitchFamily="34" charset="-128"/>
+                <a:ea typeface="Arial Unicode MS" panose="020B0604020202020204" pitchFamily="34" charset="-128"/>
+                <a:cs typeface="Arial Unicode MS" panose="020B0604020202020204" pitchFamily="34" charset="-128"/>
+              </a:rPr>
+              <a:t>‘</a:t>
+            </a:r>
+            <a:r>
+              <a:rPr lang="en-IN" sz="2800" dirty="0" smtClean="0">
+                <a:solidFill>
+                  <a:schemeClr val="accent1">
+                    <a:lumMod val="50000"/>
+                  </a:schemeClr>
+                </a:solidFill>
+                <a:latin typeface="Arial Unicode MS" panose="020B0604020202020204" pitchFamily="34" charset="-128"/>
+                <a:ea typeface="Arial Unicode MS" panose="020B0604020202020204" pitchFamily="34" charset="-128"/>
+                <a:cs typeface="Arial Unicode MS" panose="020B0604020202020204" pitchFamily="34" charset="-128"/>
+              </a:rPr>
+              <a:t>eē</a:t>
+            </a:r>
+            <a:r>
+              <a:rPr lang="en-US" sz="2800" dirty="0" smtClean="0">
+                <a:solidFill>
+                  <a:schemeClr val="accent1">
+                    <a:lumMod val="50000"/>
+                  </a:schemeClr>
+                </a:solidFill>
+                <a:latin typeface="Arial Unicode MS" panose="020B0604020202020204" pitchFamily="34" charset="-128"/>
+                <a:ea typeface="Arial Unicode MS" panose="020B0604020202020204" pitchFamily="34" charset="-128"/>
+                <a:cs typeface="Arial Unicode MS" panose="020B0604020202020204" pitchFamily="34" charset="-128"/>
+              </a:rPr>
+              <a:t> </a:t>
+            </a:r>
+            <a:r>
+              <a:rPr lang="en-US" sz="2800" dirty="0" smtClean="0">
+                <a:solidFill>
+                  <a:schemeClr val="accent1">
+                    <a:lumMod val="50000"/>
+                  </a:schemeClr>
+                </a:solidFill>
+                <a:latin typeface="Arial Unicode MS" panose="020B0604020202020204" pitchFamily="34" charset="-128"/>
+                <a:ea typeface="Arial Unicode MS" panose="020B0604020202020204" pitchFamily="34" charset="-128"/>
+                <a:cs typeface="Arial Unicode MS" panose="020B0604020202020204" pitchFamily="34" charset="-128"/>
+              </a:rPr>
+              <a:t>→ hadron</a:t>
+            </a:r>
+            <a:r>
+              <a:rPr lang="en-US" sz="2800" dirty="0" smtClean="0">
+                <a:latin typeface="Arial Unicode MS" panose="020B0604020202020204" pitchFamily="34" charset="-128"/>
+                <a:ea typeface="Arial Unicode MS" panose="020B0604020202020204" pitchFamily="34" charset="-128"/>
+                <a:cs typeface="Arial Unicode MS" panose="020B0604020202020204" pitchFamily="34" charset="-128"/>
+              </a:rPr>
+              <a:t>’</a:t>
+            </a:r>
+            <a:endParaRPr lang="en-IN" sz="2800" b="1" dirty="0">
+              <a:latin typeface="Arial Unicode MS" panose="020B0604020202020204" pitchFamily="34" charset="-128"/>
+              <a:ea typeface="Arial Unicode MS" panose="020B0604020202020204" pitchFamily="34" charset="-128"/>
+              <a:cs typeface="Arial Unicode MS" panose="020B0604020202020204" pitchFamily="34" charset="-128"/>
+            </a:endParaRPr>
+          </a:p>
+        </p:txBody>
+      </p:sp>
+      <p:sp>
+        <p:nvSpPr>
+          <p:cNvPr id="6" name="Content Placeholder 5"/>
+          <p:cNvSpPr>
+            <a:spLocks noGrp="1"/>
+          </p:cNvSpPr>
+          <p:nvPr>
+            <p:ph idx="1"/>
+          </p:nvPr>
+        </p:nvSpPr>
+        <p:spPr>
+          <a:xfrm>
+            <a:off x="206476" y="1064608"/>
+            <a:ext cx="11804610" cy="5602892"/>
+          </a:xfrm>
+        </p:spPr>
+        <p:txBody>
+          <a:bodyPr>
+            <a:normAutofit/>
+          </a:bodyPr>
+          <a:lstStyle/>
+          <a:p>
+            <a:pPr>
+              <a:spcAft>
+                <a:spcPts val="600"/>
+              </a:spcAft>
+            </a:pPr>
+            <a:r>
+              <a:rPr lang="en-US" sz="2000" dirty="0">
+                <a:latin typeface="Arial Unicode MS" panose="020B0604020202020204" pitchFamily="34" charset="-128"/>
+                <a:ea typeface="Arial Unicode MS" panose="020B0604020202020204" pitchFamily="34" charset="-128"/>
+                <a:cs typeface="Arial Unicode MS" panose="020B0604020202020204" pitchFamily="34" charset="-128"/>
+              </a:rPr>
+              <a:t>MC programs split the process into four phases: </a:t>
+            </a:r>
+          </a:p>
+          <a:p>
+            <a:pPr marL="800100" lvl="1" indent="-342900">
+              <a:spcBef>
+                <a:spcPts val="1200"/>
+              </a:spcBef>
+              <a:spcAft>
+                <a:spcPts val="600"/>
+              </a:spcAft>
+              <a:buFont typeface="+mj-lt"/>
+              <a:buAutoNum type="arabicPeriod"/>
+            </a:pPr>
+            <a:r>
+              <a:rPr lang="en-US" sz="1600" b="1" dirty="0" smtClean="0">
+                <a:latin typeface="Arial Unicode MS" panose="020B0604020202020204" pitchFamily="34" charset="-128"/>
+                <a:ea typeface="Arial Unicode MS" panose="020B0604020202020204" pitchFamily="34" charset="-128"/>
+                <a:cs typeface="Arial Unicode MS" panose="020B0604020202020204" pitchFamily="34" charset="-128"/>
+              </a:rPr>
+              <a:t>Production of qq̅ </a:t>
+            </a:r>
+            <a:r>
+              <a:rPr lang="en-US" sz="1600" dirty="0" smtClean="0">
+                <a:latin typeface="Arial Unicode MS" panose="020B0604020202020204" pitchFamily="34" charset="-128"/>
+                <a:ea typeface="Arial Unicode MS" panose="020B0604020202020204" pitchFamily="34" charset="-128"/>
+                <a:cs typeface="Arial Unicode MS" panose="020B0604020202020204" pitchFamily="34" charset="-128"/>
+              </a:rPr>
+              <a:t>(electroweak</a:t>
+            </a:r>
+            <a:r>
+              <a:rPr lang="en-US" sz="1600" dirty="0" smtClean="0">
+                <a:latin typeface="Arial Unicode MS" panose="020B0604020202020204" pitchFamily="34" charset="-128"/>
+                <a:ea typeface="Arial Unicode MS" panose="020B0604020202020204" pitchFamily="34" charset="-128"/>
+                <a:cs typeface="Arial Unicode MS" panose="020B0604020202020204" pitchFamily="34" charset="-128"/>
+              </a:rPr>
+              <a:t>).</a:t>
+            </a:r>
+          </a:p>
+          <a:p>
+            <a:pPr lvl="2">
+              <a:spcBef>
+                <a:spcPts val="1200"/>
+              </a:spcBef>
+              <a:spcAft>
+                <a:spcPts val="600"/>
+              </a:spcAft>
+            </a:pPr>
+            <a:r>
+              <a:rPr lang="en-US" sz="1200" dirty="0" smtClean="0">
+                <a:latin typeface="Arial Unicode MS" panose="020B0604020202020204" pitchFamily="34" charset="-128"/>
+                <a:ea typeface="Arial Unicode MS" panose="020B0604020202020204" pitchFamily="34" charset="-128"/>
+                <a:cs typeface="Arial Unicode MS" panose="020B0604020202020204" pitchFamily="34" charset="-128"/>
+              </a:rPr>
+              <a:t>Decay from a virtual photon or Z boson via (</a:t>
+            </a:r>
+            <a:r>
+              <a:rPr lang="en-IN" sz="1200" dirty="0" smtClean="0">
+                <a:latin typeface="Arial Unicode MS" panose="020B0604020202020204" pitchFamily="34" charset="-128"/>
+                <a:ea typeface="Arial Unicode MS" panose="020B0604020202020204" pitchFamily="34" charset="-128"/>
+                <a:cs typeface="Arial Unicode MS" panose="020B0604020202020204" pitchFamily="34" charset="-128"/>
+              </a:rPr>
+              <a:t>eē</a:t>
+            </a:r>
+            <a:r>
+              <a:rPr lang="en-US" sz="1200" dirty="0" smtClean="0">
+                <a:latin typeface="Arial Unicode MS" panose="020B0604020202020204" pitchFamily="34" charset="-128"/>
+                <a:ea typeface="Arial Unicode MS" panose="020B0604020202020204" pitchFamily="34" charset="-128"/>
+                <a:cs typeface="Arial Unicode MS" panose="020B0604020202020204" pitchFamily="34" charset="-128"/>
+              </a:rPr>
+              <a:t> → </a:t>
+            </a:r>
+            <a:r>
+              <a:rPr lang="el-GR" sz="1200" dirty="0" smtClean="0">
+                <a:latin typeface="Arial Unicode MS" panose="020B0604020202020204" pitchFamily="34" charset="-128"/>
+                <a:ea typeface="Arial Unicode MS" panose="020B0604020202020204" pitchFamily="34" charset="-128"/>
+                <a:cs typeface="Arial Unicode MS" panose="020B0604020202020204" pitchFamily="34" charset="-128"/>
+              </a:rPr>
+              <a:t>γ</a:t>
+            </a:r>
+            <a:r>
+              <a:rPr lang="el-GR" sz="1200" baseline="30000" dirty="0" smtClean="0">
+                <a:latin typeface="Arial Unicode MS" panose="020B0604020202020204" pitchFamily="34" charset="-128"/>
+                <a:ea typeface="Arial Unicode MS" panose="020B0604020202020204" pitchFamily="34" charset="-128"/>
+                <a:cs typeface="Arial Unicode MS" panose="020B0604020202020204" pitchFamily="34" charset="-128"/>
+              </a:rPr>
+              <a:t>∗</a:t>
+            </a:r>
+            <a:r>
+              <a:rPr lang="en-US" sz="1200" dirty="0" smtClean="0">
+                <a:latin typeface="Arial Unicode MS" panose="020B0604020202020204" pitchFamily="34" charset="-128"/>
+                <a:ea typeface="Arial Unicode MS" panose="020B0604020202020204" pitchFamily="34" charset="-128"/>
+                <a:cs typeface="Arial Unicode MS" panose="020B0604020202020204" pitchFamily="34" charset="-128"/>
+              </a:rPr>
+              <a:t>/</a:t>
+            </a:r>
+            <a:r>
+              <a:rPr lang="en-IN" sz="1200" dirty="0" smtClean="0">
+                <a:latin typeface="Arial Unicode MS" panose="020B0604020202020204" pitchFamily="34" charset="-128"/>
+                <a:ea typeface="Arial Unicode MS" panose="020B0604020202020204" pitchFamily="34" charset="-128"/>
+                <a:cs typeface="Arial Unicode MS" panose="020B0604020202020204" pitchFamily="34" charset="-128"/>
+              </a:rPr>
+              <a:t>Z</a:t>
+            </a:r>
+            <a:r>
+              <a:rPr lang="en-IN" sz="1200" baseline="30000" dirty="0" smtClean="0">
+                <a:latin typeface="Arial Unicode MS" panose="020B0604020202020204" pitchFamily="34" charset="-128"/>
+                <a:ea typeface="Arial Unicode MS" panose="020B0604020202020204" pitchFamily="34" charset="-128"/>
+                <a:cs typeface="Arial Unicode MS" panose="020B0604020202020204" pitchFamily="34" charset="-128"/>
+              </a:rPr>
+              <a:t>0</a:t>
+            </a:r>
+            <a:r>
+              <a:rPr lang="en-IN" sz="1200" dirty="0" smtClean="0">
+                <a:latin typeface="Arial Unicode MS" panose="020B0604020202020204" pitchFamily="34" charset="-128"/>
+                <a:ea typeface="Arial Unicode MS" panose="020B0604020202020204" pitchFamily="34" charset="-128"/>
+                <a:cs typeface="Arial Unicode MS" panose="020B0604020202020204" pitchFamily="34" charset="-128"/>
+              </a:rPr>
+              <a:t> </a:t>
+            </a:r>
+            <a:r>
+              <a:rPr lang="en-US" sz="1200" dirty="0">
+                <a:latin typeface="Arial Unicode MS" panose="020B0604020202020204" pitchFamily="34" charset="-128"/>
+                <a:ea typeface="Arial Unicode MS" panose="020B0604020202020204" pitchFamily="34" charset="-128"/>
+                <a:cs typeface="Arial Unicode MS" panose="020B0604020202020204" pitchFamily="34" charset="-128"/>
+              </a:rPr>
+              <a:t>→</a:t>
+            </a:r>
+            <a:r>
+              <a:rPr lang="en-IN" sz="1200" dirty="0" smtClean="0">
+                <a:latin typeface="Arial Unicode MS" panose="020B0604020202020204" pitchFamily="34" charset="-128"/>
+                <a:ea typeface="Arial Unicode MS" panose="020B0604020202020204" pitchFamily="34" charset="-128"/>
+                <a:cs typeface="Arial Unicode MS" panose="020B0604020202020204" pitchFamily="34" charset="-128"/>
+              </a:rPr>
+              <a:t> q</a:t>
+            </a:r>
+            <a:r>
+              <a:rPr lang="en-IN" sz="1200" dirty="0">
+                <a:latin typeface="Arial Unicode MS" panose="020B0604020202020204" pitchFamily="34" charset="-128"/>
+                <a:ea typeface="Arial Unicode MS" panose="020B0604020202020204" pitchFamily="34" charset="-128"/>
+                <a:cs typeface="Arial Unicode MS" panose="020B0604020202020204" pitchFamily="34" charset="-128"/>
+              </a:rPr>
+              <a:t>q</a:t>
+            </a:r>
+            <a:r>
+              <a:rPr lang="en-IN" sz="1200" dirty="0" smtClean="0">
+                <a:latin typeface="Arial Unicode MS" panose="020B0604020202020204" pitchFamily="34" charset="-128"/>
+                <a:ea typeface="Arial Unicode MS" panose="020B0604020202020204" pitchFamily="34" charset="-128"/>
+                <a:cs typeface="Arial Unicode MS" panose="020B0604020202020204" pitchFamily="34" charset="-128"/>
+              </a:rPr>
+              <a:t>̅)</a:t>
+            </a:r>
+          </a:p>
+          <a:p>
+            <a:pPr lvl="2">
+              <a:spcBef>
+                <a:spcPts val="1200"/>
+              </a:spcBef>
+              <a:spcAft>
+                <a:spcPts val="600"/>
+              </a:spcAft>
+            </a:pPr>
+            <a:r>
+              <a:rPr lang="en-US" sz="1200" dirty="0" smtClean="0">
+                <a:latin typeface="Arial Unicode MS" panose="020B0604020202020204" pitchFamily="34" charset="-128"/>
+                <a:ea typeface="Arial Unicode MS" panose="020B0604020202020204" pitchFamily="34" charset="-128"/>
+                <a:cs typeface="Arial Unicode MS" panose="020B0604020202020204" pitchFamily="34" charset="-128"/>
+              </a:rPr>
+              <a:t>Decay from </a:t>
+            </a:r>
+            <a:r>
+              <a:rPr lang="en-US" sz="1200" dirty="0" smtClean="0">
+                <a:latin typeface="Arial Unicode MS" panose="020B0604020202020204" pitchFamily="34" charset="-128"/>
+                <a:ea typeface="Arial Unicode MS" panose="020B0604020202020204" pitchFamily="34" charset="-128"/>
+                <a:cs typeface="Arial Unicode MS" panose="020B0604020202020204" pitchFamily="34" charset="-128"/>
+              </a:rPr>
+              <a:t>gluons via (g →</a:t>
+            </a:r>
+            <a:r>
+              <a:rPr lang="en-IN" sz="1200" dirty="0" smtClean="0">
+                <a:latin typeface="Arial Unicode MS" panose="020B0604020202020204" pitchFamily="34" charset="-128"/>
+                <a:ea typeface="Arial Unicode MS" panose="020B0604020202020204" pitchFamily="34" charset="-128"/>
+                <a:cs typeface="Arial Unicode MS" panose="020B0604020202020204" pitchFamily="34" charset="-128"/>
+              </a:rPr>
+              <a:t> </a:t>
+            </a:r>
+            <a:r>
+              <a:rPr lang="en-IN" sz="1200" dirty="0">
+                <a:latin typeface="Arial Unicode MS" panose="020B0604020202020204" pitchFamily="34" charset="-128"/>
+                <a:ea typeface="Arial Unicode MS" panose="020B0604020202020204" pitchFamily="34" charset="-128"/>
+                <a:cs typeface="Arial Unicode MS" panose="020B0604020202020204" pitchFamily="34" charset="-128"/>
+              </a:rPr>
+              <a:t>qq</a:t>
+            </a:r>
+            <a:r>
+              <a:rPr lang="en-IN" sz="1200" dirty="0" smtClean="0">
+                <a:latin typeface="Arial Unicode MS" panose="020B0604020202020204" pitchFamily="34" charset="-128"/>
+                <a:ea typeface="Arial Unicode MS" panose="020B0604020202020204" pitchFamily="34" charset="-128"/>
+                <a:cs typeface="Arial Unicode MS" panose="020B0604020202020204" pitchFamily="34" charset="-128"/>
+              </a:rPr>
+              <a:t>̅) or </a:t>
+            </a:r>
+            <a:r>
+              <a:rPr lang="en-US" sz="1200" dirty="0">
+                <a:latin typeface="Arial Unicode MS" panose="020B0604020202020204" pitchFamily="34" charset="-128"/>
+                <a:ea typeface="Arial Unicode MS" panose="020B0604020202020204" pitchFamily="34" charset="-128"/>
+                <a:cs typeface="Arial Unicode MS" panose="020B0604020202020204" pitchFamily="34" charset="-128"/>
+              </a:rPr>
+              <a:t>(</a:t>
+            </a:r>
+            <a:r>
+              <a:rPr lang="en-IN" sz="1200" dirty="0">
+                <a:latin typeface="Arial Unicode MS" panose="020B0604020202020204" pitchFamily="34" charset="-128"/>
+                <a:ea typeface="Arial Unicode MS" panose="020B0604020202020204" pitchFamily="34" charset="-128"/>
+                <a:cs typeface="Arial Unicode MS" panose="020B0604020202020204" pitchFamily="34" charset="-128"/>
+              </a:rPr>
+              <a:t>eē</a:t>
+            </a:r>
+            <a:r>
+              <a:rPr lang="en-US" sz="1200" dirty="0">
+                <a:latin typeface="Arial Unicode MS" panose="020B0604020202020204" pitchFamily="34" charset="-128"/>
+                <a:ea typeface="Arial Unicode MS" panose="020B0604020202020204" pitchFamily="34" charset="-128"/>
+                <a:cs typeface="Arial Unicode MS" panose="020B0604020202020204" pitchFamily="34" charset="-128"/>
+              </a:rPr>
+              <a:t> → </a:t>
+            </a:r>
+            <a:r>
+              <a:rPr lang="en-IN" sz="1200" dirty="0" smtClean="0">
+                <a:latin typeface="Arial Unicode MS" panose="020B0604020202020204" pitchFamily="34" charset="-128"/>
+                <a:ea typeface="Arial Unicode MS" panose="020B0604020202020204" pitchFamily="34" charset="-128"/>
+                <a:cs typeface="Arial Unicode MS" panose="020B0604020202020204" pitchFamily="34" charset="-128"/>
+              </a:rPr>
+              <a:t>qq̅g</a:t>
+            </a:r>
+            <a:r>
+              <a:rPr lang="en-US" sz="1200" dirty="0">
+                <a:latin typeface="Arial Unicode MS" panose="020B0604020202020204" pitchFamily="34" charset="-128"/>
+                <a:ea typeface="Arial Unicode MS" panose="020B0604020202020204" pitchFamily="34" charset="-128"/>
+                <a:cs typeface="Arial Unicode MS" panose="020B0604020202020204" pitchFamily="34" charset="-128"/>
+              </a:rPr>
+              <a:t> →</a:t>
+            </a:r>
+            <a:r>
+              <a:rPr lang="en-IN" sz="1200" dirty="0">
+                <a:latin typeface="Arial Unicode MS" panose="020B0604020202020204" pitchFamily="34" charset="-128"/>
+                <a:ea typeface="Arial Unicode MS" panose="020B0604020202020204" pitchFamily="34" charset="-128"/>
+                <a:cs typeface="Arial Unicode MS" panose="020B0604020202020204" pitchFamily="34" charset="-128"/>
+              </a:rPr>
+              <a:t> qq</a:t>
+            </a:r>
+            <a:r>
+              <a:rPr lang="en-IN" sz="1200" dirty="0" smtClean="0">
+                <a:latin typeface="Arial Unicode MS" panose="020B0604020202020204" pitchFamily="34" charset="-128"/>
+                <a:ea typeface="Arial Unicode MS" panose="020B0604020202020204" pitchFamily="34" charset="-128"/>
+                <a:cs typeface="Arial Unicode MS" panose="020B0604020202020204" pitchFamily="34" charset="-128"/>
+              </a:rPr>
+              <a:t>̅)</a:t>
+            </a:r>
+            <a:endParaRPr lang="en-US" sz="1200" dirty="0" smtClean="0">
+              <a:latin typeface="Arial Unicode MS" panose="020B0604020202020204" pitchFamily="34" charset="-128"/>
+              <a:ea typeface="Arial Unicode MS" panose="020B0604020202020204" pitchFamily="34" charset="-128"/>
+              <a:cs typeface="Arial Unicode MS" panose="020B0604020202020204" pitchFamily="34" charset="-128"/>
+            </a:endParaRPr>
+          </a:p>
+          <a:p>
+            <a:pPr marL="800100" lvl="1" indent="-342900">
+              <a:spcBef>
+                <a:spcPts val="1200"/>
+              </a:spcBef>
+              <a:spcAft>
+                <a:spcPts val="600"/>
+              </a:spcAft>
+              <a:buFont typeface="+mj-lt"/>
+              <a:buAutoNum type="arabicPeriod"/>
+            </a:pPr>
+            <a:r>
+              <a:rPr lang="en-US" sz="1600" b="1" dirty="0" smtClean="0">
+                <a:latin typeface="Arial Unicode MS" panose="020B0604020202020204" pitchFamily="34" charset="-128"/>
+                <a:ea typeface="Arial Unicode MS" panose="020B0604020202020204" pitchFamily="34" charset="-128"/>
+                <a:cs typeface="Arial Unicode MS" panose="020B0604020202020204" pitchFamily="34" charset="-128"/>
+              </a:rPr>
+              <a:t>Gluon radiation</a:t>
+            </a:r>
+            <a:r>
+              <a:rPr lang="en-US" sz="1600" dirty="0" smtClean="0">
+                <a:latin typeface="Arial Unicode MS" panose="020B0604020202020204" pitchFamily="34" charset="-128"/>
+                <a:ea typeface="Arial Unicode MS" panose="020B0604020202020204" pitchFamily="34" charset="-128"/>
+                <a:cs typeface="Arial Unicode MS" panose="020B0604020202020204" pitchFamily="34" charset="-128"/>
+              </a:rPr>
+              <a:t> (pQCD).</a:t>
+            </a:r>
+          </a:p>
+          <a:p>
+            <a:pPr lvl="2">
+              <a:spcBef>
+                <a:spcPts val="1200"/>
+              </a:spcBef>
+              <a:spcAft>
+                <a:spcPts val="600"/>
+              </a:spcAft>
+            </a:pPr>
+            <a:r>
+              <a:rPr lang="en-US" sz="1200" dirty="0" smtClean="0">
+                <a:latin typeface="Arial Unicode MS" panose="020B0604020202020204" pitchFamily="34" charset="-128"/>
+                <a:ea typeface="Arial Unicode MS" panose="020B0604020202020204" pitchFamily="34" charset="-128"/>
+                <a:cs typeface="Arial Unicode MS" panose="020B0604020202020204" pitchFamily="34" charset="-128"/>
+              </a:rPr>
+              <a:t>Matrix </a:t>
+            </a:r>
+            <a:r>
+              <a:rPr lang="en-US" sz="1200" dirty="0" smtClean="0">
+                <a:latin typeface="Arial Unicode MS" panose="020B0604020202020204" pitchFamily="34" charset="-128"/>
+                <a:ea typeface="Arial Unicode MS" panose="020B0604020202020204" pitchFamily="34" charset="-128"/>
+                <a:cs typeface="Arial Unicode MS" panose="020B0604020202020204" pitchFamily="34" charset="-128"/>
+              </a:rPr>
+              <a:t>element method – calculate Feynman diagrams order by order, only available up to maximum of four partons in the final state.</a:t>
+            </a:r>
+          </a:p>
+          <a:p>
+            <a:pPr lvl="2">
+              <a:spcBef>
+                <a:spcPts val="1200"/>
+              </a:spcBef>
+              <a:spcAft>
+                <a:spcPts val="600"/>
+              </a:spcAft>
+            </a:pPr>
+            <a:r>
+              <a:rPr lang="en-US" sz="1200" dirty="0" smtClean="0">
+                <a:latin typeface="Arial Unicode MS" panose="020B0604020202020204" pitchFamily="34" charset="-128"/>
+                <a:ea typeface="Arial Unicode MS" panose="020B0604020202020204" pitchFamily="34" charset="-128"/>
+                <a:cs typeface="Arial Unicode MS" panose="020B0604020202020204" pitchFamily="34" charset="-128"/>
+              </a:rPr>
+              <a:t>Parton shower method – approximates full matrix expression as multiple jets, each limited by LLA or MLLA, which then </a:t>
+            </a:r>
+            <a:r>
+              <a:rPr lang="en-US" sz="1200" dirty="0" err="1" smtClean="0">
+                <a:latin typeface="Arial Unicode MS" panose="020B0604020202020204" pitchFamily="34" charset="-128"/>
+                <a:ea typeface="Arial Unicode MS" panose="020B0604020202020204" pitchFamily="34" charset="-128"/>
+                <a:cs typeface="Arial Unicode MS" panose="020B0604020202020204" pitchFamily="34" charset="-128"/>
+              </a:rPr>
+              <a:t>hadronise</a:t>
+            </a:r>
+            <a:r>
+              <a:rPr lang="en-US" sz="1200" dirty="0" smtClean="0">
+                <a:latin typeface="Arial Unicode MS" panose="020B0604020202020204" pitchFamily="34" charset="-128"/>
+                <a:ea typeface="Arial Unicode MS" panose="020B0604020202020204" pitchFamily="34" charset="-128"/>
+                <a:cs typeface="Arial Unicode MS" panose="020B0604020202020204" pitchFamily="34" charset="-128"/>
+              </a:rPr>
+              <a:t>.</a:t>
+            </a:r>
+            <a:endParaRPr lang="en-US" sz="1600" dirty="0" smtClean="0">
+              <a:latin typeface="Arial Unicode MS" panose="020B0604020202020204" pitchFamily="34" charset="-128"/>
+              <a:ea typeface="Arial Unicode MS" panose="020B0604020202020204" pitchFamily="34" charset="-128"/>
+              <a:cs typeface="Arial Unicode MS" panose="020B0604020202020204" pitchFamily="34" charset="-128"/>
+            </a:endParaRPr>
+          </a:p>
+          <a:p>
+            <a:pPr marL="800100" lvl="1" indent="-342900">
+              <a:spcBef>
+                <a:spcPts val="1200"/>
+              </a:spcBef>
+              <a:spcAft>
+                <a:spcPts val="600"/>
+              </a:spcAft>
+              <a:buFont typeface="+mj-lt"/>
+              <a:buAutoNum type="arabicPeriod"/>
+            </a:pPr>
+            <a:r>
+              <a:rPr lang="en-US" sz="1600" b="1" dirty="0">
+                <a:latin typeface="Arial Unicode MS" panose="020B0604020202020204" pitchFamily="34" charset="-128"/>
+                <a:ea typeface="Arial Unicode MS" panose="020B0604020202020204" pitchFamily="34" charset="-128"/>
+                <a:cs typeface="Arial Unicode MS" panose="020B0604020202020204" pitchFamily="34" charset="-128"/>
+              </a:rPr>
+              <a:t>H</a:t>
+            </a:r>
+            <a:r>
+              <a:rPr lang="en-US" sz="1600" b="1" dirty="0" smtClean="0">
+                <a:latin typeface="Arial Unicode MS" panose="020B0604020202020204" pitchFamily="34" charset="-128"/>
+                <a:ea typeface="Arial Unicode MS" panose="020B0604020202020204" pitchFamily="34" charset="-128"/>
+                <a:cs typeface="Arial Unicode MS" panose="020B0604020202020204" pitchFamily="34" charset="-128"/>
+              </a:rPr>
+              <a:t>adronisation</a:t>
+            </a:r>
+            <a:r>
+              <a:rPr lang="en-US" sz="1600" dirty="0" smtClean="0">
+                <a:latin typeface="Arial Unicode MS" panose="020B0604020202020204" pitchFamily="34" charset="-128"/>
+                <a:ea typeface="Arial Unicode MS" panose="020B0604020202020204" pitchFamily="34" charset="-128"/>
+                <a:cs typeface="Arial Unicode MS" panose="020B0604020202020204" pitchFamily="34" charset="-128"/>
+              </a:rPr>
+              <a:t> (npQCD</a:t>
+            </a:r>
+            <a:r>
+              <a:rPr lang="en-US" sz="1600" dirty="0">
+                <a:latin typeface="Arial Unicode MS" panose="020B0604020202020204" pitchFamily="34" charset="-128"/>
+                <a:ea typeface="Arial Unicode MS" panose="020B0604020202020204" pitchFamily="34" charset="-128"/>
+                <a:cs typeface="Arial Unicode MS" panose="020B0604020202020204" pitchFamily="34" charset="-128"/>
+              </a:rPr>
+              <a:t>)</a:t>
+            </a:r>
+            <a:r>
+              <a:rPr lang="en-US" sz="1600" dirty="0" smtClean="0">
+                <a:latin typeface="Arial Unicode MS" panose="020B0604020202020204" pitchFamily="34" charset="-128"/>
+                <a:ea typeface="Arial Unicode MS" panose="020B0604020202020204" pitchFamily="34" charset="-128"/>
+                <a:cs typeface="Arial Unicode MS" panose="020B0604020202020204" pitchFamily="34" charset="-128"/>
+              </a:rPr>
+              <a:t>.</a:t>
+            </a:r>
+          </a:p>
+          <a:p>
+            <a:pPr lvl="2">
+              <a:spcBef>
+                <a:spcPts val="1200"/>
+              </a:spcBef>
+              <a:spcAft>
+                <a:spcPts val="600"/>
+              </a:spcAft>
+            </a:pPr>
+            <a:r>
+              <a:rPr lang="en-US" sz="1200" dirty="0" smtClean="0">
+                <a:latin typeface="Arial Unicode MS" panose="020B0604020202020204" pitchFamily="34" charset="-128"/>
+                <a:ea typeface="Arial Unicode MS" panose="020B0604020202020204" pitchFamily="34" charset="-128"/>
+                <a:cs typeface="Arial Unicode MS" panose="020B0604020202020204" pitchFamily="34" charset="-128"/>
+              </a:rPr>
+              <a:t>Independent method – assumes that partons fragment isolated from each other, but it is shown that this does not match experiments.</a:t>
+            </a:r>
+          </a:p>
+          <a:p>
+            <a:pPr lvl="2">
+              <a:spcBef>
+                <a:spcPts val="1200"/>
+              </a:spcBef>
+              <a:spcAft>
+                <a:spcPts val="600"/>
+              </a:spcAft>
+            </a:pPr>
+            <a:r>
+              <a:rPr lang="en-US" sz="1200" dirty="0" smtClean="0">
+                <a:latin typeface="Arial Unicode MS" panose="020B0604020202020204" pitchFamily="34" charset="-128"/>
+                <a:ea typeface="Arial Unicode MS" panose="020B0604020202020204" pitchFamily="34" charset="-128"/>
+                <a:cs typeface="Arial Unicode MS" panose="020B0604020202020204" pitchFamily="34" charset="-128"/>
+              </a:rPr>
+              <a:t>String method – assumes a colour flux tube connecting qq̅ pairs which creates new hadrons when string is stretched far enough to break.</a:t>
+            </a:r>
+          </a:p>
+          <a:p>
+            <a:pPr lvl="2">
+              <a:spcBef>
+                <a:spcPts val="1200"/>
+              </a:spcBef>
+              <a:spcAft>
+                <a:spcPts val="600"/>
+              </a:spcAft>
+            </a:pPr>
+            <a:r>
+              <a:rPr lang="en-US" sz="1200" dirty="0" smtClean="0">
+                <a:latin typeface="Arial Unicode MS" panose="020B0604020202020204" pitchFamily="34" charset="-128"/>
+                <a:ea typeface="Arial Unicode MS" panose="020B0604020202020204" pitchFamily="34" charset="-128"/>
+                <a:cs typeface="Arial Unicode MS" panose="020B0604020202020204" pitchFamily="34" charset="-128"/>
+              </a:rPr>
+              <a:t>Cluster method – assumes gluons from pQCD split into qq̅ pairs forming colorless clusters that decay into particles if they have sufficient mass.</a:t>
+            </a:r>
+          </a:p>
+          <a:p>
+            <a:pPr marL="800100" lvl="1" indent="-342900">
+              <a:spcBef>
+                <a:spcPts val="1200"/>
+              </a:spcBef>
+              <a:spcAft>
+                <a:spcPts val="600"/>
+              </a:spcAft>
+              <a:buFont typeface="+mj-lt"/>
+              <a:buAutoNum type="arabicPeriod"/>
+            </a:pPr>
+            <a:r>
+              <a:rPr lang="en-US" sz="1600" b="1" dirty="0" smtClean="0">
+                <a:latin typeface="Arial Unicode MS" panose="020B0604020202020204" pitchFamily="34" charset="-128"/>
+                <a:ea typeface="Arial Unicode MS" panose="020B0604020202020204" pitchFamily="34" charset="-128"/>
+                <a:cs typeface="Arial Unicode MS" panose="020B0604020202020204" pitchFamily="34" charset="-128"/>
+              </a:rPr>
+              <a:t>Particle decay</a:t>
+            </a:r>
+            <a:r>
+              <a:rPr lang="en-US" sz="1600" dirty="0" smtClean="0">
+                <a:latin typeface="Arial Unicode MS" panose="020B0604020202020204" pitchFamily="34" charset="-128"/>
+                <a:ea typeface="Arial Unicode MS" panose="020B0604020202020204" pitchFamily="34" charset="-128"/>
+                <a:cs typeface="Arial Unicode MS" panose="020B0604020202020204" pitchFamily="34" charset="-128"/>
+              </a:rPr>
+              <a:t> (electroweak?).</a:t>
+            </a:r>
+          </a:p>
+          <a:p>
+            <a:pPr>
+              <a:spcBef>
+                <a:spcPts val="1200"/>
+              </a:spcBef>
+              <a:spcAft>
+                <a:spcPts val="600"/>
+              </a:spcAft>
+            </a:pPr>
+            <a:r>
+              <a:rPr lang="en-US" sz="2000" dirty="0" smtClean="0">
+                <a:latin typeface="Arial Unicode MS" panose="020B0604020202020204" pitchFamily="34" charset="-128"/>
+                <a:ea typeface="Arial Unicode MS" panose="020B0604020202020204" pitchFamily="34" charset="-128"/>
+                <a:cs typeface="Arial Unicode MS" panose="020B0604020202020204" pitchFamily="34" charset="-128"/>
+              </a:rPr>
+              <a:t>PYTHIA uses LLA parton shower with (m</a:t>
+            </a:r>
+            <a:r>
+              <a:rPr lang="en-US" sz="2000" baseline="-25000" dirty="0" smtClean="0">
+                <a:latin typeface="Arial Unicode MS" panose="020B0604020202020204" pitchFamily="34" charset="-128"/>
+                <a:ea typeface="Arial Unicode MS" panose="020B0604020202020204" pitchFamily="34" charset="-128"/>
+                <a:cs typeface="Arial Unicode MS" panose="020B0604020202020204" pitchFamily="34" charset="-128"/>
+              </a:rPr>
+              <a:t>branching_parton</a:t>
+            </a:r>
+            <a:r>
+              <a:rPr lang="en-US" sz="2000" dirty="0" smtClean="0">
+                <a:latin typeface="Arial Unicode MS" panose="020B0604020202020204" pitchFamily="34" charset="-128"/>
+                <a:ea typeface="Arial Unicode MS" panose="020B0604020202020204" pitchFamily="34" charset="-128"/>
+                <a:cs typeface="Arial Unicode MS" panose="020B0604020202020204" pitchFamily="34" charset="-128"/>
+              </a:rPr>
+              <a:t>)</a:t>
+            </a:r>
+            <a:r>
+              <a:rPr lang="en-US" sz="2000" baseline="30000" dirty="0" smtClean="0">
+                <a:latin typeface="Arial Unicode MS" panose="020B0604020202020204" pitchFamily="34" charset="-128"/>
+                <a:ea typeface="Arial Unicode MS" panose="020B0604020202020204" pitchFamily="34" charset="-128"/>
+                <a:cs typeface="Arial Unicode MS" panose="020B0604020202020204" pitchFamily="34" charset="-128"/>
+              </a:rPr>
+              <a:t>2</a:t>
+            </a:r>
+            <a:r>
+              <a:rPr lang="en-US" sz="2000" baseline="-25000" dirty="0" smtClean="0">
+                <a:latin typeface="Arial Unicode MS" panose="020B0604020202020204" pitchFamily="34" charset="-128"/>
+                <a:ea typeface="Arial Unicode MS" panose="020B0604020202020204" pitchFamily="34" charset="-128"/>
+                <a:cs typeface="Arial Unicode MS" panose="020B0604020202020204" pitchFamily="34" charset="-128"/>
+              </a:rPr>
+              <a:t> </a:t>
+            </a:r>
+            <a:r>
+              <a:rPr lang="en-US" sz="2000" dirty="0" smtClean="0">
+                <a:latin typeface="Arial Unicode MS" panose="020B0604020202020204" pitchFamily="34" charset="-128"/>
+                <a:ea typeface="Arial Unicode MS" panose="020B0604020202020204" pitchFamily="34" charset="-128"/>
+                <a:cs typeface="Arial Unicode MS" panose="020B0604020202020204" pitchFamily="34" charset="-128"/>
+              </a:rPr>
+              <a:t> for pQCD and independent/string for npQCD.</a:t>
+            </a:r>
+            <a:endParaRPr lang="en-US" sz="2000" dirty="0">
+              <a:latin typeface="Arial Unicode MS" panose="020B0604020202020204" pitchFamily="34" charset="-128"/>
+              <a:ea typeface="Arial Unicode MS" panose="020B0604020202020204" pitchFamily="34" charset="-128"/>
+              <a:cs typeface="Arial Unicode MS" panose="020B0604020202020204" pitchFamily="34" charset="-128"/>
+            </a:endParaRPr>
+          </a:p>
+        </p:txBody>
+      </p:sp>
+    </p:spTree>
+    <p:extLst>
+      <p:ext uri="{BB962C8B-B14F-4D97-AF65-F5344CB8AC3E}">
+        <p14:creationId xmlns:p14="http://schemas.microsoft.com/office/powerpoint/2010/main" val="1506690023"/>
+      </p:ext>
+    </p:extLst>
+  </p:cSld>
+  <p:clrMapOvr>
+    <a:masterClrMapping/>
+  </p:clrMapOvr>
+</p:sld>
+</file>
+
+<file path=ppt/slides/slide15.xml><?xml version="1.0" encoding="utf-8"?>
+<p:sld xmlns:a="http://schemas.openxmlformats.org/drawingml/2006/main" xmlns:r="http://schemas.openxmlformats.org/officeDocument/2006/relationships" xmlns:p="http://schemas.openxmlformats.org/presentationml/2006/main">
+  <p:cSld>
+    <p:spTree>
+      <p:nvGrpSpPr>
+        <p:cNvPr id="1" name=""/>
+        <p:cNvGrpSpPr/>
+        <p:nvPr/>
+      </p:nvGrpSpPr>
+      <p:grpSpPr>
+        <a:xfrm>
+          <a:off x="0" y="0"/>
+          <a:ext cx="0" cy="0"/>
+          <a:chOff x="0" y="0"/>
+          <a:chExt cx="0" cy="0"/>
+        </a:xfrm>
+      </p:grpSpPr>
+      <p:sp>
+        <p:nvSpPr>
+          <p:cNvPr id="5" name="Title 4"/>
+          <p:cNvSpPr>
+            <a:spLocks noGrp="1"/>
+          </p:cNvSpPr>
+          <p:nvPr>
+            <p:ph type="title"/>
+          </p:nvPr>
+        </p:nvSpPr>
+        <p:spPr>
+          <a:xfrm>
+            <a:off x="206476" y="188780"/>
+            <a:ext cx="5914924" cy="766916"/>
+          </a:xfrm>
+        </p:spPr>
+        <p:txBody>
+          <a:bodyPr>
+            <a:normAutofit/>
+          </a:bodyPr>
+          <a:lstStyle/>
+          <a:p>
+            <a:pPr algn="ctr"/>
+            <a:r>
+              <a:rPr lang="en-US" sz="2800" b="1" dirty="0" smtClean="0">
+                <a:latin typeface="Arial Unicode MS" panose="020B0604020202020204" pitchFamily="34" charset="-128"/>
+                <a:ea typeface="Arial Unicode MS" panose="020B0604020202020204" pitchFamily="34" charset="-128"/>
+                <a:cs typeface="Arial Unicode MS" panose="020B0604020202020204" pitchFamily="34" charset="-128"/>
+              </a:rPr>
+              <a:t>LEP (1989 - 2000)</a:t>
+            </a:r>
+            <a:endParaRPr lang="en-IN" sz="2800" b="1" dirty="0">
+              <a:latin typeface="Arial Unicode MS" panose="020B0604020202020204" pitchFamily="34" charset="-128"/>
+              <a:ea typeface="Arial Unicode MS" panose="020B0604020202020204" pitchFamily="34" charset="-128"/>
+              <a:cs typeface="Arial Unicode MS" panose="020B0604020202020204" pitchFamily="34" charset="-128"/>
+            </a:endParaRPr>
+          </a:p>
+        </p:txBody>
+      </p:sp>
+      <p:sp>
+        <p:nvSpPr>
+          <p:cNvPr id="6" name="Content Placeholder 5"/>
+          <p:cNvSpPr>
+            <a:spLocks noGrp="1"/>
+          </p:cNvSpPr>
+          <p:nvPr>
+            <p:ph idx="1"/>
+          </p:nvPr>
+        </p:nvSpPr>
+        <p:spPr>
+          <a:xfrm>
+            <a:off x="206476" y="1064608"/>
             <a:ext cx="5914924" cy="5602892"/>
           </a:xfrm>
         </p:spPr>
@@ -4838,11 +5344,6 @@
               </a:rPr>
               <a:t>t¯ t</a:t>
             </a:r>
-            <a:endParaRPr lang="en-US" sz="1600" dirty="0">
-              <a:latin typeface="Arial Unicode MS" panose="020B0604020202020204" pitchFamily="34" charset="-128"/>
-              <a:ea typeface="Arial Unicode MS" panose="020B0604020202020204" pitchFamily="34" charset="-128"/>
-              <a:cs typeface="Arial Unicode MS" panose="020B0604020202020204" pitchFamily="34" charset="-128"/>
-            </a:endParaRPr>
           </a:p>
           <a:p>
             <a:pPr lvl="1">
@@ -4872,17 +5373,24 @@
                 <a:ea typeface="Arial Unicode MS" panose="020B0604020202020204" pitchFamily="34" charset="-128"/>
                 <a:cs typeface="Arial Unicode MS" panose="020B0604020202020204" pitchFamily="34" charset="-128"/>
               </a:rPr>
-              <a:t>GeV for Higgs an SUSY </a:t>
-            </a:r>
-            <a:r>
-              <a:rPr lang="en-US" sz="1600" dirty="0" smtClean="0">
-                <a:latin typeface="Arial Unicode MS" panose="020B0604020202020204" pitchFamily="34" charset="-128"/>
-                <a:ea typeface="Arial Unicode MS" panose="020B0604020202020204" pitchFamily="34" charset="-128"/>
-                <a:cs typeface="Arial Unicode MS" panose="020B0604020202020204" pitchFamily="34" charset="-128"/>
-              </a:rPr>
-              <a:t>particles</a:t>
-            </a:r>
-            <a:endParaRPr lang="en-US" sz="1600" dirty="0">
+              <a:t>GeV for Higgs an SUSY particles</a:t>
+            </a:r>
+          </a:p>
+          <a:p>
+            <a:pPr lvl="2">
+              <a:spcAft>
+                <a:spcPts val="600"/>
+              </a:spcAft>
+            </a:pPr>
+            <a:r>
+              <a:rPr lang="en-US" sz="1200" dirty="0" smtClean="0">
+                <a:latin typeface="Arial Unicode MS" panose="020B0604020202020204" pitchFamily="34" charset="-128"/>
+                <a:ea typeface="Arial Unicode MS" panose="020B0604020202020204" pitchFamily="34" charset="-128"/>
+                <a:cs typeface="Arial Unicode MS" panose="020B0604020202020204" pitchFamily="34" charset="-128"/>
+              </a:rPr>
+              <a:t>Could not go higher than 215 (but not good data)</a:t>
+            </a:r>
+            <a:endParaRPr lang="en-US" sz="1200" dirty="0">
               <a:latin typeface="Arial Unicode MS" panose="020B0604020202020204" pitchFamily="34" charset="-128"/>
               <a:ea typeface="Arial Unicode MS" panose="020B0604020202020204" pitchFamily="34" charset="-128"/>
               <a:cs typeface="Arial Unicode MS" panose="020B0604020202020204" pitchFamily="34" charset="-128"/>
@@ -5190,15 +5698,7 @@
                 <a:ea typeface="Arial Unicode MS" panose="020B0604020202020204" pitchFamily="34" charset="-128"/>
                 <a:cs typeface="Arial Unicode MS" panose="020B0604020202020204" pitchFamily="34" charset="-128"/>
               </a:rPr>
-              <a:t>Operation </a:t>
-            </a:r>
-            <a:r>
-              <a:rPr lang="en-US" sz="2000" dirty="0" smtClean="0">
-                <a:latin typeface="Arial Unicode MS" panose="020B0604020202020204" pitchFamily="34" charset="-128"/>
-                <a:ea typeface="Arial Unicode MS" panose="020B0604020202020204" pitchFamily="34" charset="-128"/>
-                <a:cs typeface="Arial Unicode MS" panose="020B0604020202020204" pitchFamily="34" charset="-128"/>
-              </a:rPr>
-              <a:t>modes:</a:t>
+              <a:t>Operation modes:</a:t>
             </a:r>
           </a:p>
           <a:p>
@@ -5259,7 +5759,7 @@
                 <a:ea typeface="Arial Unicode MS" panose="020B0604020202020204" pitchFamily="34" charset="-128"/>
                 <a:cs typeface="Arial Unicode MS" panose="020B0604020202020204" pitchFamily="34" charset="-128"/>
               </a:rPr>
-              <a:t>GeV</a:t>
+              <a:t>GeV (might start with this)</a:t>
             </a:r>
           </a:p>
           <a:p>
@@ -5290,15 +5790,7 @@
                 <a:ea typeface="Arial Unicode MS" panose="020B0604020202020204" pitchFamily="34" charset="-128"/>
                 <a:cs typeface="Arial Unicode MS" panose="020B0604020202020204" pitchFamily="34" charset="-128"/>
               </a:rPr>
-              <a:t>365 </a:t>
-            </a:r>
-            <a:r>
-              <a:rPr lang="en-US" sz="1600" dirty="0" smtClean="0">
-                <a:latin typeface="Arial Unicode MS" panose="020B0604020202020204" pitchFamily="34" charset="-128"/>
-                <a:ea typeface="Arial Unicode MS" panose="020B0604020202020204" pitchFamily="34" charset="-128"/>
-                <a:cs typeface="Arial Unicode MS" panose="020B0604020202020204" pitchFamily="34" charset="-128"/>
-              </a:rPr>
-              <a:t>GeV</a:t>
+              <a:t>365 GeV</a:t>
             </a:r>
             <a:endParaRPr lang="en-US" sz="1600" dirty="0">
               <a:latin typeface="Arial Unicode MS" panose="020B0604020202020204" pitchFamily="34" charset="-128"/>
@@ -5417,8 +5909,8 @@
         </p:blipFill>
         <p:spPr>
           <a:xfrm>
-            <a:off x="686449" y="3829050"/>
-            <a:ext cx="4954979" cy="2838450"/>
+            <a:off x="709309" y="4166668"/>
+            <a:ext cx="4365611" cy="2500832"/>
           </a:xfrm>
           <a:prstGeom prst="rect">
             <a:avLst/>
@@ -5438,7 +5930,7 @@
 </p:sld>
 </file>
 
-<file path=ppt/slides/slide14.xml><?xml version="1.0" encoding="utf-8"?>
+<file path=ppt/slides/slide16.xml><?xml version="1.0" encoding="utf-8"?>
 <p:sld xmlns:a="http://schemas.openxmlformats.org/drawingml/2006/main" xmlns:r="http://schemas.openxmlformats.org/officeDocument/2006/relationships" xmlns:p="http://schemas.openxmlformats.org/presentationml/2006/main">
   <p:cSld>
     <p:spTree>
@@ -5695,7 +6187,7 @@
 </p:sld>
 </file>
 
-<file path=ppt/slides/slide15.xml><?xml version="1.0" encoding="utf-8"?>
+<file path=ppt/slides/slide17.xml><?xml version="1.0" encoding="utf-8"?>
 <p:sld xmlns:a="http://schemas.openxmlformats.org/drawingml/2006/main" xmlns:r="http://schemas.openxmlformats.org/officeDocument/2006/relationships" xmlns:p="http://schemas.openxmlformats.org/presentationml/2006/main">
   <p:cSld>
     <p:spTree>
@@ -5838,7 +6330,7 @@
 </p:sld>
 </file>
 
-<file path=ppt/slides/slide16.xml><?xml version="1.0" encoding="utf-8"?>
+<file path=ppt/slides/slide18.xml><?xml version="1.0" encoding="utf-8"?>
 <p:sld xmlns:a="http://schemas.openxmlformats.org/drawingml/2006/main" xmlns:r="http://schemas.openxmlformats.org/officeDocument/2006/relationships" xmlns:p="http://schemas.openxmlformats.org/presentationml/2006/main">
   <p:cSld>
     <p:spTree>
@@ -6264,7 +6756,7 @@
 </p:sld>
 </file>
 
-<file path=ppt/slides/slide17.xml><?xml version="1.0" encoding="utf-8"?>
+<file path=ppt/slides/slide19.xml><?xml version="1.0" encoding="utf-8"?>
 <p:sld xmlns:a="http://schemas.openxmlformats.org/drawingml/2006/main" xmlns:r="http://schemas.openxmlformats.org/officeDocument/2006/relationships" xmlns:p="http://schemas.openxmlformats.org/presentationml/2006/main">
   <p:cSld>
     <p:spTree>
@@ -6358,7 +6850,7 @@
         </p:blipFill>
         <p:spPr bwMode="auto">
           <a:xfrm>
-            <a:off x="4886325" y="1141412"/>
+            <a:off x="4678762" y="1244558"/>
             <a:ext cx="6915150" cy="5276851"/>
           </a:xfrm>
           <a:prstGeom prst="rect">
@@ -6400,6 +6892,30 @@
           </a:prstGeom>
         </p:spPr>
       </p:pic>
+      <p:pic>
+        <p:nvPicPr>
+          <p:cNvPr id="2" name="Picture 1"/>
+          <p:cNvPicPr>
+            <a:picLocks noChangeAspect="1"/>
+          </p:cNvPicPr>
+          <p:nvPr/>
+        </p:nvPicPr>
+        <p:blipFill>
+          <a:blip r:embed="rId4"/>
+          <a:stretch>
+            <a:fillRect/>
+          </a:stretch>
+        </p:blipFill>
+        <p:spPr>
+          <a:xfrm>
+            <a:off x="10128108" y="66300"/>
+            <a:ext cx="1987550" cy="1396213"/>
+          </a:xfrm>
+          <a:prstGeom prst="rect">
+            <a:avLst/>
+          </a:prstGeom>
+        </p:spPr>
+      </p:pic>
     </p:spTree>
     <p:extLst>
       <p:ext uri="{BB962C8B-B14F-4D97-AF65-F5344CB8AC3E}">
@@ -6413,7 +6929,1277 @@
 </p:sld>
 </file>
 
-<file path=ppt/slides/slide18.xml><?xml version="1.0" encoding="utf-8"?>
+<file path=ppt/slides/slide2.xml><?xml version="1.0" encoding="utf-8"?>
+<p:sld xmlns:a="http://schemas.openxmlformats.org/drawingml/2006/main" xmlns:r="http://schemas.openxmlformats.org/officeDocument/2006/relationships" xmlns:p="http://schemas.openxmlformats.org/presentationml/2006/main">
+  <p:cSld>
+    <p:spTree>
+      <p:nvGrpSpPr>
+        <p:cNvPr id="1" name=""/>
+        <p:cNvGrpSpPr/>
+        <p:nvPr/>
+      </p:nvGrpSpPr>
+      <p:grpSpPr>
+        <a:xfrm>
+          <a:off x="0" y="0"/>
+          <a:ext cx="0" cy="0"/>
+          <a:chOff x="0" y="0"/>
+          <a:chExt cx="0" cy="0"/>
+        </a:xfrm>
+      </p:grpSpPr>
+      <p:sp>
+        <p:nvSpPr>
+          <p:cNvPr id="5" name="Title 4"/>
+          <p:cNvSpPr>
+            <a:spLocks noGrp="1"/>
+          </p:cNvSpPr>
+          <p:nvPr>
+            <p:ph type="title"/>
+          </p:nvPr>
+        </p:nvSpPr>
+        <p:spPr>
+          <a:xfrm>
+            <a:off x="206476" y="188780"/>
+            <a:ext cx="11804610" cy="766916"/>
+          </a:xfrm>
+        </p:spPr>
+        <p:txBody>
+          <a:bodyPr>
+            <a:normAutofit/>
+          </a:bodyPr>
+          <a:lstStyle/>
+          <a:p>
+            <a:r>
+              <a:rPr lang="en-US" sz="2800" b="1" dirty="0" smtClean="0">
+                <a:latin typeface="Arial Unicode MS" panose="020B0604020202020204" pitchFamily="34" charset="-128"/>
+                <a:ea typeface="Arial Unicode MS" panose="020B0604020202020204" pitchFamily="34" charset="-128"/>
+                <a:cs typeface="Arial Unicode MS" panose="020B0604020202020204" pitchFamily="34" charset="-128"/>
+              </a:rPr>
+              <a:t>Timeline so far…</a:t>
+            </a:r>
+            <a:endParaRPr lang="en-IN" sz="2800" b="1" dirty="0">
+              <a:latin typeface="Arial Unicode MS" panose="020B0604020202020204" pitchFamily="34" charset="-128"/>
+              <a:ea typeface="Arial Unicode MS" panose="020B0604020202020204" pitchFamily="34" charset="-128"/>
+              <a:cs typeface="Arial Unicode MS" panose="020B0604020202020204" pitchFamily="34" charset="-128"/>
+            </a:endParaRPr>
+          </a:p>
+        </p:txBody>
+      </p:sp>
+      <p:sp>
+        <p:nvSpPr>
+          <p:cNvPr id="6" name="Content Placeholder 5"/>
+          <p:cNvSpPr>
+            <a:spLocks noGrp="1"/>
+          </p:cNvSpPr>
+          <p:nvPr>
+            <p:ph idx="1"/>
+          </p:nvPr>
+        </p:nvSpPr>
+        <p:spPr>
+          <a:xfrm>
+            <a:off x="206476" y="1064608"/>
+            <a:ext cx="11804610" cy="4351338"/>
+          </a:xfrm>
+        </p:spPr>
+        <p:txBody>
+          <a:bodyPr>
+            <a:normAutofit/>
+          </a:bodyPr>
+          <a:lstStyle/>
+          <a:p>
+            <a:pPr>
+              <a:spcAft>
+                <a:spcPts val="600"/>
+              </a:spcAft>
+            </a:pPr>
+            <a:r>
+              <a:rPr lang="en-US" sz="1600" dirty="0" smtClean="0">
+                <a:latin typeface="Arial Unicode MS" panose="020B0604020202020204" pitchFamily="34" charset="-128"/>
+                <a:ea typeface="Arial Unicode MS" panose="020B0604020202020204" pitchFamily="34" charset="-128"/>
+                <a:cs typeface="Arial Unicode MS" panose="020B0604020202020204" pitchFamily="34" charset="-128"/>
+              </a:rPr>
+              <a:t>16 Aug 2024 – email to Archana Sharma</a:t>
+            </a:r>
+          </a:p>
+          <a:p>
+            <a:pPr>
+              <a:spcAft>
+                <a:spcPts val="600"/>
+              </a:spcAft>
+            </a:pPr>
+            <a:r>
+              <a:rPr lang="en-US" sz="1600" dirty="0" smtClean="0">
+                <a:latin typeface="Arial Unicode MS" panose="020B0604020202020204" pitchFamily="34" charset="-128"/>
+                <a:ea typeface="Arial Unicode MS" panose="020B0604020202020204" pitchFamily="34" charset="-128"/>
+                <a:cs typeface="Arial Unicode MS" panose="020B0604020202020204" pitchFamily="34" charset="-128"/>
+              </a:rPr>
+              <a:t>19 Aug 2024 – email from Manjit Kaur</a:t>
+            </a:r>
+          </a:p>
+          <a:p>
+            <a:pPr>
+              <a:spcAft>
+                <a:spcPts val="600"/>
+              </a:spcAft>
+            </a:pPr>
+            <a:r>
+              <a:rPr lang="en-US" sz="1600" dirty="0" smtClean="0">
+                <a:latin typeface="Arial Unicode MS" panose="020B0604020202020204" pitchFamily="34" charset="-128"/>
+                <a:ea typeface="Arial Unicode MS" panose="020B0604020202020204" pitchFamily="34" charset="-128"/>
+                <a:cs typeface="Arial Unicode MS" panose="020B0604020202020204" pitchFamily="34" charset="-128"/>
+              </a:rPr>
+              <a:t>20 Aug 2024 – Meeting (Philip, Manjit)</a:t>
+            </a:r>
+          </a:p>
+          <a:p>
+            <a:pPr>
+              <a:spcAft>
+                <a:spcPts val="600"/>
+              </a:spcAft>
+            </a:pPr>
+            <a:r>
+              <a:rPr lang="en-US" sz="1600" dirty="0" smtClean="0">
+                <a:latin typeface="Arial Unicode MS" panose="020B0604020202020204" pitchFamily="34" charset="-128"/>
+                <a:ea typeface="Arial Unicode MS" panose="020B0604020202020204" pitchFamily="34" charset="-128"/>
+                <a:cs typeface="Arial Unicode MS" panose="020B0604020202020204" pitchFamily="34" charset="-128"/>
+              </a:rPr>
+              <a:t>xx Sep 2024 – Meeting (Philip, …)</a:t>
+            </a:r>
+          </a:p>
+          <a:p>
+            <a:pPr>
+              <a:spcAft>
+                <a:spcPts val="600"/>
+              </a:spcAft>
+            </a:pPr>
+            <a:r>
+              <a:rPr lang="en-US" sz="1600" dirty="0" smtClean="0">
+                <a:latin typeface="Arial Unicode MS" panose="020B0604020202020204" pitchFamily="34" charset="-128"/>
+                <a:ea typeface="Arial Unicode MS" panose="020B0604020202020204" pitchFamily="34" charset="-128"/>
+                <a:cs typeface="Arial Unicode MS" panose="020B0604020202020204" pitchFamily="34" charset="-128"/>
+              </a:rPr>
+              <a:t>27 Sep 2024 – Meeting (Philip, Manjit, </a:t>
+            </a:r>
+            <a:r>
+              <a:rPr lang="en-US" sz="1600" dirty="0" err="1" smtClean="0">
+                <a:latin typeface="Arial Unicode MS" panose="020B0604020202020204" pitchFamily="34" charset="-128"/>
+                <a:ea typeface="Arial Unicode MS" panose="020B0604020202020204" pitchFamily="34" charset="-128"/>
+                <a:cs typeface="Arial Unicode MS" panose="020B0604020202020204" pitchFamily="34" charset="-128"/>
+              </a:rPr>
+              <a:t>Ritu</a:t>
+            </a:r>
+            <a:r>
+              <a:rPr lang="en-US" sz="1600" dirty="0" smtClean="0">
+                <a:latin typeface="Arial Unicode MS" panose="020B0604020202020204" pitchFamily="34" charset="-128"/>
+                <a:ea typeface="Arial Unicode MS" panose="020B0604020202020204" pitchFamily="34" charset="-128"/>
+                <a:cs typeface="Arial Unicode MS" panose="020B0604020202020204" pitchFamily="34" charset="-128"/>
+              </a:rPr>
+              <a:t>)</a:t>
+            </a:r>
+          </a:p>
+          <a:p>
+            <a:pPr>
+              <a:spcAft>
+                <a:spcPts val="600"/>
+              </a:spcAft>
+            </a:pPr>
+            <a:r>
+              <a:rPr lang="en-US" sz="1600" dirty="0" smtClean="0">
+                <a:latin typeface="Arial Unicode MS" panose="020B0604020202020204" pitchFamily="34" charset="-128"/>
+                <a:ea typeface="Arial Unicode MS" panose="020B0604020202020204" pitchFamily="34" charset="-128"/>
+                <a:cs typeface="Arial Unicode MS" panose="020B0604020202020204" pitchFamily="34" charset="-128"/>
+              </a:rPr>
+              <a:t>09 Oct 2024 – end of busy phase</a:t>
+            </a:r>
+          </a:p>
+          <a:p>
+            <a:pPr>
+              <a:spcAft>
+                <a:spcPts val="600"/>
+              </a:spcAft>
+            </a:pPr>
+            <a:r>
+              <a:rPr lang="en-US" sz="1600" dirty="0" smtClean="0">
+                <a:latin typeface="Arial Unicode MS" panose="020B0604020202020204" pitchFamily="34" charset="-128"/>
+                <a:ea typeface="Arial Unicode MS" panose="020B0604020202020204" pitchFamily="34" charset="-128"/>
+                <a:cs typeface="Arial Unicode MS" panose="020B0604020202020204" pitchFamily="34" charset="-128"/>
+              </a:rPr>
+              <a:t>21 Oct 2024 – Meeting (Philip, Manjit)</a:t>
+            </a:r>
+          </a:p>
+          <a:p>
+            <a:pPr>
+              <a:spcAft>
+                <a:spcPts val="600"/>
+              </a:spcAft>
+            </a:pPr>
+            <a:r>
+              <a:rPr lang="en-US" sz="1600" dirty="0" smtClean="0">
+                <a:latin typeface="Arial Unicode MS" panose="020B0604020202020204" pitchFamily="34" charset="-128"/>
+                <a:ea typeface="Arial Unicode MS" panose="020B0604020202020204" pitchFamily="34" charset="-128"/>
+                <a:cs typeface="Arial Unicode MS" panose="020B0604020202020204" pitchFamily="34" charset="-128"/>
+              </a:rPr>
+              <a:t>05 Nov 2024 – Meeting (Philip, Manjit)</a:t>
+            </a:r>
+          </a:p>
+          <a:p>
+            <a:pPr>
+              <a:spcAft>
+                <a:spcPts val="600"/>
+              </a:spcAft>
+            </a:pPr>
+            <a:r>
+              <a:rPr lang="en-US" sz="1600" dirty="0" smtClean="0">
+                <a:latin typeface="Arial Unicode MS" panose="020B0604020202020204" pitchFamily="34" charset="-128"/>
+                <a:ea typeface="Arial Unicode MS" panose="020B0604020202020204" pitchFamily="34" charset="-128"/>
+                <a:cs typeface="Arial Unicode MS" panose="020B0604020202020204" pitchFamily="34" charset="-128"/>
+              </a:rPr>
+              <a:t>22 Nov 2024 – Meeting (Philip, Manjit)</a:t>
+            </a:r>
+          </a:p>
+          <a:p>
+            <a:pPr>
+              <a:spcAft>
+                <a:spcPts val="600"/>
+              </a:spcAft>
+            </a:pPr>
+            <a:endParaRPr lang="en-US" sz="1600" dirty="0" smtClean="0">
+              <a:latin typeface="Arial Unicode MS" panose="020B0604020202020204" pitchFamily="34" charset="-128"/>
+              <a:ea typeface="Arial Unicode MS" panose="020B0604020202020204" pitchFamily="34" charset="-128"/>
+              <a:cs typeface="Arial Unicode MS" panose="020B0604020202020204" pitchFamily="34" charset="-128"/>
+            </a:endParaRPr>
+          </a:p>
+          <a:p>
+            <a:pPr>
+              <a:spcAft>
+                <a:spcPts val="600"/>
+              </a:spcAft>
+            </a:pPr>
+            <a:endParaRPr lang="en-US" sz="1600" dirty="0" smtClean="0">
+              <a:latin typeface="Arial Unicode MS" panose="020B0604020202020204" pitchFamily="34" charset="-128"/>
+              <a:ea typeface="Arial Unicode MS" panose="020B0604020202020204" pitchFamily="34" charset="-128"/>
+              <a:cs typeface="Arial Unicode MS" panose="020B0604020202020204" pitchFamily="34" charset="-128"/>
+            </a:endParaRPr>
+          </a:p>
+          <a:p>
+            <a:pPr>
+              <a:spcBef>
+                <a:spcPts val="1200"/>
+              </a:spcBef>
+              <a:spcAft>
+                <a:spcPts val="600"/>
+              </a:spcAft>
+            </a:pPr>
+            <a:endParaRPr lang="en-US" sz="1600" dirty="0">
+              <a:latin typeface="Arial Unicode MS" panose="020B0604020202020204" pitchFamily="34" charset="-128"/>
+              <a:ea typeface="Arial Unicode MS" panose="020B0604020202020204" pitchFamily="34" charset="-128"/>
+              <a:cs typeface="Arial Unicode MS" panose="020B0604020202020204" pitchFamily="34" charset="-128"/>
+            </a:endParaRPr>
+          </a:p>
+        </p:txBody>
+      </p:sp>
+    </p:spTree>
+    <p:extLst>
+      <p:ext uri="{BB962C8B-B14F-4D97-AF65-F5344CB8AC3E}">
+        <p14:creationId xmlns:p14="http://schemas.microsoft.com/office/powerpoint/2010/main" val="806203431"/>
+      </p:ext>
+    </p:extLst>
+  </p:cSld>
+  <p:clrMapOvr>
+    <a:masterClrMapping/>
+  </p:clrMapOvr>
+</p:sld>
+</file>
+
+<file path=ppt/slides/slide20.xml><?xml version="1.0" encoding="utf-8"?>
+<p:sld xmlns:a="http://schemas.openxmlformats.org/drawingml/2006/main" xmlns:r="http://schemas.openxmlformats.org/officeDocument/2006/relationships" xmlns:p="http://schemas.openxmlformats.org/presentationml/2006/main">
+  <p:cSld>
+    <p:spTree>
+      <p:nvGrpSpPr>
+        <p:cNvPr id="1" name=""/>
+        <p:cNvGrpSpPr/>
+        <p:nvPr/>
+      </p:nvGrpSpPr>
+      <p:grpSpPr>
+        <a:xfrm>
+          <a:off x="0" y="0"/>
+          <a:ext cx="0" cy="0"/>
+          <a:chOff x="0" y="0"/>
+          <a:chExt cx="0" cy="0"/>
+        </a:xfrm>
+      </p:grpSpPr>
+      <p:sp>
+        <p:nvSpPr>
+          <p:cNvPr id="5" name="Title 4"/>
+          <p:cNvSpPr>
+            <a:spLocks noGrp="1"/>
+          </p:cNvSpPr>
+          <p:nvPr>
+            <p:ph type="title"/>
+          </p:nvPr>
+        </p:nvSpPr>
+        <p:spPr>
+          <a:xfrm>
+            <a:off x="206476" y="188780"/>
+            <a:ext cx="11804610" cy="766916"/>
+          </a:xfrm>
+        </p:spPr>
+        <p:txBody>
+          <a:bodyPr>
+            <a:normAutofit/>
+          </a:bodyPr>
+          <a:lstStyle/>
+          <a:p>
+            <a:r>
+              <a:rPr lang="en-US" sz="2800" b="1" dirty="0" smtClean="0">
+                <a:latin typeface="Arial Unicode MS" panose="020B0604020202020204" pitchFamily="34" charset="-128"/>
+                <a:ea typeface="Arial Unicode MS" panose="020B0604020202020204" pitchFamily="34" charset="-128"/>
+                <a:cs typeface="Arial Unicode MS" panose="020B0604020202020204" pitchFamily="34" charset="-128"/>
+              </a:rPr>
+              <a:t>Minutes of meeting</a:t>
+            </a:r>
+            <a:endParaRPr lang="en-IN" sz="2800" b="1" dirty="0">
+              <a:latin typeface="Arial Unicode MS" panose="020B0604020202020204" pitchFamily="34" charset="-128"/>
+              <a:ea typeface="Arial Unicode MS" panose="020B0604020202020204" pitchFamily="34" charset="-128"/>
+              <a:cs typeface="Arial Unicode MS" panose="020B0604020202020204" pitchFamily="34" charset="-128"/>
+            </a:endParaRPr>
+          </a:p>
+        </p:txBody>
+      </p:sp>
+      <p:sp>
+        <p:nvSpPr>
+          <p:cNvPr id="6" name="Content Placeholder 5"/>
+          <p:cNvSpPr>
+            <a:spLocks noGrp="1"/>
+          </p:cNvSpPr>
+          <p:nvPr>
+            <p:ph idx="1"/>
+          </p:nvPr>
+        </p:nvSpPr>
+        <p:spPr>
+          <a:xfrm>
+            <a:off x="206476" y="1064608"/>
+            <a:ext cx="11804610" cy="5571142"/>
+          </a:xfrm>
+        </p:spPr>
+        <p:txBody>
+          <a:bodyPr>
+            <a:normAutofit/>
+          </a:bodyPr>
+          <a:lstStyle/>
+          <a:p>
+            <a:pPr>
+              <a:spcAft>
+                <a:spcPts val="600"/>
+              </a:spcAft>
+            </a:pPr>
+            <a:r>
+              <a:rPr lang="en-US" sz="2000" dirty="0" smtClean="0">
+                <a:latin typeface="Arial Unicode MS" panose="020B0604020202020204" pitchFamily="34" charset="-128"/>
+                <a:ea typeface="Arial Unicode MS" panose="020B0604020202020204" pitchFamily="34" charset="-128"/>
+                <a:cs typeface="Arial Unicode MS" panose="020B0604020202020204" pitchFamily="34" charset="-128"/>
+              </a:rPr>
+              <a:t>Project direction</a:t>
+            </a:r>
+          </a:p>
+          <a:p>
+            <a:pPr lvl="1">
+              <a:spcAft>
+                <a:spcPts val="600"/>
+              </a:spcAft>
+            </a:pPr>
+            <a:r>
+              <a:rPr lang="en-US" sz="1600" dirty="0" smtClean="0">
+                <a:latin typeface="Arial Unicode MS" panose="020B0604020202020204" pitchFamily="34" charset="-128"/>
+                <a:ea typeface="Arial Unicode MS" panose="020B0604020202020204" pitchFamily="34" charset="-128"/>
+                <a:cs typeface="Arial Unicode MS" panose="020B0604020202020204" pitchFamily="34" charset="-128"/>
+              </a:rPr>
+              <a:t>Siddharth – event shape variables for EIC</a:t>
+            </a:r>
+          </a:p>
+          <a:p>
+            <a:pPr lvl="1">
+              <a:spcAft>
+                <a:spcPts val="600"/>
+              </a:spcAft>
+            </a:pPr>
+            <a:r>
+              <a:rPr lang="en-US" sz="1600" dirty="0" smtClean="0">
+                <a:latin typeface="Arial Unicode MS" panose="020B0604020202020204" pitchFamily="34" charset="-128"/>
+                <a:ea typeface="Arial Unicode MS" panose="020B0604020202020204" pitchFamily="34" charset="-128"/>
+                <a:cs typeface="Arial Unicode MS" panose="020B0604020202020204" pitchFamily="34" charset="-128"/>
+              </a:rPr>
+              <a:t>Shalini – event shape variables for </a:t>
+            </a:r>
+            <a:r>
+              <a:rPr lang="en-US" sz="1600" dirty="0" smtClean="0">
+                <a:latin typeface="Arial Unicode MS" panose="020B0604020202020204" pitchFamily="34" charset="-128"/>
+                <a:ea typeface="Arial Unicode MS" panose="020B0604020202020204" pitchFamily="34" charset="-128"/>
+                <a:cs typeface="Arial Unicode MS" panose="020B0604020202020204" pitchFamily="34" charset="-128"/>
+              </a:rPr>
+              <a:t>HELHC</a:t>
+            </a:r>
+            <a:endParaRPr lang="en-US" sz="1600" dirty="0" smtClean="0">
+              <a:latin typeface="Arial Unicode MS" panose="020B0604020202020204" pitchFamily="34" charset="-128"/>
+              <a:ea typeface="Arial Unicode MS" panose="020B0604020202020204" pitchFamily="34" charset="-128"/>
+              <a:cs typeface="Arial Unicode MS" panose="020B0604020202020204" pitchFamily="34" charset="-128"/>
+            </a:endParaRPr>
+          </a:p>
+          <a:p>
+            <a:pPr lvl="1">
+              <a:spcAft>
+                <a:spcPts val="600"/>
+              </a:spcAft>
+            </a:pPr>
+            <a:r>
+              <a:rPr lang="en-US" sz="1600" dirty="0" smtClean="0">
+                <a:latin typeface="Arial Unicode MS" panose="020B0604020202020204" pitchFamily="34" charset="-128"/>
+                <a:ea typeface="Arial Unicode MS" panose="020B0604020202020204" pitchFamily="34" charset="-128"/>
+                <a:cs typeface="Arial Unicode MS" panose="020B0604020202020204" pitchFamily="34" charset="-128"/>
+              </a:rPr>
+              <a:t>Similar study for FCCee</a:t>
+            </a:r>
+          </a:p>
+          <a:p>
+            <a:pPr>
+              <a:spcAft>
+                <a:spcPts val="600"/>
+              </a:spcAft>
+            </a:pPr>
+            <a:r>
+              <a:rPr lang="en-US" sz="2000" dirty="0" smtClean="0">
+                <a:latin typeface="Arial Unicode MS" panose="020B0604020202020204" pitchFamily="34" charset="-128"/>
+                <a:ea typeface="Arial Unicode MS" panose="020B0604020202020204" pitchFamily="34" charset="-128"/>
+                <a:cs typeface="Arial Unicode MS" panose="020B0604020202020204" pitchFamily="34" charset="-128"/>
+              </a:rPr>
+              <a:t>Regarding simulation</a:t>
+            </a:r>
+          </a:p>
+          <a:p>
+            <a:pPr lvl="1">
+              <a:spcAft>
+                <a:spcPts val="600"/>
+              </a:spcAft>
+            </a:pPr>
+            <a:r>
+              <a:rPr lang="en-US" sz="1600" dirty="0" smtClean="0">
+                <a:latin typeface="Arial Unicode MS" panose="020B0604020202020204" pitchFamily="34" charset="-128"/>
+                <a:ea typeface="Arial Unicode MS" panose="020B0604020202020204" pitchFamily="34" charset="-128"/>
+                <a:cs typeface="Arial Unicode MS" panose="020B0604020202020204" pitchFamily="34" charset="-128"/>
+              </a:rPr>
+              <a:t>Try all QCD and check </a:t>
+            </a:r>
+            <a:r>
+              <a:rPr lang="en-US" sz="1600" dirty="0" err="1" smtClean="0">
+                <a:latin typeface="Arial Unicode MS" panose="020B0604020202020204" pitchFamily="34" charset="-128"/>
+                <a:ea typeface="Arial Unicode MS" panose="020B0604020202020204" pitchFamily="34" charset="-128"/>
+                <a:cs typeface="Arial Unicode MS" panose="020B0604020202020204" pitchFamily="34" charset="-128"/>
+              </a:rPr>
+              <a:t>Nch</a:t>
+            </a:r>
+            <a:r>
+              <a:rPr lang="en-US" sz="1600" dirty="0" smtClean="0">
+                <a:latin typeface="Arial Unicode MS" panose="020B0604020202020204" pitchFamily="34" charset="-128"/>
+                <a:ea typeface="Arial Unicode MS" panose="020B0604020202020204" pitchFamily="34" charset="-128"/>
+                <a:cs typeface="Arial Unicode MS" panose="020B0604020202020204" pitchFamily="34" charset="-128"/>
+              </a:rPr>
+              <a:t> shape</a:t>
+            </a:r>
+          </a:p>
+          <a:p>
+            <a:pPr lvl="1">
+              <a:spcAft>
+                <a:spcPts val="600"/>
+              </a:spcAft>
+            </a:pPr>
+            <a:r>
+              <a:rPr lang="en-US" sz="1600" dirty="0" smtClean="0">
+                <a:solidFill>
+                  <a:srgbClr val="00B050"/>
+                </a:solidFill>
+                <a:latin typeface="Arial Unicode MS" panose="020B0604020202020204" pitchFamily="34" charset="-128"/>
+                <a:ea typeface="Arial Unicode MS" panose="020B0604020202020204" pitchFamily="34" charset="-128"/>
+                <a:cs typeface="Arial Unicode MS" panose="020B0604020202020204" pitchFamily="34" charset="-128"/>
+              </a:rPr>
+              <a:t>Check data type of </a:t>
+            </a:r>
+            <a:r>
+              <a:rPr lang="en-US" sz="1600" dirty="0" err="1" smtClean="0">
+                <a:solidFill>
+                  <a:srgbClr val="00B050"/>
+                </a:solidFill>
+                <a:latin typeface="Arial Unicode MS" panose="020B0604020202020204" pitchFamily="34" charset="-128"/>
+                <a:ea typeface="Arial Unicode MS" panose="020B0604020202020204" pitchFamily="34" charset="-128"/>
+                <a:cs typeface="Arial Unicode MS" panose="020B0604020202020204" pitchFamily="34" charset="-128"/>
+              </a:rPr>
+              <a:t>Nch</a:t>
+            </a:r>
+            <a:r>
+              <a:rPr lang="en-US" sz="1600" dirty="0" smtClean="0">
+                <a:solidFill>
+                  <a:srgbClr val="00B050"/>
+                </a:solidFill>
+                <a:latin typeface="Arial Unicode MS" panose="020B0604020202020204" pitchFamily="34" charset="-128"/>
+                <a:ea typeface="Arial Unicode MS" panose="020B0604020202020204" pitchFamily="34" charset="-128"/>
+                <a:cs typeface="Arial Unicode MS" panose="020B0604020202020204" pitchFamily="34" charset="-128"/>
+              </a:rPr>
+              <a:t> in </a:t>
+            </a:r>
+            <a:r>
+              <a:rPr lang="en-US" sz="1600" dirty="0" err="1" smtClean="0">
+                <a:solidFill>
+                  <a:srgbClr val="00B050"/>
+                </a:solidFill>
+                <a:latin typeface="Arial Unicode MS" panose="020B0604020202020204" pitchFamily="34" charset="-128"/>
+                <a:ea typeface="Arial Unicode MS" panose="020B0604020202020204" pitchFamily="34" charset="-128"/>
+                <a:cs typeface="Arial Unicode MS" panose="020B0604020202020204" pitchFamily="34" charset="-128"/>
+              </a:rPr>
+              <a:t>phen</a:t>
+            </a:r>
+            <a:r>
+              <a:rPr lang="en-US" sz="1600" dirty="0" smtClean="0">
+                <a:solidFill>
+                  <a:srgbClr val="00B050"/>
+                </a:solidFill>
+                <a:latin typeface="Arial Unicode MS" panose="020B0604020202020204" pitchFamily="34" charset="-128"/>
+                <a:ea typeface="Arial Unicode MS" panose="020B0604020202020204" pitchFamily="34" charset="-128"/>
+                <a:cs typeface="Arial Unicode MS" panose="020B0604020202020204" pitchFamily="34" charset="-128"/>
+              </a:rPr>
+              <a:t>-data</a:t>
+            </a:r>
+          </a:p>
+          <a:p>
+            <a:pPr lvl="1">
+              <a:spcAft>
+                <a:spcPts val="600"/>
+              </a:spcAft>
+            </a:pPr>
+            <a:r>
+              <a:rPr lang="en-US" sz="1600" dirty="0" smtClean="0">
+                <a:solidFill>
+                  <a:srgbClr val="00B050"/>
+                </a:solidFill>
+                <a:latin typeface="Arial Unicode MS" panose="020B0604020202020204" pitchFamily="34" charset="-128"/>
+                <a:ea typeface="Arial Unicode MS" panose="020B0604020202020204" pitchFamily="34" charset="-128"/>
+                <a:cs typeface="Arial Unicode MS" panose="020B0604020202020204" pitchFamily="34" charset="-128"/>
+              </a:rPr>
+              <a:t>Add error bars</a:t>
+            </a:r>
+          </a:p>
+          <a:p>
+            <a:pPr lvl="1">
+              <a:spcAft>
+                <a:spcPts val="600"/>
+              </a:spcAft>
+            </a:pPr>
+            <a:r>
+              <a:rPr lang="en-US" sz="1600" dirty="0" smtClean="0">
+                <a:latin typeface="Arial Unicode MS" panose="020B0604020202020204" pitchFamily="34" charset="-128"/>
+                <a:ea typeface="Arial Unicode MS" panose="020B0604020202020204" pitchFamily="34" charset="-128"/>
+                <a:cs typeface="Arial Unicode MS" panose="020B0604020202020204" pitchFamily="34" charset="-128"/>
+              </a:rPr>
+              <a:t>Try pseudo-rapidity </a:t>
+            </a:r>
+            <a:r>
+              <a:rPr lang="en-US" sz="1600" dirty="0" smtClean="0">
+                <a:latin typeface="Arial Unicode MS" panose="020B0604020202020204" pitchFamily="34" charset="-128"/>
+                <a:ea typeface="Arial Unicode MS" panose="020B0604020202020204" pitchFamily="34" charset="-128"/>
+                <a:cs typeface="Arial Unicode MS" panose="020B0604020202020204" pitchFamily="34" charset="-128"/>
+              </a:rPr>
+              <a:t>cuts</a:t>
+            </a:r>
+            <a:endParaRPr lang="en-US" sz="1600" dirty="0">
+              <a:latin typeface="Arial Unicode MS" panose="020B0604020202020204" pitchFamily="34" charset="-128"/>
+              <a:ea typeface="Arial Unicode MS" panose="020B0604020202020204" pitchFamily="34" charset="-128"/>
+              <a:cs typeface="Arial Unicode MS" panose="020B0604020202020204" pitchFamily="34" charset="-128"/>
+            </a:endParaRPr>
+          </a:p>
+          <a:p>
+            <a:pPr>
+              <a:spcAft>
+                <a:spcPts val="600"/>
+              </a:spcAft>
+            </a:pPr>
+            <a:r>
+              <a:rPr lang="en-US" sz="2000" dirty="0" smtClean="0">
+                <a:latin typeface="Arial Unicode MS" panose="020B0604020202020204" pitchFamily="34" charset="-128"/>
+                <a:ea typeface="Arial Unicode MS" panose="020B0604020202020204" pitchFamily="34" charset="-128"/>
+                <a:cs typeface="Arial Unicode MS" panose="020B0604020202020204" pitchFamily="34" charset="-128"/>
+              </a:rPr>
+              <a:t>Link FastJet and Pythia directly</a:t>
+            </a:r>
+          </a:p>
+          <a:p>
+            <a:pPr lvl="1">
+              <a:spcAft>
+                <a:spcPts val="600"/>
+              </a:spcAft>
+            </a:pPr>
+            <a:r>
+              <a:rPr lang="en-US" sz="1600" dirty="0" smtClean="0">
+                <a:latin typeface="Arial Unicode MS" panose="020B0604020202020204" pitchFamily="34" charset="-128"/>
+                <a:ea typeface="Arial Unicode MS" panose="020B0604020202020204" pitchFamily="34" charset="-128"/>
+                <a:cs typeface="Arial Unicode MS" panose="020B0604020202020204" pitchFamily="34" charset="-128"/>
+              </a:rPr>
+              <a:t>Allows clustering partons into jets</a:t>
+            </a:r>
+          </a:p>
+          <a:p>
+            <a:pPr lvl="1">
+              <a:spcAft>
+                <a:spcPts val="600"/>
+              </a:spcAft>
+            </a:pPr>
+            <a:r>
+              <a:rPr lang="en-US" sz="1600" dirty="0" smtClean="0">
+                <a:latin typeface="Arial Unicode MS" panose="020B0604020202020204" pitchFamily="34" charset="-128"/>
+                <a:ea typeface="Arial Unicode MS" panose="020B0604020202020204" pitchFamily="34" charset="-128"/>
+                <a:cs typeface="Arial Unicode MS" panose="020B0604020202020204" pitchFamily="34" charset="-128"/>
+              </a:rPr>
+              <a:t>If issues, then use FastJet 3.4.1</a:t>
+            </a:r>
+          </a:p>
+          <a:p>
+            <a:pPr lvl="1">
+              <a:spcAft>
+                <a:spcPts val="600"/>
+              </a:spcAft>
+            </a:pPr>
+            <a:r>
+              <a:rPr lang="en-US" sz="1600" dirty="0" smtClean="0">
+                <a:latin typeface="Arial Unicode MS" panose="020B0604020202020204" pitchFamily="34" charset="-128"/>
+                <a:ea typeface="Arial Unicode MS" panose="020B0604020202020204" pitchFamily="34" charset="-128"/>
+                <a:cs typeface="Arial Unicode MS" panose="020B0604020202020204" pitchFamily="34" charset="-128"/>
+              </a:rPr>
+              <a:t>Try plotting jet multiplicity in ROOT</a:t>
+            </a:r>
+          </a:p>
+          <a:p>
+            <a:pPr lvl="1">
+              <a:spcAft>
+                <a:spcPts val="600"/>
+              </a:spcAft>
+            </a:pPr>
+            <a:r>
+              <a:rPr lang="en-US" sz="1600" dirty="0" smtClean="0">
+                <a:latin typeface="Arial Unicode MS" panose="020B0604020202020204" pitchFamily="34" charset="-128"/>
+                <a:ea typeface="Arial Unicode MS" panose="020B0604020202020204" pitchFamily="34" charset="-128"/>
+                <a:cs typeface="Arial Unicode MS" panose="020B0604020202020204" pitchFamily="34" charset="-128"/>
+              </a:rPr>
+              <a:t>No one has used anti-</a:t>
+            </a:r>
+            <a:r>
+              <a:rPr lang="en-US" sz="1600" dirty="0" err="1" smtClean="0">
+                <a:latin typeface="Arial Unicode MS" panose="020B0604020202020204" pitchFamily="34" charset="-128"/>
+                <a:ea typeface="Arial Unicode MS" panose="020B0604020202020204" pitchFamily="34" charset="-128"/>
+                <a:cs typeface="Arial Unicode MS" panose="020B0604020202020204" pitchFamily="34" charset="-128"/>
+              </a:rPr>
+              <a:t>kT</a:t>
+            </a:r>
+            <a:r>
+              <a:rPr lang="en-US" sz="1600" dirty="0" smtClean="0">
+                <a:latin typeface="Arial Unicode MS" panose="020B0604020202020204" pitchFamily="34" charset="-128"/>
+                <a:ea typeface="Arial Unicode MS" panose="020B0604020202020204" pitchFamily="34" charset="-128"/>
+                <a:cs typeface="Arial Unicode MS" panose="020B0604020202020204" pitchFamily="34" charset="-128"/>
+              </a:rPr>
+              <a:t> for </a:t>
+            </a:r>
+            <a:r>
+              <a:rPr lang="en-US" sz="1600" dirty="0" err="1" smtClean="0">
+                <a:latin typeface="Arial Unicode MS" panose="020B0604020202020204" pitchFamily="34" charset="-128"/>
+                <a:ea typeface="Arial Unicode MS" panose="020B0604020202020204" pitchFamily="34" charset="-128"/>
+                <a:cs typeface="Arial Unicode MS" panose="020B0604020202020204" pitchFamily="34" charset="-128"/>
+              </a:rPr>
+              <a:t>e+e</a:t>
+            </a:r>
+            <a:r>
+              <a:rPr lang="en-US" sz="1600" dirty="0" smtClean="0">
+                <a:latin typeface="Arial Unicode MS" panose="020B0604020202020204" pitchFamily="34" charset="-128"/>
+                <a:ea typeface="Arial Unicode MS" panose="020B0604020202020204" pitchFamily="34" charset="-128"/>
+                <a:cs typeface="Arial Unicode MS" panose="020B0604020202020204" pitchFamily="34" charset="-128"/>
+              </a:rPr>
+              <a:t>- (comparison of jet </a:t>
+            </a:r>
+            <a:r>
+              <a:rPr lang="en-US" sz="1600" dirty="0" err="1" smtClean="0">
+                <a:latin typeface="Arial Unicode MS" panose="020B0604020202020204" pitchFamily="34" charset="-128"/>
+                <a:ea typeface="Arial Unicode MS" panose="020B0604020202020204" pitchFamily="34" charset="-128"/>
+                <a:cs typeface="Arial Unicode MS" panose="020B0604020202020204" pitchFamily="34" charset="-128"/>
+              </a:rPr>
+              <a:t>algos</a:t>
+            </a:r>
+            <a:r>
+              <a:rPr lang="en-US" sz="1600" dirty="0" smtClean="0">
+                <a:latin typeface="Arial Unicode MS" panose="020B0604020202020204" pitchFamily="34" charset="-128"/>
+                <a:ea typeface="Arial Unicode MS" panose="020B0604020202020204" pitchFamily="34" charset="-128"/>
+                <a:cs typeface="Arial Unicode MS" panose="020B0604020202020204" pitchFamily="34" charset="-128"/>
+              </a:rPr>
+              <a:t> on </a:t>
+            </a:r>
+            <a:r>
+              <a:rPr lang="en-US" sz="1600" dirty="0" err="1" smtClean="0">
+                <a:latin typeface="Arial Unicode MS" panose="020B0604020202020204" pitchFamily="34" charset="-128"/>
+                <a:ea typeface="Arial Unicode MS" panose="020B0604020202020204" pitchFamily="34" charset="-128"/>
+                <a:cs typeface="Arial Unicode MS" panose="020B0604020202020204" pitchFamily="34" charset="-128"/>
+              </a:rPr>
+              <a:t>ee</a:t>
+            </a:r>
+            <a:r>
+              <a:rPr lang="en-US" sz="1600" dirty="0" smtClean="0">
+                <a:latin typeface="Arial Unicode MS" panose="020B0604020202020204" pitchFamily="34" charset="-128"/>
+                <a:ea typeface="Arial Unicode MS" panose="020B0604020202020204" pitchFamily="34" charset="-128"/>
+                <a:cs typeface="Arial Unicode MS" panose="020B0604020202020204" pitchFamily="34" charset="-128"/>
+              </a:rPr>
+              <a:t> </a:t>
+            </a:r>
+            <a:r>
+              <a:rPr lang="en-US" sz="1600" dirty="0" err="1" smtClean="0">
+                <a:latin typeface="Arial Unicode MS" panose="020B0604020202020204" pitchFamily="34" charset="-128"/>
+                <a:ea typeface="Arial Unicode MS" panose="020B0604020202020204" pitchFamily="34" charset="-128"/>
+                <a:cs typeface="Arial Unicode MS" panose="020B0604020202020204" pitchFamily="34" charset="-128"/>
+              </a:rPr>
+              <a:t>annhiliation</a:t>
+            </a:r>
+            <a:r>
+              <a:rPr lang="en-US" sz="1600" dirty="0">
+                <a:latin typeface="Arial Unicode MS" panose="020B0604020202020204" pitchFamily="34" charset="-128"/>
+                <a:ea typeface="Arial Unicode MS" panose="020B0604020202020204" pitchFamily="34" charset="-128"/>
+                <a:cs typeface="Arial Unicode MS" panose="020B0604020202020204" pitchFamily="34" charset="-128"/>
+              </a:rPr>
+              <a:t> </a:t>
+            </a:r>
+            <a:r>
+              <a:rPr lang="en-US" sz="1600" dirty="0" smtClean="0">
+                <a:latin typeface="Arial Unicode MS" panose="020B0604020202020204" pitchFamily="34" charset="-128"/>
+                <a:ea typeface="Arial Unicode MS" panose="020B0604020202020204" pitchFamily="34" charset="-128"/>
+                <a:cs typeface="Arial Unicode MS" panose="020B0604020202020204" pitchFamily="34" charset="-128"/>
+              </a:rPr>
+              <a:t>– conference paper)</a:t>
+            </a:r>
+          </a:p>
+          <a:p>
+            <a:pPr lvl="1">
+              <a:spcAft>
+                <a:spcPts val="600"/>
+              </a:spcAft>
+            </a:pPr>
+            <a:endParaRPr lang="en-US" sz="1600" dirty="0" smtClean="0">
+              <a:latin typeface="Arial Unicode MS" panose="020B0604020202020204" pitchFamily="34" charset="-128"/>
+              <a:ea typeface="Arial Unicode MS" panose="020B0604020202020204" pitchFamily="34" charset="-128"/>
+              <a:cs typeface="Arial Unicode MS" panose="020B0604020202020204" pitchFamily="34" charset="-128"/>
+            </a:endParaRPr>
+          </a:p>
+          <a:p>
+            <a:pPr lvl="1">
+              <a:spcAft>
+                <a:spcPts val="600"/>
+              </a:spcAft>
+            </a:pPr>
+            <a:endParaRPr lang="en-US" sz="1600" dirty="0">
+              <a:latin typeface="Arial Unicode MS" panose="020B0604020202020204" pitchFamily="34" charset="-128"/>
+              <a:ea typeface="Arial Unicode MS" panose="020B0604020202020204" pitchFamily="34" charset="-128"/>
+              <a:cs typeface="Arial Unicode MS" panose="020B0604020202020204" pitchFamily="34" charset="-128"/>
+            </a:endParaRPr>
+          </a:p>
+        </p:txBody>
+      </p:sp>
+    </p:spTree>
+    <p:extLst>
+      <p:ext uri="{BB962C8B-B14F-4D97-AF65-F5344CB8AC3E}">
+        <p14:creationId xmlns:p14="http://schemas.microsoft.com/office/powerpoint/2010/main" val="515756460"/>
+      </p:ext>
+    </p:extLst>
+  </p:cSld>
+  <p:clrMapOvr>
+    <a:masterClrMapping/>
+  </p:clrMapOvr>
+</p:sld>
+</file>
+
+<file path=ppt/slides/slide21.xml><?xml version="1.0" encoding="utf-8"?>
+<p:sld xmlns:a="http://schemas.openxmlformats.org/drawingml/2006/main" xmlns:r="http://schemas.openxmlformats.org/officeDocument/2006/relationships" xmlns:p="http://schemas.openxmlformats.org/presentationml/2006/main">
+  <p:cSld>
+    <p:spTree>
+      <p:nvGrpSpPr>
+        <p:cNvPr id="1" name=""/>
+        <p:cNvGrpSpPr/>
+        <p:nvPr/>
+      </p:nvGrpSpPr>
+      <p:grpSpPr>
+        <a:xfrm>
+          <a:off x="0" y="0"/>
+          <a:ext cx="0" cy="0"/>
+          <a:chOff x="0" y="0"/>
+          <a:chExt cx="0" cy="0"/>
+        </a:xfrm>
+      </p:grpSpPr>
+      <p:pic>
+        <p:nvPicPr>
+          <p:cNvPr id="4" name="Picture 3"/>
+          <p:cNvPicPr>
+            <a:picLocks noChangeAspect="1"/>
+          </p:cNvPicPr>
+          <p:nvPr/>
+        </p:nvPicPr>
+        <p:blipFill>
+          <a:blip r:embed="rId2"/>
+          <a:stretch>
+            <a:fillRect/>
+          </a:stretch>
+        </p:blipFill>
+        <p:spPr>
+          <a:xfrm>
+            <a:off x="8364718" y="2535184"/>
+            <a:ext cx="3286870" cy="2511622"/>
+          </a:xfrm>
+          <a:prstGeom prst="rect">
+            <a:avLst/>
+          </a:prstGeom>
+        </p:spPr>
+      </p:pic>
+      <p:pic>
+        <p:nvPicPr>
+          <p:cNvPr id="6" name="Picture 5"/>
+          <p:cNvPicPr>
+            <a:picLocks noChangeAspect="1"/>
+          </p:cNvPicPr>
+          <p:nvPr/>
+        </p:nvPicPr>
+        <p:blipFill>
+          <a:blip r:embed="rId3"/>
+          <a:stretch>
+            <a:fillRect/>
+          </a:stretch>
+        </p:blipFill>
+        <p:spPr>
+          <a:xfrm>
+            <a:off x="2774277" y="1368793"/>
+            <a:ext cx="2359547" cy="4574805"/>
+          </a:xfrm>
+          <a:prstGeom prst="rect">
+            <a:avLst/>
+          </a:prstGeom>
+        </p:spPr>
+      </p:pic>
+      <p:pic>
+        <p:nvPicPr>
+          <p:cNvPr id="7" name="Picture 6"/>
+          <p:cNvPicPr>
+            <a:picLocks noChangeAspect="1"/>
+          </p:cNvPicPr>
+          <p:nvPr/>
+        </p:nvPicPr>
+        <p:blipFill>
+          <a:blip r:embed="rId4"/>
+          <a:stretch>
+            <a:fillRect/>
+          </a:stretch>
+        </p:blipFill>
+        <p:spPr>
+          <a:xfrm>
+            <a:off x="499187" y="1368793"/>
+            <a:ext cx="1988675" cy="4574805"/>
+          </a:xfrm>
+          <a:prstGeom prst="rect">
+            <a:avLst/>
+          </a:prstGeom>
+        </p:spPr>
+      </p:pic>
+      <p:pic>
+        <p:nvPicPr>
+          <p:cNvPr id="2" name="Picture 1"/>
+          <p:cNvPicPr>
+            <a:picLocks noChangeAspect="1"/>
+          </p:cNvPicPr>
+          <p:nvPr/>
+        </p:nvPicPr>
+        <p:blipFill>
+          <a:blip r:embed="rId5"/>
+          <a:stretch>
+            <a:fillRect/>
+          </a:stretch>
+        </p:blipFill>
+        <p:spPr>
+          <a:xfrm>
+            <a:off x="5379924" y="1368793"/>
+            <a:ext cx="2338612" cy="4574805"/>
+          </a:xfrm>
+          <a:prstGeom prst="rect">
+            <a:avLst/>
+          </a:prstGeom>
+        </p:spPr>
+      </p:pic>
+      <p:sp>
+        <p:nvSpPr>
+          <p:cNvPr id="5" name="Rectangle 4"/>
+          <p:cNvSpPr/>
+          <p:nvPr/>
+        </p:nvSpPr>
+        <p:spPr>
+          <a:xfrm>
+            <a:off x="471449" y="6009622"/>
+            <a:ext cx="2044149" cy="369332"/>
+          </a:xfrm>
+          <a:prstGeom prst="rect">
+            <a:avLst/>
+          </a:prstGeom>
+        </p:spPr>
+        <p:txBody>
+          <a:bodyPr wrap="none">
+            <a:spAutoFit/>
+          </a:bodyPr>
+          <a:lstStyle/>
+          <a:p>
+            <a:r>
+              <a:rPr lang="en-IN" dirty="0" smtClean="0">
+                <a:latin typeface="Arial Unicode MS" panose="020B0604020202020204" pitchFamily="34" charset="-128"/>
+                <a:ea typeface="Arial Unicode MS" panose="020B0604020202020204" pitchFamily="34" charset="-128"/>
+                <a:cs typeface="Arial Unicode MS" panose="020B0604020202020204" pitchFamily="34" charset="-128"/>
+              </a:rPr>
+              <a:t>Exp</a:t>
+            </a:r>
+            <a:r>
+              <a:rPr lang="en-IN" dirty="0" smtClean="0">
+                <a:latin typeface="Arial Unicode MS" panose="020B0604020202020204" pitchFamily="34" charset="-128"/>
+                <a:ea typeface="Arial Unicode MS" panose="020B0604020202020204" pitchFamily="34" charset="-128"/>
+                <a:cs typeface="Arial Unicode MS" panose="020B0604020202020204" pitchFamily="34" charset="-128"/>
+              </a:rPr>
+              <a:t>erimental data</a:t>
+            </a:r>
+            <a:endParaRPr lang="en-IN" dirty="0">
+              <a:latin typeface="Arial Unicode MS" panose="020B0604020202020204" pitchFamily="34" charset="-128"/>
+              <a:ea typeface="Arial Unicode MS" panose="020B0604020202020204" pitchFamily="34" charset="-128"/>
+              <a:cs typeface="Arial Unicode MS" panose="020B0604020202020204" pitchFamily="34" charset="-128"/>
+            </a:endParaRPr>
+          </a:p>
+        </p:txBody>
+      </p:sp>
+      <p:sp>
+        <p:nvSpPr>
+          <p:cNvPr id="8" name="Rectangle 7"/>
+          <p:cNvSpPr/>
+          <p:nvPr/>
+        </p:nvSpPr>
+        <p:spPr>
+          <a:xfrm>
+            <a:off x="2855031" y="6009622"/>
+            <a:ext cx="2198038" cy="369332"/>
+          </a:xfrm>
+          <a:prstGeom prst="rect">
+            <a:avLst/>
+          </a:prstGeom>
+        </p:spPr>
+        <p:txBody>
+          <a:bodyPr wrap="none">
+            <a:spAutoFit/>
+          </a:bodyPr>
+          <a:lstStyle/>
+          <a:p>
+            <a:r>
+              <a:rPr lang="en-IN" dirty="0" smtClean="0">
+                <a:latin typeface="Arial Unicode MS" panose="020B0604020202020204" pitchFamily="34" charset="-128"/>
+                <a:ea typeface="Arial Unicode MS" panose="020B0604020202020204" pitchFamily="34" charset="-128"/>
+                <a:cs typeface="Arial Unicode MS" panose="020B0604020202020204" pitchFamily="34" charset="-128"/>
+              </a:rPr>
+              <a:t>Previous Phen data</a:t>
+            </a:r>
+            <a:endParaRPr lang="en-IN" dirty="0">
+              <a:latin typeface="Arial Unicode MS" panose="020B0604020202020204" pitchFamily="34" charset="-128"/>
+              <a:ea typeface="Arial Unicode MS" panose="020B0604020202020204" pitchFamily="34" charset="-128"/>
+              <a:cs typeface="Arial Unicode MS" panose="020B0604020202020204" pitchFamily="34" charset="-128"/>
+            </a:endParaRPr>
+          </a:p>
+        </p:txBody>
+      </p:sp>
+      <p:sp>
+        <p:nvSpPr>
+          <p:cNvPr id="9" name="Rectangle 8"/>
+          <p:cNvSpPr/>
+          <p:nvPr/>
+        </p:nvSpPr>
+        <p:spPr>
+          <a:xfrm>
+            <a:off x="5392503" y="6009622"/>
+            <a:ext cx="2313454" cy="369332"/>
+          </a:xfrm>
+          <a:prstGeom prst="rect">
+            <a:avLst/>
+          </a:prstGeom>
+        </p:spPr>
+        <p:txBody>
+          <a:bodyPr wrap="none">
+            <a:spAutoFit/>
+          </a:bodyPr>
+          <a:lstStyle/>
+          <a:p>
+            <a:r>
+              <a:rPr lang="en-IN" dirty="0" smtClean="0">
+                <a:latin typeface="Arial Unicode MS" panose="020B0604020202020204" pitchFamily="34" charset="-128"/>
+                <a:ea typeface="Arial Unicode MS" panose="020B0604020202020204" pitchFamily="34" charset="-128"/>
+                <a:cs typeface="Arial Unicode MS" panose="020B0604020202020204" pitchFamily="34" charset="-128"/>
+              </a:rPr>
+              <a:t>Corrected Phen data</a:t>
+            </a:r>
+            <a:endParaRPr lang="en-IN" dirty="0">
+              <a:latin typeface="Arial Unicode MS" panose="020B0604020202020204" pitchFamily="34" charset="-128"/>
+              <a:ea typeface="Arial Unicode MS" panose="020B0604020202020204" pitchFamily="34" charset="-128"/>
+              <a:cs typeface="Arial Unicode MS" panose="020B0604020202020204" pitchFamily="34" charset="-128"/>
+            </a:endParaRPr>
+          </a:p>
+        </p:txBody>
+      </p:sp>
+      <p:sp>
+        <p:nvSpPr>
+          <p:cNvPr id="10" name="Rectangle 9"/>
+          <p:cNvSpPr/>
+          <p:nvPr/>
+        </p:nvSpPr>
+        <p:spPr>
+          <a:xfrm>
+            <a:off x="8810530" y="5173760"/>
+            <a:ext cx="2698175" cy="369332"/>
+          </a:xfrm>
+          <a:prstGeom prst="rect">
+            <a:avLst/>
+          </a:prstGeom>
+        </p:spPr>
+        <p:txBody>
+          <a:bodyPr wrap="none">
+            <a:spAutoFit/>
+          </a:bodyPr>
+          <a:lstStyle/>
+          <a:p>
+            <a:r>
+              <a:rPr lang="en-IN" dirty="0" smtClean="0">
+                <a:latin typeface="Arial Unicode MS" panose="020B0604020202020204" pitchFamily="34" charset="-128"/>
+                <a:ea typeface="Arial Unicode MS" panose="020B0604020202020204" pitchFamily="34" charset="-128"/>
+                <a:cs typeface="Arial Unicode MS" panose="020B0604020202020204" pitchFamily="34" charset="-128"/>
+              </a:rPr>
+              <a:t>No change to Nch deficit</a:t>
+            </a:r>
+            <a:endParaRPr lang="en-IN" dirty="0">
+              <a:latin typeface="Arial Unicode MS" panose="020B0604020202020204" pitchFamily="34" charset="-128"/>
+              <a:ea typeface="Arial Unicode MS" panose="020B0604020202020204" pitchFamily="34" charset="-128"/>
+              <a:cs typeface="Arial Unicode MS" panose="020B0604020202020204" pitchFamily="34" charset="-128"/>
+            </a:endParaRPr>
+          </a:p>
+        </p:txBody>
+      </p:sp>
+      <p:sp>
+        <p:nvSpPr>
+          <p:cNvPr id="11" name="Title 4"/>
+          <p:cNvSpPr>
+            <a:spLocks noGrp="1"/>
+          </p:cNvSpPr>
+          <p:nvPr>
+            <p:ph type="title"/>
+          </p:nvPr>
+        </p:nvSpPr>
+        <p:spPr>
+          <a:xfrm>
+            <a:off x="206476" y="188780"/>
+            <a:ext cx="11804610" cy="766916"/>
+          </a:xfrm>
+        </p:spPr>
+        <p:txBody>
+          <a:bodyPr>
+            <a:normAutofit/>
+          </a:bodyPr>
+          <a:lstStyle/>
+          <a:p>
+            <a:r>
+              <a:rPr lang="en-US" sz="2800" b="1" dirty="0" smtClean="0">
+                <a:latin typeface="Arial Unicode MS" panose="020B0604020202020204" pitchFamily="34" charset="-128"/>
+                <a:ea typeface="Arial Unicode MS" panose="020B0604020202020204" pitchFamily="34" charset="-128"/>
+                <a:cs typeface="Arial Unicode MS" panose="020B0604020202020204" pitchFamily="34" charset="-128"/>
+              </a:rPr>
+              <a:t>Solving Nch curve issues</a:t>
+            </a:r>
+            <a:endParaRPr lang="en-IN" sz="2800" b="1" dirty="0">
+              <a:latin typeface="Arial Unicode MS" panose="020B0604020202020204" pitchFamily="34" charset="-128"/>
+              <a:ea typeface="Arial Unicode MS" panose="020B0604020202020204" pitchFamily="34" charset="-128"/>
+              <a:cs typeface="Arial Unicode MS" panose="020B0604020202020204" pitchFamily="34" charset="-128"/>
+            </a:endParaRPr>
+          </a:p>
+        </p:txBody>
+      </p:sp>
+    </p:spTree>
+    <p:extLst>
+      <p:ext uri="{BB962C8B-B14F-4D97-AF65-F5344CB8AC3E}">
+        <p14:creationId xmlns:p14="http://schemas.microsoft.com/office/powerpoint/2010/main" val="2716817212"/>
+      </p:ext>
+    </p:extLst>
+  </p:cSld>
+  <p:clrMapOvr>
+    <a:masterClrMapping/>
+  </p:clrMapOvr>
+</p:sld>
+</file>
+
+<file path=ppt/slides/slide22.xml><?xml version="1.0" encoding="utf-8"?>
+<p:sld xmlns:a="http://schemas.openxmlformats.org/drawingml/2006/main" xmlns:r="http://schemas.openxmlformats.org/officeDocument/2006/relationships" xmlns:p="http://schemas.openxmlformats.org/presentationml/2006/main">
+  <p:cSld>
+    <p:spTree>
+      <p:nvGrpSpPr>
+        <p:cNvPr id="1" name=""/>
+        <p:cNvGrpSpPr/>
+        <p:nvPr/>
+      </p:nvGrpSpPr>
+      <p:grpSpPr>
+        <a:xfrm>
+          <a:off x="0" y="0"/>
+          <a:ext cx="0" cy="0"/>
+          <a:chOff x="0" y="0"/>
+          <a:chExt cx="0" cy="0"/>
+        </a:xfrm>
+      </p:grpSpPr>
+      <p:sp>
+        <p:nvSpPr>
+          <p:cNvPr id="11" name="Title 4"/>
+          <p:cNvSpPr>
+            <a:spLocks noGrp="1"/>
+          </p:cNvSpPr>
+          <p:nvPr>
+            <p:ph type="title"/>
+          </p:nvPr>
+        </p:nvSpPr>
+        <p:spPr>
+          <a:xfrm>
+            <a:off x="206476" y="188780"/>
+            <a:ext cx="11804610" cy="766916"/>
+          </a:xfrm>
+        </p:spPr>
+        <p:txBody>
+          <a:bodyPr>
+            <a:normAutofit/>
+          </a:bodyPr>
+          <a:lstStyle/>
+          <a:p>
+            <a:r>
+              <a:rPr lang="en-US" sz="2800" b="1" dirty="0" smtClean="0">
+                <a:latin typeface="Arial Unicode MS" panose="020B0604020202020204" pitchFamily="34" charset="-128"/>
+                <a:ea typeface="Arial Unicode MS" panose="020B0604020202020204" pitchFamily="34" charset="-128"/>
+                <a:cs typeface="Arial Unicode MS" panose="020B0604020202020204" pitchFamily="34" charset="-128"/>
+              </a:rPr>
+              <a:t>Solving Nch curve issues – Tweaking physics processes</a:t>
+            </a:r>
+            <a:endParaRPr lang="en-IN" sz="2800" b="1" dirty="0">
+              <a:latin typeface="Arial Unicode MS" panose="020B0604020202020204" pitchFamily="34" charset="-128"/>
+              <a:ea typeface="Arial Unicode MS" panose="020B0604020202020204" pitchFamily="34" charset="-128"/>
+              <a:cs typeface="Arial Unicode MS" panose="020B0604020202020204" pitchFamily="34" charset="-128"/>
+            </a:endParaRPr>
+          </a:p>
+        </p:txBody>
+      </p:sp>
+      <p:pic>
+        <p:nvPicPr>
+          <p:cNvPr id="3" name="Picture 2"/>
+          <p:cNvPicPr>
+            <a:picLocks noChangeAspect="1"/>
+          </p:cNvPicPr>
+          <p:nvPr/>
+        </p:nvPicPr>
+        <p:blipFill>
+          <a:blip r:embed="rId2"/>
+          <a:stretch>
+            <a:fillRect/>
+          </a:stretch>
+        </p:blipFill>
+        <p:spPr>
+          <a:xfrm>
+            <a:off x="206476" y="1082694"/>
+            <a:ext cx="3450037" cy="2621839"/>
+          </a:xfrm>
+          <a:prstGeom prst="rect">
+            <a:avLst/>
+          </a:prstGeom>
+        </p:spPr>
+      </p:pic>
+      <p:pic>
+        <p:nvPicPr>
+          <p:cNvPr id="12" name="Picture 11"/>
+          <p:cNvPicPr>
+            <a:picLocks noChangeAspect="1"/>
+          </p:cNvPicPr>
+          <p:nvPr/>
+        </p:nvPicPr>
+        <p:blipFill>
+          <a:blip r:embed="rId3"/>
+          <a:stretch>
+            <a:fillRect/>
+          </a:stretch>
+        </p:blipFill>
+        <p:spPr>
+          <a:xfrm>
+            <a:off x="4226572" y="955697"/>
+            <a:ext cx="3607227" cy="2748836"/>
+          </a:xfrm>
+          <a:prstGeom prst="rect">
+            <a:avLst/>
+          </a:prstGeom>
+        </p:spPr>
+      </p:pic>
+      <p:pic>
+        <p:nvPicPr>
+          <p:cNvPr id="17" name="Picture 16"/>
+          <p:cNvPicPr>
+            <a:picLocks noChangeAspect="1"/>
+          </p:cNvPicPr>
+          <p:nvPr/>
+        </p:nvPicPr>
+        <p:blipFill>
+          <a:blip r:embed="rId4"/>
+          <a:stretch>
+            <a:fillRect/>
+          </a:stretch>
+        </p:blipFill>
+        <p:spPr>
+          <a:xfrm>
+            <a:off x="8402305" y="955696"/>
+            <a:ext cx="3608781" cy="2748837"/>
+          </a:xfrm>
+          <a:prstGeom prst="rect">
+            <a:avLst/>
+          </a:prstGeom>
+        </p:spPr>
+      </p:pic>
+      <p:pic>
+        <p:nvPicPr>
+          <p:cNvPr id="18" name="Picture 17"/>
+          <p:cNvPicPr>
+            <a:picLocks noChangeAspect="1"/>
+          </p:cNvPicPr>
+          <p:nvPr/>
+        </p:nvPicPr>
+        <p:blipFill>
+          <a:blip r:embed="rId5"/>
+          <a:stretch>
+            <a:fillRect/>
+          </a:stretch>
+        </p:blipFill>
+        <p:spPr>
+          <a:xfrm>
+            <a:off x="206476" y="3831531"/>
+            <a:ext cx="3457787" cy="2621839"/>
+          </a:xfrm>
+          <a:prstGeom prst="rect">
+            <a:avLst/>
+          </a:prstGeom>
+        </p:spPr>
+      </p:pic>
+    </p:spTree>
+    <p:extLst>
+      <p:ext uri="{BB962C8B-B14F-4D97-AF65-F5344CB8AC3E}">
+        <p14:creationId xmlns:p14="http://schemas.microsoft.com/office/powerpoint/2010/main" val="1198827509"/>
+      </p:ext>
+    </p:extLst>
+  </p:cSld>
+  <p:clrMapOvr>
+    <a:masterClrMapping/>
+  </p:clrMapOvr>
+</p:sld>
+</file>
+
+<file path=ppt/slides/slide23.xml><?xml version="1.0" encoding="utf-8"?>
 <p:sld xmlns:a="http://schemas.openxmlformats.org/drawingml/2006/main" xmlns:r="http://schemas.openxmlformats.org/officeDocument/2006/relationships" xmlns:p="http://schemas.openxmlformats.org/presentationml/2006/main">
   <p:cSld>
     <p:spTree>
@@ -6535,288 +8321,7 @@
 </p:sld>
 </file>
 
-<file path=ppt/slides/slide2.xml><?xml version="1.0" encoding="utf-8"?>
-<p:sld xmlns:a="http://schemas.openxmlformats.org/drawingml/2006/main" xmlns:r="http://schemas.openxmlformats.org/officeDocument/2006/relationships" xmlns:p="http://schemas.openxmlformats.org/presentationml/2006/main">
-  <p:cSld>
-    <p:spTree>
-      <p:nvGrpSpPr>
-        <p:cNvPr id="1" name=""/>
-        <p:cNvGrpSpPr/>
-        <p:nvPr/>
-      </p:nvGrpSpPr>
-      <p:grpSpPr>
-        <a:xfrm>
-          <a:off x="0" y="0"/>
-          <a:ext cx="0" cy="0"/>
-          <a:chOff x="0" y="0"/>
-          <a:chExt cx="0" cy="0"/>
-        </a:xfrm>
-      </p:grpSpPr>
-      <p:sp>
-        <p:nvSpPr>
-          <p:cNvPr id="5" name="Title 4"/>
-          <p:cNvSpPr>
-            <a:spLocks noGrp="1"/>
-          </p:cNvSpPr>
-          <p:nvPr>
-            <p:ph type="title"/>
-          </p:nvPr>
-        </p:nvSpPr>
-        <p:spPr>
-          <a:xfrm>
-            <a:off x="206476" y="188780"/>
-            <a:ext cx="11804610" cy="766916"/>
-          </a:xfrm>
-        </p:spPr>
-        <p:txBody>
-          <a:bodyPr>
-            <a:normAutofit/>
-          </a:bodyPr>
-          <a:lstStyle/>
-          <a:p>
-            <a:r>
-              <a:rPr lang="en-US" sz="2800" b="1" dirty="0" smtClean="0">
-                <a:latin typeface="Arial Unicode MS" panose="020B0604020202020204" pitchFamily="34" charset="-128"/>
-                <a:ea typeface="Arial Unicode MS" panose="020B0604020202020204" pitchFamily="34" charset="-128"/>
-                <a:cs typeface="Arial Unicode MS" panose="020B0604020202020204" pitchFamily="34" charset="-128"/>
-              </a:rPr>
-              <a:t>Timeline so far…</a:t>
-            </a:r>
-            <a:endParaRPr lang="en-IN" sz="2800" b="1" dirty="0">
-              <a:latin typeface="Arial Unicode MS" panose="020B0604020202020204" pitchFamily="34" charset="-128"/>
-              <a:ea typeface="Arial Unicode MS" panose="020B0604020202020204" pitchFamily="34" charset="-128"/>
-              <a:cs typeface="Arial Unicode MS" panose="020B0604020202020204" pitchFamily="34" charset="-128"/>
-            </a:endParaRPr>
-          </a:p>
-        </p:txBody>
-      </p:sp>
-      <p:sp>
-        <p:nvSpPr>
-          <p:cNvPr id="6" name="Content Placeholder 5"/>
-          <p:cNvSpPr>
-            <a:spLocks noGrp="1"/>
-          </p:cNvSpPr>
-          <p:nvPr>
-            <p:ph idx="1"/>
-          </p:nvPr>
-        </p:nvSpPr>
-        <p:spPr>
-          <a:xfrm>
-            <a:off x="206476" y="1064608"/>
-            <a:ext cx="11804610" cy="4351338"/>
-          </a:xfrm>
-        </p:spPr>
-        <p:txBody>
-          <a:bodyPr>
-            <a:normAutofit/>
-          </a:bodyPr>
-          <a:lstStyle/>
-          <a:p>
-            <a:pPr>
-              <a:spcAft>
-                <a:spcPts val="600"/>
-              </a:spcAft>
-            </a:pPr>
-            <a:r>
-              <a:rPr lang="en-US" sz="1600" dirty="0" smtClean="0">
-                <a:latin typeface="Arial Unicode MS" panose="020B0604020202020204" pitchFamily="34" charset="-128"/>
-                <a:ea typeface="Arial Unicode MS" panose="020B0604020202020204" pitchFamily="34" charset="-128"/>
-                <a:cs typeface="Arial Unicode MS" panose="020B0604020202020204" pitchFamily="34" charset="-128"/>
-              </a:rPr>
-              <a:t>16 Aug 2024 – email to Archana Sharma</a:t>
-            </a:r>
-          </a:p>
-          <a:p>
-            <a:pPr>
-              <a:spcAft>
-                <a:spcPts val="600"/>
-              </a:spcAft>
-            </a:pPr>
-            <a:r>
-              <a:rPr lang="en-US" sz="1600" dirty="0" smtClean="0">
-                <a:latin typeface="Arial Unicode MS" panose="020B0604020202020204" pitchFamily="34" charset="-128"/>
-                <a:ea typeface="Arial Unicode MS" panose="020B0604020202020204" pitchFamily="34" charset="-128"/>
-                <a:cs typeface="Arial Unicode MS" panose="020B0604020202020204" pitchFamily="34" charset="-128"/>
-              </a:rPr>
-              <a:t>19 Aug 2024 – email from Manjit Kaur</a:t>
-            </a:r>
-          </a:p>
-          <a:p>
-            <a:pPr>
-              <a:spcAft>
-                <a:spcPts val="600"/>
-              </a:spcAft>
-            </a:pPr>
-            <a:r>
-              <a:rPr lang="en-US" sz="1600" dirty="0" smtClean="0">
-                <a:latin typeface="Arial Unicode MS" panose="020B0604020202020204" pitchFamily="34" charset="-128"/>
-                <a:ea typeface="Arial Unicode MS" panose="020B0604020202020204" pitchFamily="34" charset="-128"/>
-                <a:cs typeface="Arial Unicode MS" panose="020B0604020202020204" pitchFamily="34" charset="-128"/>
-              </a:rPr>
-              <a:t>20 Aug 2024 – Meeting (Philip, Manjit)</a:t>
-            </a:r>
-          </a:p>
-          <a:p>
-            <a:pPr>
-              <a:spcAft>
-                <a:spcPts val="600"/>
-              </a:spcAft>
-            </a:pPr>
-            <a:r>
-              <a:rPr lang="en-US" sz="1600" dirty="0" smtClean="0">
-                <a:latin typeface="Arial Unicode MS" panose="020B0604020202020204" pitchFamily="34" charset="-128"/>
-                <a:ea typeface="Arial Unicode MS" panose="020B0604020202020204" pitchFamily="34" charset="-128"/>
-                <a:cs typeface="Arial Unicode MS" panose="020B0604020202020204" pitchFamily="34" charset="-128"/>
-              </a:rPr>
-              <a:t>xx Sep 2024 – Meeting (Philip, …)</a:t>
-            </a:r>
-          </a:p>
-          <a:p>
-            <a:pPr>
-              <a:spcAft>
-                <a:spcPts val="600"/>
-              </a:spcAft>
-            </a:pPr>
-            <a:r>
-              <a:rPr lang="en-US" sz="1600" dirty="0" smtClean="0">
-                <a:latin typeface="Arial Unicode MS" panose="020B0604020202020204" pitchFamily="34" charset="-128"/>
-                <a:ea typeface="Arial Unicode MS" panose="020B0604020202020204" pitchFamily="34" charset="-128"/>
-                <a:cs typeface="Arial Unicode MS" panose="020B0604020202020204" pitchFamily="34" charset="-128"/>
-              </a:rPr>
-              <a:t>27 Sep 2024 – Meeting (Philip, Manjit, </a:t>
-            </a:r>
-            <a:r>
-              <a:rPr lang="en-US" sz="1600" dirty="0" err="1" smtClean="0">
-                <a:latin typeface="Arial Unicode MS" panose="020B0604020202020204" pitchFamily="34" charset="-128"/>
-                <a:ea typeface="Arial Unicode MS" panose="020B0604020202020204" pitchFamily="34" charset="-128"/>
-                <a:cs typeface="Arial Unicode MS" panose="020B0604020202020204" pitchFamily="34" charset="-128"/>
-              </a:rPr>
-              <a:t>Ritu</a:t>
-            </a:r>
-            <a:r>
-              <a:rPr lang="en-US" sz="1600" dirty="0" smtClean="0">
-                <a:latin typeface="Arial Unicode MS" panose="020B0604020202020204" pitchFamily="34" charset="-128"/>
-                <a:ea typeface="Arial Unicode MS" panose="020B0604020202020204" pitchFamily="34" charset="-128"/>
-                <a:cs typeface="Arial Unicode MS" panose="020B0604020202020204" pitchFamily="34" charset="-128"/>
-              </a:rPr>
-              <a:t>)</a:t>
-            </a:r>
-          </a:p>
-          <a:p>
-            <a:pPr>
-              <a:spcAft>
-                <a:spcPts val="600"/>
-              </a:spcAft>
-            </a:pPr>
-            <a:r>
-              <a:rPr lang="en-US" sz="1600" dirty="0" smtClean="0">
-                <a:latin typeface="Arial Unicode MS" panose="020B0604020202020204" pitchFamily="34" charset="-128"/>
-                <a:ea typeface="Arial Unicode MS" panose="020B0604020202020204" pitchFamily="34" charset="-128"/>
-                <a:cs typeface="Arial Unicode MS" panose="020B0604020202020204" pitchFamily="34" charset="-128"/>
-              </a:rPr>
-              <a:t>09 Oct 2024 – end of busy phase</a:t>
-            </a:r>
-          </a:p>
-          <a:p>
-            <a:pPr>
-              <a:spcAft>
-                <a:spcPts val="600"/>
-              </a:spcAft>
-            </a:pPr>
-            <a:r>
-              <a:rPr lang="en-US" sz="1600" dirty="0" smtClean="0">
-                <a:latin typeface="Arial Unicode MS" panose="020B0604020202020204" pitchFamily="34" charset="-128"/>
-                <a:ea typeface="Arial Unicode MS" panose="020B0604020202020204" pitchFamily="34" charset="-128"/>
-                <a:cs typeface="Arial Unicode MS" panose="020B0604020202020204" pitchFamily="34" charset="-128"/>
-              </a:rPr>
-              <a:t>21 Oct 2024 – Meeting (Philip, Manjit)</a:t>
-            </a:r>
-          </a:p>
-          <a:p>
-            <a:pPr>
-              <a:spcAft>
-                <a:spcPts val="600"/>
-              </a:spcAft>
-            </a:pPr>
-            <a:r>
-              <a:rPr lang="en-US" sz="1600" dirty="0" smtClean="0">
-                <a:latin typeface="Arial Unicode MS" panose="020B0604020202020204" pitchFamily="34" charset="-128"/>
-                <a:ea typeface="Arial Unicode MS" panose="020B0604020202020204" pitchFamily="34" charset="-128"/>
-                <a:cs typeface="Arial Unicode MS" panose="020B0604020202020204" pitchFamily="34" charset="-128"/>
-              </a:rPr>
-              <a:t>05 Nov 2024 – Meeting (Philip, Manjit)</a:t>
-            </a:r>
-          </a:p>
-          <a:p>
-            <a:pPr>
-              <a:spcAft>
-                <a:spcPts val="600"/>
-              </a:spcAft>
-            </a:pPr>
-            <a:r>
-              <a:rPr lang="en-US" sz="1600" dirty="0" smtClean="0">
-                <a:latin typeface="Arial Unicode MS" panose="020B0604020202020204" pitchFamily="34" charset="-128"/>
-                <a:ea typeface="Arial Unicode MS" panose="020B0604020202020204" pitchFamily="34" charset="-128"/>
-                <a:cs typeface="Arial Unicode MS" panose="020B0604020202020204" pitchFamily="34" charset="-128"/>
-              </a:rPr>
-              <a:t>22 Nov 2024 – Meeting (Philip, Manjit)</a:t>
-            </a:r>
-          </a:p>
-          <a:p>
-            <a:pPr>
-              <a:spcAft>
-                <a:spcPts val="600"/>
-              </a:spcAft>
-            </a:pPr>
-            <a:endParaRPr lang="en-US" sz="1600" dirty="0" smtClean="0">
-              <a:latin typeface="Arial Unicode MS" panose="020B0604020202020204" pitchFamily="34" charset="-128"/>
-              <a:ea typeface="Arial Unicode MS" panose="020B0604020202020204" pitchFamily="34" charset="-128"/>
-              <a:cs typeface="Arial Unicode MS" panose="020B0604020202020204" pitchFamily="34" charset="-128"/>
-            </a:endParaRPr>
-          </a:p>
-          <a:p>
-            <a:pPr>
-              <a:spcAft>
-                <a:spcPts val="600"/>
-              </a:spcAft>
-            </a:pPr>
-            <a:endParaRPr lang="en-US" sz="1600" dirty="0" smtClean="0">
-              <a:latin typeface="Arial Unicode MS" panose="020B0604020202020204" pitchFamily="34" charset="-128"/>
-              <a:ea typeface="Arial Unicode MS" panose="020B0604020202020204" pitchFamily="34" charset="-128"/>
-              <a:cs typeface="Arial Unicode MS" panose="020B0604020202020204" pitchFamily="34" charset="-128"/>
-            </a:endParaRPr>
-          </a:p>
-          <a:p>
-            <a:pPr>
-              <a:spcBef>
-                <a:spcPts val="1200"/>
-              </a:spcBef>
-              <a:spcAft>
-                <a:spcPts val="600"/>
-              </a:spcAft>
-            </a:pPr>
-            <a:endParaRPr lang="en-US" sz="1600" dirty="0">
-              <a:latin typeface="Arial Unicode MS" panose="020B0604020202020204" pitchFamily="34" charset="-128"/>
-              <a:ea typeface="Arial Unicode MS" panose="020B0604020202020204" pitchFamily="34" charset="-128"/>
-              <a:cs typeface="Arial Unicode MS" panose="020B0604020202020204" pitchFamily="34" charset="-128"/>
-            </a:endParaRPr>
-          </a:p>
-        </p:txBody>
-      </p:sp>
-    </p:spTree>
-    <p:extLst>
-      <p:ext uri="{BB962C8B-B14F-4D97-AF65-F5344CB8AC3E}">
-        <p14:creationId xmlns:p14="http://schemas.microsoft.com/office/powerpoint/2010/main" val="806203431"/>
-      </p:ext>
-    </p:extLst>
-  </p:cSld>
-  <p:clrMapOvr>
-    <a:masterClrMapping/>
-  </p:clrMapOvr>
-</p:sld>
-</file>
-
-<file path=ppt/slides/slide3.xml><?xml version="1.0" encoding="utf-8"?>
+<file path=ppt/slides/slide24.xml><?xml version="1.0" encoding="utf-8"?>
 <p:sld xmlns:a="http://schemas.openxmlformats.org/drawingml/2006/main" xmlns:r="http://schemas.openxmlformats.org/officeDocument/2006/relationships" xmlns:p="http://schemas.openxmlformats.org/presentationml/2006/main">
   <p:cSld>
     <p:spTree>
@@ -6884,23 +8389,44 @@
       </p:sp>
       <p:sp>
         <p:nvSpPr>
-          <p:cNvPr id="4" name="Title 3"/>
-          <p:cNvSpPr>
-            <a:spLocks noGrp="1"/>
+          <p:cNvPr id="5" name="Title 3"/>
+          <p:cNvSpPr txBox="1">
+            <a:spLocks/>
           </p:cNvSpPr>
-          <p:nvPr>
-            <p:ph type="title"/>
-          </p:nvPr>
+          <p:nvPr/>
         </p:nvSpPr>
         <p:spPr>
           <a:xfrm>
             <a:off x="831850" y="2781381"/>
             <a:ext cx="10515600" cy="996869"/>
           </a:xfrm>
+          <a:prstGeom prst="rect">
+            <a:avLst/>
+          </a:prstGeom>
         </p:spPr>
         <p:txBody>
-          <a:bodyPr/>
-          <a:lstStyle/>
+          <a:bodyPr vert="horz" lIns="91440" tIns="45720" rIns="91440" bIns="45720" rtlCol="0" anchor="b">
+            <a:normAutofit/>
+          </a:bodyPr>
+          <a:lstStyle>
+            <a:lvl1pPr algn="l" defTabSz="914400" rtl="0" eaLnBrk="1" latinLnBrk="0" hangingPunct="1">
+              <a:lnSpc>
+                <a:spcPct val="90000"/>
+              </a:lnSpc>
+              <a:spcBef>
+                <a:spcPct val="0"/>
+              </a:spcBef>
+              <a:buNone/>
+              <a:defRPr sz="6000" kern="1200">
+                <a:solidFill>
+                  <a:schemeClr val="tx1"/>
+                </a:solidFill>
+                <a:latin typeface="+mj-lt"/>
+                <a:ea typeface="+mj-ea"/>
+                <a:cs typeface="+mj-cs"/>
+              </a:defRPr>
+            </a:lvl1pPr>
+          </a:lstStyle>
           <a:p>
             <a:pPr algn="ctr"/>
             <a:r>
@@ -6912,7 +8438,29 @@
                 <a:ea typeface="Arial Unicode MS" panose="020B0604020202020204" pitchFamily="34" charset="-128"/>
                 <a:cs typeface="Arial Unicode MS" panose="020B0604020202020204" pitchFamily="34" charset="-128"/>
               </a:rPr>
-              <a:t>Notes</a:t>
+              <a:t>Meeting : </a:t>
+            </a:r>
+            <a:r>
+              <a:rPr lang="en-US" b="1" dirty="0" smtClean="0">
+                <a:solidFill>
+                  <a:schemeClr val="bg1"/>
+                </a:solidFill>
+                <a:latin typeface="Arial Unicode MS" panose="020B0604020202020204" pitchFamily="34" charset="-128"/>
+                <a:ea typeface="Arial Unicode MS" panose="020B0604020202020204" pitchFamily="34" charset="-128"/>
+                <a:cs typeface="Arial Unicode MS" panose="020B0604020202020204" pitchFamily="34" charset="-128"/>
+              </a:rPr>
+              <a:t>5 December </a:t>
+            </a:r>
+            <a:r>
+              <a:rPr lang="en-US" b="1" dirty="0" smtClean="0">
+                <a:solidFill>
+                  <a:schemeClr val="bg1"/>
+                </a:solidFill>
+                <a:latin typeface="Arial Unicode MS" panose="020B0604020202020204" pitchFamily="34" charset="-128"/>
+                <a:ea typeface="Arial Unicode MS" panose="020B0604020202020204" pitchFamily="34" charset="-128"/>
+                <a:cs typeface="Arial Unicode MS" panose="020B0604020202020204" pitchFamily="34" charset="-128"/>
+              </a:rPr>
+              <a:t>2024</a:t>
             </a:r>
             <a:endParaRPr lang="en-IN" b="1" dirty="0">
               <a:solidFill>
@@ -6928,7 +8476,7 @@
     </p:spTree>
     <p:extLst>
       <p:ext uri="{BB962C8B-B14F-4D97-AF65-F5344CB8AC3E}">
-        <p14:creationId xmlns:p14="http://schemas.microsoft.com/office/powerpoint/2010/main" val="4127125638"/>
+        <p14:creationId xmlns:p14="http://schemas.microsoft.com/office/powerpoint/2010/main" val="378939050"/>
       </p:ext>
     </p:extLst>
   </p:cSld>
@@ -6938,7 +8486,7 @@
 </p:sld>
 </file>
 
-<file path=ppt/slides/slide4.xml><?xml version="1.0" encoding="utf-8"?>
+<file path=ppt/slides/slide3.xml><?xml version="1.0" encoding="utf-8"?>
 <p:sld xmlns:a="http://schemas.openxmlformats.org/drawingml/2006/main" xmlns:r="http://schemas.openxmlformats.org/officeDocument/2006/relationships" xmlns:p="http://schemas.openxmlformats.org/presentationml/2006/main">
   <p:cSld>
     <p:spTree>
@@ -7219,6 +8767,128 @@
 </p:sld>
 </file>
 
+<file path=ppt/slides/slide4.xml><?xml version="1.0" encoding="utf-8"?>
+<p:sld xmlns:a="http://schemas.openxmlformats.org/drawingml/2006/main" xmlns:r="http://schemas.openxmlformats.org/officeDocument/2006/relationships" xmlns:p="http://schemas.openxmlformats.org/presentationml/2006/main">
+  <p:cSld>
+    <p:spTree>
+      <p:nvGrpSpPr>
+        <p:cNvPr id="1" name=""/>
+        <p:cNvGrpSpPr/>
+        <p:nvPr/>
+      </p:nvGrpSpPr>
+      <p:grpSpPr>
+        <a:xfrm>
+          <a:off x="0" y="0"/>
+          <a:ext cx="0" cy="0"/>
+          <a:chOff x="0" y="0"/>
+          <a:chExt cx="0" cy="0"/>
+        </a:xfrm>
+      </p:grpSpPr>
+      <p:sp>
+        <p:nvSpPr>
+          <p:cNvPr id="2" name="Rectangle 1"/>
+          <p:cNvSpPr/>
+          <p:nvPr/>
+        </p:nvSpPr>
+        <p:spPr>
+          <a:xfrm>
+            <a:off x="0" y="0"/>
+            <a:ext cx="12192000" cy="6858000"/>
+          </a:xfrm>
+          <a:prstGeom prst="rect">
+            <a:avLst/>
+          </a:prstGeom>
+          <a:solidFill>
+            <a:schemeClr val="accent5">
+              <a:lumMod val="50000"/>
+            </a:schemeClr>
+          </a:solidFill>
+        </p:spPr>
+        <p:style>
+          <a:lnRef idx="2">
+            <a:schemeClr val="accent1">
+              <a:shade val="50000"/>
+            </a:schemeClr>
+          </a:lnRef>
+          <a:fillRef idx="1">
+            <a:schemeClr val="accent1"/>
+          </a:fillRef>
+          <a:effectRef idx="0">
+            <a:schemeClr val="accent1"/>
+          </a:effectRef>
+          <a:fontRef idx="minor">
+            <a:schemeClr val="lt1"/>
+          </a:fontRef>
+        </p:style>
+        <p:txBody>
+          <a:bodyPr rtlCol="0" anchor="ctr"/>
+          <a:lstStyle/>
+          <a:p>
+            <a:pPr algn="ctr"/>
+            <a:endParaRPr lang="en-IN">
+              <a:latin typeface="Arial Unicode MS" panose="020B0604020202020204" pitchFamily="34" charset="-128"/>
+              <a:ea typeface="Arial Unicode MS" panose="020B0604020202020204" pitchFamily="34" charset="-128"/>
+              <a:cs typeface="Arial Unicode MS" panose="020B0604020202020204" pitchFamily="34" charset="-128"/>
+            </a:endParaRPr>
+          </a:p>
+        </p:txBody>
+      </p:sp>
+      <p:sp>
+        <p:nvSpPr>
+          <p:cNvPr id="4" name="Title 3"/>
+          <p:cNvSpPr>
+            <a:spLocks noGrp="1"/>
+          </p:cNvSpPr>
+          <p:nvPr>
+            <p:ph type="title"/>
+          </p:nvPr>
+        </p:nvSpPr>
+        <p:spPr>
+          <a:xfrm>
+            <a:off x="831850" y="2781381"/>
+            <a:ext cx="10515600" cy="996869"/>
+          </a:xfrm>
+        </p:spPr>
+        <p:txBody>
+          <a:bodyPr/>
+          <a:lstStyle/>
+          <a:p>
+            <a:pPr algn="ctr"/>
+            <a:r>
+              <a:rPr lang="en-US" b="1" dirty="0" smtClean="0">
+                <a:solidFill>
+                  <a:schemeClr val="bg1"/>
+                </a:solidFill>
+                <a:latin typeface="Arial Unicode MS" panose="020B0604020202020204" pitchFamily="34" charset="-128"/>
+                <a:ea typeface="Arial Unicode MS" panose="020B0604020202020204" pitchFamily="34" charset="-128"/>
+                <a:cs typeface="Arial Unicode MS" panose="020B0604020202020204" pitchFamily="34" charset="-128"/>
+              </a:rPr>
+              <a:t>Notes</a:t>
+            </a:r>
+            <a:endParaRPr lang="en-IN" b="1" dirty="0">
+              <a:solidFill>
+                <a:schemeClr val="bg1"/>
+              </a:solidFill>
+              <a:latin typeface="Arial Unicode MS" panose="020B0604020202020204" pitchFamily="34" charset="-128"/>
+              <a:ea typeface="Arial Unicode MS" panose="020B0604020202020204" pitchFamily="34" charset="-128"/>
+              <a:cs typeface="Arial Unicode MS" panose="020B0604020202020204" pitchFamily="34" charset="-128"/>
+            </a:endParaRPr>
+          </a:p>
+        </p:txBody>
+      </p:sp>
+    </p:spTree>
+    <p:extLst>
+      <p:ext uri="{BB962C8B-B14F-4D97-AF65-F5344CB8AC3E}">
+        <p14:creationId xmlns:p14="http://schemas.microsoft.com/office/powerpoint/2010/main" val="4127125638"/>
+      </p:ext>
+    </p:extLst>
+  </p:cSld>
+  <p:clrMapOvr>
+    <a:masterClrMapping/>
+  </p:clrMapOvr>
+</p:sld>
+</file>
+
 <file path=ppt/slides/slide5.xml><?xml version="1.0" encoding="utf-8"?>
 <p:sld xmlns:a="http://schemas.openxmlformats.org/drawingml/2006/main" xmlns:r="http://schemas.openxmlformats.org/officeDocument/2006/relationships" xmlns:p="http://schemas.openxmlformats.org/presentationml/2006/main">
   <p:cSld>
@@ -7766,6 +9436,1436 @@
       </p:grpSpPr>
       <p:sp>
         <p:nvSpPr>
+          <p:cNvPr id="5" name="Title 4"/>
+          <p:cNvSpPr>
+            <a:spLocks noGrp="1"/>
+          </p:cNvSpPr>
+          <p:nvPr>
+            <p:ph type="title"/>
+          </p:nvPr>
+        </p:nvSpPr>
+        <p:spPr>
+          <a:xfrm>
+            <a:off x="206476" y="188780"/>
+            <a:ext cx="11804610" cy="766916"/>
+          </a:xfrm>
+        </p:spPr>
+        <p:txBody>
+          <a:bodyPr>
+            <a:normAutofit/>
+          </a:bodyPr>
+          <a:lstStyle/>
+          <a:p>
+            <a:r>
+              <a:rPr lang="en-US" sz="2800" b="1" dirty="0" smtClean="0">
+                <a:latin typeface="Arial Unicode MS" panose="020B0604020202020204" pitchFamily="34" charset="-128"/>
+                <a:ea typeface="Arial Unicode MS" panose="020B0604020202020204" pitchFamily="34" charset="-128"/>
+                <a:cs typeface="Arial Unicode MS" panose="020B0604020202020204" pitchFamily="34" charset="-128"/>
+              </a:rPr>
+              <a:t>Jet reconstruction algorithms</a:t>
+            </a:r>
+            <a:endParaRPr lang="en-IN" sz="2800" b="1" dirty="0">
+              <a:latin typeface="Arial Unicode MS" panose="020B0604020202020204" pitchFamily="34" charset="-128"/>
+              <a:ea typeface="Arial Unicode MS" panose="020B0604020202020204" pitchFamily="34" charset="-128"/>
+              <a:cs typeface="Arial Unicode MS" panose="020B0604020202020204" pitchFamily="34" charset="-128"/>
+            </a:endParaRPr>
+          </a:p>
+        </p:txBody>
+      </p:sp>
+      <p:sp>
+        <p:nvSpPr>
+          <p:cNvPr id="6" name="Content Placeholder 5"/>
+          <p:cNvSpPr>
+            <a:spLocks noGrp="1"/>
+          </p:cNvSpPr>
+          <p:nvPr>
+            <p:ph idx="1"/>
+          </p:nvPr>
+        </p:nvSpPr>
+        <p:spPr>
+          <a:xfrm>
+            <a:off x="206476" y="1064608"/>
+            <a:ext cx="11804610" cy="5640992"/>
+          </a:xfrm>
+        </p:spPr>
+        <p:txBody>
+          <a:bodyPr>
+            <a:normAutofit/>
+          </a:bodyPr>
+          <a:lstStyle/>
+          <a:p>
+            <a:pPr>
+              <a:spcAft>
+                <a:spcPts val="600"/>
+              </a:spcAft>
+            </a:pPr>
+            <a:r>
+              <a:rPr lang="en-US" sz="2000" dirty="0" err="1" smtClean="0">
+                <a:latin typeface="Arial Unicode MS" panose="020B0604020202020204" pitchFamily="34" charset="-128"/>
+                <a:ea typeface="Arial Unicode MS" panose="020B0604020202020204" pitchFamily="34" charset="-128"/>
+                <a:cs typeface="Arial Unicode MS" panose="020B0604020202020204" pitchFamily="34" charset="-128"/>
+              </a:rPr>
+              <a:t>lorem</a:t>
+            </a:r>
+            <a:r>
+              <a:rPr lang="en-US" sz="2000" dirty="0" smtClean="0">
+                <a:latin typeface="Arial Unicode MS" panose="020B0604020202020204" pitchFamily="34" charset="-128"/>
+                <a:ea typeface="Arial Unicode MS" panose="020B0604020202020204" pitchFamily="34" charset="-128"/>
+                <a:cs typeface="Arial Unicode MS" panose="020B0604020202020204" pitchFamily="34" charset="-128"/>
+              </a:rPr>
+              <a:t> </a:t>
+            </a:r>
+            <a:r>
+              <a:rPr lang="en-US" sz="2000" dirty="0" err="1" smtClean="0">
+                <a:latin typeface="Arial Unicode MS" panose="020B0604020202020204" pitchFamily="34" charset="-128"/>
+                <a:ea typeface="Arial Unicode MS" panose="020B0604020202020204" pitchFamily="34" charset="-128"/>
+                <a:cs typeface="Arial Unicode MS" panose="020B0604020202020204" pitchFamily="34" charset="-128"/>
+              </a:rPr>
+              <a:t>ipsum</a:t>
+            </a:r>
+            <a:r>
+              <a:rPr lang="en-US" sz="2000" dirty="0" smtClean="0">
+                <a:latin typeface="Arial Unicode MS" panose="020B0604020202020204" pitchFamily="34" charset="-128"/>
+                <a:ea typeface="Arial Unicode MS" panose="020B0604020202020204" pitchFamily="34" charset="-128"/>
+                <a:cs typeface="Arial Unicode MS" panose="020B0604020202020204" pitchFamily="34" charset="-128"/>
+              </a:rPr>
+              <a:t> dolor sit </a:t>
+            </a:r>
+            <a:r>
+              <a:rPr lang="en-US" sz="2000" dirty="0" err="1" smtClean="0">
+                <a:latin typeface="Arial Unicode MS" panose="020B0604020202020204" pitchFamily="34" charset="-128"/>
+                <a:ea typeface="Arial Unicode MS" panose="020B0604020202020204" pitchFamily="34" charset="-128"/>
+                <a:cs typeface="Arial Unicode MS" panose="020B0604020202020204" pitchFamily="34" charset="-128"/>
+              </a:rPr>
+              <a:t>amet</a:t>
+            </a:r>
+            <a:endParaRPr lang="en-US" sz="2000" dirty="0" smtClean="0">
+              <a:latin typeface="Arial Unicode MS" panose="020B0604020202020204" pitchFamily="34" charset="-128"/>
+              <a:ea typeface="Arial Unicode MS" panose="020B0604020202020204" pitchFamily="34" charset="-128"/>
+              <a:cs typeface="Arial Unicode MS" panose="020B0604020202020204" pitchFamily="34" charset="-128"/>
+            </a:endParaRPr>
+          </a:p>
+          <a:p>
+            <a:pPr lvl="1">
+              <a:spcAft>
+                <a:spcPts val="600"/>
+              </a:spcAft>
+            </a:pPr>
+            <a:r>
+              <a:rPr lang="en-US" sz="1600" dirty="0" err="1" smtClean="0">
+                <a:latin typeface="Arial Unicode MS" panose="020B0604020202020204" pitchFamily="34" charset="-128"/>
+                <a:ea typeface="Arial Unicode MS" panose="020B0604020202020204" pitchFamily="34" charset="-128"/>
+                <a:cs typeface="Arial Unicode MS" panose="020B0604020202020204" pitchFamily="34" charset="-128"/>
+              </a:rPr>
+              <a:t>lorem</a:t>
+            </a:r>
+            <a:r>
+              <a:rPr lang="en-US" sz="1600" dirty="0" smtClean="0">
+                <a:latin typeface="Arial Unicode MS" panose="020B0604020202020204" pitchFamily="34" charset="-128"/>
+                <a:ea typeface="Arial Unicode MS" panose="020B0604020202020204" pitchFamily="34" charset="-128"/>
+                <a:cs typeface="Arial Unicode MS" panose="020B0604020202020204" pitchFamily="34" charset="-128"/>
+              </a:rPr>
+              <a:t> </a:t>
+            </a:r>
+            <a:r>
+              <a:rPr lang="en-US" sz="1600" dirty="0" err="1">
+                <a:latin typeface="Arial Unicode MS" panose="020B0604020202020204" pitchFamily="34" charset="-128"/>
+                <a:ea typeface="Arial Unicode MS" panose="020B0604020202020204" pitchFamily="34" charset="-128"/>
+                <a:cs typeface="Arial Unicode MS" panose="020B0604020202020204" pitchFamily="34" charset="-128"/>
+              </a:rPr>
+              <a:t>ipsum</a:t>
+            </a:r>
+            <a:r>
+              <a:rPr lang="en-US" sz="1600" dirty="0">
+                <a:latin typeface="Arial Unicode MS" panose="020B0604020202020204" pitchFamily="34" charset="-128"/>
+                <a:ea typeface="Arial Unicode MS" panose="020B0604020202020204" pitchFamily="34" charset="-128"/>
+                <a:cs typeface="Arial Unicode MS" panose="020B0604020202020204" pitchFamily="34" charset="-128"/>
+              </a:rPr>
+              <a:t> dolor sit </a:t>
+            </a:r>
+            <a:r>
+              <a:rPr lang="en-US" sz="1600" dirty="0" err="1">
+                <a:latin typeface="Arial Unicode MS" panose="020B0604020202020204" pitchFamily="34" charset="-128"/>
+                <a:ea typeface="Arial Unicode MS" panose="020B0604020202020204" pitchFamily="34" charset="-128"/>
+                <a:cs typeface="Arial Unicode MS" panose="020B0604020202020204" pitchFamily="34" charset="-128"/>
+              </a:rPr>
+              <a:t>amet</a:t>
+            </a:r>
+            <a:endParaRPr lang="en-US" sz="1600" dirty="0">
+              <a:latin typeface="Arial Unicode MS" panose="020B0604020202020204" pitchFamily="34" charset="-128"/>
+              <a:ea typeface="Arial Unicode MS" panose="020B0604020202020204" pitchFamily="34" charset="-128"/>
+              <a:cs typeface="Arial Unicode MS" panose="020B0604020202020204" pitchFamily="34" charset="-128"/>
+            </a:endParaRPr>
+          </a:p>
+          <a:p>
+            <a:pPr lvl="1">
+              <a:spcAft>
+                <a:spcPts val="600"/>
+              </a:spcAft>
+            </a:pPr>
+            <a:r>
+              <a:rPr lang="en-US" sz="1600" dirty="0" err="1">
+                <a:latin typeface="Arial Unicode MS" panose="020B0604020202020204" pitchFamily="34" charset="-128"/>
+                <a:ea typeface="Arial Unicode MS" panose="020B0604020202020204" pitchFamily="34" charset="-128"/>
+                <a:cs typeface="Arial Unicode MS" panose="020B0604020202020204" pitchFamily="34" charset="-128"/>
+              </a:rPr>
+              <a:t>lorem</a:t>
+            </a:r>
+            <a:r>
+              <a:rPr lang="en-US" sz="1600" dirty="0">
+                <a:latin typeface="Arial Unicode MS" panose="020B0604020202020204" pitchFamily="34" charset="-128"/>
+                <a:ea typeface="Arial Unicode MS" panose="020B0604020202020204" pitchFamily="34" charset="-128"/>
+                <a:cs typeface="Arial Unicode MS" panose="020B0604020202020204" pitchFamily="34" charset="-128"/>
+              </a:rPr>
+              <a:t> </a:t>
+            </a:r>
+            <a:r>
+              <a:rPr lang="en-US" sz="1600" dirty="0" err="1">
+                <a:latin typeface="Arial Unicode MS" panose="020B0604020202020204" pitchFamily="34" charset="-128"/>
+                <a:ea typeface="Arial Unicode MS" panose="020B0604020202020204" pitchFamily="34" charset="-128"/>
+                <a:cs typeface="Arial Unicode MS" panose="020B0604020202020204" pitchFamily="34" charset="-128"/>
+              </a:rPr>
+              <a:t>ipsum</a:t>
+            </a:r>
+            <a:r>
+              <a:rPr lang="en-US" sz="1600" dirty="0">
+                <a:latin typeface="Arial Unicode MS" panose="020B0604020202020204" pitchFamily="34" charset="-128"/>
+                <a:ea typeface="Arial Unicode MS" panose="020B0604020202020204" pitchFamily="34" charset="-128"/>
+                <a:cs typeface="Arial Unicode MS" panose="020B0604020202020204" pitchFamily="34" charset="-128"/>
+              </a:rPr>
+              <a:t> dolor sit </a:t>
+            </a:r>
+            <a:r>
+              <a:rPr lang="en-US" sz="1600" dirty="0" err="1">
+                <a:latin typeface="Arial Unicode MS" panose="020B0604020202020204" pitchFamily="34" charset="-128"/>
+                <a:ea typeface="Arial Unicode MS" panose="020B0604020202020204" pitchFamily="34" charset="-128"/>
+                <a:cs typeface="Arial Unicode MS" panose="020B0604020202020204" pitchFamily="34" charset="-128"/>
+              </a:rPr>
+              <a:t>amet</a:t>
+            </a:r>
+            <a:endParaRPr lang="en-US" sz="1600" dirty="0" smtClean="0">
+              <a:latin typeface="Arial Unicode MS" panose="020B0604020202020204" pitchFamily="34" charset="-128"/>
+              <a:ea typeface="Arial Unicode MS" panose="020B0604020202020204" pitchFamily="34" charset="-128"/>
+              <a:cs typeface="Arial Unicode MS" panose="020B0604020202020204" pitchFamily="34" charset="-128"/>
+            </a:endParaRPr>
+          </a:p>
+          <a:p>
+            <a:pPr>
+              <a:spcAft>
+                <a:spcPts val="600"/>
+              </a:spcAft>
+            </a:pPr>
+            <a:r>
+              <a:rPr lang="en-US" sz="2000" dirty="0" err="1">
+                <a:latin typeface="Arial Unicode MS" panose="020B0604020202020204" pitchFamily="34" charset="-128"/>
+                <a:ea typeface="Arial Unicode MS" panose="020B0604020202020204" pitchFamily="34" charset="-128"/>
+                <a:cs typeface="Arial Unicode MS" panose="020B0604020202020204" pitchFamily="34" charset="-128"/>
+              </a:rPr>
+              <a:t>lorem</a:t>
+            </a:r>
+            <a:r>
+              <a:rPr lang="en-US" sz="2000" dirty="0">
+                <a:latin typeface="Arial Unicode MS" panose="020B0604020202020204" pitchFamily="34" charset="-128"/>
+                <a:ea typeface="Arial Unicode MS" panose="020B0604020202020204" pitchFamily="34" charset="-128"/>
+                <a:cs typeface="Arial Unicode MS" panose="020B0604020202020204" pitchFamily="34" charset="-128"/>
+              </a:rPr>
+              <a:t> </a:t>
+            </a:r>
+            <a:r>
+              <a:rPr lang="en-US" sz="2000" dirty="0" err="1">
+                <a:latin typeface="Arial Unicode MS" panose="020B0604020202020204" pitchFamily="34" charset="-128"/>
+                <a:ea typeface="Arial Unicode MS" panose="020B0604020202020204" pitchFamily="34" charset="-128"/>
+                <a:cs typeface="Arial Unicode MS" panose="020B0604020202020204" pitchFamily="34" charset="-128"/>
+              </a:rPr>
+              <a:t>ipsum</a:t>
+            </a:r>
+            <a:r>
+              <a:rPr lang="en-US" sz="2000" dirty="0">
+                <a:latin typeface="Arial Unicode MS" panose="020B0604020202020204" pitchFamily="34" charset="-128"/>
+                <a:ea typeface="Arial Unicode MS" panose="020B0604020202020204" pitchFamily="34" charset="-128"/>
+                <a:cs typeface="Arial Unicode MS" panose="020B0604020202020204" pitchFamily="34" charset="-128"/>
+              </a:rPr>
+              <a:t> dolor sit </a:t>
+            </a:r>
+            <a:r>
+              <a:rPr lang="en-US" sz="2000" dirty="0" err="1">
+                <a:latin typeface="Arial Unicode MS" panose="020B0604020202020204" pitchFamily="34" charset="-128"/>
+                <a:ea typeface="Arial Unicode MS" panose="020B0604020202020204" pitchFamily="34" charset="-128"/>
+                <a:cs typeface="Arial Unicode MS" panose="020B0604020202020204" pitchFamily="34" charset="-128"/>
+              </a:rPr>
+              <a:t>amet</a:t>
+            </a:r>
+            <a:endParaRPr lang="en-US" sz="2000" dirty="0">
+              <a:latin typeface="Arial Unicode MS" panose="020B0604020202020204" pitchFamily="34" charset="-128"/>
+              <a:ea typeface="Arial Unicode MS" panose="020B0604020202020204" pitchFamily="34" charset="-128"/>
+              <a:cs typeface="Arial Unicode MS" panose="020B0604020202020204" pitchFamily="34" charset="-128"/>
+            </a:endParaRPr>
+          </a:p>
+          <a:p>
+            <a:pPr lvl="1">
+              <a:spcAft>
+                <a:spcPts val="600"/>
+              </a:spcAft>
+            </a:pPr>
+            <a:r>
+              <a:rPr lang="en-US" sz="1600" dirty="0" err="1">
+                <a:latin typeface="Arial Unicode MS" panose="020B0604020202020204" pitchFamily="34" charset="-128"/>
+                <a:ea typeface="Arial Unicode MS" panose="020B0604020202020204" pitchFamily="34" charset="-128"/>
+                <a:cs typeface="Arial Unicode MS" panose="020B0604020202020204" pitchFamily="34" charset="-128"/>
+              </a:rPr>
+              <a:t>lorem</a:t>
+            </a:r>
+            <a:r>
+              <a:rPr lang="en-US" sz="1600" dirty="0">
+                <a:latin typeface="Arial Unicode MS" panose="020B0604020202020204" pitchFamily="34" charset="-128"/>
+                <a:ea typeface="Arial Unicode MS" panose="020B0604020202020204" pitchFamily="34" charset="-128"/>
+                <a:cs typeface="Arial Unicode MS" panose="020B0604020202020204" pitchFamily="34" charset="-128"/>
+              </a:rPr>
+              <a:t> </a:t>
+            </a:r>
+            <a:r>
+              <a:rPr lang="en-US" sz="1600" dirty="0" err="1">
+                <a:latin typeface="Arial Unicode MS" panose="020B0604020202020204" pitchFamily="34" charset="-128"/>
+                <a:ea typeface="Arial Unicode MS" panose="020B0604020202020204" pitchFamily="34" charset="-128"/>
+                <a:cs typeface="Arial Unicode MS" panose="020B0604020202020204" pitchFamily="34" charset="-128"/>
+              </a:rPr>
+              <a:t>ipsum</a:t>
+            </a:r>
+            <a:r>
+              <a:rPr lang="en-US" sz="1600" dirty="0">
+                <a:latin typeface="Arial Unicode MS" panose="020B0604020202020204" pitchFamily="34" charset="-128"/>
+                <a:ea typeface="Arial Unicode MS" panose="020B0604020202020204" pitchFamily="34" charset="-128"/>
+                <a:cs typeface="Arial Unicode MS" panose="020B0604020202020204" pitchFamily="34" charset="-128"/>
+              </a:rPr>
+              <a:t> dolor sit </a:t>
+            </a:r>
+            <a:r>
+              <a:rPr lang="en-US" sz="1600" dirty="0" err="1">
+                <a:latin typeface="Arial Unicode MS" panose="020B0604020202020204" pitchFamily="34" charset="-128"/>
+                <a:ea typeface="Arial Unicode MS" panose="020B0604020202020204" pitchFamily="34" charset="-128"/>
+                <a:cs typeface="Arial Unicode MS" panose="020B0604020202020204" pitchFamily="34" charset="-128"/>
+              </a:rPr>
+              <a:t>amet</a:t>
+            </a:r>
+            <a:endParaRPr lang="en-US" sz="1600" dirty="0">
+              <a:latin typeface="Arial Unicode MS" panose="020B0604020202020204" pitchFamily="34" charset="-128"/>
+              <a:ea typeface="Arial Unicode MS" panose="020B0604020202020204" pitchFamily="34" charset="-128"/>
+              <a:cs typeface="Arial Unicode MS" panose="020B0604020202020204" pitchFamily="34" charset="-128"/>
+            </a:endParaRPr>
+          </a:p>
+          <a:p>
+            <a:pPr lvl="1">
+              <a:spcAft>
+                <a:spcPts val="600"/>
+              </a:spcAft>
+            </a:pPr>
+            <a:r>
+              <a:rPr lang="en-US" sz="1600" dirty="0" err="1">
+                <a:latin typeface="Arial Unicode MS" panose="020B0604020202020204" pitchFamily="34" charset="-128"/>
+                <a:ea typeface="Arial Unicode MS" panose="020B0604020202020204" pitchFamily="34" charset="-128"/>
+                <a:cs typeface="Arial Unicode MS" panose="020B0604020202020204" pitchFamily="34" charset="-128"/>
+              </a:rPr>
+              <a:t>lorem</a:t>
+            </a:r>
+            <a:r>
+              <a:rPr lang="en-US" sz="1600" dirty="0">
+                <a:latin typeface="Arial Unicode MS" panose="020B0604020202020204" pitchFamily="34" charset="-128"/>
+                <a:ea typeface="Arial Unicode MS" panose="020B0604020202020204" pitchFamily="34" charset="-128"/>
+                <a:cs typeface="Arial Unicode MS" panose="020B0604020202020204" pitchFamily="34" charset="-128"/>
+              </a:rPr>
+              <a:t> </a:t>
+            </a:r>
+            <a:r>
+              <a:rPr lang="en-US" sz="1600" dirty="0" err="1">
+                <a:latin typeface="Arial Unicode MS" panose="020B0604020202020204" pitchFamily="34" charset="-128"/>
+                <a:ea typeface="Arial Unicode MS" panose="020B0604020202020204" pitchFamily="34" charset="-128"/>
+                <a:cs typeface="Arial Unicode MS" panose="020B0604020202020204" pitchFamily="34" charset="-128"/>
+              </a:rPr>
+              <a:t>ipsum</a:t>
+            </a:r>
+            <a:r>
+              <a:rPr lang="en-US" sz="1600" dirty="0">
+                <a:latin typeface="Arial Unicode MS" panose="020B0604020202020204" pitchFamily="34" charset="-128"/>
+                <a:ea typeface="Arial Unicode MS" panose="020B0604020202020204" pitchFamily="34" charset="-128"/>
+                <a:cs typeface="Arial Unicode MS" panose="020B0604020202020204" pitchFamily="34" charset="-128"/>
+              </a:rPr>
+              <a:t> dolor sit </a:t>
+            </a:r>
+            <a:r>
+              <a:rPr lang="en-US" sz="1600" dirty="0" err="1">
+                <a:latin typeface="Arial Unicode MS" panose="020B0604020202020204" pitchFamily="34" charset="-128"/>
+                <a:ea typeface="Arial Unicode MS" panose="020B0604020202020204" pitchFamily="34" charset="-128"/>
+                <a:cs typeface="Arial Unicode MS" panose="020B0604020202020204" pitchFamily="34" charset="-128"/>
+              </a:rPr>
+              <a:t>amet</a:t>
+            </a:r>
+            <a:endParaRPr lang="en-US" sz="1600" dirty="0">
+              <a:latin typeface="Arial Unicode MS" panose="020B0604020202020204" pitchFamily="34" charset="-128"/>
+              <a:ea typeface="Arial Unicode MS" panose="020B0604020202020204" pitchFamily="34" charset="-128"/>
+              <a:cs typeface="Arial Unicode MS" panose="020B0604020202020204" pitchFamily="34" charset="-128"/>
+            </a:endParaRPr>
+          </a:p>
+          <a:p>
+            <a:pPr>
+              <a:spcAft>
+                <a:spcPts val="600"/>
+              </a:spcAft>
+            </a:pPr>
+            <a:r>
+              <a:rPr lang="en-US" sz="2000" dirty="0" err="1">
+                <a:latin typeface="Arial Unicode MS" panose="020B0604020202020204" pitchFamily="34" charset="-128"/>
+                <a:ea typeface="Arial Unicode MS" panose="020B0604020202020204" pitchFamily="34" charset="-128"/>
+                <a:cs typeface="Arial Unicode MS" panose="020B0604020202020204" pitchFamily="34" charset="-128"/>
+              </a:rPr>
+              <a:t>lorem</a:t>
+            </a:r>
+            <a:r>
+              <a:rPr lang="en-US" sz="2000" dirty="0">
+                <a:latin typeface="Arial Unicode MS" panose="020B0604020202020204" pitchFamily="34" charset="-128"/>
+                <a:ea typeface="Arial Unicode MS" panose="020B0604020202020204" pitchFamily="34" charset="-128"/>
+                <a:cs typeface="Arial Unicode MS" panose="020B0604020202020204" pitchFamily="34" charset="-128"/>
+              </a:rPr>
+              <a:t> </a:t>
+            </a:r>
+            <a:r>
+              <a:rPr lang="en-US" sz="2000" dirty="0" err="1">
+                <a:latin typeface="Arial Unicode MS" panose="020B0604020202020204" pitchFamily="34" charset="-128"/>
+                <a:ea typeface="Arial Unicode MS" panose="020B0604020202020204" pitchFamily="34" charset="-128"/>
+                <a:cs typeface="Arial Unicode MS" panose="020B0604020202020204" pitchFamily="34" charset="-128"/>
+              </a:rPr>
+              <a:t>ipsum</a:t>
+            </a:r>
+            <a:r>
+              <a:rPr lang="en-US" sz="2000" dirty="0">
+                <a:latin typeface="Arial Unicode MS" panose="020B0604020202020204" pitchFamily="34" charset="-128"/>
+                <a:ea typeface="Arial Unicode MS" panose="020B0604020202020204" pitchFamily="34" charset="-128"/>
+                <a:cs typeface="Arial Unicode MS" panose="020B0604020202020204" pitchFamily="34" charset="-128"/>
+              </a:rPr>
+              <a:t> dolor sit </a:t>
+            </a:r>
+            <a:r>
+              <a:rPr lang="en-US" sz="2000" dirty="0" err="1">
+                <a:latin typeface="Arial Unicode MS" panose="020B0604020202020204" pitchFamily="34" charset="-128"/>
+                <a:ea typeface="Arial Unicode MS" panose="020B0604020202020204" pitchFamily="34" charset="-128"/>
+                <a:cs typeface="Arial Unicode MS" panose="020B0604020202020204" pitchFamily="34" charset="-128"/>
+              </a:rPr>
+              <a:t>amet</a:t>
+            </a:r>
+            <a:endParaRPr lang="en-US" sz="2000" dirty="0">
+              <a:latin typeface="Arial Unicode MS" panose="020B0604020202020204" pitchFamily="34" charset="-128"/>
+              <a:ea typeface="Arial Unicode MS" panose="020B0604020202020204" pitchFamily="34" charset="-128"/>
+              <a:cs typeface="Arial Unicode MS" panose="020B0604020202020204" pitchFamily="34" charset="-128"/>
+            </a:endParaRPr>
+          </a:p>
+          <a:p>
+            <a:pPr lvl="1">
+              <a:spcAft>
+                <a:spcPts val="600"/>
+              </a:spcAft>
+            </a:pPr>
+            <a:r>
+              <a:rPr lang="en-US" sz="1600" dirty="0" err="1">
+                <a:latin typeface="Arial Unicode MS" panose="020B0604020202020204" pitchFamily="34" charset="-128"/>
+                <a:ea typeface="Arial Unicode MS" panose="020B0604020202020204" pitchFamily="34" charset="-128"/>
+                <a:cs typeface="Arial Unicode MS" panose="020B0604020202020204" pitchFamily="34" charset="-128"/>
+              </a:rPr>
+              <a:t>lorem</a:t>
+            </a:r>
+            <a:r>
+              <a:rPr lang="en-US" sz="1600" dirty="0">
+                <a:latin typeface="Arial Unicode MS" panose="020B0604020202020204" pitchFamily="34" charset="-128"/>
+                <a:ea typeface="Arial Unicode MS" panose="020B0604020202020204" pitchFamily="34" charset="-128"/>
+                <a:cs typeface="Arial Unicode MS" panose="020B0604020202020204" pitchFamily="34" charset="-128"/>
+              </a:rPr>
+              <a:t> </a:t>
+            </a:r>
+            <a:r>
+              <a:rPr lang="en-US" sz="1600" dirty="0" err="1">
+                <a:latin typeface="Arial Unicode MS" panose="020B0604020202020204" pitchFamily="34" charset="-128"/>
+                <a:ea typeface="Arial Unicode MS" panose="020B0604020202020204" pitchFamily="34" charset="-128"/>
+                <a:cs typeface="Arial Unicode MS" panose="020B0604020202020204" pitchFamily="34" charset="-128"/>
+              </a:rPr>
+              <a:t>ipsum</a:t>
+            </a:r>
+            <a:r>
+              <a:rPr lang="en-US" sz="1600" dirty="0">
+                <a:latin typeface="Arial Unicode MS" panose="020B0604020202020204" pitchFamily="34" charset="-128"/>
+                <a:ea typeface="Arial Unicode MS" panose="020B0604020202020204" pitchFamily="34" charset="-128"/>
+                <a:cs typeface="Arial Unicode MS" panose="020B0604020202020204" pitchFamily="34" charset="-128"/>
+              </a:rPr>
+              <a:t> dolor sit </a:t>
+            </a:r>
+            <a:r>
+              <a:rPr lang="en-US" sz="1600" dirty="0" err="1">
+                <a:latin typeface="Arial Unicode MS" panose="020B0604020202020204" pitchFamily="34" charset="-128"/>
+                <a:ea typeface="Arial Unicode MS" panose="020B0604020202020204" pitchFamily="34" charset="-128"/>
+                <a:cs typeface="Arial Unicode MS" panose="020B0604020202020204" pitchFamily="34" charset="-128"/>
+              </a:rPr>
+              <a:t>amet</a:t>
+            </a:r>
+            <a:endParaRPr lang="en-US" sz="1600" dirty="0">
+              <a:latin typeface="Arial Unicode MS" panose="020B0604020202020204" pitchFamily="34" charset="-128"/>
+              <a:ea typeface="Arial Unicode MS" panose="020B0604020202020204" pitchFamily="34" charset="-128"/>
+              <a:cs typeface="Arial Unicode MS" panose="020B0604020202020204" pitchFamily="34" charset="-128"/>
+            </a:endParaRPr>
+          </a:p>
+          <a:p>
+            <a:pPr lvl="1">
+              <a:spcAft>
+                <a:spcPts val="600"/>
+              </a:spcAft>
+            </a:pPr>
+            <a:r>
+              <a:rPr lang="en-US" sz="1600" dirty="0" err="1">
+                <a:latin typeface="Arial Unicode MS" panose="020B0604020202020204" pitchFamily="34" charset="-128"/>
+                <a:ea typeface="Arial Unicode MS" panose="020B0604020202020204" pitchFamily="34" charset="-128"/>
+                <a:cs typeface="Arial Unicode MS" panose="020B0604020202020204" pitchFamily="34" charset="-128"/>
+              </a:rPr>
+              <a:t>lorem</a:t>
+            </a:r>
+            <a:r>
+              <a:rPr lang="en-US" sz="1600" dirty="0">
+                <a:latin typeface="Arial Unicode MS" panose="020B0604020202020204" pitchFamily="34" charset="-128"/>
+                <a:ea typeface="Arial Unicode MS" panose="020B0604020202020204" pitchFamily="34" charset="-128"/>
+                <a:cs typeface="Arial Unicode MS" panose="020B0604020202020204" pitchFamily="34" charset="-128"/>
+              </a:rPr>
+              <a:t> </a:t>
+            </a:r>
+            <a:r>
+              <a:rPr lang="en-US" sz="1600" dirty="0" err="1">
+                <a:latin typeface="Arial Unicode MS" panose="020B0604020202020204" pitchFamily="34" charset="-128"/>
+                <a:ea typeface="Arial Unicode MS" panose="020B0604020202020204" pitchFamily="34" charset="-128"/>
+                <a:cs typeface="Arial Unicode MS" panose="020B0604020202020204" pitchFamily="34" charset="-128"/>
+              </a:rPr>
+              <a:t>ipsum</a:t>
+            </a:r>
+            <a:r>
+              <a:rPr lang="en-US" sz="1600" dirty="0">
+                <a:latin typeface="Arial Unicode MS" panose="020B0604020202020204" pitchFamily="34" charset="-128"/>
+                <a:ea typeface="Arial Unicode MS" panose="020B0604020202020204" pitchFamily="34" charset="-128"/>
+                <a:cs typeface="Arial Unicode MS" panose="020B0604020202020204" pitchFamily="34" charset="-128"/>
+              </a:rPr>
+              <a:t> dolor sit </a:t>
+            </a:r>
+            <a:r>
+              <a:rPr lang="en-US" sz="1600" dirty="0" err="1">
+                <a:latin typeface="Arial Unicode MS" panose="020B0604020202020204" pitchFamily="34" charset="-128"/>
+                <a:ea typeface="Arial Unicode MS" panose="020B0604020202020204" pitchFamily="34" charset="-128"/>
+                <a:cs typeface="Arial Unicode MS" panose="020B0604020202020204" pitchFamily="34" charset="-128"/>
+              </a:rPr>
+              <a:t>amet</a:t>
+            </a:r>
+            <a:endParaRPr lang="en-US" sz="1600" dirty="0">
+              <a:latin typeface="Arial Unicode MS" panose="020B0604020202020204" pitchFamily="34" charset="-128"/>
+              <a:ea typeface="Arial Unicode MS" panose="020B0604020202020204" pitchFamily="34" charset="-128"/>
+              <a:cs typeface="Arial Unicode MS" panose="020B0604020202020204" pitchFamily="34" charset="-128"/>
+            </a:endParaRPr>
+          </a:p>
+          <a:p>
+            <a:pPr>
+              <a:spcAft>
+                <a:spcPts val="600"/>
+              </a:spcAft>
+            </a:pPr>
+            <a:r>
+              <a:rPr lang="en-US" sz="2000" dirty="0" err="1">
+                <a:latin typeface="Arial Unicode MS" panose="020B0604020202020204" pitchFamily="34" charset="-128"/>
+                <a:ea typeface="Arial Unicode MS" panose="020B0604020202020204" pitchFamily="34" charset="-128"/>
+                <a:cs typeface="Arial Unicode MS" panose="020B0604020202020204" pitchFamily="34" charset="-128"/>
+              </a:rPr>
+              <a:t>lorem</a:t>
+            </a:r>
+            <a:r>
+              <a:rPr lang="en-US" sz="2000" dirty="0">
+                <a:latin typeface="Arial Unicode MS" panose="020B0604020202020204" pitchFamily="34" charset="-128"/>
+                <a:ea typeface="Arial Unicode MS" panose="020B0604020202020204" pitchFamily="34" charset="-128"/>
+                <a:cs typeface="Arial Unicode MS" panose="020B0604020202020204" pitchFamily="34" charset="-128"/>
+              </a:rPr>
+              <a:t> </a:t>
+            </a:r>
+            <a:r>
+              <a:rPr lang="en-US" sz="2000" dirty="0" err="1">
+                <a:latin typeface="Arial Unicode MS" panose="020B0604020202020204" pitchFamily="34" charset="-128"/>
+                <a:ea typeface="Arial Unicode MS" panose="020B0604020202020204" pitchFamily="34" charset="-128"/>
+                <a:cs typeface="Arial Unicode MS" panose="020B0604020202020204" pitchFamily="34" charset="-128"/>
+              </a:rPr>
+              <a:t>ipsum</a:t>
+            </a:r>
+            <a:r>
+              <a:rPr lang="en-US" sz="2000" dirty="0">
+                <a:latin typeface="Arial Unicode MS" panose="020B0604020202020204" pitchFamily="34" charset="-128"/>
+                <a:ea typeface="Arial Unicode MS" panose="020B0604020202020204" pitchFamily="34" charset="-128"/>
+                <a:cs typeface="Arial Unicode MS" panose="020B0604020202020204" pitchFamily="34" charset="-128"/>
+              </a:rPr>
+              <a:t> dolor sit </a:t>
+            </a:r>
+            <a:r>
+              <a:rPr lang="en-US" sz="2000" dirty="0" err="1">
+                <a:latin typeface="Arial Unicode MS" panose="020B0604020202020204" pitchFamily="34" charset="-128"/>
+                <a:ea typeface="Arial Unicode MS" panose="020B0604020202020204" pitchFamily="34" charset="-128"/>
+                <a:cs typeface="Arial Unicode MS" panose="020B0604020202020204" pitchFamily="34" charset="-128"/>
+              </a:rPr>
+              <a:t>amet</a:t>
+            </a:r>
+            <a:endParaRPr lang="en-US" sz="2000" dirty="0">
+              <a:latin typeface="Arial Unicode MS" panose="020B0604020202020204" pitchFamily="34" charset="-128"/>
+              <a:ea typeface="Arial Unicode MS" panose="020B0604020202020204" pitchFamily="34" charset="-128"/>
+              <a:cs typeface="Arial Unicode MS" panose="020B0604020202020204" pitchFamily="34" charset="-128"/>
+            </a:endParaRPr>
+          </a:p>
+          <a:p>
+            <a:pPr lvl="1">
+              <a:spcAft>
+                <a:spcPts val="600"/>
+              </a:spcAft>
+            </a:pPr>
+            <a:r>
+              <a:rPr lang="en-US" sz="1600" dirty="0" err="1">
+                <a:latin typeface="Arial Unicode MS" panose="020B0604020202020204" pitchFamily="34" charset="-128"/>
+                <a:ea typeface="Arial Unicode MS" panose="020B0604020202020204" pitchFamily="34" charset="-128"/>
+                <a:cs typeface="Arial Unicode MS" panose="020B0604020202020204" pitchFamily="34" charset="-128"/>
+              </a:rPr>
+              <a:t>lorem</a:t>
+            </a:r>
+            <a:r>
+              <a:rPr lang="en-US" sz="1600" dirty="0">
+                <a:latin typeface="Arial Unicode MS" panose="020B0604020202020204" pitchFamily="34" charset="-128"/>
+                <a:ea typeface="Arial Unicode MS" panose="020B0604020202020204" pitchFamily="34" charset="-128"/>
+                <a:cs typeface="Arial Unicode MS" panose="020B0604020202020204" pitchFamily="34" charset="-128"/>
+              </a:rPr>
+              <a:t> </a:t>
+            </a:r>
+            <a:r>
+              <a:rPr lang="en-US" sz="1600" dirty="0" err="1">
+                <a:latin typeface="Arial Unicode MS" panose="020B0604020202020204" pitchFamily="34" charset="-128"/>
+                <a:ea typeface="Arial Unicode MS" panose="020B0604020202020204" pitchFamily="34" charset="-128"/>
+                <a:cs typeface="Arial Unicode MS" panose="020B0604020202020204" pitchFamily="34" charset="-128"/>
+              </a:rPr>
+              <a:t>ipsum</a:t>
+            </a:r>
+            <a:r>
+              <a:rPr lang="en-US" sz="1600" dirty="0">
+                <a:latin typeface="Arial Unicode MS" panose="020B0604020202020204" pitchFamily="34" charset="-128"/>
+                <a:ea typeface="Arial Unicode MS" panose="020B0604020202020204" pitchFamily="34" charset="-128"/>
+                <a:cs typeface="Arial Unicode MS" panose="020B0604020202020204" pitchFamily="34" charset="-128"/>
+              </a:rPr>
+              <a:t> dolor sit </a:t>
+            </a:r>
+            <a:r>
+              <a:rPr lang="en-US" sz="1600" dirty="0" err="1">
+                <a:latin typeface="Arial Unicode MS" panose="020B0604020202020204" pitchFamily="34" charset="-128"/>
+                <a:ea typeface="Arial Unicode MS" panose="020B0604020202020204" pitchFamily="34" charset="-128"/>
+                <a:cs typeface="Arial Unicode MS" panose="020B0604020202020204" pitchFamily="34" charset="-128"/>
+              </a:rPr>
+              <a:t>amet</a:t>
+            </a:r>
+            <a:endParaRPr lang="en-US" sz="1600" dirty="0">
+              <a:latin typeface="Arial Unicode MS" panose="020B0604020202020204" pitchFamily="34" charset="-128"/>
+              <a:ea typeface="Arial Unicode MS" panose="020B0604020202020204" pitchFamily="34" charset="-128"/>
+              <a:cs typeface="Arial Unicode MS" panose="020B0604020202020204" pitchFamily="34" charset="-128"/>
+            </a:endParaRPr>
+          </a:p>
+          <a:p>
+            <a:pPr lvl="1">
+              <a:spcAft>
+                <a:spcPts val="600"/>
+              </a:spcAft>
+            </a:pPr>
+            <a:r>
+              <a:rPr lang="en-US" sz="1600" dirty="0" err="1">
+                <a:latin typeface="Arial Unicode MS" panose="020B0604020202020204" pitchFamily="34" charset="-128"/>
+                <a:ea typeface="Arial Unicode MS" panose="020B0604020202020204" pitchFamily="34" charset="-128"/>
+                <a:cs typeface="Arial Unicode MS" panose="020B0604020202020204" pitchFamily="34" charset="-128"/>
+              </a:rPr>
+              <a:t>lorem</a:t>
+            </a:r>
+            <a:r>
+              <a:rPr lang="en-US" sz="1600" dirty="0">
+                <a:latin typeface="Arial Unicode MS" panose="020B0604020202020204" pitchFamily="34" charset="-128"/>
+                <a:ea typeface="Arial Unicode MS" panose="020B0604020202020204" pitchFamily="34" charset="-128"/>
+                <a:cs typeface="Arial Unicode MS" panose="020B0604020202020204" pitchFamily="34" charset="-128"/>
+              </a:rPr>
+              <a:t> </a:t>
+            </a:r>
+            <a:r>
+              <a:rPr lang="en-US" sz="1600" dirty="0" err="1">
+                <a:latin typeface="Arial Unicode MS" panose="020B0604020202020204" pitchFamily="34" charset="-128"/>
+                <a:ea typeface="Arial Unicode MS" panose="020B0604020202020204" pitchFamily="34" charset="-128"/>
+                <a:cs typeface="Arial Unicode MS" panose="020B0604020202020204" pitchFamily="34" charset="-128"/>
+              </a:rPr>
+              <a:t>ipsum</a:t>
+            </a:r>
+            <a:r>
+              <a:rPr lang="en-US" sz="1600" dirty="0">
+                <a:latin typeface="Arial Unicode MS" panose="020B0604020202020204" pitchFamily="34" charset="-128"/>
+                <a:ea typeface="Arial Unicode MS" panose="020B0604020202020204" pitchFamily="34" charset="-128"/>
+                <a:cs typeface="Arial Unicode MS" panose="020B0604020202020204" pitchFamily="34" charset="-128"/>
+              </a:rPr>
+              <a:t> dolor sit </a:t>
+            </a:r>
+            <a:r>
+              <a:rPr lang="en-US" sz="1600" dirty="0" err="1" smtClean="0">
+                <a:latin typeface="Arial Unicode MS" panose="020B0604020202020204" pitchFamily="34" charset="-128"/>
+                <a:ea typeface="Arial Unicode MS" panose="020B0604020202020204" pitchFamily="34" charset="-128"/>
+                <a:cs typeface="Arial Unicode MS" panose="020B0604020202020204" pitchFamily="34" charset="-128"/>
+              </a:rPr>
+              <a:t>amet</a:t>
+            </a:r>
+            <a:endParaRPr lang="en-US" sz="1600" dirty="0">
+              <a:latin typeface="Arial Unicode MS" panose="020B0604020202020204" pitchFamily="34" charset="-128"/>
+              <a:ea typeface="Arial Unicode MS" panose="020B0604020202020204" pitchFamily="34" charset="-128"/>
+              <a:cs typeface="Arial Unicode MS" panose="020B0604020202020204" pitchFamily="34" charset="-128"/>
+            </a:endParaRPr>
+          </a:p>
+        </p:txBody>
+      </p:sp>
+    </p:spTree>
+    <p:extLst>
+      <p:ext uri="{BB962C8B-B14F-4D97-AF65-F5344CB8AC3E}">
+        <p14:creationId xmlns:p14="http://schemas.microsoft.com/office/powerpoint/2010/main" val="2046385847"/>
+      </p:ext>
+    </p:extLst>
+  </p:cSld>
+  <p:clrMapOvr>
+    <a:masterClrMapping/>
+  </p:clrMapOvr>
+</p:sld>
+</file>
+
+<file path=ppt/slides/slide8.xml><?xml version="1.0" encoding="utf-8"?>
+<p:sld xmlns:a="http://schemas.openxmlformats.org/drawingml/2006/main" xmlns:r="http://schemas.openxmlformats.org/officeDocument/2006/relationships" xmlns:p="http://schemas.openxmlformats.org/presentationml/2006/main">
+  <p:cSld>
+    <p:spTree>
+      <p:nvGrpSpPr>
+        <p:cNvPr id="1" name=""/>
+        <p:cNvGrpSpPr/>
+        <p:nvPr/>
+      </p:nvGrpSpPr>
+      <p:grpSpPr>
+        <a:xfrm>
+          <a:off x="0" y="0"/>
+          <a:ext cx="0" cy="0"/>
+          <a:chOff x="0" y="0"/>
+          <a:chExt cx="0" cy="0"/>
+        </a:xfrm>
+      </p:grpSpPr>
+      <p:sp>
+        <p:nvSpPr>
+          <p:cNvPr id="5" name="Title 4"/>
+          <p:cNvSpPr>
+            <a:spLocks noGrp="1"/>
+          </p:cNvSpPr>
+          <p:nvPr>
+            <p:ph type="title"/>
+          </p:nvPr>
+        </p:nvSpPr>
+        <p:spPr>
+          <a:xfrm>
+            <a:off x="206476" y="188780"/>
+            <a:ext cx="11804610" cy="766916"/>
+          </a:xfrm>
+        </p:spPr>
+        <p:txBody>
+          <a:bodyPr>
+            <a:normAutofit/>
+          </a:bodyPr>
+          <a:lstStyle/>
+          <a:p>
+            <a:r>
+              <a:rPr lang="en-US" sz="2800" b="1" dirty="0" smtClean="0">
+                <a:latin typeface="Arial Unicode MS" panose="020B0604020202020204" pitchFamily="34" charset="-128"/>
+                <a:ea typeface="Arial Unicode MS" panose="020B0604020202020204" pitchFamily="34" charset="-128"/>
+                <a:cs typeface="Arial Unicode MS" panose="020B0604020202020204" pitchFamily="34" charset="-128"/>
+              </a:rPr>
+              <a:t>What is a jet?</a:t>
+            </a:r>
+            <a:endParaRPr lang="en-IN" sz="2800" b="1" dirty="0">
+              <a:latin typeface="Arial Unicode MS" panose="020B0604020202020204" pitchFamily="34" charset="-128"/>
+              <a:ea typeface="Arial Unicode MS" panose="020B0604020202020204" pitchFamily="34" charset="-128"/>
+              <a:cs typeface="Arial Unicode MS" panose="020B0604020202020204" pitchFamily="34" charset="-128"/>
+            </a:endParaRPr>
+          </a:p>
+        </p:txBody>
+      </p:sp>
+      <p:sp>
+        <p:nvSpPr>
+          <p:cNvPr id="6" name="Content Placeholder 5"/>
+          <p:cNvSpPr>
+            <a:spLocks noGrp="1"/>
+          </p:cNvSpPr>
+          <p:nvPr>
+            <p:ph idx="1"/>
+          </p:nvPr>
+        </p:nvSpPr>
+        <p:spPr>
+          <a:xfrm>
+            <a:off x="206476" y="1064608"/>
+            <a:ext cx="11804610" cy="5640992"/>
+          </a:xfrm>
+        </p:spPr>
+        <p:txBody>
+          <a:bodyPr>
+            <a:normAutofit/>
+          </a:bodyPr>
+          <a:lstStyle/>
+          <a:p>
+            <a:pPr>
+              <a:spcAft>
+                <a:spcPts val="600"/>
+              </a:spcAft>
+            </a:pPr>
+            <a:r>
+              <a:rPr lang="en-US" sz="2000" dirty="0" err="1" smtClean="0">
+                <a:latin typeface="Arial Unicode MS" panose="020B0604020202020204" pitchFamily="34" charset="-128"/>
+                <a:ea typeface="Arial Unicode MS" panose="020B0604020202020204" pitchFamily="34" charset="-128"/>
+                <a:cs typeface="Arial Unicode MS" panose="020B0604020202020204" pitchFamily="34" charset="-128"/>
+              </a:rPr>
+              <a:t>lorem</a:t>
+            </a:r>
+            <a:r>
+              <a:rPr lang="en-US" sz="2000" dirty="0" smtClean="0">
+                <a:latin typeface="Arial Unicode MS" panose="020B0604020202020204" pitchFamily="34" charset="-128"/>
+                <a:ea typeface="Arial Unicode MS" panose="020B0604020202020204" pitchFamily="34" charset="-128"/>
+                <a:cs typeface="Arial Unicode MS" panose="020B0604020202020204" pitchFamily="34" charset="-128"/>
+              </a:rPr>
+              <a:t> </a:t>
+            </a:r>
+            <a:r>
+              <a:rPr lang="en-US" sz="2000" dirty="0" err="1" smtClean="0">
+                <a:latin typeface="Arial Unicode MS" panose="020B0604020202020204" pitchFamily="34" charset="-128"/>
+                <a:ea typeface="Arial Unicode MS" panose="020B0604020202020204" pitchFamily="34" charset="-128"/>
+                <a:cs typeface="Arial Unicode MS" panose="020B0604020202020204" pitchFamily="34" charset="-128"/>
+              </a:rPr>
+              <a:t>ipsum</a:t>
+            </a:r>
+            <a:r>
+              <a:rPr lang="en-US" sz="2000" dirty="0" smtClean="0">
+                <a:latin typeface="Arial Unicode MS" panose="020B0604020202020204" pitchFamily="34" charset="-128"/>
+                <a:ea typeface="Arial Unicode MS" panose="020B0604020202020204" pitchFamily="34" charset="-128"/>
+                <a:cs typeface="Arial Unicode MS" panose="020B0604020202020204" pitchFamily="34" charset="-128"/>
+              </a:rPr>
+              <a:t> dolor sit </a:t>
+            </a:r>
+            <a:r>
+              <a:rPr lang="en-US" sz="2000" dirty="0" err="1" smtClean="0">
+                <a:latin typeface="Arial Unicode MS" panose="020B0604020202020204" pitchFamily="34" charset="-128"/>
+                <a:ea typeface="Arial Unicode MS" panose="020B0604020202020204" pitchFamily="34" charset="-128"/>
+                <a:cs typeface="Arial Unicode MS" panose="020B0604020202020204" pitchFamily="34" charset="-128"/>
+              </a:rPr>
+              <a:t>amet</a:t>
+            </a:r>
+            <a:endParaRPr lang="en-US" sz="2000" dirty="0" smtClean="0">
+              <a:latin typeface="Arial Unicode MS" panose="020B0604020202020204" pitchFamily="34" charset="-128"/>
+              <a:ea typeface="Arial Unicode MS" panose="020B0604020202020204" pitchFamily="34" charset="-128"/>
+              <a:cs typeface="Arial Unicode MS" panose="020B0604020202020204" pitchFamily="34" charset="-128"/>
+            </a:endParaRPr>
+          </a:p>
+          <a:p>
+            <a:pPr lvl="1">
+              <a:spcAft>
+                <a:spcPts val="600"/>
+              </a:spcAft>
+            </a:pPr>
+            <a:r>
+              <a:rPr lang="en-US" sz="1600" dirty="0" err="1" smtClean="0">
+                <a:latin typeface="Arial Unicode MS" panose="020B0604020202020204" pitchFamily="34" charset="-128"/>
+                <a:ea typeface="Arial Unicode MS" panose="020B0604020202020204" pitchFamily="34" charset="-128"/>
+                <a:cs typeface="Arial Unicode MS" panose="020B0604020202020204" pitchFamily="34" charset="-128"/>
+              </a:rPr>
+              <a:t>lorem</a:t>
+            </a:r>
+            <a:r>
+              <a:rPr lang="en-US" sz="1600" dirty="0" smtClean="0">
+                <a:latin typeface="Arial Unicode MS" panose="020B0604020202020204" pitchFamily="34" charset="-128"/>
+                <a:ea typeface="Arial Unicode MS" panose="020B0604020202020204" pitchFamily="34" charset="-128"/>
+                <a:cs typeface="Arial Unicode MS" panose="020B0604020202020204" pitchFamily="34" charset="-128"/>
+              </a:rPr>
+              <a:t> </a:t>
+            </a:r>
+            <a:r>
+              <a:rPr lang="en-US" sz="1600" dirty="0" err="1">
+                <a:latin typeface="Arial Unicode MS" panose="020B0604020202020204" pitchFamily="34" charset="-128"/>
+                <a:ea typeface="Arial Unicode MS" panose="020B0604020202020204" pitchFamily="34" charset="-128"/>
+                <a:cs typeface="Arial Unicode MS" panose="020B0604020202020204" pitchFamily="34" charset="-128"/>
+              </a:rPr>
+              <a:t>ipsum</a:t>
+            </a:r>
+            <a:r>
+              <a:rPr lang="en-US" sz="1600" dirty="0">
+                <a:latin typeface="Arial Unicode MS" panose="020B0604020202020204" pitchFamily="34" charset="-128"/>
+                <a:ea typeface="Arial Unicode MS" panose="020B0604020202020204" pitchFamily="34" charset="-128"/>
+                <a:cs typeface="Arial Unicode MS" panose="020B0604020202020204" pitchFamily="34" charset="-128"/>
+              </a:rPr>
+              <a:t> dolor sit </a:t>
+            </a:r>
+            <a:r>
+              <a:rPr lang="en-US" sz="1600" dirty="0" err="1">
+                <a:latin typeface="Arial Unicode MS" panose="020B0604020202020204" pitchFamily="34" charset="-128"/>
+                <a:ea typeface="Arial Unicode MS" panose="020B0604020202020204" pitchFamily="34" charset="-128"/>
+                <a:cs typeface="Arial Unicode MS" panose="020B0604020202020204" pitchFamily="34" charset="-128"/>
+              </a:rPr>
+              <a:t>amet</a:t>
+            </a:r>
+            <a:endParaRPr lang="en-US" sz="1600" dirty="0">
+              <a:latin typeface="Arial Unicode MS" panose="020B0604020202020204" pitchFamily="34" charset="-128"/>
+              <a:ea typeface="Arial Unicode MS" panose="020B0604020202020204" pitchFamily="34" charset="-128"/>
+              <a:cs typeface="Arial Unicode MS" panose="020B0604020202020204" pitchFamily="34" charset="-128"/>
+            </a:endParaRPr>
+          </a:p>
+          <a:p>
+            <a:pPr lvl="1">
+              <a:spcAft>
+                <a:spcPts val="600"/>
+              </a:spcAft>
+            </a:pPr>
+            <a:r>
+              <a:rPr lang="en-US" sz="1600" dirty="0" err="1">
+                <a:latin typeface="Arial Unicode MS" panose="020B0604020202020204" pitchFamily="34" charset="-128"/>
+                <a:ea typeface="Arial Unicode MS" panose="020B0604020202020204" pitchFamily="34" charset="-128"/>
+                <a:cs typeface="Arial Unicode MS" panose="020B0604020202020204" pitchFamily="34" charset="-128"/>
+              </a:rPr>
+              <a:t>lorem</a:t>
+            </a:r>
+            <a:r>
+              <a:rPr lang="en-US" sz="1600" dirty="0">
+                <a:latin typeface="Arial Unicode MS" panose="020B0604020202020204" pitchFamily="34" charset="-128"/>
+                <a:ea typeface="Arial Unicode MS" panose="020B0604020202020204" pitchFamily="34" charset="-128"/>
+                <a:cs typeface="Arial Unicode MS" panose="020B0604020202020204" pitchFamily="34" charset="-128"/>
+              </a:rPr>
+              <a:t> </a:t>
+            </a:r>
+            <a:r>
+              <a:rPr lang="en-US" sz="1600" dirty="0" err="1">
+                <a:latin typeface="Arial Unicode MS" panose="020B0604020202020204" pitchFamily="34" charset="-128"/>
+                <a:ea typeface="Arial Unicode MS" panose="020B0604020202020204" pitchFamily="34" charset="-128"/>
+                <a:cs typeface="Arial Unicode MS" panose="020B0604020202020204" pitchFamily="34" charset="-128"/>
+              </a:rPr>
+              <a:t>ipsum</a:t>
+            </a:r>
+            <a:r>
+              <a:rPr lang="en-US" sz="1600" dirty="0">
+                <a:latin typeface="Arial Unicode MS" panose="020B0604020202020204" pitchFamily="34" charset="-128"/>
+                <a:ea typeface="Arial Unicode MS" panose="020B0604020202020204" pitchFamily="34" charset="-128"/>
+                <a:cs typeface="Arial Unicode MS" panose="020B0604020202020204" pitchFamily="34" charset="-128"/>
+              </a:rPr>
+              <a:t> dolor sit </a:t>
+            </a:r>
+            <a:r>
+              <a:rPr lang="en-US" sz="1600" dirty="0" err="1">
+                <a:latin typeface="Arial Unicode MS" panose="020B0604020202020204" pitchFamily="34" charset="-128"/>
+                <a:ea typeface="Arial Unicode MS" panose="020B0604020202020204" pitchFamily="34" charset="-128"/>
+                <a:cs typeface="Arial Unicode MS" panose="020B0604020202020204" pitchFamily="34" charset="-128"/>
+              </a:rPr>
+              <a:t>amet</a:t>
+            </a:r>
+            <a:endParaRPr lang="en-US" sz="1600" dirty="0" smtClean="0">
+              <a:latin typeface="Arial Unicode MS" panose="020B0604020202020204" pitchFamily="34" charset="-128"/>
+              <a:ea typeface="Arial Unicode MS" panose="020B0604020202020204" pitchFamily="34" charset="-128"/>
+              <a:cs typeface="Arial Unicode MS" panose="020B0604020202020204" pitchFamily="34" charset="-128"/>
+            </a:endParaRPr>
+          </a:p>
+          <a:p>
+            <a:pPr>
+              <a:spcAft>
+                <a:spcPts val="600"/>
+              </a:spcAft>
+            </a:pPr>
+            <a:r>
+              <a:rPr lang="en-US" sz="2000" dirty="0" err="1">
+                <a:latin typeface="Arial Unicode MS" panose="020B0604020202020204" pitchFamily="34" charset="-128"/>
+                <a:ea typeface="Arial Unicode MS" panose="020B0604020202020204" pitchFamily="34" charset="-128"/>
+                <a:cs typeface="Arial Unicode MS" panose="020B0604020202020204" pitchFamily="34" charset="-128"/>
+              </a:rPr>
+              <a:t>lorem</a:t>
+            </a:r>
+            <a:r>
+              <a:rPr lang="en-US" sz="2000" dirty="0">
+                <a:latin typeface="Arial Unicode MS" panose="020B0604020202020204" pitchFamily="34" charset="-128"/>
+                <a:ea typeface="Arial Unicode MS" panose="020B0604020202020204" pitchFamily="34" charset="-128"/>
+                <a:cs typeface="Arial Unicode MS" panose="020B0604020202020204" pitchFamily="34" charset="-128"/>
+              </a:rPr>
+              <a:t> </a:t>
+            </a:r>
+            <a:r>
+              <a:rPr lang="en-US" sz="2000" dirty="0" err="1">
+                <a:latin typeface="Arial Unicode MS" panose="020B0604020202020204" pitchFamily="34" charset="-128"/>
+                <a:ea typeface="Arial Unicode MS" panose="020B0604020202020204" pitchFamily="34" charset="-128"/>
+                <a:cs typeface="Arial Unicode MS" panose="020B0604020202020204" pitchFamily="34" charset="-128"/>
+              </a:rPr>
+              <a:t>ipsum</a:t>
+            </a:r>
+            <a:r>
+              <a:rPr lang="en-US" sz="2000" dirty="0">
+                <a:latin typeface="Arial Unicode MS" panose="020B0604020202020204" pitchFamily="34" charset="-128"/>
+                <a:ea typeface="Arial Unicode MS" panose="020B0604020202020204" pitchFamily="34" charset="-128"/>
+                <a:cs typeface="Arial Unicode MS" panose="020B0604020202020204" pitchFamily="34" charset="-128"/>
+              </a:rPr>
+              <a:t> dolor sit </a:t>
+            </a:r>
+            <a:r>
+              <a:rPr lang="en-US" sz="2000" dirty="0" err="1">
+                <a:latin typeface="Arial Unicode MS" panose="020B0604020202020204" pitchFamily="34" charset="-128"/>
+                <a:ea typeface="Arial Unicode MS" panose="020B0604020202020204" pitchFamily="34" charset="-128"/>
+                <a:cs typeface="Arial Unicode MS" panose="020B0604020202020204" pitchFamily="34" charset="-128"/>
+              </a:rPr>
+              <a:t>amet</a:t>
+            </a:r>
+            <a:endParaRPr lang="en-US" sz="2000" dirty="0">
+              <a:latin typeface="Arial Unicode MS" panose="020B0604020202020204" pitchFamily="34" charset="-128"/>
+              <a:ea typeface="Arial Unicode MS" panose="020B0604020202020204" pitchFamily="34" charset="-128"/>
+              <a:cs typeface="Arial Unicode MS" panose="020B0604020202020204" pitchFamily="34" charset="-128"/>
+            </a:endParaRPr>
+          </a:p>
+          <a:p>
+            <a:pPr lvl="1">
+              <a:spcAft>
+                <a:spcPts val="600"/>
+              </a:spcAft>
+            </a:pPr>
+            <a:r>
+              <a:rPr lang="en-US" sz="1600" dirty="0" err="1">
+                <a:latin typeface="Arial Unicode MS" panose="020B0604020202020204" pitchFamily="34" charset="-128"/>
+                <a:ea typeface="Arial Unicode MS" panose="020B0604020202020204" pitchFamily="34" charset="-128"/>
+                <a:cs typeface="Arial Unicode MS" panose="020B0604020202020204" pitchFamily="34" charset="-128"/>
+              </a:rPr>
+              <a:t>lorem</a:t>
+            </a:r>
+            <a:r>
+              <a:rPr lang="en-US" sz="1600" dirty="0">
+                <a:latin typeface="Arial Unicode MS" panose="020B0604020202020204" pitchFamily="34" charset="-128"/>
+                <a:ea typeface="Arial Unicode MS" panose="020B0604020202020204" pitchFamily="34" charset="-128"/>
+                <a:cs typeface="Arial Unicode MS" panose="020B0604020202020204" pitchFamily="34" charset="-128"/>
+              </a:rPr>
+              <a:t> </a:t>
+            </a:r>
+            <a:r>
+              <a:rPr lang="en-US" sz="1600" dirty="0" err="1">
+                <a:latin typeface="Arial Unicode MS" panose="020B0604020202020204" pitchFamily="34" charset="-128"/>
+                <a:ea typeface="Arial Unicode MS" panose="020B0604020202020204" pitchFamily="34" charset="-128"/>
+                <a:cs typeface="Arial Unicode MS" panose="020B0604020202020204" pitchFamily="34" charset="-128"/>
+              </a:rPr>
+              <a:t>ipsum</a:t>
+            </a:r>
+            <a:r>
+              <a:rPr lang="en-US" sz="1600" dirty="0">
+                <a:latin typeface="Arial Unicode MS" panose="020B0604020202020204" pitchFamily="34" charset="-128"/>
+                <a:ea typeface="Arial Unicode MS" panose="020B0604020202020204" pitchFamily="34" charset="-128"/>
+                <a:cs typeface="Arial Unicode MS" panose="020B0604020202020204" pitchFamily="34" charset="-128"/>
+              </a:rPr>
+              <a:t> dolor sit </a:t>
+            </a:r>
+            <a:r>
+              <a:rPr lang="en-US" sz="1600" dirty="0" err="1">
+                <a:latin typeface="Arial Unicode MS" panose="020B0604020202020204" pitchFamily="34" charset="-128"/>
+                <a:ea typeface="Arial Unicode MS" panose="020B0604020202020204" pitchFamily="34" charset="-128"/>
+                <a:cs typeface="Arial Unicode MS" panose="020B0604020202020204" pitchFamily="34" charset="-128"/>
+              </a:rPr>
+              <a:t>amet</a:t>
+            </a:r>
+            <a:endParaRPr lang="en-US" sz="1600" dirty="0">
+              <a:latin typeface="Arial Unicode MS" panose="020B0604020202020204" pitchFamily="34" charset="-128"/>
+              <a:ea typeface="Arial Unicode MS" panose="020B0604020202020204" pitchFamily="34" charset="-128"/>
+              <a:cs typeface="Arial Unicode MS" panose="020B0604020202020204" pitchFamily="34" charset="-128"/>
+            </a:endParaRPr>
+          </a:p>
+          <a:p>
+            <a:pPr lvl="1">
+              <a:spcAft>
+                <a:spcPts val="600"/>
+              </a:spcAft>
+            </a:pPr>
+            <a:r>
+              <a:rPr lang="en-US" sz="1600" dirty="0" err="1">
+                <a:latin typeface="Arial Unicode MS" panose="020B0604020202020204" pitchFamily="34" charset="-128"/>
+                <a:ea typeface="Arial Unicode MS" panose="020B0604020202020204" pitchFamily="34" charset="-128"/>
+                <a:cs typeface="Arial Unicode MS" panose="020B0604020202020204" pitchFamily="34" charset="-128"/>
+              </a:rPr>
+              <a:t>lorem</a:t>
+            </a:r>
+            <a:r>
+              <a:rPr lang="en-US" sz="1600" dirty="0">
+                <a:latin typeface="Arial Unicode MS" panose="020B0604020202020204" pitchFamily="34" charset="-128"/>
+                <a:ea typeface="Arial Unicode MS" panose="020B0604020202020204" pitchFamily="34" charset="-128"/>
+                <a:cs typeface="Arial Unicode MS" panose="020B0604020202020204" pitchFamily="34" charset="-128"/>
+              </a:rPr>
+              <a:t> </a:t>
+            </a:r>
+            <a:r>
+              <a:rPr lang="en-US" sz="1600" dirty="0" err="1">
+                <a:latin typeface="Arial Unicode MS" panose="020B0604020202020204" pitchFamily="34" charset="-128"/>
+                <a:ea typeface="Arial Unicode MS" panose="020B0604020202020204" pitchFamily="34" charset="-128"/>
+                <a:cs typeface="Arial Unicode MS" panose="020B0604020202020204" pitchFamily="34" charset="-128"/>
+              </a:rPr>
+              <a:t>ipsum</a:t>
+            </a:r>
+            <a:r>
+              <a:rPr lang="en-US" sz="1600" dirty="0">
+                <a:latin typeface="Arial Unicode MS" panose="020B0604020202020204" pitchFamily="34" charset="-128"/>
+                <a:ea typeface="Arial Unicode MS" panose="020B0604020202020204" pitchFamily="34" charset="-128"/>
+                <a:cs typeface="Arial Unicode MS" panose="020B0604020202020204" pitchFamily="34" charset="-128"/>
+              </a:rPr>
+              <a:t> dolor sit </a:t>
+            </a:r>
+            <a:r>
+              <a:rPr lang="en-US" sz="1600" dirty="0" err="1">
+                <a:latin typeface="Arial Unicode MS" panose="020B0604020202020204" pitchFamily="34" charset="-128"/>
+                <a:ea typeface="Arial Unicode MS" panose="020B0604020202020204" pitchFamily="34" charset="-128"/>
+                <a:cs typeface="Arial Unicode MS" panose="020B0604020202020204" pitchFamily="34" charset="-128"/>
+              </a:rPr>
+              <a:t>amet</a:t>
+            </a:r>
+            <a:endParaRPr lang="en-US" sz="1600" dirty="0">
+              <a:latin typeface="Arial Unicode MS" panose="020B0604020202020204" pitchFamily="34" charset="-128"/>
+              <a:ea typeface="Arial Unicode MS" panose="020B0604020202020204" pitchFamily="34" charset="-128"/>
+              <a:cs typeface="Arial Unicode MS" panose="020B0604020202020204" pitchFamily="34" charset="-128"/>
+            </a:endParaRPr>
+          </a:p>
+          <a:p>
+            <a:pPr>
+              <a:spcAft>
+                <a:spcPts val="600"/>
+              </a:spcAft>
+            </a:pPr>
+            <a:r>
+              <a:rPr lang="en-US" sz="2000" dirty="0" err="1">
+                <a:latin typeface="Arial Unicode MS" panose="020B0604020202020204" pitchFamily="34" charset="-128"/>
+                <a:ea typeface="Arial Unicode MS" panose="020B0604020202020204" pitchFamily="34" charset="-128"/>
+                <a:cs typeface="Arial Unicode MS" panose="020B0604020202020204" pitchFamily="34" charset="-128"/>
+              </a:rPr>
+              <a:t>lorem</a:t>
+            </a:r>
+            <a:r>
+              <a:rPr lang="en-US" sz="2000" dirty="0">
+                <a:latin typeface="Arial Unicode MS" panose="020B0604020202020204" pitchFamily="34" charset="-128"/>
+                <a:ea typeface="Arial Unicode MS" panose="020B0604020202020204" pitchFamily="34" charset="-128"/>
+                <a:cs typeface="Arial Unicode MS" panose="020B0604020202020204" pitchFamily="34" charset="-128"/>
+              </a:rPr>
+              <a:t> </a:t>
+            </a:r>
+            <a:r>
+              <a:rPr lang="en-US" sz="2000" dirty="0" err="1">
+                <a:latin typeface="Arial Unicode MS" panose="020B0604020202020204" pitchFamily="34" charset="-128"/>
+                <a:ea typeface="Arial Unicode MS" panose="020B0604020202020204" pitchFamily="34" charset="-128"/>
+                <a:cs typeface="Arial Unicode MS" panose="020B0604020202020204" pitchFamily="34" charset="-128"/>
+              </a:rPr>
+              <a:t>ipsum</a:t>
+            </a:r>
+            <a:r>
+              <a:rPr lang="en-US" sz="2000" dirty="0">
+                <a:latin typeface="Arial Unicode MS" panose="020B0604020202020204" pitchFamily="34" charset="-128"/>
+                <a:ea typeface="Arial Unicode MS" panose="020B0604020202020204" pitchFamily="34" charset="-128"/>
+                <a:cs typeface="Arial Unicode MS" panose="020B0604020202020204" pitchFamily="34" charset="-128"/>
+              </a:rPr>
+              <a:t> dolor sit </a:t>
+            </a:r>
+            <a:r>
+              <a:rPr lang="en-US" sz="2000" dirty="0" err="1">
+                <a:latin typeface="Arial Unicode MS" panose="020B0604020202020204" pitchFamily="34" charset="-128"/>
+                <a:ea typeface="Arial Unicode MS" panose="020B0604020202020204" pitchFamily="34" charset="-128"/>
+                <a:cs typeface="Arial Unicode MS" panose="020B0604020202020204" pitchFamily="34" charset="-128"/>
+              </a:rPr>
+              <a:t>amet</a:t>
+            </a:r>
+            <a:endParaRPr lang="en-US" sz="2000" dirty="0">
+              <a:latin typeface="Arial Unicode MS" panose="020B0604020202020204" pitchFamily="34" charset="-128"/>
+              <a:ea typeface="Arial Unicode MS" panose="020B0604020202020204" pitchFamily="34" charset="-128"/>
+              <a:cs typeface="Arial Unicode MS" panose="020B0604020202020204" pitchFamily="34" charset="-128"/>
+            </a:endParaRPr>
+          </a:p>
+          <a:p>
+            <a:pPr lvl="1">
+              <a:spcAft>
+                <a:spcPts val="600"/>
+              </a:spcAft>
+            </a:pPr>
+            <a:r>
+              <a:rPr lang="en-US" sz="1600" dirty="0" err="1">
+                <a:latin typeface="Arial Unicode MS" panose="020B0604020202020204" pitchFamily="34" charset="-128"/>
+                <a:ea typeface="Arial Unicode MS" panose="020B0604020202020204" pitchFamily="34" charset="-128"/>
+                <a:cs typeface="Arial Unicode MS" panose="020B0604020202020204" pitchFamily="34" charset="-128"/>
+              </a:rPr>
+              <a:t>lorem</a:t>
+            </a:r>
+            <a:r>
+              <a:rPr lang="en-US" sz="1600" dirty="0">
+                <a:latin typeface="Arial Unicode MS" panose="020B0604020202020204" pitchFamily="34" charset="-128"/>
+                <a:ea typeface="Arial Unicode MS" panose="020B0604020202020204" pitchFamily="34" charset="-128"/>
+                <a:cs typeface="Arial Unicode MS" panose="020B0604020202020204" pitchFamily="34" charset="-128"/>
+              </a:rPr>
+              <a:t> </a:t>
+            </a:r>
+            <a:r>
+              <a:rPr lang="en-US" sz="1600" dirty="0" err="1">
+                <a:latin typeface="Arial Unicode MS" panose="020B0604020202020204" pitchFamily="34" charset="-128"/>
+                <a:ea typeface="Arial Unicode MS" panose="020B0604020202020204" pitchFamily="34" charset="-128"/>
+                <a:cs typeface="Arial Unicode MS" panose="020B0604020202020204" pitchFamily="34" charset="-128"/>
+              </a:rPr>
+              <a:t>ipsum</a:t>
+            </a:r>
+            <a:r>
+              <a:rPr lang="en-US" sz="1600" dirty="0">
+                <a:latin typeface="Arial Unicode MS" panose="020B0604020202020204" pitchFamily="34" charset="-128"/>
+                <a:ea typeface="Arial Unicode MS" panose="020B0604020202020204" pitchFamily="34" charset="-128"/>
+                <a:cs typeface="Arial Unicode MS" panose="020B0604020202020204" pitchFamily="34" charset="-128"/>
+              </a:rPr>
+              <a:t> dolor sit </a:t>
+            </a:r>
+            <a:r>
+              <a:rPr lang="en-US" sz="1600" dirty="0" err="1">
+                <a:latin typeface="Arial Unicode MS" panose="020B0604020202020204" pitchFamily="34" charset="-128"/>
+                <a:ea typeface="Arial Unicode MS" panose="020B0604020202020204" pitchFamily="34" charset="-128"/>
+                <a:cs typeface="Arial Unicode MS" panose="020B0604020202020204" pitchFamily="34" charset="-128"/>
+              </a:rPr>
+              <a:t>amet</a:t>
+            </a:r>
+            <a:endParaRPr lang="en-US" sz="1600" dirty="0">
+              <a:latin typeface="Arial Unicode MS" panose="020B0604020202020204" pitchFamily="34" charset="-128"/>
+              <a:ea typeface="Arial Unicode MS" panose="020B0604020202020204" pitchFamily="34" charset="-128"/>
+              <a:cs typeface="Arial Unicode MS" panose="020B0604020202020204" pitchFamily="34" charset="-128"/>
+            </a:endParaRPr>
+          </a:p>
+          <a:p>
+            <a:pPr lvl="1">
+              <a:spcAft>
+                <a:spcPts val="600"/>
+              </a:spcAft>
+            </a:pPr>
+            <a:r>
+              <a:rPr lang="en-US" sz="1600" dirty="0" err="1">
+                <a:latin typeface="Arial Unicode MS" panose="020B0604020202020204" pitchFamily="34" charset="-128"/>
+                <a:ea typeface="Arial Unicode MS" panose="020B0604020202020204" pitchFamily="34" charset="-128"/>
+                <a:cs typeface="Arial Unicode MS" panose="020B0604020202020204" pitchFamily="34" charset="-128"/>
+              </a:rPr>
+              <a:t>lorem</a:t>
+            </a:r>
+            <a:r>
+              <a:rPr lang="en-US" sz="1600" dirty="0">
+                <a:latin typeface="Arial Unicode MS" panose="020B0604020202020204" pitchFamily="34" charset="-128"/>
+                <a:ea typeface="Arial Unicode MS" panose="020B0604020202020204" pitchFamily="34" charset="-128"/>
+                <a:cs typeface="Arial Unicode MS" panose="020B0604020202020204" pitchFamily="34" charset="-128"/>
+              </a:rPr>
+              <a:t> </a:t>
+            </a:r>
+            <a:r>
+              <a:rPr lang="en-US" sz="1600" dirty="0" err="1">
+                <a:latin typeface="Arial Unicode MS" panose="020B0604020202020204" pitchFamily="34" charset="-128"/>
+                <a:ea typeface="Arial Unicode MS" panose="020B0604020202020204" pitchFamily="34" charset="-128"/>
+                <a:cs typeface="Arial Unicode MS" panose="020B0604020202020204" pitchFamily="34" charset="-128"/>
+              </a:rPr>
+              <a:t>ipsum</a:t>
+            </a:r>
+            <a:r>
+              <a:rPr lang="en-US" sz="1600" dirty="0">
+                <a:latin typeface="Arial Unicode MS" panose="020B0604020202020204" pitchFamily="34" charset="-128"/>
+                <a:ea typeface="Arial Unicode MS" panose="020B0604020202020204" pitchFamily="34" charset="-128"/>
+                <a:cs typeface="Arial Unicode MS" panose="020B0604020202020204" pitchFamily="34" charset="-128"/>
+              </a:rPr>
+              <a:t> dolor sit </a:t>
+            </a:r>
+            <a:r>
+              <a:rPr lang="en-US" sz="1600" dirty="0" err="1">
+                <a:latin typeface="Arial Unicode MS" panose="020B0604020202020204" pitchFamily="34" charset="-128"/>
+                <a:ea typeface="Arial Unicode MS" panose="020B0604020202020204" pitchFamily="34" charset="-128"/>
+                <a:cs typeface="Arial Unicode MS" panose="020B0604020202020204" pitchFamily="34" charset="-128"/>
+              </a:rPr>
+              <a:t>amet</a:t>
+            </a:r>
+            <a:endParaRPr lang="en-US" sz="1600" dirty="0">
+              <a:latin typeface="Arial Unicode MS" panose="020B0604020202020204" pitchFamily="34" charset="-128"/>
+              <a:ea typeface="Arial Unicode MS" panose="020B0604020202020204" pitchFamily="34" charset="-128"/>
+              <a:cs typeface="Arial Unicode MS" panose="020B0604020202020204" pitchFamily="34" charset="-128"/>
+            </a:endParaRPr>
+          </a:p>
+          <a:p>
+            <a:pPr>
+              <a:spcAft>
+                <a:spcPts val="600"/>
+              </a:spcAft>
+            </a:pPr>
+            <a:r>
+              <a:rPr lang="en-US" sz="2000" dirty="0" err="1">
+                <a:latin typeface="Arial Unicode MS" panose="020B0604020202020204" pitchFamily="34" charset="-128"/>
+                <a:ea typeface="Arial Unicode MS" panose="020B0604020202020204" pitchFamily="34" charset="-128"/>
+                <a:cs typeface="Arial Unicode MS" panose="020B0604020202020204" pitchFamily="34" charset="-128"/>
+              </a:rPr>
+              <a:t>lorem</a:t>
+            </a:r>
+            <a:r>
+              <a:rPr lang="en-US" sz="2000" dirty="0">
+                <a:latin typeface="Arial Unicode MS" panose="020B0604020202020204" pitchFamily="34" charset="-128"/>
+                <a:ea typeface="Arial Unicode MS" panose="020B0604020202020204" pitchFamily="34" charset="-128"/>
+                <a:cs typeface="Arial Unicode MS" panose="020B0604020202020204" pitchFamily="34" charset="-128"/>
+              </a:rPr>
+              <a:t> </a:t>
+            </a:r>
+            <a:r>
+              <a:rPr lang="en-US" sz="2000" dirty="0" err="1">
+                <a:latin typeface="Arial Unicode MS" panose="020B0604020202020204" pitchFamily="34" charset="-128"/>
+                <a:ea typeface="Arial Unicode MS" panose="020B0604020202020204" pitchFamily="34" charset="-128"/>
+                <a:cs typeface="Arial Unicode MS" panose="020B0604020202020204" pitchFamily="34" charset="-128"/>
+              </a:rPr>
+              <a:t>ipsum</a:t>
+            </a:r>
+            <a:r>
+              <a:rPr lang="en-US" sz="2000" dirty="0">
+                <a:latin typeface="Arial Unicode MS" panose="020B0604020202020204" pitchFamily="34" charset="-128"/>
+                <a:ea typeface="Arial Unicode MS" panose="020B0604020202020204" pitchFamily="34" charset="-128"/>
+                <a:cs typeface="Arial Unicode MS" panose="020B0604020202020204" pitchFamily="34" charset="-128"/>
+              </a:rPr>
+              <a:t> dolor sit </a:t>
+            </a:r>
+            <a:r>
+              <a:rPr lang="en-US" sz="2000" dirty="0" err="1">
+                <a:latin typeface="Arial Unicode MS" panose="020B0604020202020204" pitchFamily="34" charset="-128"/>
+                <a:ea typeface="Arial Unicode MS" panose="020B0604020202020204" pitchFamily="34" charset="-128"/>
+                <a:cs typeface="Arial Unicode MS" panose="020B0604020202020204" pitchFamily="34" charset="-128"/>
+              </a:rPr>
+              <a:t>amet</a:t>
+            </a:r>
+            <a:endParaRPr lang="en-US" sz="2000" dirty="0">
+              <a:latin typeface="Arial Unicode MS" panose="020B0604020202020204" pitchFamily="34" charset="-128"/>
+              <a:ea typeface="Arial Unicode MS" panose="020B0604020202020204" pitchFamily="34" charset="-128"/>
+              <a:cs typeface="Arial Unicode MS" panose="020B0604020202020204" pitchFamily="34" charset="-128"/>
+            </a:endParaRPr>
+          </a:p>
+          <a:p>
+            <a:pPr lvl="1">
+              <a:spcAft>
+                <a:spcPts val="600"/>
+              </a:spcAft>
+            </a:pPr>
+            <a:r>
+              <a:rPr lang="en-US" sz="1600" dirty="0" err="1">
+                <a:latin typeface="Arial Unicode MS" panose="020B0604020202020204" pitchFamily="34" charset="-128"/>
+                <a:ea typeface="Arial Unicode MS" panose="020B0604020202020204" pitchFamily="34" charset="-128"/>
+                <a:cs typeface="Arial Unicode MS" panose="020B0604020202020204" pitchFamily="34" charset="-128"/>
+              </a:rPr>
+              <a:t>lorem</a:t>
+            </a:r>
+            <a:r>
+              <a:rPr lang="en-US" sz="1600" dirty="0">
+                <a:latin typeface="Arial Unicode MS" panose="020B0604020202020204" pitchFamily="34" charset="-128"/>
+                <a:ea typeface="Arial Unicode MS" panose="020B0604020202020204" pitchFamily="34" charset="-128"/>
+                <a:cs typeface="Arial Unicode MS" panose="020B0604020202020204" pitchFamily="34" charset="-128"/>
+              </a:rPr>
+              <a:t> </a:t>
+            </a:r>
+            <a:r>
+              <a:rPr lang="en-US" sz="1600" dirty="0" err="1">
+                <a:latin typeface="Arial Unicode MS" panose="020B0604020202020204" pitchFamily="34" charset="-128"/>
+                <a:ea typeface="Arial Unicode MS" panose="020B0604020202020204" pitchFamily="34" charset="-128"/>
+                <a:cs typeface="Arial Unicode MS" panose="020B0604020202020204" pitchFamily="34" charset="-128"/>
+              </a:rPr>
+              <a:t>ipsum</a:t>
+            </a:r>
+            <a:r>
+              <a:rPr lang="en-US" sz="1600" dirty="0">
+                <a:latin typeface="Arial Unicode MS" panose="020B0604020202020204" pitchFamily="34" charset="-128"/>
+                <a:ea typeface="Arial Unicode MS" panose="020B0604020202020204" pitchFamily="34" charset="-128"/>
+                <a:cs typeface="Arial Unicode MS" panose="020B0604020202020204" pitchFamily="34" charset="-128"/>
+              </a:rPr>
+              <a:t> dolor sit </a:t>
+            </a:r>
+            <a:r>
+              <a:rPr lang="en-US" sz="1600" dirty="0" err="1">
+                <a:latin typeface="Arial Unicode MS" panose="020B0604020202020204" pitchFamily="34" charset="-128"/>
+                <a:ea typeface="Arial Unicode MS" panose="020B0604020202020204" pitchFamily="34" charset="-128"/>
+                <a:cs typeface="Arial Unicode MS" panose="020B0604020202020204" pitchFamily="34" charset="-128"/>
+              </a:rPr>
+              <a:t>amet</a:t>
+            </a:r>
+            <a:endParaRPr lang="en-US" sz="1600" dirty="0">
+              <a:latin typeface="Arial Unicode MS" panose="020B0604020202020204" pitchFamily="34" charset="-128"/>
+              <a:ea typeface="Arial Unicode MS" panose="020B0604020202020204" pitchFamily="34" charset="-128"/>
+              <a:cs typeface="Arial Unicode MS" panose="020B0604020202020204" pitchFamily="34" charset="-128"/>
+            </a:endParaRPr>
+          </a:p>
+          <a:p>
+            <a:pPr lvl="1">
+              <a:spcAft>
+                <a:spcPts val="600"/>
+              </a:spcAft>
+            </a:pPr>
+            <a:r>
+              <a:rPr lang="en-US" sz="1600" dirty="0" err="1">
+                <a:latin typeface="Arial Unicode MS" panose="020B0604020202020204" pitchFamily="34" charset="-128"/>
+                <a:ea typeface="Arial Unicode MS" panose="020B0604020202020204" pitchFamily="34" charset="-128"/>
+                <a:cs typeface="Arial Unicode MS" panose="020B0604020202020204" pitchFamily="34" charset="-128"/>
+              </a:rPr>
+              <a:t>lorem</a:t>
+            </a:r>
+            <a:r>
+              <a:rPr lang="en-US" sz="1600" dirty="0">
+                <a:latin typeface="Arial Unicode MS" panose="020B0604020202020204" pitchFamily="34" charset="-128"/>
+                <a:ea typeface="Arial Unicode MS" panose="020B0604020202020204" pitchFamily="34" charset="-128"/>
+                <a:cs typeface="Arial Unicode MS" panose="020B0604020202020204" pitchFamily="34" charset="-128"/>
+              </a:rPr>
+              <a:t> </a:t>
+            </a:r>
+            <a:r>
+              <a:rPr lang="en-US" sz="1600" dirty="0" err="1">
+                <a:latin typeface="Arial Unicode MS" panose="020B0604020202020204" pitchFamily="34" charset="-128"/>
+                <a:ea typeface="Arial Unicode MS" panose="020B0604020202020204" pitchFamily="34" charset="-128"/>
+                <a:cs typeface="Arial Unicode MS" panose="020B0604020202020204" pitchFamily="34" charset="-128"/>
+              </a:rPr>
+              <a:t>ipsum</a:t>
+            </a:r>
+            <a:r>
+              <a:rPr lang="en-US" sz="1600" dirty="0">
+                <a:latin typeface="Arial Unicode MS" panose="020B0604020202020204" pitchFamily="34" charset="-128"/>
+                <a:ea typeface="Arial Unicode MS" panose="020B0604020202020204" pitchFamily="34" charset="-128"/>
+                <a:cs typeface="Arial Unicode MS" panose="020B0604020202020204" pitchFamily="34" charset="-128"/>
+              </a:rPr>
+              <a:t> dolor sit </a:t>
+            </a:r>
+            <a:r>
+              <a:rPr lang="en-US" sz="1600" dirty="0" err="1" smtClean="0">
+                <a:latin typeface="Arial Unicode MS" panose="020B0604020202020204" pitchFamily="34" charset="-128"/>
+                <a:ea typeface="Arial Unicode MS" panose="020B0604020202020204" pitchFamily="34" charset="-128"/>
+                <a:cs typeface="Arial Unicode MS" panose="020B0604020202020204" pitchFamily="34" charset="-128"/>
+              </a:rPr>
+              <a:t>amet</a:t>
+            </a:r>
+            <a:endParaRPr lang="en-US" sz="1600" dirty="0">
+              <a:latin typeface="Arial Unicode MS" panose="020B0604020202020204" pitchFamily="34" charset="-128"/>
+              <a:ea typeface="Arial Unicode MS" panose="020B0604020202020204" pitchFamily="34" charset="-128"/>
+              <a:cs typeface="Arial Unicode MS" panose="020B0604020202020204" pitchFamily="34" charset="-128"/>
+            </a:endParaRPr>
+          </a:p>
+        </p:txBody>
+      </p:sp>
+    </p:spTree>
+    <p:extLst>
+      <p:ext uri="{BB962C8B-B14F-4D97-AF65-F5344CB8AC3E}">
+        <p14:creationId xmlns:p14="http://schemas.microsoft.com/office/powerpoint/2010/main" val="563220248"/>
+      </p:ext>
+    </p:extLst>
+  </p:cSld>
+  <p:clrMapOvr>
+    <a:masterClrMapping/>
+  </p:clrMapOvr>
+</p:sld>
+</file>
+
+<file path=ppt/slides/slide9.xml><?xml version="1.0" encoding="utf-8"?>
+<p:sld xmlns:a="http://schemas.openxmlformats.org/drawingml/2006/main" xmlns:r="http://schemas.openxmlformats.org/officeDocument/2006/relationships" xmlns:p="http://schemas.openxmlformats.org/presentationml/2006/main">
+  <p:cSld>
+    <p:spTree>
+      <p:nvGrpSpPr>
+        <p:cNvPr id="1" name=""/>
+        <p:cNvGrpSpPr/>
+        <p:nvPr/>
+      </p:nvGrpSpPr>
+      <p:grpSpPr>
+        <a:xfrm>
+          <a:off x="0" y="0"/>
+          <a:ext cx="0" cy="0"/>
+          <a:chOff x="0" y="0"/>
+          <a:chExt cx="0" cy="0"/>
+        </a:xfrm>
+      </p:grpSpPr>
+      <p:sp>
+        <p:nvSpPr>
           <p:cNvPr id="2" name="Rectangle 1"/>
           <p:cNvSpPr/>
           <p:nvPr/>
@@ -7860,332 +10960,6 @@
     <p:extLst>
       <p:ext uri="{BB962C8B-B14F-4D97-AF65-F5344CB8AC3E}">
         <p14:creationId xmlns:p14="http://schemas.microsoft.com/office/powerpoint/2010/main" val="1280985927"/>
-      </p:ext>
-    </p:extLst>
-  </p:cSld>
-  <p:clrMapOvr>
-    <a:masterClrMapping/>
-  </p:clrMapOvr>
-</p:sld>
-</file>
-
-<file path=ppt/slides/slide8.xml><?xml version="1.0" encoding="utf-8"?>
-<p:sld xmlns:a="http://schemas.openxmlformats.org/drawingml/2006/main" xmlns:r="http://schemas.openxmlformats.org/officeDocument/2006/relationships" xmlns:p="http://schemas.openxmlformats.org/presentationml/2006/main">
-  <p:cSld>
-    <p:spTree>
-      <p:nvGrpSpPr>
-        <p:cNvPr id="1" name=""/>
-        <p:cNvGrpSpPr/>
-        <p:nvPr/>
-      </p:nvGrpSpPr>
-      <p:grpSpPr>
-        <a:xfrm>
-          <a:off x="0" y="0"/>
-          <a:ext cx="0" cy="0"/>
-          <a:chOff x="0" y="0"/>
-          <a:chExt cx="0" cy="0"/>
-        </a:xfrm>
-      </p:grpSpPr>
-      <p:pic>
-        <p:nvPicPr>
-          <p:cNvPr id="14" name="Picture 13"/>
-          <p:cNvPicPr>
-            <a:picLocks noChangeAspect="1"/>
-          </p:cNvPicPr>
-          <p:nvPr/>
-        </p:nvPicPr>
-        <p:blipFill>
-          <a:blip r:embed="rId2"/>
-          <a:stretch>
-            <a:fillRect/>
-          </a:stretch>
-        </p:blipFill>
-        <p:spPr>
-          <a:xfrm>
-            <a:off x="4297620" y="3504890"/>
-            <a:ext cx="4383466" cy="3104197"/>
-          </a:xfrm>
-          <a:prstGeom prst="rect">
-            <a:avLst/>
-          </a:prstGeom>
-        </p:spPr>
-      </p:pic>
-      <p:sp>
-        <p:nvSpPr>
-          <p:cNvPr id="5" name="Title 4"/>
-          <p:cNvSpPr>
-            <a:spLocks noGrp="1"/>
-          </p:cNvSpPr>
-          <p:nvPr>
-            <p:ph type="title"/>
-          </p:nvPr>
-        </p:nvSpPr>
-        <p:spPr>
-          <a:xfrm>
-            <a:off x="206476" y="188780"/>
-            <a:ext cx="11804610" cy="766916"/>
-          </a:xfrm>
-        </p:spPr>
-        <p:txBody>
-          <a:bodyPr>
-            <a:normAutofit/>
-          </a:bodyPr>
-          <a:lstStyle/>
-          <a:p>
-            <a:r>
-              <a:rPr lang="en-US" sz="2800" b="1" dirty="0" smtClean="0">
-                <a:latin typeface="Arial Unicode MS" panose="020B0604020202020204" pitchFamily="34" charset="-128"/>
-                <a:ea typeface="Arial Unicode MS" panose="020B0604020202020204" pitchFamily="34" charset="-128"/>
-                <a:cs typeface="Arial Unicode MS" panose="020B0604020202020204" pitchFamily="34" charset="-128"/>
-              </a:rPr>
-              <a:t>N</a:t>
-            </a:r>
-            <a:r>
-              <a:rPr lang="en-US" sz="2800" b="1" baseline="-25000" dirty="0" smtClean="0">
-                <a:latin typeface="Arial Unicode MS" panose="020B0604020202020204" pitchFamily="34" charset="-128"/>
-                <a:ea typeface="Arial Unicode MS" panose="020B0604020202020204" pitchFamily="34" charset="-128"/>
-                <a:cs typeface="Arial Unicode MS" panose="020B0604020202020204" pitchFamily="34" charset="-128"/>
-              </a:rPr>
-              <a:t>Ch</a:t>
-            </a:r>
-            <a:r>
-              <a:rPr lang="en-US" sz="2800" b="1" dirty="0" smtClean="0">
-                <a:latin typeface="Arial Unicode MS" panose="020B0604020202020204" pitchFamily="34" charset="-128"/>
-                <a:ea typeface="Arial Unicode MS" panose="020B0604020202020204" pitchFamily="34" charset="-128"/>
-                <a:cs typeface="Arial Unicode MS" panose="020B0604020202020204" pitchFamily="34" charset="-128"/>
-              </a:rPr>
-              <a:t> : UA5 .vs. PYTHIA at 91.2 GeV</a:t>
-            </a:r>
-            <a:endParaRPr lang="en-IN" sz="2800" b="1" dirty="0">
-              <a:latin typeface="Arial Unicode MS" panose="020B0604020202020204" pitchFamily="34" charset="-128"/>
-              <a:ea typeface="Arial Unicode MS" panose="020B0604020202020204" pitchFamily="34" charset="-128"/>
-              <a:cs typeface="Arial Unicode MS" panose="020B0604020202020204" pitchFamily="34" charset="-128"/>
-            </a:endParaRPr>
-          </a:p>
-        </p:txBody>
-      </p:sp>
-      <p:pic>
-        <p:nvPicPr>
-          <p:cNvPr id="4" name="Picture 3"/>
-          <p:cNvPicPr>
-            <a:picLocks noChangeAspect="1"/>
-          </p:cNvPicPr>
-          <p:nvPr/>
-        </p:nvPicPr>
-        <p:blipFill>
-          <a:blip r:embed="rId3"/>
-          <a:stretch>
-            <a:fillRect/>
-          </a:stretch>
-        </p:blipFill>
-        <p:spPr>
-          <a:xfrm>
-            <a:off x="109714" y="1244601"/>
-            <a:ext cx="5243335" cy="2041624"/>
-          </a:xfrm>
-          <a:prstGeom prst="rect">
-            <a:avLst/>
-          </a:prstGeom>
-        </p:spPr>
-      </p:pic>
-      <p:pic>
-        <p:nvPicPr>
-          <p:cNvPr id="8" name="Picture 7"/>
-          <p:cNvPicPr>
-            <a:picLocks noChangeAspect="1"/>
-          </p:cNvPicPr>
-          <p:nvPr/>
-        </p:nvPicPr>
-        <p:blipFill>
-          <a:blip r:embed="rId4"/>
-          <a:stretch>
-            <a:fillRect/>
-          </a:stretch>
-        </p:blipFill>
-        <p:spPr>
-          <a:xfrm>
-            <a:off x="8681087" y="1244601"/>
-            <a:ext cx="3330000" cy="4566288"/>
-          </a:xfrm>
-          <a:prstGeom prst="rect">
-            <a:avLst/>
-          </a:prstGeom>
-        </p:spPr>
-      </p:pic>
-      <p:pic>
-        <p:nvPicPr>
-          <p:cNvPr id="10" name="Picture 9"/>
-          <p:cNvPicPr>
-            <a:picLocks noChangeAspect="1"/>
-          </p:cNvPicPr>
-          <p:nvPr/>
-        </p:nvPicPr>
-        <p:blipFill>
-          <a:blip r:embed="rId5"/>
-          <a:stretch>
-            <a:fillRect/>
-          </a:stretch>
-        </p:blipFill>
-        <p:spPr>
-          <a:xfrm>
-            <a:off x="5653341" y="1244601"/>
-            <a:ext cx="3027745" cy="1495090"/>
-          </a:xfrm>
-          <a:prstGeom prst="rect">
-            <a:avLst/>
-          </a:prstGeom>
-        </p:spPr>
-      </p:pic>
-      <p:pic>
-        <p:nvPicPr>
-          <p:cNvPr id="12" name="Picture 11"/>
-          <p:cNvPicPr>
-            <a:picLocks noChangeAspect="1"/>
-          </p:cNvPicPr>
-          <p:nvPr/>
-        </p:nvPicPr>
-        <p:blipFill>
-          <a:blip r:embed="rId6"/>
-          <a:stretch>
-            <a:fillRect/>
-          </a:stretch>
-        </p:blipFill>
-        <p:spPr>
-          <a:xfrm>
-            <a:off x="109715" y="3504890"/>
-            <a:ext cx="4353151" cy="3104197"/>
-          </a:xfrm>
-          <a:prstGeom prst="rect">
-            <a:avLst/>
-          </a:prstGeom>
-        </p:spPr>
-      </p:pic>
-    </p:spTree>
-    <p:extLst>
-      <p:ext uri="{BB962C8B-B14F-4D97-AF65-F5344CB8AC3E}">
-        <p14:creationId xmlns:p14="http://schemas.microsoft.com/office/powerpoint/2010/main" val="1797355119"/>
-      </p:ext>
-    </p:extLst>
-  </p:cSld>
-  <p:clrMapOvr>
-    <a:masterClrMapping/>
-  </p:clrMapOvr>
-</p:sld>
-</file>
-
-<file path=ppt/slides/slide9.xml><?xml version="1.0" encoding="utf-8"?>
-<p:sld xmlns:a="http://schemas.openxmlformats.org/drawingml/2006/main" xmlns:r="http://schemas.openxmlformats.org/officeDocument/2006/relationships" xmlns:p="http://schemas.openxmlformats.org/presentationml/2006/main">
-  <p:cSld>
-    <p:spTree>
-      <p:nvGrpSpPr>
-        <p:cNvPr id="1" name=""/>
-        <p:cNvGrpSpPr/>
-        <p:nvPr/>
-      </p:nvGrpSpPr>
-      <p:grpSpPr>
-        <a:xfrm>
-          <a:off x="0" y="0"/>
-          <a:ext cx="0" cy="0"/>
-          <a:chOff x="0" y="0"/>
-          <a:chExt cx="0" cy="0"/>
-        </a:xfrm>
-      </p:grpSpPr>
-      <p:sp>
-        <p:nvSpPr>
-          <p:cNvPr id="2" name="Rectangle 1"/>
-          <p:cNvSpPr/>
-          <p:nvPr/>
-        </p:nvSpPr>
-        <p:spPr>
-          <a:xfrm>
-            <a:off x="0" y="0"/>
-            <a:ext cx="12192000" cy="6858000"/>
-          </a:xfrm>
-          <a:prstGeom prst="rect">
-            <a:avLst/>
-          </a:prstGeom>
-          <a:solidFill>
-            <a:schemeClr val="accent5">
-              <a:lumMod val="50000"/>
-            </a:schemeClr>
-          </a:solidFill>
-        </p:spPr>
-        <p:style>
-          <a:lnRef idx="2">
-            <a:schemeClr val="accent1">
-              <a:shade val="50000"/>
-            </a:schemeClr>
-          </a:lnRef>
-          <a:fillRef idx="1">
-            <a:schemeClr val="accent1"/>
-          </a:fillRef>
-          <a:effectRef idx="0">
-            <a:schemeClr val="accent1"/>
-          </a:effectRef>
-          <a:fontRef idx="minor">
-            <a:schemeClr val="lt1"/>
-          </a:fontRef>
-        </p:style>
-        <p:txBody>
-          <a:bodyPr rtlCol="0" anchor="ctr"/>
-          <a:lstStyle/>
-          <a:p>
-            <a:pPr algn="ctr"/>
-            <a:endParaRPr lang="en-IN">
-              <a:latin typeface="Arial Unicode MS" panose="020B0604020202020204" pitchFamily="34" charset="-128"/>
-              <a:ea typeface="Arial Unicode MS" panose="020B0604020202020204" pitchFamily="34" charset="-128"/>
-              <a:cs typeface="Arial Unicode MS" panose="020B0604020202020204" pitchFamily="34" charset="-128"/>
-            </a:endParaRPr>
-          </a:p>
-        </p:txBody>
-      </p:sp>
-      <p:sp>
-        <p:nvSpPr>
-          <p:cNvPr id="4" name="Title 3"/>
-          <p:cNvSpPr>
-            <a:spLocks noGrp="1"/>
-          </p:cNvSpPr>
-          <p:nvPr>
-            <p:ph type="title"/>
-          </p:nvPr>
-        </p:nvSpPr>
-        <p:spPr>
-          <a:xfrm>
-            <a:off x="831850" y="2781381"/>
-            <a:ext cx="10515600" cy="996869"/>
-          </a:xfrm>
-        </p:spPr>
-        <p:txBody>
-          <a:bodyPr/>
-          <a:lstStyle/>
-          <a:p>
-            <a:pPr algn="ctr"/>
-            <a:r>
-              <a:rPr lang="en-US" b="1" dirty="0" smtClean="0">
-                <a:solidFill>
-                  <a:schemeClr val="bg1"/>
-                </a:solidFill>
-                <a:latin typeface="Arial Unicode MS" panose="020B0604020202020204" pitchFamily="34" charset="-128"/>
-                <a:ea typeface="Arial Unicode MS" panose="020B0604020202020204" pitchFamily="34" charset="-128"/>
-                <a:cs typeface="Arial Unicode MS" panose="020B0604020202020204" pitchFamily="34" charset="-128"/>
-              </a:rPr>
-              <a:t>Notes</a:t>
-            </a:r>
-            <a:endParaRPr lang="en-IN" b="1" dirty="0">
-              <a:solidFill>
-                <a:schemeClr val="bg1"/>
-              </a:solidFill>
-              <a:latin typeface="Arial Unicode MS" panose="020B0604020202020204" pitchFamily="34" charset="-128"/>
-              <a:ea typeface="Arial Unicode MS" panose="020B0604020202020204" pitchFamily="34" charset="-128"/>
-              <a:cs typeface="Arial Unicode MS" panose="020B0604020202020204" pitchFamily="34" charset="-128"/>
-            </a:endParaRPr>
-          </a:p>
-        </p:txBody>
-      </p:sp>
-    </p:spTree>
-    <p:extLst>
-      <p:ext uri="{BB962C8B-B14F-4D97-AF65-F5344CB8AC3E}">
-        <p14:creationId xmlns:p14="http://schemas.microsoft.com/office/powerpoint/2010/main" val="282849681"/>
       </p:ext>
     </p:extLst>
   </p:cSld>
